--- a/発表用/1821086_中間発表.pptx
+++ b/発表用/1821086_中間発表.pptx
@@ -8,14 +8,14 @@
     <p:notesMasterId r:id="rId10"/>
   </p:notesMasterIdLst>
   <p:sldIdLst>
-    <p:sldId id="256" r:id="rId2"/>
-    <p:sldId id="257" r:id="rId3"/>
-    <p:sldId id="258" r:id="rId4"/>
-    <p:sldId id="259" r:id="rId5"/>
-    <p:sldId id="260" r:id="rId6"/>
-    <p:sldId id="261" r:id="rId7"/>
+    <p:sldId id="257" r:id="rId2"/>
+    <p:sldId id="258" r:id="rId3"/>
+    <p:sldId id="259" r:id="rId4"/>
+    <p:sldId id="260" r:id="rId5"/>
+    <p:sldId id="261" r:id="rId6"/>
+    <p:sldId id="262" r:id="rId7"/>
     <p:sldId id="263" r:id="rId8"/>
-    <p:sldId id="264" r:id="rId9"/>
+    <p:sldId id="265" r:id="rId9"/>
   </p:sldIdLst>
   <p:sldSz cx="9144000" cy="6858000" type="screen4x3"/>
   <p:notesSz cx="6858000" cy="9144000"/>
@@ -233,7 +233,7 @@
           <a:p>
             <a:fld id="{27571B5F-C8EC-4379-AD76-80FD414F3861}" type="datetimeFigureOut">
               <a:rPr kumimoji="1" lang="ja-JP" altLang="en-US" smtClean="0"/>
-              <a:t>2021/7/7</a:t>
+              <a:t>2021/7/16</a:t>
             </a:fld>
             <a:endParaRPr kumimoji="1" lang="ja-JP" altLang="en-US"/>
           </a:p>
@@ -559,12 +559,7 @@
             <p:ph type="sldImg"/>
           </p:nvPr>
         </p:nvSpPr>
-        <p:spPr>
-          <a:xfrm>
-            <a:off x="1371600" y="1143000"/>
-            <a:ext cx="4114800" cy="3086100"/>
-          </a:xfrm>
-        </p:spPr>
+        <p:spPr/>
       </p:sp>
       <p:sp>
         <p:nvSpPr>
@@ -581,7 +576,14 @@
           <a:bodyPr/>
           <a:lstStyle/>
           <a:p>
-            <a:endParaRPr kumimoji="1" lang="ja-JP" altLang="en-US"/>
+            <a:r>
+              <a:rPr lang="en-US" altLang="ja-JP" dirty="0" smtClean="0"/>
+              <a:t>https://www.thinkwithgoogle.com/marketing-strategies/app-and-mobile/mobile-page-speed-new-industry-benchmarks/</a:t>
+            </a:r>
+            <a:endParaRPr kumimoji="1" lang="ja-JP" altLang="en-US" dirty="0" smtClean="0"/>
+          </a:p>
+          <a:p>
+            <a:endParaRPr kumimoji="1" lang="ja-JP" altLang="en-US" dirty="0"/>
           </a:p>
         </p:txBody>
       </p:sp>
@@ -611,7 +613,7 @@
     </p:spTree>
     <p:extLst>
       <p:ext uri="{BB962C8B-B14F-4D97-AF65-F5344CB8AC3E}">
-        <p14:creationId xmlns:p14="http://schemas.microsoft.com/office/powerpoint/2010/main" val="937322828"/>
+        <p14:creationId xmlns:p14="http://schemas.microsoft.com/office/powerpoint/2010/main" val="3736691607"/>
       </p:ext>
     </p:extLst>
   </p:cSld>
@@ -752,7 +754,7 @@
           <a:p>
             <a:fld id="{ED609840-96BF-4512-A2C1-C87E0BBF3D2F}" type="datetime1">
               <a:rPr kumimoji="1" lang="ja-JP" altLang="en-US" smtClean="0"/>
-              <a:t>2021/7/7</a:t>
+              <a:t>2021/7/16</a:t>
             </a:fld>
             <a:endParaRPr kumimoji="1" lang="ja-JP" altLang="en-US"/>
           </a:p>
@@ -955,7 +957,7 @@
           <a:p>
             <a:fld id="{F97B6116-28DE-44C1-8891-65688903BD50}" type="datetime1">
               <a:rPr kumimoji="1" lang="ja-JP" altLang="en-US" smtClean="0"/>
-              <a:t>2021/7/7</a:t>
+              <a:t>2021/7/16</a:t>
             </a:fld>
             <a:endParaRPr kumimoji="1" lang="ja-JP" altLang="en-US"/>
           </a:p>
@@ -1168,7 +1170,7 @@
           <a:p>
             <a:fld id="{EDE04BF4-1FC0-40EE-A15F-5986BB2387E9}" type="datetime1">
               <a:rPr kumimoji="1" lang="ja-JP" altLang="en-US" smtClean="0"/>
-              <a:t>2021/7/7</a:t>
+              <a:t>2021/7/16</a:t>
             </a:fld>
             <a:endParaRPr kumimoji="1" lang="ja-JP" altLang="en-US"/>
           </a:p>
@@ -1371,7 +1373,7 @@
           <a:p>
             <a:fld id="{AFE4124D-C094-469A-99BC-7EA66CDB293F}" type="datetime1">
               <a:rPr kumimoji="1" lang="ja-JP" altLang="en-US" smtClean="0"/>
-              <a:t>2021/7/7</a:t>
+              <a:t>2021/7/16</a:t>
             </a:fld>
             <a:endParaRPr kumimoji="1" lang="ja-JP" altLang="en-US"/>
           </a:p>
@@ -1409,7 +1411,11 @@
         <p:spPr/>
         <p:txBody>
           <a:bodyPr/>
-          <a:lstStyle/>
+          <a:lstStyle>
+            <a:lvl1pPr>
+              <a:defRPr sz="2800"/>
+            </a:lvl1pPr>
+          </a:lstStyle>
           <a:p>
             <a:fld id="{B4451160-128F-4DAD-AE29-4A8CC0E7B9E9}" type="slidenum">
               <a:rPr lang="ja-JP" altLang="en-US" smtClean="0"/>
@@ -1616,7 +1622,7 @@
           <a:p>
             <a:fld id="{F808FAA8-DC38-46BC-9A48-0414366DDF43}" type="datetime1">
               <a:rPr kumimoji="1" lang="ja-JP" altLang="en-US" smtClean="0"/>
-              <a:t>2021/7/7</a:t>
+              <a:t>2021/7/16</a:t>
             </a:fld>
             <a:endParaRPr kumimoji="1" lang="ja-JP" altLang="en-US"/>
           </a:p>
@@ -1913,7 +1919,7 @@
           <a:p>
             <a:fld id="{43B61DD3-8484-4FD8-9D55-71FA047E405C}" type="datetime1">
               <a:rPr kumimoji="1" lang="ja-JP" altLang="en-US" smtClean="0"/>
-              <a:t>2021/7/7</a:t>
+              <a:t>2021/7/16</a:t>
             </a:fld>
             <a:endParaRPr kumimoji="1" lang="ja-JP" altLang="en-US"/>
           </a:p>
@@ -2345,7 +2351,7 @@
           <a:p>
             <a:fld id="{61FE3252-B303-4BFD-B995-E88780D087A2}" type="datetime1">
               <a:rPr kumimoji="1" lang="ja-JP" altLang="en-US" smtClean="0"/>
-              <a:t>2021/7/7</a:t>
+              <a:t>2021/7/16</a:t>
             </a:fld>
             <a:endParaRPr kumimoji="1" lang="ja-JP" altLang="en-US"/>
           </a:p>
@@ -2464,7 +2470,7 @@
           <a:p>
             <a:fld id="{83973884-A525-473B-9B85-E710649C3EE9}" type="datetime1">
               <a:rPr kumimoji="1" lang="ja-JP" altLang="en-US" smtClean="0"/>
-              <a:t>2021/7/7</a:t>
+              <a:t>2021/7/16</a:t>
             </a:fld>
             <a:endParaRPr kumimoji="1" lang="ja-JP" altLang="en-US"/>
           </a:p>
@@ -2560,7 +2566,7 @@
           <a:p>
             <a:fld id="{630B9591-4670-4AF8-B7B7-F5F2443A761A}" type="datetime1">
               <a:rPr kumimoji="1" lang="ja-JP" altLang="en-US" smtClean="0"/>
-              <a:t>2021/7/7</a:t>
+              <a:t>2021/7/16</a:t>
             </a:fld>
             <a:endParaRPr kumimoji="1" lang="ja-JP" altLang="en-US"/>
           </a:p>
@@ -2870,7 +2876,7 @@
           <a:p>
             <a:fld id="{434F6BA0-5DA2-4153-9B76-E2457FA21F47}" type="datetime1">
               <a:rPr kumimoji="1" lang="ja-JP" altLang="en-US" smtClean="0"/>
-              <a:t>2021/7/7</a:t>
+              <a:t>2021/7/16</a:t>
             </a:fld>
             <a:endParaRPr kumimoji="1" lang="ja-JP" altLang="en-US"/>
           </a:p>
@@ -3128,7 +3134,7 @@
           <a:p>
             <a:fld id="{590B58CC-0A81-4826-A84E-1F1030B25368}" type="datetime1">
               <a:rPr kumimoji="1" lang="ja-JP" altLang="en-US" smtClean="0"/>
-              <a:t>2021/7/7</a:t>
+              <a:t>2021/7/16</a:t>
             </a:fld>
             <a:endParaRPr kumimoji="1" lang="ja-JP" altLang="en-US"/>
           </a:p>
@@ -3374,7 +3380,7 @@
           <a:p>
             <a:fld id="{77253A0B-EAD4-46D7-BD2F-C5BFFB89C890}" type="datetime1">
               <a:rPr kumimoji="1" lang="ja-JP" altLang="en-US" smtClean="0"/>
-              <a:t>2021/7/7</a:t>
+              <a:t>2021/7/16</a:t>
             </a:fld>
             <a:endParaRPr kumimoji="1" lang="ja-JP" altLang="en-US"/>
           </a:p>
@@ -3440,7 +3446,7 @@
           <a:bodyPr vert="horz" lIns="91440" tIns="45720" rIns="91440" bIns="45720" rtlCol="0" anchor="ctr"/>
           <a:lstStyle>
             <a:lvl1pPr algn="r">
-              <a:defRPr sz="1200">
+              <a:defRPr sz="3200">
                 <a:solidFill>
                   <a:schemeClr val="tx1">
                     <a:tint val="75000"/>
@@ -3451,10 +3457,11 @@
           </a:lstStyle>
           <a:p>
             <a:fld id="{B4451160-128F-4DAD-AE29-4A8CC0E7B9E9}" type="slidenum">
-              <a:rPr kumimoji="1" lang="ja-JP" altLang="en-US" smtClean="0"/>
+              <a:rPr lang="ja-JP" altLang="en-US" smtClean="0"/>
+              <a:pPr/>
               <a:t>‹#›</a:t>
             </a:fld>
-            <a:endParaRPr kumimoji="1" lang="ja-JP" altLang="en-US"/>
+            <a:endParaRPr lang="ja-JP" altLang="en-US" dirty="0"/>
           </a:p>
         </p:txBody>
       </p:sp>
@@ -3787,102 +3794,226 @@
             <a:spLocks noGrp="1"/>
           </p:cNvSpPr>
           <p:nvPr>
-            <p:ph type="ctrTitle"/>
+            <p:ph type="title"/>
           </p:nvPr>
         </p:nvSpPr>
         <p:spPr>
           <a:xfrm>
-            <a:off x="685800" y="1493762"/>
-            <a:ext cx="7772400" cy="2387600"/>
+            <a:off x="628650" y="186221"/>
+            <a:ext cx="7886700" cy="1325563"/>
           </a:xfrm>
         </p:spPr>
         <p:txBody>
-          <a:bodyPr>
-            <a:normAutofit fontScale="90000"/>
-          </a:bodyPr>
-          <a:lstStyle/>
-          <a:p>
-            <a:r>
-              <a:rPr kumimoji="1" lang="ja-JP" altLang="en-US" dirty="0" smtClean="0"/>
-              <a:t>観光地検索システムに</a:t>
-            </a:r>
-            <a:r>
-              <a:rPr kumimoji="1" lang="en-US" altLang="ja-JP" dirty="0" smtClean="0"/>
-              <a:t/>
-            </a:r>
-            <a:br>
-              <a:rPr kumimoji="1" lang="en-US" altLang="ja-JP" dirty="0" smtClean="0"/>
-            </a:br>
-            <a:r>
-              <a:rPr kumimoji="1" lang="ja-JP" altLang="en-US" dirty="0" smtClean="0"/>
-              <a:t>おけるレスポンス速度を考慮したロードバランサー</a:t>
-            </a:r>
-            <a:endParaRPr kumimoji="1" lang="ja-JP" altLang="en-US" dirty="0"/>
-          </a:p>
-        </p:txBody>
-      </p:sp>
-      <p:sp>
-        <p:nvSpPr>
-          <p:cNvPr id="3" name="サブタイトル 2"/>
-          <p:cNvSpPr>
-            <a:spLocks noGrp="1"/>
-          </p:cNvSpPr>
-          <p:nvPr>
-            <p:ph type="subTitle" idx="1"/>
+          <a:bodyPr/>
+          <a:lstStyle/>
+          <a:p>
+            <a:r>
+              <a:rPr kumimoji="1" lang="ja-JP" altLang="en-US" dirty="0"/>
+              <a:t>研究背景</a:t>
+            </a:r>
+          </a:p>
+        </p:txBody>
+      </p:sp>
+      <p:sp>
+        <p:nvSpPr>
+          <p:cNvPr id="3" name="コンテンツ プレースホルダー 2"/>
+          <p:cNvSpPr>
+            <a:spLocks noGrp="1"/>
+          </p:cNvSpPr>
+          <p:nvPr>
+            <p:ph idx="1"/>
           </p:nvPr>
         </p:nvSpPr>
         <p:spPr>
           <a:xfrm>
-            <a:off x="1143000" y="4181444"/>
-            <a:ext cx="6858000" cy="1655762"/>
+            <a:off x="628650" y="1329268"/>
+            <a:ext cx="8015909" cy="5508050"/>
           </a:xfrm>
         </p:spPr>
         <p:txBody>
-          <a:bodyPr/>
-          <a:lstStyle/>
-          <a:p>
-            <a:r>
-              <a:rPr kumimoji="1" lang="ja-JP" altLang="en-US" dirty="0"/>
-              <a:t>学籍番号</a:t>
-            </a:r>
-            <a:r>
-              <a:rPr kumimoji="1" lang="ja-JP" altLang="en-US" dirty="0" smtClean="0"/>
-              <a:t>：</a:t>
-            </a:r>
-            <a:r>
-              <a:rPr kumimoji="1" lang="en-US" altLang="ja-JP" dirty="0" smtClean="0"/>
-              <a:t>1821086</a:t>
-            </a:r>
-            <a:r>
-              <a:rPr kumimoji="1" lang="en-US" altLang="ja-JP" dirty="0"/>
-              <a:t>	</a:t>
-            </a:r>
-            <a:r>
-              <a:rPr kumimoji="1" lang="ja-JP" altLang="en-US" dirty="0"/>
-              <a:t>氏名</a:t>
-            </a:r>
-            <a:r>
-              <a:rPr kumimoji="1" lang="ja-JP" altLang="en-US" dirty="0" smtClean="0"/>
-              <a:t>：松尾祐介</a:t>
-            </a:r>
-            <a:endParaRPr kumimoji="1" lang="en-US" altLang="ja-JP" dirty="0"/>
-          </a:p>
-          <a:p>
-            <a:r>
-              <a:rPr lang="ja-JP" altLang="en-US" dirty="0"/>
-              <a:t>指導教員</a:t>
-            </a:r>
-            <a:r>
-              <a:rPr lang="ja-JP" altLang="en-US" dirty="0" smtClean="0"/>
-              <a:t>：鷹野孝典</a:t>
-            </a:r>
-            <a:endParaRPr kumimoji="1" lang="ja-JP" altLang="en-US" dirty="0"/>
-          </a:p>
-        </p:txBody>
-      </p:sp>
-      <p:sp>
-        <p:nvSpPr>
-          <p:cNvPr id="5" name="スライド番号プレースホルダー 4"/>
+          <a:bodyPr>
+            <a:noAutofit/>
+          </a:bodyPr>
+          <a:lstStyle/>
+          <a:p>
+            <a:r>
+              <a:rPr lang="en-US" altLang="ja-JP" sz="2200" dirty="0" smtClean="0"/>
+              <a:t>WEB</a:t>
+            </a:r>
+            <a:r>
+              <a:rPr lang="ja-JP" altLang="en-US" sz="2200" dirty="0"/>
+              <a:t>ページは電気や水道などと同じく重要なライフラインになりつつある</a:t>
+            </a:r>
+            <a:r>
+              <a:rPr lang="ja-JP" altLang="en-US" sz="2200" dirty="0" smtClean="0"/>
+              <a:t>。サービス</a:t>
+            </a:r>
+            <a:r>
+              <a:rPr lang="ja-JP" altLang="en-US" sz="2200" dirty="0"/>
+              <a:t>を止めることなく、サーバの保守や修理拡張等が行える</a:t>
+            </a:r>
+            <a:r>
+              <a:rPr lang="ja-JP" altLang="en-US" sz="2200" dirty="0">
+                <a:solidFill>
+                  <a:srgbClr val="FF0000"/>
+                </a:solidFill>
+              </a:rPr>
+              <a:t>ロードバランサーの需要は</a:t>
+            </a:r>
+            <a:r>
+              <a:rPr lang="ja-JP" altLang="en-US" sz="2200" dirty="0" smtClean="0">
+                <a:solidFill>
+                  <a:srgbClr val="FF0000"/>
+                </a:solidFill>
+              </a:rPr>
+              <a:t>今後増加</a:t>
+            </a:r>
+            <a:r>
+              <a:rPr lang="ja-JP" altLang="en-US" sz="2200" dirty="0">
+                <a:solidFill>
+                  <a:srgbClr val="FF0000"/>
+                </a:solidFill>
+              </a:rPr>
+              <a:t>傾向</a:t>
+            </a:r>
+            <a:r>
+              <a:rPr lang="ja-JP" altLang="en-US" sz="2200" dirty="0"/>
+              <a:t>になると予想される</a:t>
+            </a:r>
+            <a:r>
+              <a:rPr lang="ja-JP" altLang="en-US" sz="2200" dirty="0" smtClean="0"/>
+              <a:t>。</a:t>
+            </a:r>
+            <a:endParaRPr lang="en-US" altLang="ja-JP" sz="2200" dirty="0" smtClean="0"/>
+          </a:p>
+          <a:p>
+            <a:endParaRPr lang="ja-JP" altLang="en-US" sz="2200" dirty="0"/>
+          </a:p>
+          <a:p>
+            <a:r>
+              <a:rPr lang="ja-JP" altLang="en-US" sz="2200" dirty="0"/>
+              <a:t>ロードバランサーは企業に限った話ではない。個人サイトレベルでも必要になりつつ</a:t>
+            </a:r>
+            <a:r>
+              <a:rPr lang="ja-JP" altLang="en-US" sz="2200" dirty="0" smtClean="0"/>
+              <a:t>ある</a:t>
+            </a:r>
+            <a:r>
+              <a:rPr lang="ja-JP" altLang="en-US" sz="2200" dirty="0"/>
+              <a:t>。</a:t>
+            </a:r>
+            <a:r>
+              <a:rPr lang="en-US" altLang="ja-JP" sz="2200" dirty="0" smtClean="0"/>
+              <a:t>Google</a:t>
+            </a:r>
+            <a:r>
+              <a:rPr lang="ja-JP" altLang="en-US" sz="2200" dirty="0"/>
+              <a:t>の発表した情報による</a:t>
+            </a:r>
+            <a:r>
+              <a:rPr lang="ja-JP" altLang="en-US" sz="2200" dirty="0" smtClean="0"/>
+              <a:t>と競合</a:t>
+            </a:r>
+            <a:r>
+              <a:rPr lang="ja-JP" altLang="en-US" sz="2200" dirty="0"/>
+              <a:t>サイトと比較し自身のサイトの表示速度が遅い</a:t>
+            </a:r>
+            <a:r>
+              <a:rPr lang="ja-JP" altLang="en-US" sz="2200" dirty="0" smtClean="0"/>
+              <a:t>とランキング</a:t>
+            </a:r>
+            <a:r>
+              <a:rPr lang="ja-JP" altLang="en-US" sz="2200" dirty="0"/>
+              <a:t>評価で不利に</a:t>
+            </a:r>
+            <a:r>
+              <a:rPr lang="ja-JP" altLang="en-US" sz="2200" dirty="0" smtClean="0"/>
+              <a:t>なるとされている。</a:t>
+            </a:r>
+            <a:r>
+              <a:rPr lang="ja-JP" altLang="en-US" sz="2200" dirty="0" smtClean="0">
+                <a:solidFill>
+                  <a:srgbClr val="FF0000"/>
+                </a:solidFill>
+              </a:rPr>
+              <a:t>自身</a:t>
+            </a:r>
+            <a:r>
+              <a:rPr lang="ja-JP" altLang="en-US" sz="2200" dirty="0">
+                <a:solidFill>
+                  <a:srgbClr val="FF0000"/>
+                </a:solidFill>
+              </a:rPr>
+              <a:t>のサイトを上位にランクインさせるためには応答速度も重要な要素</a:t>
+            </a:r>
+            <a:r>
+              <a:rPr lang="ja-JP" altLang="en-US" sz="2200" dirty="0"/>
+              <a:t>となる。</a:t>
+            </a:r>
+          </a:p>
+          <a:p>
+            <a:endParaRPr lang="ja-JP" altLang="en-US" sz="2200" dirty="0"/>
+          </a:p>
+          <a:p>
+            <a:r>
+              <a:rPr lang="ja-JP" altLang="en-US" sz="2200" dirty="0"/>
+              <a:t>個人で高性能なサーバをいくつ</a:t>
+            </a:r>
+            <a:r>
+              <a:rPr lang="ja-JP" altLang="en-US" sz="2200" dirty="0" smtClean="0"/>
+              <a:t>も</a:t>
+            </a:r>
+            <a:r>
+              <a:rPr lang="ja-JP" altLang="en-US" sz="2200" dirty="0"/>
+              <a:t>作り</a:t>
+            </a:r>
+            <a:r>
+              <a:rPr lang="ja-JP" altLang="en-US" sz="2200" dirty="0" smtClean="0"/>
+              <a:t>、</a:t>
+            </a:r>
+            <a:r>
+              <a:rPr lang="ja-JP" altLang="en-US" sz="2200" dirty="0"/>
+              <a:t>負荷分散するのはコスト面で難しい</a:t>
+            </a:r>
+            <a:r>
+              <a:rPr lang="ja-JP" altLang="en-US" sz="2200" dirty="0" smtClean="0"/>
+              <a:t>。不要</a:t>
+            </a:r>
+            <a:r>
+              <a:rPr lang="ja-JP" altLang="en-US" sz="2200" dirty="0"/>
+              <a:t>なコンピューターや型落ちのサーバ等が利用</a:t>
+            </a:r>
+            <a:r>
+              <a:rPr lang="ja-JP" altLang="en-US" sz="2200" dirty="0" smtClean="0"/>
+              <a:t>され、</a:t>
+            </a:r>
+            <a:r>
+              <a:rPr lang="ja-JP" altLang="en-US" sz="2200" dirty="0" smtClean="0">
+                <a:solidFill>
+                  <a:srgbClr val="FF0000"/>
+                </a:solidFill>
+              </a:rPr>
+              <a:t>不均一な性能でロードバランスされるケース</a:t>
+            </a:r>
+            <a:r>
+              <a:rPr lang="ja-JP" altLang="en-US" sz="2200" dirty="0">
+                <a:solidFill>
+                  <a:srgbClr val="FF0000"/>
+                </a:solidFill>
+              </a:rPr>
+              <a:t>も少なくない</a:t>
+            </a:r>
+            <a:r>
+              <a:rPr lang="ja-JP" altLang="en-US" sz="2200" dirty="0" smtClean="0"/>
+              <a:t>。</a:t>
+            </a:r>
+            <a:endParaRPr lang="en-US" altLang="ja-JP" sz="2200" dirty="0"/>
+          </a:p>
+        </p:txBody>
+      </p:sp>
+      <p:sp>
+        <p:nvSpPr>
+          <p:cNvPr id="4" name="スライド番号プレースホルダー 3"/>
           <p:cNvSpPr>
             <a:spLocks noGrp="1"/>
           </p:cNvSpPr>
@@ -3905,14 +4036,14 @@
       </p:sp>
       <p:sp>
         <p:nvSpPr>
-          <p:cNvPr id="4" name="テキスト ボックス 3"/>
+          <p:cNvPr id="5" name="テキスト ボックス 4"/>
           <p:cNvSpPr txBox="1"/>
           <p:nvPr/>
         </p:nvSpPr>
         <p:spPr>
           <a:xfrm>
-            <a:off x="5835771" y="1084149"/>
-            <a:ext cx="3041217" cy="300082"/>
+            <a:off x="1032933" y="186221"/>
+            <a:ext cx="7611626" cy="1477328"/>
           </a:xfrm>
           <a:prstGeom prst="rect">
             <a:avLst/>
@@ -3920,54 +4051,77 @@
           <a:noFill/>
         </p:spPr>
         <p:txBody>
-          <a:bodyPr wrap="none" rtlCol="0">
+          <a:bodyPr wrap="square" rtlCol="0">
             <a:spAutoFit/>
           </a:bodyPr>
           <a:lstStyle/>
           <a:p>
-            <a:r>
-              <a:rPr lang="ja-JP" altLang="en-US" sz="1350" b="1" dirty="0"/>
-              <a:t>情報工学科 </a:t>
-            </a:r>
-            <a:r>
-              <a:rPr lang="ja-JP" altLang="en-US" sz="1350" b="1" dirty="0" smtClean="0"/>
-              <a:t>中間発表</a:t>
-            </a:r>
-            <a:r>
-              <a:rPr lang="ja-JP" altLang="en-US" sz="1350" b="1" dirty="0"/>
-              <a:t>　</a:t>
-            </a:r>
-            <a:r>
-              <a:rPr lang="en-US" altLang="ja-JP" sz="1350" b="1" dirty="0"/>
-              <a:t>20XX</a:t>
-            </a:r>
-            <a:r>
-              <a:rPr lang="ja-JP" altLang="en-US" sz="1350" b="1" dirty="0"/>
-              <a:t>年</a:t>
-            </a:r>
-            <a:r>
-              <a:rPr lang="en-US" altLang="ja-JP" sz="1350" b="1" dirty="0"/>
-              <a:t>X</a:t>
-            </a:r>
-            <a:r>
-              <a:rPr lang="ja-JP" altLang="en-US" sz="1350" b="1" dirty="0"/>
-              <a:t>月</a:t>
-            </a:r>
-            <a:r>
-              <a:rPr lang="en-US" altLang="ja-JP" sz="1350" b="1" dirty="0"/>
-              <a:t>XX</a:t>
-            </a:r>
-            <a:r>
-              <a:rPr lang="ja-JP" altLang="en-US" sz="1350" b="1" dirty="0"/>
-              <a:t>日</a:t>
-            </a:r>
+            <a:pPr algn="r"/>
+            <a:r>
+              <a:rPr lang="ja-JP" altLang="en-US" dirty="0"/>
+              <a:t>観光地検索システム</a:t>
+            </a:r>
+            <a:r>
+              <a:rPr lang="ja-JP" altLang="en-US" dirty="0" smtClean="0"/>
+              <a:t>における</a:t>
+            </a:r>
+            <a:r>
+              <a:rPr lang="en-US" altLang="ja-JP" dirty="0" smtClean="0"/>
+              <a:t/>
+            </a:r>
+            <a:br>
+              <a:rPr lang="en-US" altLang="ja-JP" dirty="0" smtClean="0"/>
+            </a:br>
+            <a:r>
+              <a:rPr lang="ja-JP" altLang="en-US" dirty="0" smtClean="0"/>
+              <a:t>レスポンス</a:t>
+            </a:r>
+            <a:r>
+              <a:rPr lang="ja-JP" altLang="en-US" dirty="0"/>
+              <a:t>速度を考慮したロードバランサー</a:t>
+            </a:r>
+            <a:endParaRPr lang="en-US" altLang="ja-JP" dirty="0" smtClean="0"/>
+          </a:p>
+          <a:p>
+            <a:pPr algn="r"/>
+            <a:r>
+              <a:rPr lang="ja-JP" altLang="en-US" dirty="0" smtClean="0"/>
+              <a:t>学籍</a:t>
+            </a:r>
+            <a:r>
+              <a:rPr lang="ja-JP" altLang="en-US" dirty="0"/>
+              <a:t>番号：</a:t>
+            </a:r>
+            <a:r>
+              <a:rPr lang="en-US" altLang="ja-JP" dirty="0" smtClean="0"/>
+              <a:t>1821086  </a:t>
+            </a:r>
+            <a:r>
+              <a:rPr lang="ja-JP" altLang="en-US" dirty="0" smtClean="0"/>
+              <a:t>氏名</a:t>
+            </a:r>
+            <a:r>
+              <a:rPr lang="ja-JP" altLang="en-US" dirty="0"/>
+              <a:t>：松尾祐</a:t>
+            </a:r>
+            <a:r>
+              <a:rPr lang="ja-JP" altLang="en-US" dirty="0" smtClean="0"/>
+              <a:t>介</a:t>
+            </a:r>
+            <a:endParaRPr lang="en-US" altLang="ja-JP" dirty="0" smtClean="0"/>
+          </a:p>
+          <a:p>
+            <a:endParaRPr lang="en-US" altLang="ja-JP" dirty="0"/>
+          </a:p>
+          <a:p>
+            <a:endParaRPr kumimoji="1" lang="ja-JP" altLang="en-US" dirty="0"/>
           </a:p>
         </p:txBody>
       </p:sp>
     </p:spTree>
     <p:extLst>
       <p:ext uri="{BB962C8B-B14F-4D97-AF65-F5344CB8AC3E}">
-        <p14:creationId xmlns:p14="http://schemas.microsoft.com/office/powerpoint/2010/main" val="4177902719"/>
+        <p14:creationId xmlns:p14="http://schemas.microsoft.com/office/powerpoint/2010/main" val="3703854941"/>
       </p:ext>
     </p:extLst>
   </p:cSld>
@@ -4011,7 +4165,7 @@
           <a:p>
             <a:r>
               <a:rPr kumimoji="1" lang="ja-JP" altLang="en-US" dirty="0"/>
-              <a:t>研究背景</a:t>
+              <a:t>研究課題</a:t>
             </a:r>
           </a:p>
         </p:txBody>
@@ -4026,71 +4180,151 @@
             <p:ph idx="1"/>
           </p:nvPr>
         </p:nvSpPr>
-        <p:spPr/>
+        <p:spPr>
+          <a:xfrm>
+            <a:off x="532986" y="1740384"/>
+            <a:ext cx="8078028" cy="4351338"/>
+          </a:xfrm>
+        </p:spPr>
         <p:txBody>
           <a:bodyPr>
-            <a:normAutofit lnSpcReduction="10000"/>
+            <a:normAutofit fontScale="92500"/>
           </a:bodyPr>
           <a:lstStyle/>
           <a:p>
+            <a:pPr>
+              <a:lnSpc>
+                <a:spcPct val="120000"/>
+              </a:lnSpc>
+            </a:pPr>
             <a:r>
               <a:rPr lang="ja-JP" altLang="en-US" dirty="0"/>
-              <a:t>昨今の</a:t>
+              <a:t>既存技術では、導入のしやすさから順に</a:t>
+            </a:r>
+            <a:r>
+              <a:rPr lang="ja-JP" altLang="en-US" dirty="0" smtClean="0"/>
+              <a:t>割り振る「ラウンドロビン」や最も</a:t>
+            </a:r>
+            <a:r>
+              <a:rPr lang="ja-JP" altLang="en-US" dirty="0"/>
+              <a:t>空いているサーバに</a:t>
+            </a:r>
+            <a:r>
+              <a:rPr lang="ja-JP" altLang="en-US" dirty="0" smtClean="0"/>
+              <a:t>割り振る「リーストコネクション」</a:t>
+            </a:r>
+            <a:r>
+              <a:rPr lang="en-US" altLang="ja-JP" dirty="0" smtClean="0"/>
+              <a:t>(</a:t>
+            </a:r>
+            <a:r>
+              <a:rPr lang="ja-JP" altLang="en-US" dirty="0"/>
+              <a:t>最小接続</a:t>
             </a:r>
             <a:r>
               <a:rPr lang="en-US" altLang="ja-JP" dirty="0"/>
-              <a:t>WEB</a:t>
+              <a:t>) </a:t>
             </a:r>
             <a:r>
               <a:rPr lang="ja-JP" altLang="en-US" dirty="0"/>
-              <a:t>ページは電気や水道などと同じく重要なライフラインになりつつある。</a:t>
-            </a:r>
-          </a:p>
-          <a:p>
+              <a:t>がよく利用されている。</a:t>
+            </a:r>
+          </a:p>
+          <a:p>
+            <a:pPr>
+              <a:lnSpc>
+                <a:spcPct val="120000"/>
+              </a:lnSpc>
+            </a:pPr>
             <a:endParaRPr lang="ja-JP" altLang="en-US" dirty="0"/>
           </a:p>
           <a:p>
+            <a:pPr>
+              <a:lnSpc>
+                <a:spcPct val="120000"/>
+              </a:lnSpc>
+            </a:pPr>
             <a:r>
               <a:rPr lang="ja-JP" altLang="en-US" dirty="0"/>
-              <a:t>しかしアクセスが増加すると、応答速度の低下や接続しにくいなど、サービスの低下につながってしまう。</a:t>
-            </a:r>
-          </a:p>
-          <a:p>
-            <a:endParaRPr lang="ja-JP" altLang="en-US" dirty="0"/>
-          </a:p>
-          <a:p>
+              <a:t>しかし、サーバ</a:t>
+            </a:r>
+            <a:r>
+              <a:rPr lang="ja-JP" altLang="en-US" dirty="0" smtClean="0"/>
+              <a:t>の性能に</a:t>
+            </a:r>
+            <a:r>
+              <a:rPr lang="ja-JP" altLang="en-US" dirty="0">
+                <a:solidFill>
+                  <a:srgbClr val="FF0000"/>
+                </a:solidFill>
+              </a:rPr>
+              <a:t>バラつき</a:t>
+            </a:r>
+            <a:r>
+              <a:rPr lang="ja-JP" altLang="en-US" dirty="0" smtClean="0">
+                <a:solidFill>
+                  <a:srgbClr val="FF0000"/>
+                </a:solidFill>
+              </a:rPr>
+              <a:t>がある場合</a:t>
+            </a:r>
+            <a:r>
+              <a:rPr lang="ja-JP" altLang="en-US" dirty="0" smtClean="0"/>
+              <a:t>、応答</a:t>
+            </a:r>
             <a:r>
               <a:rPr lang="ja-JP" altLang="en-US" dirty="0"/>
-              <a:t>サービスを止めることなく、サーバの保守や</a:t>
+              <a:t>速度が一定とは限らない</a:t>
             </a:r>
             <a:r>
               <a:rPr lang="ja-JP" altLang="en-US" dirty="0" smtClean="0"/>
-              <a:t>修理拡張</a:t>
+              <a:t>。単純</a:t>
             </a:r>
             <a:r>
               <a:rPr lang="ja-JP" altLang="en-US" dirty="0"/>
-              <a:t>等が行えるロードバランサーの需要は</a:t>
+              <a:t>に空いて</a:t>
             </a:r>
             <a:r>
               <a:rPr lang="ja-JP" altLang="en-US" dirty="0" smtClean="0"/>
-              <a:t>今後</a:t>
-            </a:r>
-            <a:r>
-              <a:rPr lang="en-US" altLang="ja-JP" dirty="0" smtClean="0"/>
-              <a:t/>
-            </a:r>
-            <a:br>
-              <a:rPr lang="en-US" altLang="ja-JP" dirty="0" smtClean="0"/>
-            </a:br>
+              <a:t>いるサーバ</a:t>
+            </a:r>
+            <a:r>
+              <a:rPr lang="ja-JP" altLang="en-US" dirty="0"/>
+              <a:t>へ割り振るだけ</a:t>
+            </a:r>
             <a:r>
               <a:rPr lang="ja-JP" altLang="en-US" dirty="0" smtClean="0"/>
-              <a:t>増加</a:t>
-            </a:r>
-            <a:r>
-              <a:rPr lang="ja-JP" altLang="en-US" dirty="0"/>
-              <a:t>傾向になると予想される。</a:t>
-            </a:r>
-            <a:endParaRPr lang="en-US" altLang="ja-JP" dirty="0"/>
+              <a:t>ではなく、</a:t>
+            </a:r>
+            <a:r>
+              <a:rPr lang="ja-JP" altLang="en-US" dirty="0" smtClean="0">
+                <a:solidFill>
+                  <a:srgbClr val="FF0000"/>
+                </a:solidFill>
+              </a:rPr>
+              <a:t>応答</a:t>
+            </a:r>
+            <a:r>
+              <a:rPr lang="ja-JP" altLang="en-US" dirty="0">
+                <a:solidFill>
+                  <a:srgbClr val="FF0000"/>
+                </a:solidFill>
+              </a:rPr>
+              <a:t>速度も加味</a:t>
+            </a:r>
+            <a:r>
+              <a:rPr lang="ja-JP" altLang="en-US" dirty="0" smtClean="0">
+                <a:solidFill>
+                  <a:srgbClr val="FF0000"/>
+                </a:solidFill>
+              </a:rPr>
+              <a:t>してロードバランスを行う必要がある。</a:t>
+            </a:r>
+            <a:endParaRPr kumimoji="1" lang="ja-JP" altLang="en-US" dirty="0">
+              <a:solidFill>
+                <a:srgbClr val="FF0000"/>
+              </a:solidFill>
+            </a:endParaRPr>
           </a:p>
         </p:txBody>
       </p:sp>
@@ -4120,7 +4354,7 @@
     </p:spTree>
     <p:extLst>
       <p:ext uri="{BB962C8B-B14F-4D97-AF65-F5344CB8AC3E}">
-        <p14:creationId xmlns:p14="http://schemas.microsoft.com/office/powerpoint/2010/main" val="2751752632"/>
+        <p14:creationId xmlns:p14="http://schemas.microsoft.com/office/powerpoint/2010/main" val="3347172904"/>
       </p:ext>
     </p:extLst>
   </p:cSld>
@@ -4164,7 +4398,7 @@
           <a:p>
             <a:r>
               <a:rPr kumimoji="1" lang="ja-JP" altLang="en-US" dirty="0"/>
-              <a:t>関連研究</a:t>
+              <a:t>研究動機</a:t>
             </a:r>
           </a:p>
         </p:txBody>
@@ -4186,152 +4420,99 @@
           </a:bodyPr>
           <a:lstStyle/>
           <a:p>
-            <a:pPr marL="0" indent="0">
-              <a:buNone/>
-            </a:pPr>
-            <a:r>
-              <a:rPr lang="ja-JP" altLang="en-US" u="sng" dirty="0" smtClean="0">
-                <a:latin typeface="ＭＳ Ｐゴシック" panose="020B0600070205080204" pitchFamily="50" charset="-128"/>
+            <a:r>
+              <a:rPr lang="ja-JP" altLang="en-US" dirty="0"/>
+              <a:t>ロードバランサーは順</a:t>
+            </a:r>
+            <a:r>
+              <a:rPr lang="ja-JP" altLang="en-US" dirty="0" smtClean="0"/>
+              <a:t>に割り振る方式が頻繫に利用されている。しかし、この方法では、応答</a:t>
+            </a:r>
+            <a:r>
+              <a:rPr lang="ja-JP" altLang="en-US" dirty="0"/>
+              <a:t>速度が遅いサーバにつないでしまうと</a:t>
+            </a:r>
+            <a:r>
+              <a:rPr lang="ja-JP" altLang="en-US" dirty="0" smtClean="0"/>
+              <a:t>返って</a:t>
+            </a:r>
+            <a:r>
+              <a:rPr lang="en-US" altLang="ja-JP" dirty="0" smtClean="0"/>
+              <a:t>WEB</a:t>
+            </a:r>
+            <a:r>
+              <a:rPr lang="ja-JP" altLang="en-US" dirty="0" smtClean="0"/>
+              <a:t>の表示速度</a:t>
+            </a:r>
+            <a:r>
+              <a:rPr lang="ja-JP" altLang="en-US" dirty="0"/>
+              <a:t>が落ちてしまう。</a:t>
+            </a:r>
+          </a:p>
+          <a:p>
+            <a:endParaRPr lang="ja-JP" altLang="en-US" dirty="0"/>
+          </a:p>
+          <a:p>
+            <a:r>
+              <a:rPr lang="ja-JP" altLang="en-US" dirty="0" smtClean="0"/>
+              <a:t>負荷分散をしたいが、同一で高性能なサーバを揃えるのが難しい個人を対象に、応答速度を考慮した割り振りをするロードバランサーを作成することで、</a:t>
+            </a:r>
+            <a:r>
+              <a:rPr lang="ja-JP" altLang="en-US" dirty="0">
+                <a:solidFill>
+                  <a:srgbClr val="FF0000"/>
+                </a:solidFill>
               </a:rPr>
-              <a:t>リバースプロキシによるロードバランシング手法</a:t>
-            </a:r>
-            <a:endParaRPr lang="en-US" altLang="ja-JP" u="sng" dirty="0">
-              <a:latin typeface="ＭＳ Ｐゴシック" panose="020B0600070205080204" pitchFamily="50" charset="-128"/>
-            </a:endParaRPr>
-          </a:p>
-          <a:p>
-            <a:pPr marL="0" indent="0">
-              <a:lnSpc>
-                <a:spcPct val="100000"/>
-              </a:lnSpc>
-              <a:buNone/>
-            </a:pPr>
+              <a:t>ネットワークの</a:t>
+            </a:r>
+            <a:r>
+              <a:rPr lang="ja-JP" altLang="en-US" dirty="0" smtClean="0">
+                <a:solidFill>
+                  <a:srgbClr val="FF0000"/>
+                </a:solidFill>
+              </a:rPr>
+              <a:t>ボトルネック</a:t>
+            </a:r>
             <a:r>
               <a:rPr lang="ja-JP" altLang="en-US" dirty="0">
-                <a:latin typeface="ＭＳ Ｐゴシック" panose="020B0600070205080204" pitchFamily="50" charset="-128"/>
+                <a:solidFill>
+                  <a:srgbClr val="FF0000"/>
+                </a:solidFill>
               </a:rPr>
-              <a:t>　①：</a:t>
-            </a:r>
-            <a:r>
-              <a:rPr lang="en-US" altLang="ja-JP" dirty="0">
-                <a:latin typeface="ＭＳ Ｐゴシック" panose="020B0600070205080204" pitchFamily="50" charset="-128"/>
+              <a:t>削減</a:t>
+            </a:r>
+            <a:r>
+              <a:rPr lang="ja-JP" altLang="en-US" dirty="0" smtClean="0">
+                <a:solidFill>
+                  <a:srgbClr val="FF0000"/>
+                </a:solidFill>
               </a:rPr>
-              <a:t>[</a:t>
+              <a:t>、サイトの稼働率や</a:t>
             </a:r>
             <a:r>
               <a:rPr lang="en-US" altLang="ja-JP" dirty="0" smtClean="0">
-                <a:latin typeface="ＭＳ Ｐゴシック" panose="020B0600070205080204" pitchFamily="50" charset="-128"/>
+                <a:solidFill>
+                  <a:srgbClr val="FF0000"/>
+                </a:solidFill>
               </a:rPr>
-              <a:t>2008]</a:t>
+              <a:t>SEO</a:t>
             </a:r>
             <a:r>
               <a:rPr lang="ja-JP" altLang="en-US" dirty="0" smtClean="0">
-                <a:latin typeface="ＭＳ Ｐゴシック" panose="020B0600070205080204" pitchFamily="50" charset="-128"/>
+                <a:solidFill>
+                  <a:srgbClr val="FF0000"/>
+                </a:solidFill>
               </a:rPr>
-              <a:t>土居幸一郎</a:t>
-            </a:r>
-            <a:r>
-              <a:rPr lang="en-US" altLang="ja-JP" dirty="0" smtClean="0">
-                <a:latin typeface="ＭＳ Ｐゴシック" panose="020B0600070205080204" pitchFamily="50" charset="-128"/>
-              </a:rPr>
-              <a:t>,</a:t>
-            </a:r>
-            <a:r>
-              <a:rPr lang="ja-JP" altLang="en-US" dirty="0" smtClean="0">
-                <a:latin typeface="ＭＳ Ｐゴシック" panose="020B0600070205080204" pitchFamily="50" charset="-128"/>
-              </a:rPr>
-              <a:t>後藤滋樹「</a:t>
-            </a:r>
-            <a:r>
-              <a:rPr lang="en-US" altLang="ja-JP" dirty="0" smtClean="0">
-                <a:latin typeface="ＭＳ Ｐゴシック" panose="020B0600070205080204" pitchFamily="50" charset="-128"/>
-              </a:rPr>
-              <a:t>HTTP</a:t>
-            </a:r>
-            <a:r>
-              <a:rPr lang="ja-JP" altLang="en-US" dirty="0" smtClean="0">
-                <a:latin typeface="ＭＳ Ｐゴシック" panose="020B0600070205080204" pitchFamily="50" charset="-128"/>
-              </a:rPr>
-              <a:t>セッションのハンドオーバーによる</a:t>
-            </a:r>
-            <a:r>
-              <a:rPr lang="en-US" altLang="ja-JP" dirty="0" smtClean="0">
-                <a:latin typeface="ＭＳ Ｐゴシック" panose="020B0600070205080204" pitchFamily="50" charset="-128"/>
-              </a:rPr>
-              <a:t>WEB</a:t>
-            </a:r>
-            <a:r>
-              <a:rPr lang="ja-JP" altLang="en-US" dirty="0" smtClean="0">
-                <a:latin typeface="ＭＳ Ｐゴシック" panose="020B0600070205080204" pitchFamily="50" charset="-128"/>
-              </a:rPr>
-              <a:t>サーバのロードバランス」</a:t>
-            </a:r>
-            <a:endParaRPr lang="en-US" altLang="ja-JP" dirty="0" smtClean="0">
-              <a:latin typeface="ＭＳ Ｐゴシック" panose="020B0600070205080204" pitchFamily="50" charset="-128"/>
-            </a:endParaRPr>
-          </a:p>
-          <a:p>
-            <a:pPr marL="0" indent="0">
-              <a:lnSpc>
-                <a:spcPct val="100000"/>
-              </a:lnSpc>
-              <a:buNone/>
-            </a:pPr>
-            <a:endParaRPr lang="en-US" altLang="ja-JP" dirty="0">
-              <a:latin typeface="ＭＳ Ｐゴシック" panose="020B0600070205080204" pitchFamily="50" charset="-128"/>
-            </a:endParaRPr>
-          </a:p>
-          <a:p>
-            <a:pPr marL="0" indent="0">
-              <a:buNone/>
-            </a:pPr>
-            <a:r>
-              <a:rPr lang="ja-JP" altLang="en-US" u="sng" dirty="0" smtClean="0">
-                <a:latin typeface="ＭＳ Ｐゴシック" panose="020B0600070205080204" pitchFamily="50" charset="-128"/>
-              </a:rPr>
-              <a:t>応答速度評価付けシステムの評価手法</a:t>
-            </a:r>
-            <a:endParaRPr lang="en-US" altLang="ja-JP" u="sng" dirty="0">
-              <a:latin typeface="ＭＳ Ｐゴシック" panose="020B0600070205080204" pitchFamily="50" charset="-128"/>
-            </a:endParaRPr>
-          </a:p>
-          <a:p>
-            <a:pPr marL="0" indent="0">
-              <a:lnSpc>
-                <a:spcPct val="100000"/>
-              </a:lnSpc>
-              <a:buNone/>
-            </a:pPr>
-            <a:r>
-              <a:rPr lang="ja-JP" altLang="en-US" dirty="0">
-                <a:latin typeface="ＭＳ Ｐゴシック" panose="020B0600070205080204" pitchFamily="50" charset="-128"/>
-              </a:rPr>
-              <a:t>　②：</a:t>
-            </a:r>
-            <a:r>
-              <a:rPr lang="en-US" altLang="ja-JP" dirty="0" smtClean="0">
-                <a:latin typeface="ＭＳ Ｐゴシック" panose="020B0600070205080204" pitchFamily="50" charset="-128"/>
-              </a:rPr>
-              <a:t>[2007]</a:t>
-            </a:r>
-            <a:r>
-              <a:rPr lang="ja-JP" altLang="en-US" dirty="0" smtClean="0">
-                <a:latin typeface="ＭＳ Ｐゴシック" panose="020B0600070205080204" pitchFamily="50" charset="-128"/>
-              </a:rPr>
-              <a:t>河野知行「複数のロードバランサによる</a:t>
-            </a:r>
-            <a:r>
-              <a:rPr lang="en-US" altLang="ja-JP" dirty="0" smtClean="0">
-                <a:latin typeface="ＭＳ Ｐゴシック" panose="020B0600070205080204" pitchFamily="50" charset="-128"/>
-              </a:rPr>
-              <a:t>WEB</a:t>
-            </a:r>
-            <a:r>
-              <a:rPr lang="ja-JP" altLang="en-US" dirty="0" smtClean="0">
-                <a:latin typeface="ＭＳ Ｐゴシック" panose="020B0600070205080204" pitchFamily="50" charset="-128"/>
-              </a:rPr>
-              <a:t>システムの応答時間最適化」</a:t>
-            </a:r>
+              <a:t>の向上</a:t>
+            </a:r>
+            <a:r>
+              <a:rPr lang="ja-JP" altLang="en-US" dirty="0" smtClean="0"/>
+              <a:t>が出来ないかと考えた。</a:t>
+            </a:r>
+            <a:endParaRPr lang="en-US" altLang="ja-JP" dirty="0" smtClean="0"/>
+          </a:p>
+          <a:p>
+            <a:endParaRPr kumimoji="1" lang="ja-JP" altLang="en-US" dirty="0"/>
           </a:p>
         </p:txBody>
       </p:sp>
@@ -4361,7 +4542,7 @@
     </p:spTree>
     <p:extLst>
       <p:ext uri="{BB962C8B-B14F-4D97-AF65-F5344CB8AC3E}">
-        <p14:creationId xmlns:p14="http://schemas.microsoft.com/office/powerpoint/2010/main" val="3769541672"/>
+        <p14:creationId xmlns:p14="http://schemas.microsoft.com/office/powerpoint/2010/main" val="3192250322"/>
       </p:ext>
     </p:extLst>
   </p:cSld>
@@ -4405,7 +4586,7 @@
           <a:p>
             <a:r>
               <a:rPr kumimoji="1" lang="ja-JP" altLang="en-US" dirty="0"/>
-              <a:t>研究課題</a:t>
+              <a:t>研究目的</a:t>
             </a:r>
           </a:p>
         </p:txBody>
@@ -4420,71 +4601,73 @@
             <p:ph idx="1"/>
           </p:nvPr>
         </p:nvSpPr>
-        <p:spPr/>
-        <p:txBody>
-          <a:bodyPr/>
-          <a:lstStyle/>
-          <a:p>
-            <a:pPr>
-              <a:lnSpc>
-                <a:spcPct val="120000"/>
-              </a:lnSpc>
-            </a:pPr>
+        <p:spPr>
+          <a:xfrm>
+            <a:off x="628650" y="3369733"/>
+            <a:ext cx="7886700" cy="2900363"/>
+          </a:xfrm>
+        </p:spPr>
+        <p:txBody>
+          <a:bodyPr>
+            <a:normAutofit lnSpcReduction="10000"/>
+          </a:bodyPr>
+          <a:lstStyle/>
+          <a:p>
             <a:r>
               <a:rPr lang="ja-JP" altLang="en-US" dirty="0"/>
-              <a:t>既存技術では、導入のしやすさ</a:t>
+              <a:t>応答速度を考慮した</a:t>
             </a:r>
             <a:r>
               <a:rPr lang="ja-JP" altLang="en-US" dirty="0" smtClean="0"/>
-              <a:t>から順に割り振るラウンドロビンや最も空いているサーバに割り振るリースとコネクション</a:t>
+              <a:t>ロードバランサーを構築。</a:t>
+            </a:r>
+            <a:endParaRPr lang="en-US" altLang="ja-JP" dirty="0"/>
+          </a:p>
+          <a:p>
+            <a:endParaRPr lang="ja-JP" altLang="en-US" dirty="0"/>
+          </a:p>
+          <a:p>
+            <a:r>
+              <a:rPr lang="ja-JP" altLang="en-US" dirty="0"/>
+              <a:t>サーバを監視し評価するシステム</a:t>
+            </a:r>
+            <a:r>
+              <a:rPr lang="ja-JP" altLang="en-US" dirty="0" smtClean="0"/>
+              <a:t>の</a:t>
+            </a:r>
+            <a:r>
+              <a:rPr lang="ja-JP" altLang="en-US" dirty="0"/>
+              <a:t>作成</a:t>
+            </a:r>
+            <a:r>
+              <a:rPr lang="ja-JP" altLang="en-US" dirty="0" smtClean="0"/>
+              <a:t>。</a:t>
+            </a:r>
+            <a:endParaRPr lang="ja-JP" altLang="en-US" dirty="0"/>
+          </a:p>
+          <a:p>
+            <a:endParaRPr lang="ja-JP" altLang="en-US" dirty="0"/>
+          </a:p>
+          <a:p>
+            <a:r>
+              <a:rPr lang="ja-JP" altLang="en-US" dirty="0"/>
+              <a:t>応答</a:t>
+            </a:r>
+            <a:r>
+              <a:rPr lang="ja-JP" altLang="en-US" dirty="0" smtClean="0"/>
+              <a:t>速度によってサーバの割り振り先を決める</a:t>
             </a:r>
             <a:r>
               <a:rPr lang="en-US" altLang="ja-JP" dirty="0" smtClean="0"/>
-              <a:t>(</a:t>
-            </a:r>
+              <a:t/>
+            </a:r>
+            <a:br>
+              <a:rPr lang="en-US" altLang="ja-JP" dirty="0" smtClean="0"/>
+            </a:br>
             <a:r>
               <a:rPr lang="ja-JP" altLang="en-US" dirty="0" smtClean="0"/>
-              <a:t>最小接続</a:t>
-            </a:r>
-            <a:r>
-              <a:rPr lang="en-US" altLang="ja-JP" dirty="0" smtClean="0"/>
-              <a:t>)</a:t>
-            </a:r>
-            <a:r>
-              <a:rPr lang="ja-JP" altLang="en-US" dirty="0" smtClean="0"/>
-              <a:t> が</a:t>
-            </a:r>
-            <a:r>
-              <a:rPr lang="ja-JP" altLang="en-US" dirty="0"/>
-              <a:t>よく利用されている。</a:t>
-            </a:r>
-            <a:endParaRPr lang="en-US" altLang="ja-JP" dirty="0"/>
-          </a:p>
-          <a:p>
-            <a:pPr>
-              <a:lnSpc>
-                <a:spcPct val="120000"/>
-              </a:lnSpc>
-            </a:pPr>
-            <a:r>
-              <a:rPr lang="ja-JP" altLang="en-US" dirty="0" smtClean="0"/>
-              <a:t>しかし、ロードバランサから</a:t>
-            </a:r>
-            <a:r>
-              <a:rPr lang="ja-JP" altLang="en-US" dirty="0"/>
-              <a:t>あまりに距離がはなれていたり、接続状況が悪く</a:t>
-            </a:r>
-            <a:r>
-              <a:rPr lang="ja-JP" altLang="en-US" dirty="0" smtClean="0"/>
-              <a:t>なるとロードバランサと</a:t>
-            </a:r>
-            <a:r>
-              <a:rPr lang="ja-JP" altLang="en-US" dirty="0"/>
-              <a:t>サーバとの間にボトルネックが発生する。</a:t>
-            </a:r>
-            <a:endParaRPr lang="en-US" altLang="ja-JP" dirty="0"/>
-          </a:p>
-          <a:p>
+              <a:t>アルゴリズムの提案。</a:t>
+            </a:r>
             <a:endParaRPr kumimoji="1" lang="ja-JP" altLang="en-US" dirty="0"/>
           </a:p>
         </p:txBody>
@@ -4512,10 +4695,34 @@
           </a:p>
         </p:txBody>
       </p:sp>
+      <p:pic>
+        <p:nvPicPr>
+          <p:cNvPr id="16" name="図 15"/>
+          <p:cNvPicPr>
+            <a:picLocks noChangeAspect="1"/>
+          </p:cNvPicPr>
+          <p:nvPr/>
+        </p:nvPicPr>
+        <p:blipFill>
+          <a:blip r:embed="rId2"/>
+          <a:stretch>
+            <a:fillRect/>
+          </a:stretch>
+        </p:blipFill>
+        <p:spPr>
+          <a:xfrm>
+            <a:off x="1161595" y="1027907"/>
+            <a:ext cx="6325055" cy="2062052"/>
+          </a:xfrm>
+          <a:prstGeom prst="rect">
+            <a:avLst/>
+          </a:prstGeom>
+        </p:spPr>
+      </p:pic>
     </p:spTree>
     <p:extLst>
       <p:ext uri="{BB962C8B-B14F-4D97-AF65-F5344CB8AC3E}">
-        <p14:creationId xmlns:p14="http://schemas.microsoft.com/office/powerpoint/2010/main" val="1923407823"/>
+        <p14:creationId xmlns:p14="http://schemas.microsoft.com/office/powerpoint/2010/main" val="33680443"/>
       </p:ext>
     </p:extLst>
   </p:cSld>
@@ -4559,7 +4766,7 @@
           <a:p>
             <a:r>
               <a:rPr kumimoji="1" lang="ja-JP" altLang="en-US" dirty="0"/>
-              <a:t>研究動機</a:t>
+              <a:t>関連研究</a:t>
             </a:r>
           </a:p>
         </p:txBody>
@@ -4576,32 +4783,157 @@
         </p:nvSpPr>
         <p:spPr/>
         <p:txBody>
-          <a:bodyPr/>
-          <a:lstStyle/>
-          <a:p>
-            <a:r>
-              <a:rPr lang="ja-JP" altLang="en-US" dirty="0"/>
-              <a:t>ロードバランサーは順に接続先を均等に割り振る方法や、コネクション数が最も少ないサーバに転送する方法がとられている。</a:t>
-            </a:r>
-          </a:p>
-          <a:p>
-            <a:endParaRPr lang="ja-JP" altLang="en-US" dirty="0"/>
-          </a:p>
-          <a:p>
-            <a:r>
-              <a:rPr lang="ja-JP" altLang="en-US" dirty="0"/>
-              <a:t>しかしこの方法では、応答速度が遅いサーバにつないでしまうと返って速度が落ちてしまう。</a:t>
-            </a:r>
-          </a:p>
-          <a:p>
-            <a:endParaRPr lang="ja-JP" altLang="en-US" dirty="0"/>
-          </a:p>
-          <a:p>
-            <a:r>
-              <a:rPr lang="ja-JP" altLang="en-US" dirty="0"/>
-              <a:t>コネクション数だけでなく応答速度も考慮したロードバランサーが必要ではないかと考えた。</a:t>
-            </a:r>
-            <a:endParaRPr kumimoji="1" lang="ja-JP" altLang="en-US" dirty="0"/>
+          <a:bodyPr>
+            <a:normAutofit/>
+          </a:bodyPr>
+          <a:lstStyle/>
+          <a:p>
+            <a:pPr marL="0" indent="0">
+              <a:buNone/>
+            </a:pPr>
+            <a:r>
+              <a:rPr lang="ja-JP" altLang="en-US" u="sng" dirty="0" smtClean="0">
+                <a:latin typeface="ＭＳ Ｐゴシック" panose="020B0600070205080204" pitchFamily="50" charset="-128"/>
+              </a:rPr>
+              <a:t>リバースプロキシによるロードバランシング手法</a:t>
+            </a:r>
+            <a:endParaRPr lang="en-US" altLang="ja-JP" u="sng" dirty="0">
+              <a:latin typeface="ＭＳ Ｐゴシック" panose="020B0600070205080204" pitchFamily="50" charset="-128"/>
+            </a:endParaRPr>
+          </a:p>
+          <a:p>
+            <a:pPr marL="0" indent="0">
+              <a:lnSpc>
+                <a:spcPct val="100000"/>
+              </a:lnSpc>
+              <a:buNone/>
+            </a:pPr>
+            <a:r>
+              <a:rPr lang="ja-JP" altLang="en-US" dirty="0">
+                <a:latin typeface="ＭＳ Ｐゴシック" panose="020B0600070205080204" pitchFamily="50" charset="-128"/>
+              </a:rPr>
+              <a:t>　①：</a:t>
+            </a:r>
+            <a:r>
+              <a:rPr lang="en-US" altLang="ja-JP" dirty="0">
+                <a:latin typeface="ＭＳ Ｐゴシック" panose="020B0600070205080204" pitchFamily="50" charset="-128"/>
+              </a:rPr>
+              <a:t>[</a:t>
+            </a:r>
+            <a:r>
+              <a:rPr lang="en-US" altLang="ja-JP" dirty="0" smtClean="0">
+                <a:latin typeface="ＭＳ Ｐゴシック" panose="020B0600070205080204" pitchFamily="50" charset="-128"/>
+              </a:rPr>
+              <a:t>2008]</a:t>
+            </a:r>
+            <a:r>
+              <a:rPr lang="ja-JP" altLang="en-US" dirty="0" smtClean="0">
+                <a:latin typeface="ＭＳ Ｐゴシック" panose="020B0600070205080204" pitchFamily="50" charset="-128"/>
+              </a:rPr>
+              <a:t>土居幸一郎</a:t>
+            </a:r>
+            <a:r>
+              <a:rPr lang="en-US" altLang="ja-JP" dirty="0" smtClean="0">
+                <a:latin typeface="ＭＳ Ｐゴシック" panose="020B0600070205080204" pitchFamily="50" charset="-128"/>
+              </a:rPr>
+              <a:t>,</a:t>
+            </a:r>
+            <a:r>
+              <a:rPr lang="ja-JP" altLang="en-US" dirty="0" smtClean="0">
+                <a:latin typeface="ＭＳ Ｐゴシック" panose="020B0600070205080204" pitchFamily="50" charset="-128"/>
+              </a:rPr>
+              <a:t>後藤滋樹「</a:t>
+            </a:r>
+            <a:r>
+              <a:rPr lang="en-US" altLang="ja-JP" dirty="0" smtClean="0">
+                <a:latin typeface="ＭＳ Ｐゴシック" panose="020B0600070205080204" pitchFamily="50" charset="-128"/>
+              </a:rPr>
+              <a:t>HTTP</a:t>
+            </a:r>
+            <a:r>
+              <a:rPr lang="ja-JP" altLang="en-US" dirty="0" smtClean="0">
+                <a:latin typeface="ＭＳ Ｐゴシック" panose="020B0600070205080204" pitchFamily="50" charset="-128"/>
+              </a:rPr>
+              <a:t>セッションのハンドオーバーによる</a:t>
+            </a:r>
+            <a:r>
+              <a:rPr lang="en-US" altLang="ja-JP" dirty="0" smtClean="0">
+                <a:latin typeface="ＭＳ Ｐゴシック" panose="020B0600070205080204" pitchFamily="50" charset="-128"/>
+              </a:rPr>
+              <a:t>WEB</a:t>
+            </a:r>
+            <a:r>
+              <a:rPr lang="ja-JP" altLang="en-US" dirty="0" smtClean="0">
+                <a:latin typeface="ＭＳ Ｐゴシック" panose="020B0600070205080204" pitchFamily="50" charset="-128"/>
+              </a:rPr>
+              <a:t>サーバのロードバランス」</a:t>
+            </a:r>
+            <a:endParaRPr lang="en-US" altLang="ja-JP" dirty="0" smtClean="0">
+              <a:latin typeface="ＭＳ Ｐゴシック" panose="020B0600070205080204" pitchFamily="50" charset="-128"/>
+            </a:endParaRPr>
+          </a:p>
+          <a:p>
+            <a:pPr marL="0" indent="0">
+              <a:lnSpc>
+                <a:spcPct val="100000"/>
+              </a:lnSpc>
+              <a:buNone/>
+            </a:pPr>
+            <a:endParaRPr lang="en-US" altLang="ja-JP" dirty="0">
+              <a:latin typeface="ＭＳ Ｐゴシック" panose="020B0600070205080204" pitchFamily="50" charset="-128"/>
+            </a:endParaRPr>
+          </a:p>
+          <a:p>
+            <a:pPr marL="0" indent="0">
+              <a:buNone/>
+            </a:pPr>
+            <a:r>
+              <a:rPr lang="ja-JP" altLang="en-US" u="sng" dirty="0" smtClean="0">
+                <a:latin typeface="ＭＳ Ｐゴシック" panose="020B0600070205080204" pitchFamily="50" charset="-128"/>
+              </a:rPr>
+              <a:t>応答速度評価付けシステムの評価手法</a:t>
+            </a:r>
+            <a:endParaRPr lang="en-US" altLang="ja-JP" u="sng" dirty="0">
+              <a:latin typeface="ＭＳ Ｐゴシック" panose="020B0600070205080204" pitchFamily="50" charset="-128"/>
+            </a:endParaRPr>
+          </a:p>
+          <a:p>
+            <a:pPr marL="0" indent="0">
+              <a:lnSpc>
+                <a:spcPct val="100000"/>
+              </a:lnSpc>
+              <a:buNone/>
+            </a:pPr>
+            <a:r>
+              <a:rPr lang="ja-JP" altLang="en-US" dirty="0">
+                <a:latin typeface="ＭＳ Ｐゴシック" panose="020B0600070205080204" pitchFamily="50" charset="-128"/>
+              </a:rPr>
+              <a:t>　②：</a:t>
+            </a:r>
+            <a:r>
+              <a:rPr lang="en-US" altLang="ja-JP" dirty="0" smtClean="0">
+                <a:latin typeface="ＭＳ Ｐゴシック" panose="020B0600070205080204" pitchFamily="50" charset="-128"/>
+              </a:rPr>
+              <a:t>[2007]</a:t>
+            </a:r>
+            <a:r>
+              <a:rPr lang="ja-JP" altLang="en-US" dirty="0" smtClean="0">
+                <a:latin typeface="ＭＳ Ｐゴシック" panose="020B0600070205080204" pitchFamily="50" charset="-128"/>
+              </a:rPr>
+              <a:t>河野知行「複数のロードバランサによる</a:t>
+            </a:r>
+            <a:r>
+              <a:rPr lang="en-US" altLang="ja-JP" dirty="0" smtClean="0">
+                <a:latin typeface="ＭＳ Ｐゴシック" panose="020B0600070205080204" pitchFamily="50" charset="-128"/>
+              </a:rPr>
+              <a:t>WEB</a:t>
+            </a:r>
+            <a:r>
+              <a:rPr lang="ja-JP" altLang="en-US" dirty="0" smtClean="0">
+                <a:latin typeface="ＭＳ Ｐゴシック" panose="020B0600070205080204" pitchFamily="50" charset="-128"/>
+              </a:rPr>
+              <a:t>システムの応答時間最適化」</a:t>
+            </a:r>
           </a:p>
         </p:txBody>
       </p:sp>
@@ -4631,7 +4963,7 @@
     </p:spTree>
     <p:extLst>
       <p:ext uri="{BB962C8B-B14F-4D97-AF65-F5344CB8AC3E}">
-        <p14:creationId xmlns:p14="http://schemas.microsoft.com/office/powerpoint/2010/main" val="3482704347"/>
+        <p14:creationId xmlns:p14="http://schemas.microsoft.com/office/powerpoint/2010/main" val="2794857047"/>
       </p:ext>
     </p:extLst>
   </p:cSld>
@@ -4668,32 +5000,10 @@
             <p:ph type="title"/>
           </p:nvPr>
         </p:nvSpPr>
-        <p:spPr/>
-        <p:txBody>
-          <a:bodyPr/>
-          <a:lstStyle/>
-          <a:p>
-            <a:r>
-              <a:rPr kumimoji="1" lang="ja-JP" altLang="en-US" dirty="0"/>
-              <a:t>研究目的</a:t>
-            </a:r>
-          </a:p>
-        </p:txBody>
-      </p:sp>
-      <p:sp>
-        <p:nvSpPr>
-          <p:cNvPr id="3" name="コンテンツ プレースホルダー 2"/>
-          <p:cNvSpPr>
-            <a:spLocks noGrp="1"/>
-          </p:cNvSpPr>
-          <p:nvPr>
-            <p:ph idx="1"/>
-          </p:nvPr>
-        </p:nvSpPr>
         <p:spPr>
           <a:xfrm>
-            <a:off x="628650" y="1478844"/>
-            <a:ext cx="7886700" cy="4698119"/>
+            <a:off x="552450" y="381000"/>
+            <a:ext cx="7886700" cy="1325563"/>
           </a:xfrm>
         </p:spPr>
         <p:txBody>
@@ -4701,58 +5011,13 @@
           <a:lstStyle/>
           <a:p>
             <a:r>
-              <a:rPr lang="ja-JP" altLang="en-US" dirty="0"/>
-              <a:t>応答速度を考慮したロードバランサーの</a:t>
-            </a:r>
-            <a:r>
-              <a:rPr lang="ja-JP" altLang="en-US" dirty="0" smtClean="0"/>
-              <a:t>構築し</a:t>
-            </a:r>
-            <a:r>
-              <a:rPr lang="en-US" altLang="ja-JP" dirty="0"/>
-              <a:t/>
-            </a:r>
-            <a:br>
-              <a:rPr lang="en-US" altLang="ja-JP" dirty="0"/>
-            </a:br>
-            <a:r>
-              <a:rPr lang="ja-JP" altLang="en-US" dirty="0" smtClean="0"/>
-              <a:t>ボトルネックの解消を計る。</a:t>
-            </a:r>
-            <a:endParaRPr lang="en-US" altLang="ja-JP" dirty="0" smtClean="0"/>
-          </a:p>
-          <a:p>
-            <a:endParaRPr lang="en-US" altLang="ja-JP" dirty="0"/>
-          </a:p>
-          <a:p>
-            <a:pPr marL="0" indent="0">
-              <a:buNone/>
-            </a:pPr>
-            <a:r>
-              <a:rPr lang="ja-JP" altLang="en-US" dirty="0" smtClean="0"/>
-              <a:t>　　　　　　　　　挿入する図は作成中</a:t>
-            </a:r>
-            <a:endParaRPr lang="ja-JP" altLang="en-US" dirty="0"/>
-          </a:p>
-          <a:p>
-            <a:endParaRPr lang="ja-JP" altLang="en-US" dirty="0"/>
-          </a:p>
-          <a:p>
-            <a:r>
-              <a:rPr lang="ja-JP" altLang="en-US" dirty="0"/>
-              <a:t>サーバを監視し評価するシステムの構築。</a:t>
-            </a:r>
-          </a:p>
-          <a:p>
-            <a:endParaRPr lang="ja-JP" altLang="en-US" dirty="0"/>
-          </a:p>
-          <a:p>
-            <a:r>
-              <a:rPr lang="ja-JP" altLang="en-US" dirty="0"/>
-              <a:t>応答速度が著しく低下しているサーバの重みづけを下げるアルゴリズムの提案。</a:t>
-            </a:r>
-          </a:p>
-          <a:p>
+              <a:rPr kumimoji="1" lang="ja-JP" altLang="en-US" dirty="0"/>
+              <a:t>提案</a:t>
+            </a:r>
+            <a:r>
+              <a:rPr kumimoji="1" lang="ja-JP" altLang="en-US" dirty="0" smtClean="0"/>
+              <a:t>方式</a:t>
+            </a:r>
             <a:endParaRPr kumimoji="1" lang="ja-JP" altLang="en-US" dirty="0"/>
           </a:p>
         </p:txBody>
@@ -4780,10 +5045,78 @@
           </a:p>
         </p:txBody>
       </p:sp>
+      <p:sp>
+        <p:nvSpPr>
+          <p:cNvPr id="5" name="コンテンツ プレースホルダー 2"/>
+          <p:cNvSpPr>
+            <a:spLocks noGrp="1"/>
+          </p:cNvSpPr>
+          <p:nvPr>
+            <p:ph idx="1"/>
+          </p:nvPr>
+        </p:nvSpPr>
+        <p:spPr>
+          <a:xfrm>
+            <a:off x="552450" y="1706563"/>
+            <a:ext cx="8032750" cy="3277130"/>
+          </a:xfrm>
+        </p:spPr>
+        <p:txBody>
+          <a:bodyPr>
+            <a:normAutofit/>
+          </a:bodyPr>
+          <a:lstStyle/>
+          <a:p>
+            <a:r>
+              <a:rPr lang="ja-JP" altLang="en-US" sz="3200" dirty="0" smtClean="0">
+                <a:latin typeface="ＭＳ Ｐゴシック" panose="020B0600070205080204" pitchFamily="50" charset="-128"/>
+              </a:rPr>
+              <a:t>観光地検索システムを積んだ冗長的なサーバを</a:t>
+            </a:r>
+            <a:r>
+              <a:rPr lang="en-US" altLang="ja-JP" sz="3200" dirty="0" smtClean="0">
+                <a:latin typeface="ＭＳ Ｐゴシック" panose="020B0600070205080204" pitchFamily="50" charset="-128"/>
+              </a:rPr>
+              <a:t>3</a:t>
+            </a:r>
+            <a:r>
+              <a:rPr lang="ja-JP" altLang="en-US" sz="3200" dirty="0" smtClean="0">
+                <a:latin typeface="ＭＳ Ｐゴシック" panose="020B0600070205080204" pitchFamily="50" charset="-128"/>
+              </a:rPr>
+              <a:t>台用意し、応答速度を計測し評価。</a:t>
+            </a:r>
+            <a:r>
+              <a:rPr lang="en-US" altLang="ja-JP" sz="3200" dirty="0" smtClean="0">
+                <a:latin typeface="ＭＳ Ｐゴシック" panose="020B0600070205080204" pitchFamily="50" charset="-128"/>
+              </a:rPr>
+              <a:t/>
+            </a:r>
+            <a:br>
+              <a:rPr lang="en-US" altLang="ja-JP" sz="3200" dirty="0" smtClean="0">
+                <a:latin typeface="ＭＳ Ｐゴシック" panose="020B0600070205080204" pitchFamily="50" charset="-128"/>
+              </a:rPr>
+            </a:br>
+            <a:endParaRPr lang="en-US" altLang="ja-JP" sz="3200" dirty="0" smtClean="0">
+              <a:latin typeface="ＭＳ Ｐゴシック" panose="020B0600070205080204" pitchFamily="50" charset="-128"/>
+            </a:endParaRPr>
+          </a:p>
+          <a:p>
+            <a:r>
+              <a:rPr lang="ja-JP" altLang="en-US" sz="3200" dirty="0" smtClean="0">
+                <a:latin typeface="ＭＳ Ｐゴシック" panose="020B0600070205080204" pitchFamily="50" charset="-128"/>
+              </a:rPr>
+              <a:t>ロードバランサーはこの評価を割り振る指標として判断する。</a:t>
+            </a:r>
+            <a:endParaRPr lang="en-US" altLang="ja-JP" sz="3200" dirty="0" smtClean="0">
+              <a:latin typeface="ＭＳ Ｐゴシック" panose="020B0600070205080204" pitchFamily="50" charset="-128"/>
+            </a:endParaRPr>
+          </a:p>
+        </p:txBody>
+      </p:sp>
     </p:spTree>
     <p:extLst>
       <p:ext uri="{BB962C8B-B14F-4D97-AF65-F5344CB8AC3E}">
-        <p14:creationId xmlns:p14="http://schemas.microsoft.com/office/powerpoint/2010/main" val="114472190"/>
+        <p14:creationId xmlns:p14="http://schemas.microsoft.com/office/powerpoint/2010/main" val="19633717"/>
       </p:ext>
     </p:extLst>
   </p:cSld>
@@ -4820,15 +5153,25 @@
             <p:ph type="title"/>
           </p:nvPr>
         </p:nvSpPr>
-        <p:spPr/>
+        <p:spPr>
+          <a:xfrm>
+            <a:off x="366783" y="0"/>
+            <a:ext cx="7886700" cy="1325563"/>
+          </a:xfrm>
+        </p:spPr>
         <p:txBody>
           <a:bodyPr/>
           <a:lstStyle/>
           <a:p>
             <a:r>
               <a:rPr kumimoji="1" lang="ja-JP" altLang="en-US" dirty="0"/>
-              <a:t>提案方式</a:t>
-            </a:r>
+              <a:t>提案</a:t>
+            </a:r>
+            <a:r>
+              <a:rPr kumimoji="1" lang="ja-JP" altLang="en-US" dirty="0" smtClean="0"/>
+              <a:t>方式図</a:t>
+            </a:r>
+            <a:endParaRPr kumimoji="1" lang="ja-JP" altLang="en-US" dirty="0"/>
           </a:p>
         </p:txBody>
       </p:sp>
@@ -4857,7 +5200,7 @@
       </p:sp>
       <p:pic>
         <p:nvPicPr>
-          <p:cNvPr id="8" name="図 7"/>
+          <p:cNvPr id="3" name="図 2"/>
           <p:cNvPicPr>
             <a:picLocks noChangeAspect="1"/>
           </p:cNvPicPr>
@@ -4871,8 +5214,8 @@
         </p:blipFill>
         <p:spPr>
           <a:xfrm>
-            <a:off x="907896" y="575733"/>
-            <a:ext cx="7328208" cy="6145743"/>
+            <a:off x="890517" y="1118438"/>
+            <a:ext cx="7362966" cy="5603038"/>
           </a:xfrm>
           <a:prstGeom prst="rect">
             <a:avLst/>
@@ -4882,7 +5225,7 @@
     </p:spTree>
     <p:extLst>
       <p:ext uri="{BB962C8B-B14F-4D97-AF65-F5344CB8AC3E}">
-        <p14:creationId xmlns:p14="http://schemas.microsoft.com/office/powerpoint/2010/main" val="1724661356"/>
+        <p14:creationId xmlns:p14="http://schemas.microsoft.com/office/powerpoint/2010/main" val="3726678057"/>
       </p:ext>
     </p:extLst>
   </p:cSld>
@@ -4919,7 +5262,12 @@
             <p:ph type="title"/>
           </p:nvPr>
         </p:nvSpPr>
-        <p:spPr/>
+        <p:spPr>
+          <a:xfrm>
+            <a:off x="527050" y="431533"/>
+            <a:ext cx="7886700" cy="1325563"/>
+          </a:xfrm>
+        </p:spPr>
         <p:txBody>
           <a:bodyPr/>
           <a:lstStyle/>
@@ -4928,25 +5276,6 @@
               <a:rPr kumimoji="1" lang="ja-JP" altLang="en-US" dirty="0"/>
               <a:t>今後のスケジュール</a:t>
             </a:r>
-          </a:p>
-        </p:txBody>
-      </p:sp>
-      <p:sp>
-        <p:nvSpPr>
-          <p:cNvPr id="3" name="コンテンツ プレースホルダー 2"/>
-          <p:cNvSpPr>
-            <a:spLocks noGrp="1"/>
-          </p:cNvSpPr>
-          <p:nvPr>
-            <p:ph idx="1"/>
-          </p:nvPr>
-        </p:nvSpPr>
-        <p:spPr/>
-        <p:txBody>
-          <a:bodyPr/>
-          <a:lstStyle/>
-          <a:p>
-            <a:endParaRPr kumimoji="1" lang="ja-JP" altLang="en-US" dirty="0"/>
           </a:p>
         </p:txBody>
       </p:sp>
@@ -4973,10 +5302,34 @@
           </a:p>
         </p:txBody>
       </p:sp>
+      <p:pic>
+        <p:nvPicPr>
+          <p:cNvPr id="11" name="図 10"/>
+          <p:cNvPicPr>
+            <a:picLocks noChangeAspect="1"/>
+          </p:cNvPicPr>
+          <p:nvPr/>
+        </p:nvPicPr>
+        <p:blipFill>
+          <a:blip r:embed="rId2"/>
+          <a:stretch>
+            <a:fillRect/>
+          </a:stretch>
+        </p:blipFill>
+        <p:spPr>
+          <a:xfrm>
+            <a:off x="211580" y="2023533"/>
+            <a:ext cx="8720839" cy="3302000"/>
+          </a:xfrm>
+          <a:prstGeom prst="rect">
+            <a:avLst/>
+          </a:prstGeom>
+        </p:spPr>
+      </p:pic>
     </p:spTree>
     <p:extLst>
       <p:ext uri="{BB962C8B-B14F-4D97-AF65-F5344CB8AC3E}">
-        <p14:creationId xmlns:p14="http://schemas.microsoft.com/office/powerpoint/2010/main" val="2460047817"/>
+        <p14:creationId xmlns:p14="http://schemas.microsoft.com/office/powerpoint/2010/main" val="793795738"/>
       </p:ext>
     </p:extLst>
   </p:cSld>

--- a/発表用/1821086_中間発表.pptx
+++ b/発表用/1821086_中間発表.pptx
@@ -5,7 +5,7 @@
     <p:sldMasterId id="2147483660" r:id="rId1"/>
   </p:sldMasterIdLst>
   <p:notesMasterIdLst>
-    <p:notesMasterId r:id="rId10"/>
+    <p:notesMasterId r:id="rId9"/>
   </p:notesMasterIdLst>
   <p:sldIdLst>
     <p:sldId id="257" r:id="rId2"/>
@@ -13,9 +13,8 @@
     <p:sldId id="259" r:id="rId4"/>
     <p:sldId id="260" r:id="rId5"/>
     <p:sldId id="261" r:id="rId6"/>
-    <p:sldId id="262" r:id="rId7"/>
-    <p:sldId id="263" r:id="rId8"/>
-    <p:sldId id="265" r:id="rId9"/>
+    <p:sldId id="263" r:id="rId7"/>
+    <p:sldId id="265" r:id="rId8"/>
   </p:sldIdLst>
   <p:sldSz cx="9144000" cy="6858000" type="screen4x3"/>
   <p:notesSz cx="6858000" cy="9144000"/>
@@ -233,7 +232,7 @@
           <a:p>
             <a:fld id="{27571B5F-C8EC-4379-AD76-80FD414F3861}" type="datetimeFigureOut">
               <a:rPr kumimoji="1" lang="ja-JP" altLang="en-US" smtClean="0"/>
-              <a:t>2021/7/16</a:t>
+              <a:t>2021/7/21</a:t>
             </a:fld>
             <a:endParaRPr kumimoji="1" lang="ja-JP" altLang="en-US"/>
           </a:p>
@@ -623,6 +622,90 @@
 </p:notes>
 </file>
 
+<file path=ppt/notesSlides/notesSlide2.xml><?xml version="1.0" encoding="utf-8"?>
+<p:notes xmlns:a="http://schemas.openxmlformats.org/drawingml/2006/main" xmlns:r="http://schemas.openxmlformats.org/officeDocument/2006/relationships" xmlns:p="http://schemas.openxmlformats.org/presentationml/2006/main">
+  <p:cSld>
+    <p:spTree>
+      <p:nvGrpSpPr>
+        <p:cNvPr id="1" name=""/>
+        <p:cNvGrpSpPr/>
+        <p:nvPr/>
+      </p:nvGrpSpPr>
+      <p:grpSpPr>
+        <a:xfrm>
+          <a:off x="0" y="0"/>
+          <a:ext cx="0" cy="0"/>
+          <a:chOff x="0" y="0"/>
+          <a:chExt cx="0" cy="0"/>
+        </a:xfrm>
+      </p:grpSpPr>
+      <p:sp>
+        <p:nvSpPr>
+          <p:cNvPr id="2" name="スライド イメージ プレースホルダー 1"/>
+          <p:cNvSpPr>
+            <a:spLocks noGrp="1" noRot="1" noChangeAspect="1"/>
+          </p:cNvSpPr>
+          <p:nvPr>
+            <p:ph type="sldImg"/>
+          </p:nvPr>
+        </p:nvSpPr>
+        <p:spPr/>
+      </p:sp>
+      <p:sp>
+        <p:nvSpPr>
+          <p:cNvPr id="3" name="ノート プレースホルダー 2"/>
+          <p:cNvSpPr>
+            <a:spLocks noGrp="1"/>
+          </p:cNvSpPr>
+          <p:nvPr>
+            <p:ph type="body" idx="1"/>
+          </p:nvPr>
+        </p:nvSpPr>
+        <p:spPr/>
+        <p:txBody>
+          <a:bodyPr/>
+          <a:lstStyle/>
+          <a:p>
+            <a:endParaRPr kumimoji="1" lang="ja-JP" altLang="en-US" dirty="0"/>
+          </a:p>
+        </p:txBody>
+      </p:sp>
+      <p:sp>
+        <p:nvSpPr>
+          <p:cNvPr id="4" name="スライド番号プレースホルダー 3"/>
+          <p:cNvSpPr>
+            <a:spLocks noGrp="1"/>
+          </p:cNvSpPr>
+          <p:nvPr>
+            <p:ph type="sldNum" sz="quarter" idx="10"/>
+          </p:nvPr>
+        </p:nvSpPr>
+        <p:spPr/>
+        <p:txBody>
+          <a:bodyPr/>
+          <a:lstStyle/>
+          <a:p>
+            <a:fld id="{9D828324-DCC9-430F-AD2C-1DD1805E2C40}" type="slidenum">
+              <a:rPr kumimoji="1" lang="ja-JP" altLang="en-US" smtClean="0"/>
+              <a:t>5</a:t>
+            </a:fld>
+            <a:endParaRPr kumimoji="1" lang="ja-JP" altLang="en-US"/>
+          </a:p>
+        </p:txBody>
+      </p:sp>
+    </p:spTree>
+    <p:extLst>
+      <p:ext uri="{BB962C8B-B14F-4D97-AF65-F5344CB8AC3E}">
+        <p14:creationId xmlns:p14="http://schemas.microsoft.com/office/powerpoint/2010/main" val="687012771"/>
+      </p:ext>
+    </p:extLst>
+  </p:cSld>
+  <p:clrMapOvr>
+    <a:masterClrMapping/>
+  </p:clrMapOvr>
+</p:notes>
+</file>
+
 <file path=ppt/slideLayouts/slideLayout1.xml><?xml version="1.0" encoding="utf-8"?>
 <p:sldLayout xmlns:a="http://schemas.openxmlformats.org/drawingml/2006/main" xmlns:r="http://schemas.openxmlformats.org/officeDocument/2006/relationships" xmlns:p="http://schemas.openxmlformats.org/presentationml/2006/main" type="title" preserve="1">
   <p:cSld name="タイトル スライド">
@@ -754,7 +837,7 @@
           <a:p>
             <a:fld id="{ED609840-96BF-4512-A2C1-C87E0BBF3D2F}" type="datetime1">
               <a:rPr kumimoji="1" lang="ja-JP" altLang="en-US" smtClean="0"/>
-              <a:t>2021/7/16</a:t>
+              <a:t>2021/7/21</a:t>
             </a:fld>
             <a:endParaRPr kumimoji="1" lang="ja-JP" altLang="en-US"/>
           </a:p>
@@ -957,7 +1040,7 @@
           <a:p>
             <a:fld id="{F97B6116-28DE-44C1-8891-65688903BD50}" type="datetime1">
               <a:rPr kumimoji="1" lang="ja-JP" altLang="en-US" smtClean="0"/>
-              <a:t>2021/7/16</a:t>
+              <a:t>2021/7/21</a:t>
             </a:fld>
             <a:endParaRPr kumimoji="1" lang="ja-JP" altLang="en-US"/>
           </a:p>
@@ -1170,7 +1253,7 @@
           <a:p>
             <a:fld id="{EDE04BF4-1FC0-40EE-A15F-5986BB2387E9}" type="datetime1">
               <a:rPr kumimoji="1" lang="ja-JP" altLang="en-US" smtClean="0"/>
-              <a:t>2021/7/16</a:t>
+              <a:t>2021/7/21</a:t>
             </a:fld>
             <a:endParaRPr kumimoji="1" lang="ja-JP" altLang="en-US"/>
           </a:p>
@@ -1373,7 +1456,7 @@
           <a:p>
             <a:fld id="{AFE4124D-C094-469A-99BC-7EA66CDB293F}" type="datetime1">
               <a:rPr kumimoji="1" lang="ja-JP" altLang="en-US" smtClean="0"/>
-              <a:t>2021/7/16</a:t>
+              <a:t>2021/7/21</a:t>
             </a:fld>
             <a:endParaRPr kumimoji="1" lang="ja-JP" altLang="en-US"/>
           </a:p>
@@ -1622,7 +1705,7 @@
           <a:p>
             <a:fld id="{F808FAA8-DC38-46BC-9A48-0414366DDF43}" type="datetime1">
               <a:rPr kumimoji="1" lang="ja-JP" altLang="en-US" smtClean="0"/>
-              <a:t>2021/7/16</a:t>
+              <a:t>2021/7/21</a:t>
             </a:fld>
             <a:endParaRPr kumimoji="1" lang="ja-JP" altLang="en-US"/>
           </a:p>
@@ -1919,7 +2002,7 @@
           <a:p>
             <a:fld id="{43B61DD3-8484-4FD8-9D55-71FA047E405C}" type="datetime1">
               <a:rPr kumimoji="1" lang="ja-JP" altLang="en-US" smtClean="0"/>
-              <a:t>2021/7/16</a:t>
+              <a:t>2021/7/21</a:t>
             </a:fld>
             <a:endParaRPr kumimoji="1" lang="ja-JP" altLang="en-US"/>
           </a:p>
@@ -2351,7 +2434,7 @@
           <a:p>
             <a:fld id="{61FE3252-B303-4BFD-B995-E88780D087A2}" type="datetime1">
               <a:rPr kumimoji="1" lang="ja-JP" altLang="en-US" smtClean="0"/>
-              <a:t>2021/7/16</a:t>
+              <a:t>2021/7/21</a:t>
             </a:fld>
             <a:endParaRPr kumimoji="1" lang="ja-JP" altLang="en-US"/>
           </a:p>
@@ -2470,7 +2553,7 @@
           <a:p>
             <a:fld id="{83973884-A525-473B-9B85-E710649C3EE9}" type="datetime1">
               <a:rPr kumimoji="1" lang="ja-JP" altLang="en-US" smtClean="0"/>
-              <a:t>2021/7/16</a:t>
+              <a:t>2021/7/21</a:t>
             </a:fld>
             <a:endParaRPr kumimoji="1" lang="ja-JP" altLang="en-US"/>
           </a:p>
@@ -2566,7 +2649,7 @@
           <a:p>
             <a:fld id="{630B9591-4670-4AF8-B7B7-F5F2443A761A}" type="datetime1">
               <a:rPr kumimoji="1" lang="ja-JP" altLang="en-US" smtClean="0"/>
-              <a:t>2021/7/16</a:t>
+              <a:t>2021/7/21</a:t>
             </a:fld>
             <a:endParaRPr kumimoji="1" lang="ja-JP" altLang="en-US"/>
           </a:p>
@@ -2876,7 +2959,7 @@
           <a:p>
             <a:fld id="{434F6BA0-5DA2-4153-9B76-E2457FA21F47}" type="datetime1">
               <a:rPr kumimoji="1" lang="ja-JP" altLang="en-US" smtClean="0"/>
-              <a:t>2021/7/16</a:t>
+              <a:t>2021/7/21</a:t>
             </a:fld>
             <a:endParaRPr kumimoji="1" lang="ja-JP" altLang="en-US"/>
           </a:p>
@@ -3134,7 +3217,7 @@
           <a:p>
             <a:fld id="{590B58CC-0A81-4826-A84E-1F1030B25368}" type="datetime1">
               <a:rPr kumimoji="1" lang="ja-JP" altLang="en-US" smtClean="0"/>
-              <a:t>2021/7/16</a:t>
+              <a:t>2021/7/21</a:t>
             </a:fld>
             <a:endParaRPr kumimoji="1" lang="ja-JP" altLang="en-US"/>
           </a:p>
@@ -3380,7 +3463,7 @@
           <a:p>
             <a:fld id="{77253A0B-EAD4-46D7-BD2F-C5BFFB89C890}" type="datetime1">
               <a:rPr kumimoji="1" lang="ja-JP" altLang="en-US" smtClean="0"/>
-              <a:t>2021/7/16</a:t>
+              <a:t>2021/7/21</a:t>
             </a:fld>
             <a:endParaRPr kumimoji="1" lang="ja-JP" altLang="en-US"/>
           </a:p>
@@ -4866,7 +4949,13 @@
               <a:rPr lang="ja-JP" altLang="en-US" dirty="0" smtClean="0">
                 <a:latin typeface="ＭＳ Ｐゴシック" panose="020B0600070205080204" pitchFamily="50" charset="-128"/>
               </a:rPr>
-              <a:t>サーバのロードバランス」</a:t>
+              <a:t>サーバのロードバランス</a:t>
+            </a:r>
+            <a:r>
+              <a:rPr lang="ja-JP" altLang="en-US" dirty="0" smtClean="0">
+                <a:latin typeface="ＭＳ Ｐゴシック" panose="020B0600070205080204" pitchFamily="50" charset="-128"/>
+              </a:rPr>
+              <a:t>」</a:t>
             </a:r>
             <a:endParaRPr lang="en-US" altLang="ja-JP" dirty="0" smtClean="0">
               <a:latin typeface="ＭＳ Ｐゴシック" panose="020B0600070205080204" pitchFamily="50" charset="-128"/>
@@ -5002,7 +5091,7 @@
         </p:nvSpPr>
         <p:spPr>
           <a:xfrm>
-            <a:off x="552450" y="381000"/>
+            <a:off x="366783" y="0"/>
             <a:ext cx="7886700" cy="1325563"/>
           </a:xfrm>
         </p:spPr>
@@ -5016,7 +5105,7 @@
             </a:r>
             <a:r>
               <a:rPr kumimoji="1" lang="ja-JP" altLang="en-US" dirty="0" smtClean="0"/>
-              <a:t>方式</a:t>
+              <a:t>方式図</a:t>
             </a:r>
             <a:endParaRPr kumimoji="1" lang="ja-JP" altLang="en-US" dirty="0"/>
           </a:p>
@@ -5045,78 +5134,94 @@
           </a:p>
         </p:txBody>
       </p:sp>
-      <p:sp>
-        <p:nvSpPr>
-          <p:cNvPr id="5" name="コンテンツ プレースホルダー 2"/>
-          <p:cNvSpPr>
-            <a:spLocks noGrp="1"/>
-          </p:cNvSpPr>
-          <p:nvPr>
-            <p:ph idx="1"/>
-          </p:nvPr>
-        </p:nvSpPr>
+      <p:pic>
+        <p:nvPicPr>
+          <p:cNvPr id="3" name="図 2"/>
+          <p:cNvPicPr>
+            <a:picLocks noChangeAspect="1"/>
+          </p:cNvPicPr>
+          <p:nvPr/>
+        </p:nvPicPr>
+        <p:blipFill>
+          <a:blip r:embed="rId2"/>
+          <a:stretch>
+            <a:fillRect/>
+          </a:stretch>
+        </p:blipFill>
         <p:spPr>
           <a:xfrm>
-            <a:off x="552450" y="1706563"/>
-            <a:ext cx="8032750" cy="3277130"/>
+            <a:off x="696384" y="1126904"/>
+            <a:ext cx="7453364" cy="5671829"/>
           </a:xfrm>
+          <a:prstGeom prst="rect">
+            <a:avLst/>
+          </a:prstGeom>
         </p:spPr>
-        <p:txBody>
-          <a:bodyPr>
-            <a:normAutofit/>
-          </a:bodyPr>
-          <a:lstStyle/>
-          <a:p>
-            <a:r>
-              <a:rPr lang="ja-JP" altLang="en-US" sz="3200" dirty="0" smtClean="0">
+      </p:pic>
+      <p:sp>
+        <p:nvSpPr>
+          <p:cNvPr id="5" name="正方形/長方形 4"/>
+          <p:cNvSpPr/>
+          <p:nvPr/>
+        </p:nvSpPr>
+        <p:spPr>
+          <a:xfrm>
+            <a:off x="4021667" y="211667"/>
+            <a:ext cx="4859866" cy="846666"/>
+          </a:xfrm>
+          <a:prstGeom prst="rect">
+            <a:avLst/>
+          </a:prstGeom>
+          <a:solidFill>
+            <a:schemeClr val="bg1"/>
+          </a:solidFill>
+          <a:ln w="28575"/>
+        </p:spPr>
+        <p:style>
+          <a:lnRef idx="2">
+            <a:schemeClr val="accent6"/>
+          </a:lnRef>
+          <a:fillRef idx="1">
+            <a:schemeClr val="lt1"/>
+          </a:fillRef>
+          <a:effectRef idx="0">
+            <a:schemeClr val="accent6"/>
+          </a:effectRef>
+          <a:fontRef idx="minor">
+            <a:schemeClr val="dk1"/>
+          </a:fontRef>
+        </p:style>
+        <p:txBody>
+          <a:bodyPr rtlCol="0" anchor="ctr"/>
+          <a:lstStyle/>
+          <a:p>
+            <a:pPr algn="ctr"/>
+            <a:r>
+              <a:rPr lang="ja-JP" altLang="en-US" dirty="0">
                 <a:latin typeface="ＭＳ Ｐゴシック" panose="020B0600070205080204" pitchFamily="50" charset="-128"/>
               </a:rPr>
               <a:t>観光地検索システムを積んだ冗長的なサーバを</a:t>
             </a:r>
             <a:r>
-              <a:rPr lang="en-US" altLang="ja-JP" sz="3200" dirty="0" smtClean="0">
+              <a:rPr lang="en-US" altLang="ja-JP" dirty="0">
                 <a:latin typeface="ＭＳ Ｐゴシック" panose="020B0600070205080204" pitchFamily="50" charset="-128"/>
               </a:rPr>
               <a:t>3</a:t>
             </a:r>
             <a:r>
-              <a:rPr lang="ja-JP" altLang="en-US" sz="3200" dirty="0" smtClean="0">
+              <a:rPr lang="ja-JP" altLang="en-US" dirty="0">
                 <a:latin typeface="ＭＳ Ｐゴシック" panose="020B0600070205080204" pitchFamily="50" charset="-128"/>
               </a:rPr>
-              <a:t>台用意し、応答速度を計測し評価。</a:t>
-            </a:r>
-            <a:r>
-              <a:rPr lang="en-US" altLang="ja-JP" sz="3200" dirty="0" smtClean="0">
-                <a:latin typeface="ＭＳ Ｐゴシック" panose="020B0600070205080204" pitchFamily="50" charset="-128"/>
-              </a:rPr>
-              <a:t/>
-            </a:r>
-            <a:br>
-              <a:rPr lang="en-US" altLang="ja-JP" sz="3200" dirty="0" smtClean="0">
-                <a:latin typeface="ＭＳ Ｐゴシック" panose="020B0600070205080204" pitchFamily="50" charset="-128"/>
-              </a:rPr>
-            </a:br>
-            <a:endParaRPr lang="en-US" altLang="ja-JP" sz="3200" dirty="0" smtClean="0">
-              <a:latin typeface="ＭＳ Ｐゴシック" panose="020B0600070205080204" pitchFamily="50" charset="-128"/>
-            </a:endParaRPr>
-          </a:p>
-          <a:p>
-            <a:r>
-              <a:rPr lang="ja-JP" altLang="en-US" sz="3200" dirty="0" smtClean="0">
-                <a:latin typeface="ＭＳ Ｐゴシック" panose="020B0600070205080204" pitchFamily="50" charset="-128"/>
-              </a:rPr>
-              <a:t>ロードバランサーはこの評価を割り振る指標として判断する。</a:t>
-            </a:r>
-            <a:endParaRPr lang="en-US" altLang="ja-JP" sz="3200" dirty="0" smtClean="0">
-              <a:latin typeface="ＭＳ Ｐゴシック" panose="020B0600070205080204" pitchFamily="50" charset="-128"/>
-            </a:endParaRPr>
+              <a:t>台用意し、応答速度を計測し評価。ロードバランサーはこの評価を割り振る指標として判断する。</a:t>
+            </a:r>
+            <a:endParaRPr kumimoji="1" lang="ja-JP" altLang="en-US" dirty="0"/>
           </a:p>
         </p:txBody>
       </p:sp>
     </p:spTree>
     <p:extLst>
       <p:ext uri="{BB962C8B-B14F-4D97-AF65-F5344CB8AC3E}">
-        <p14:creationId xmlns:p14="http://schemas.microsoft.com/office/powerpoint/2010/main" val="19633717"/>
+        <p14:creationId xmlns:p14="http://schemas.microsoft.com/office/powerpoint/2010/main" val="3726678057"/>
       </p:ext>
     </p:extLst>
   </p:cSld>
@@ -5155,115 +5260,6 @@
         </p:nvSpPr>
         <p:spPr>
           <a:xfrm>
-            <a:off x="366783" y="0"/>
-            <a:ext cx="7886700" cy="1325563"/>
-          </a:xfrm>
-        </p:spPr>
-        <p:txBody>
-          <a:bodyPr/>
-          <a:lstStyle/>
-          <a:p>
-            <a:r>
-              <a:rPr kumimoji="1" lang="ja-JP" altLang="en-US" dirty="0"/>
-              <a:t>提案</a:t>
-            </a:r>
-            <a:r>
-              <a:rPr kumimoji="1" lang="ja-JP" altLang="en-US" dirty="0" smtClean="0"/>
-              <a:t>方式図</a:t>
-            </a:r>
-            <a:endParaRPr kumimoji="1" lang="ja-JP" altLang="en-US" dirty="0"/>
-          </a:p>
-        </p:txBody>
-      </p:sp>
-      <p:sp>
-        <p:nvSpPr>
-          <p:cNvPr id="4" name="スライド番号プレースホルダー 3"/>
-          <p:cNvSpPr>
-            <a:spLocks noGrp="1"/>
-          </p:cNvSpPr>
-          <p:nvPr>
-            <p:ph type="sldNum" sz="quarter" idx="12"/>
-          </p:nvPr>
-        </p:nvSpPr>
-        <p:spPr/>
-        <p:txBody>
-          <a:bodyPr/>
-          <a:lstStyle/>
-          <a:p>
-            <a:fld id="{B4451160-128F-4DAD-AE29-4A8CC0E7B9E9}" type="slidenum">
-              <a:rPr kumimoji="1" lang="ja-JP" altLang="en-US" smtClean="0"/>
-              <a:t>7</a:t>
-            </a:fld>
-            <a:endParaRPr kumimoji="1" lang="ja-JP" altLang="en-US"/>
-          </a:p>
-        </p:txBody>
-      </p:sp>
-      <p:pic>
-        <p:nvPicPr>
-          <p:cNvPr id="3" name="図 2"/>
-          <p:cNvPicPr>
-            <a:picLocks noChangeAspect="1"/>
-          </p:cNvPicPr>
-          <p:nvPr/>
-        </p:nvPicPr>
-        <p:blipFill>
-          <a:blip r:embed="rId2"/>
-          <a:stretch>
-            <a:fillRect/>
-          </a:stretch>
-        </p:blipFill>
-        <p:spPr>
-          <a:xfrm>
-            <a:off x="890517" y="1118438"/>
-            <a:ext cx="7362966" cy="5603038"/>
-          </a:xfrm>
-          <a:prstGeom prst="rect">
-            <a:avLst/>
-          </a:prstGeom>
-        </p:spPr>
-      </p:pic>
-    </p:spTree>
-    <p:extLst>
-      <p:ext uri="{BB962C8B-B14F-4D97-AF65-F5344CB8AC3E}">
-        <p14:creationId xmlns:p14="http://schemas.microsoft.com/office/powerpoint/2010/main" val="3726678057"/>
-      </p:ext>
-    </p:extLst>
-  </p:cSld>
-  <p:clrMapOvr>
-    <a:masterClrMapping/>
-  </p:clrMapOvr>
-</p:sld>
-</file>
-
-<file path=ppt/slides/slide8.xml><?xml version="1.0" encoding="utf-8"?>
-<p:sld xmlns:a="http://schemas.openxmlformats.org/drawingml/2006/main" xmlns:r="http://schemas.openxmlformats.org/officeDocument/2006/relationships" xmlns:p="http://schemas.openxmlformats.org/presentationml/2006/main">
-  <p:cSld>
-    <p:spTree>
-      <p:nvGrpSpPr>
-        <p:cNvPr id="1" name=""/>
-        <p:cNvGrpSpPr/>
-        <p:nvPr/>
-      </p:nvGrpSpPr>
-      <p:grpSpPr>
-        <a:xfrm>
-          <a:off x="0" y="0"/>
-          <a:ext cx="0" cy="0"/>
-          <a:chOff x="0" y="0"/>
-          <a:chExt cx="0" cy="0"/>
-        </a:xfrm>
-      </p:grpSpPr>
-      <p:sp>
-        <p:nvSpPr>
-          <p:cNvPr id="2" name="タイトル 1"/>
-          <p:cNvSpPr>
-            <a:spLocks noGrp="1"/>
-          </p:cNvSpPr>
-          <p:nvPr>
-            <p:ph type="title"/>
-          </p:nvPr>
-        </p:nvSpPr>
-        <p:spPr>
-          <a:xfrm>
             <a:off x="527050" y="431533"/>
             <a:ext cx="7886700" cy="1325563"/>
           </a:xfrm>
@@ -5296,7 +5292,7 @@
           <a:p>
             <a:fld id="{B4451160-128F-4DAD-AE29-4A8CC0E7B9E9}" type="slidenum">
               <a:rPr kumimoji="1" lang="ja-JP" altLang="en-US" smtClean="0"/>
-              <a:t>8</a:t>
+              <a:t>7</a:t>
             </a:fld>
             <a:endParaRPr kumimoji="1" lang="ja-JP" altLang="en-US"/>
           </a:p>

--- a/発表用/1821086_中間発表.pptx
+++ b/発表用/1821086_中間発表.pptx
@@ -4949,13 +4949,7 @@
               <a:rPr lang="ja-JP" altLang="en-US" dirty="0" smtClean="0">
                 <a:latin typeface="ＭＳ Ｐゴシック" panose="020B0600070205080204" pitchFamily="50" charset="-128"/>
               </a:rPr>
-              <a:t>サーバのロードバランス</a:t>
-            </a:r>
-            <a:r>
-              <a:rPr lang="ja-JP" altLang="en-US" dirty="0" smtClean="0">
-                <a:latin typeface="ＭＳ Ｐゴシック" panose="020B0600070205080204" pitchFamily="50" charset="-128"/>
-              </a:rPr>
-              <a:t>」</a:t>
+              <a:t>サーバのロードバランス」</a:t>
             </a:r>
             <a:endParaRPr lang="en-US" altLang="ja-JP" dirty="0" smtClean="0">
               <a:latin typeface="ＭＳ Ｐゴシック" panose="020B0600070205080204" pitchFamily="50" charset="-128"/>
@@ -5269,8 +5263,12 @@
           <a:lstStyle/>
           <a:p>
             <a:r>
+              <a:rPr lang="ja-JP" altLang="en-US" dirty="0"/>
+              <a:t>開発環境と今後</a:t>
+            </a:r>
+            <a:r>
               <a:rPr kumimoji="1" lang="ja-JP" altLang="en-US" dirty="0"/>
-              <a:t>今後のスケジュール</a:t>
+              <a:t>のスケジュール</a:t>
             </a:r>
           </a:p>
         </p:txBody>
@@ -5314,14 +5312,278 @@
         </p:blipFill>
         <p:spPr>
           <a:xfrm>
-            <a:off x="211580" y="2023533"/>
-            <a:ext cx="8720839" cy="3302000"/>
+            <a:off x="643423" y="3502445"/>
+            <a:ext cx="7653953" cy="2853906"/>
           </a:xfrm>
           <a:prstGeom prst="rect">
             <a:avLst/>
           </a:prstGeom>
         </p:spPr>
       </p:pic>
+      <p:sp>
+        <p:nvSpPr>
+          <p:cNvPr id="5" name="テキスト ボックス 4"/>
+          <p:cNvSpPr txBox="1"/>
+          <p:nvPr/>
+        </p:nvSpPr>
+        <p:spPr>
+          <a:xfrm>
+            <a:off x="527050" y="3040780"/>
+            <a:ext cx="2969083" cy="461665"/>
+          </a:xfrm>
+          <a:prstGeom prst="rect">
+            <a:avLst/>
+          </a:prstGeom>
+          <a:noFill/>
+        </p:spPr>
+        <p:txBody>
+          <a:bodyPr wrap="none" rtlCol="0">
+            <a:spAutoFit/>
+          </a:bodyPr>
+          <a:lstStyle/>
+          <a:p>
+            <a:r>
+              <a:rPr lang="ja-JP" altLang="en-US" sz="2400" b="1" dirty="0" smtClean="0"/>
+              <a:t>・今後のスケジュール</a:t>
+            </a:r>
+            <a:endParaRPr lang="en-US" altLang="ja-JP" sz="2400" b="1" dirty="0" smtClean="0"/>
+          </a:p>
+        </p:txBody>
+      </p:sp>
+      <p:sp>
+        <p:nvSpPr>
+          <p:cNvPr id="6" name="テキスト ボックス 5"/>
+          <p:cNvSpPr txBox="1"/>
+          <p:nvPr/>
+        </p:nvSpPr>
+        <p:spPr>
+          <a:xfrm>
+            <a:off x="527050" y="1618380"/>
+            <a:ext cx="3328155" cy="461665"/>
+          </a:xfrm>
+          <a:prstGeom prst="rect">
+            <a:avLst/>
+          </a:prstGeom>
+          <a:noFill/>
+        </p:spPr>
+        <p:txBody>
+          <a:bodyPr wrap="none" rtlCol="0">
+            <a:spAutoFit/>
+          </a:bodyPr>
+          <a:lstStyle/>
+          <a:p>
+            <a:r>
+              <a:rPr lang="ja-JP" altLang="en-US" sz="2400" b="1" dirty="0" smtClean="0"/>
+              <a:t>・</a:t>
+            </a:r>
+            <a:r>
+              <a:rPr lang="ja-JP" altLang="en-US" sz="2400" b="1" dirty="0"/>
+              <a:t>システム</a:t>
+            </a:r>
+            <a:r>
+              <a:rPr lang="ja-JP" altLang="en-US" sz="2400" b="1" dirty="0" smtClean="0"/>
+              <a:t>別の</a:t>
+            </a:r>
+            <a:r>
+              <a:rPr lang="ja-JP" altLang="en-US" sz="2400" b="1" dirty="0" smtClean="0"/>
+              <a:t>開発</a:t>
+            </a:r>
+            <a:r>
+              <a:rPr lang="ja-JP" altLang="en-US" sz="2400" b="1" dirty="0" smtClean="0"/>
+              <a:t>環境</a:t>
+            </a:r>
+            <a:endParaRPr lang="en-US" altLang="ja-JP" sz="2400" b="1" dirty="0" smtClean="0"/>
+          </a:p>
+        </p:txBody>
+      </p:sp>
+      <p:sp>
+        <p:nvSpPr>
+          <p:cNvPr id="8" name="テキスト ボックス 7"/>
+          <p:cNvSpPr txBox="1"/>
+          <p:nvPr/>
+        </p:nvSpPr>
+        <p:spPr>
+          <a:xfrm>
+            <a:off x="643423" y="2163617"/>
+            <a:ext cx="2607702" cy="646331"/>
+          </a:xfrm>
+          <a:prstGeom prst="rect">
+            <a:avLst/>
+          </a:prstGeom>
+          <a:noFill/>
+        </p:spPr>
+        <p:txBody>
+          <a:bodyPr wrap="none" rtlCol="0">
+            <a:spAutoFit/>
+          </a:bodyPr>
+          <a:lstStyle/>
+          <a:p>
+            <a:pPr algn="ctr"/>
+            <a:r>
+              <a:rPr lang="ja-JP" altLang="en-US" b="1" u="sng" dirty="0" smtClean="0">
+                <a:solidFill>
+                  <a:prstClr val="black"/>
+                </a:solidFill>
+              </a:rPr>
+              <a:t>検索システム</a:t>
+            </a:r>
+            <a:endParaRPr lang="en-US" altLang="ja-JP" b="1" u="sng" dirty="0" smtClean="0">
+              <a:solidFill>
+                <a:prstClr val="black"/>
+              </a:solidFill>
+            </a:endParaRPr>
+          </a:p>
+          <a:p>
+            <a:r>
+              <a:rPr lang="en-US" altLang="ja-JP" dirty="0" err="1" smtClean="0">
+                <a:solidFill>
+                  <a:prstClr val="black"/>
+                </a:solidFill>
+              </a:rPr>
+              <a:t>PHP,</a:t>
+            </a:r>
+            <a:r>
+              <a:rPr lang="en-US" altLang="ja-JP" dirty="0" err="1" smtClean="0">
+                <a:solidFill>
+                  <a:prstClr val="black"/>
+                </a:solidFill>
+              </a:rPr>
+              <a:t>HTML,Apache,</a:t>
+            </a:r>
+            <a:r>
+              <a:rPr lang="en-US" altLang="ja-JP" dirty="0" err="1" smtClean="0">
+                <a:solidFill>
+                  <a:prstClr val="black"/>
+                </a:solidFill>
+              </a:rPr>
+              <a:t>SQLITE</a:t>
+            </a:r>
+            <a:endParaRPr kumimoji="1" lang="ja-JP" altLang="en-US" dirty="0"/>
+          </a:p>
+        </p:txBody>
+      </p:sp>
+      <p:sp>
+        <p:nvSpPr>
+          <p:cNvPr id="9" name="テキスト ボックス 8"/>
+          <p:cNvSpPr txBox="1"/>
+          <p:nvPr/>
+        </p:nvSpPr>
+        <p:spPr>
+          <a:xfrm>
+            <a:off x="3763646" y="2163615"/>
+            <a:ext cx="1624163" cy="646331"/>
+          </a:xfrm>
+          <a:prstGeom prst="rect">
+            <a:avLst/>
+          </a:prstGeom>
+          <a:noFill/>
+        </p:spPr>
+        <p:txBody>
+          <a:bodyPr wrap="none" rtlCol="0">
+            <a:spAutoFit/>
+          </a:bodyPr>
+          <a:lstStyle/>
+          <a:p>
+            <a:pPr algn="ctr"/>
+            <a:r>
+              <a:rPr lang="ja-JP" altLang="en-US" b="1" u="sng" dirty="0" smtClean="0">
+                <a:solidFill>
+                  <a:prstClr val="black"/>
+                </a:solidFill>
+              </a:rPr>
+              <a:t>ロードバランサ</a:t>
+            </a:r>
+            <a:endParaRPr lang="en-US" altLang="ja-JP" b="1" u="sng" dirty="0" smtClean="0">
+              <a:solidFill>
+                <a:prstClr val="black"/>
+              </a:solidFill>
+            </a:endParaRPr>
+          </a:p>
+          <a:p>
+            <a:pPr algn="ctr"/>
+            <a:r>
+              <a:rPr lang="en-US" altLang="ja-JP" dirty="0" err="1" smtClean="0">
+                <a:solidFill>
+                  <a:prstClr val="black"/>
+                </a:solidFill>
+              </a:rPr>
+              <a:t>NGINX</a:t>
+            </a:r>
+            <a:r>
+              <a:rPr lang="en-US" altLang="ja-JP" dirty="0" err="1" smtClean="0">
+                <a:solidFill>
+                  <a:prstClr val="black"/>
+                </a:solidFill>
+              </a:rPr>
+              <a:t>,Python</a:t>
+            </a:r>
+            <a:endParaRPr lang="en-US" altLang="ja-JP" dirty="0" smtClean="0">
+              <a:solidFill>
+                <a:prstClr val="black"/>
+              </a:solidFill>
+            </a:endParaRPr>
+          </a:p>
+        </p:txBody>
+      </p:sp>
+      <p:sp>
+        <p:nvSpPr>
+          <p:cNvPr id="10" name="テキスト ボックス 9"/>
+          <p:cNvSpPr txBox="1"/>
+          <p:nvPr/>
+        </p:nvSpPr>
+        <p:spPr>
+          <a:xfrm>
+            <a:off x="5900331" y="2163616"/>
+            <a:ext cx="2428870" cy="646331"/>
+          </a:xfrm>
+          <a:prstGeom prst="rect">
+            <a:avLst/>
+          </a:prstGeom>
+          <a:noFill/>
+        </p:spPr>
+        <p:txBody>
+          <a:bodyPr wrap="none" rtlCol="0">
+            <a:spAutoFit/>
+          </a:bodyPr>
+          <a:lstStyle/>
+          <a:p>
+            <a:pPr algn="ctr"/>
+            <a:r>
+              <a:rPr lang="ja-JP" altLang="en-US" b="1" u="sng" dirty="0">
+                <a:solidFill>
+                  <a:prstClr val="black"/>
+                </a:solidFill>
+              </a:rPr>
+              <a:t>応答</a:t>
+            </a:r>
+            <a:r>
+              <a:rPr lang="ja-JP" altLang="en-US" b="1" u="sng" dirty="0" smtClean="0">
+                <a:solidFill>
+                  <a:prstClr val="black"/>
+                </a:solidFill>
+              </a:rPr>
+              <a:t>速度計測システム</a:t>
+            </a:r>
+            <a:endParaRPr lang="en-US" altLang="ja-JP" b="1" u="sng" dirty="0" smtClean="0">
+              <a:solidFill>
+                <a:prstClr val="black"/>
+              </a:solidFill>
+            </a:endParaRPr>
+          </a:p>
+          <a:p>
+            <a:pPr algn="ctr"/>
+            <a:r>
+              <a:rPr lang="en-US" altLang="ja-JP" dirty="0" err="1" smtClean="0">
+                <a:solidFill>
+                  <a:prstClr val="black"/>
+                </a:solidFill>
+              </a:rPr>
+              <a:t>Python,SQLITE</a:t>
+            </a:r>
+            <a:endParaRPr kumimoji="1" lang="ja-JP" altLang="en-US" dirty="0"/>
+          </a:p>
+        </p:txBody>
+      </p:sp>
     </p:spTree>
     <p:extLst>
       <p:ext uri="{BB962C8B-B14F-4D97-AF65-F5344CB8AC3E}">

--- a/発表用/1821086_中間発表.pptx
+++ b/発表用/1821086_中間発表.pptx
@@ -5,7 +5,7 @@
     <p:sldMasterId id="2147483660" r:id="rId1"/>
   </p:sldMasterIdLst>
   <p:notesMasterIdLst>
-    <p:notesMasterId r:id="rId9"/>
+    <p:notesMasterId r:id="rId10"/>
   </p:notesMasterIdLst>
   <p:sldIdLst>
     <p:sldId id="257" r:id="rId2"/>
@@ -14,7 +14,8 @@
     <p:sldId id="260" r:id="rId5"/>
     <p:sldId id="261" r:id="rId6"/>
     <p:sldId id="263" r:id="rId7"/>
-    <p:sldId id="265" r:id="rId8"/>
+    <p:sldId id="267" r:id="rId8"/>
+    <p:sldId id="265" r:id="rId9"/>
   </p:sldIdLst>
   <p:sldSz cx="9144000" cy="6858000" type="screen4x3"/>
   <p:notesSz cx="6858000" cy="9144000"/>
@@ -697,6 +698,90 @@
     <p:extLst>
       <p:ext uri="{BB962C8B-B14F-4D97-AF65-F5344CB8AC3E}">
         <p14:creationId xmlns:p14="http://schemas.microsoft.com/office/powerpoint/2010/main" val="687012771"/>
+      </p:ext>
+    </p:extLst>
+  </p:cSld>
+  <p:clrMapOvr>
+    <a:masterClrMapping/>
+  </p:clrMapOvr>
+</p:notes>
+</file>
+
+<file path=ppt/notesSlides/notesSlide3.xml><?xml version="1.0" encoding="utf-8"?>
+<p:notes xmlns:a="http://schemas.openxmlformats.org/drawingml/2006/main" xmlns:r="http://schemas.openxmlformats.org/officeDocument/2006/relationships" xmlns:p="http://schemas.openxmlformats.org/presentationml/2006/main">
+  <p:cSld>
+    <p:spTree>
+      <p:nvGrpSpPr>
+        <p:cNvPr id="1" name=""/>
+        <p:cNvGrpSpPr/>
+        <p:nvPr/>
+      </p:nvGrpSpPr>
+      <p:grpSpPr>
+        <a:xfrm>
+          <a:off x="0" y="0"/>
+          <a:ext cx="0" cy="0"/>
+          <a:chOff x="0" y="0"/>
+          <a:chExt cx="0" cy="0"/>
+        </a:xfrm>
+      </p:grpSpPr>
+      <p:sp>
+        <p:nvSpPr>
+          <p:cNvPr id="2" name="スライド イメージ プレースホルダー 1"/>
+          <p:cNvSpPr>
+            <a:spLocks noGrp="1" noRot="1" noChangeAspect="1"/>
+          </p:cNvSpPr>
+          <p:nvPr>
+            <p:ph type="sldImg"/>
+          </p:nvPr>
+        </p:nvSpPr>
+        <p:spPr/>
+      </p:sp>
+      <p:sp>
+        <p:nvSpPr>
+          <p:cNvPr id="3" name="ノート プレースホルダー 2"/>
+          <p:cNvSpPr>
+            <a:spLocks noGrp="1"/>
+          </p:cNvSpPr>
+          <p:nvPr>
+            <p:ph type="body" idx="1"/>
+          </p:nvPr>
+        </p:nvSpPr>
+        <p:spPr/>
+        <p:txBody>
+          <a:bodyPr/>
+          <a:lstStyle/>
+          <a:p>
+            <a:endParaRPr kumimoji="1" lang="ja-JP" altLang="en-US" dirty="0"/>
+          </a:p>
+        </p:txBody>
+      </p:sp>
+      <p:sp>
+        <p:nvSpPr>
+          <p:cNvPr id="4" name="スライド番号プレースホルダー 3"/>
+          <p:cNvSpPr>
+            <a:spLocks noGrp="1"/>
+          </p:cNvSpPr>
+          <p:nvPr>
+            <p:ph type="sldNum" sz="quarter" idx="10"/>
+          </p:nvPr>
+        </p:nvSpPr>
+        <p:spPr/>
+        <p:txBody>
+          <a:bodyPr/>
+          <a:lstStyle/>
+          <a:p>
+            <a:fld id="{9D828324-DCC9-430F-AD2C-1DD1805E2C40}" type="slidenum">
+              <a:rPr kumimoji="1" lang="ja-JP" altLang="en-US" smtClean="0"/>
+              <a:t>7</a:t>
+            </a:fld>
+            <a:endParaRPr kumimoji="1" lang="ja-JP" altLang="en-US"/>
+          </a:p>
+        </p:txBody>
+      </p:sp>
+    </p:spTree>
+    <p:extLst>
+      <p:ext uri="{BB962C8B-B14F-4D97-AF65-F5344CB8AC3E}">
+        <p14:creationId xmlns:p14="http://schemas.microsoft.com/office/powerpoint/2010/main" val="2185544788"/>
       </p:ext>
     </p:extLst>
   </p:cSld>
@@ -5152,66 +5237,6 @@
           </a:prstGeom>
         </p:spPr>
       </p:pic>
-      <p:sp>
-        <p:nvSpPr>
-          <p:cNvPr id="5" name="正方形/長方形 4"/>
-          <p:cNvSpPr/>
-          <p:nvPr/>
-        </p:nvSpPr>
-        <p:spPr>
-          <a:xfrm>
-            <a:off x="4021667" y="211667"/>
-            <a:ext cx="4859866" cy="846666"/>
-          </a:xfrm>
-          <a:prstGeom prst="rect">
-            <a:avLst/>
-          </a:prstGeom>
-          <a:solidFill>
-            <a:schemeClr val="bg1"/>
-          </a:solidFill>
-          <a:ln w="28575"/>
-        </p:spPr>
-        <p:style>
-          <a:lnRef idx="2">
-            <a:schemeClr val="accent6"/>
-          </a:lnRef>
-          <a:fillRef idx="1">
-            <a:schemeClr val="lt1"/>
-          </a:fillRef>
-          <a:effectRef idx="0">
-            <a:schemeClr val="accent6"/>
-          </a:effectRef>
-          <a:fontRef idx="minor">
-            <a:schemeClr val="dk1"/>
-          </a:fontRef>
-        </p:style>
-        <p:txBody>
-          <a:bodyPr rtlCol="0" anchor="ctr"/>
-          <a:lstStyle/>
-          <a:p>
-            <a:pPr algn="ctr"/>
-            <a:r>
-              <a:rPr lang="ja-JP" altLang="en-US" dirty="0">
-                <a:latin typeface="ＭＳ Ｐゴシック" panose="020B0600070205080204" pitchFamily="50" charset="-128"/>
-              </a:rPr>
-              <a:t>観光地検索システムを積んだ冗長的なサーバを</a:t>
-            </a:r>
-            <a:r>
-              <a:rPr lang="en-US" altLang="ja-JP" dirty="0">
-                <a:latin typeface="ＭＳ Ｐゴシック" panose="020B0600070205080204" pitchFamily="50" charset="-128"/>
-              </a:rPr>
-              <a:t>3</a:t>
-            </a:r>
-            <a:r>
-              <a:rPr lang="ja-JP" altLang="en-US" dirty="0">
-                <a:latin typeface="ＭＳ Ｐゴシック" panose="020B0600070205080204" pitchFamily="50" charset="-128"/>
-              </a:rPr>
-              <a:t>台用意し、応答速度を計測し評価。ロードバランサーはこの評価を割り振る指標として判断する。</a:t>
-            </a:r>
-            <a:endParaRPr kumimoji="1" lang="ja-JP" altLang="en-US" dirty="0"/>
-          </a:p>
-        </p:txBody>
-      </p:sp>
     </p:spTree>
     <p:extLst>
       <p:ext uri="{BB962C8B-B14F-4D97-AF65-F5344CB8AC3E}">
@@ -5252,6 +5277,191 @@
             <p:ph type="title"/>
           </p:nvPr>
         </p:nvSpPr>
+        <p:spPr/>
+        <p:txBody>
+          <a:bodyPr/>
+          <a:lstStyle/>
+          <a:p>
+            <a:r>
+              <a:rPr kumimoji="1" lang="ja-JP" altLang="en-US" dirty="0" smtClean="0"/>
+              <a:t>提案方式の説明</a:t>
+            </a:r>
+            <a:endParaRPr kumimoji="1" lang="ja-JP" altLang="en-US" dirty="0"/>
+          </a:p>
+        </p:txBody>
+      </p:sp>
+      <p:sp>
+        <p:nvSpPr>
+          <p:cNvPr id="3" name="コンテンツ プレースホルダー 2"/>
+          <p:cNvSpPr>
+            <a:spLocks noGrp="1"/>
+          </p:cNvSpPr>
+          <p:nvPr>
+            <p:ph idx="1"/>
+          </p:nvPr>
+        </p:nvSpPr>
+        <p:spPr/>
+        <p:txBody>
+          <a:bodyPr>
+            <a:normAutofit/>
+          </a:bodyPr>
+          <a:lstStyle/>
+          <a:p>
+            <a:r>
+              <a:rPr lang="ja-JP" altLang="en-US" dirty="0">
+                <a:latin typeface="ＭＳ Ｐゴシック" panose="020B0600070205080204" pitchFamily="50" charset="-128"/>
+              </a:rPr>
+              <a:t>観光地検索システムを積んだ冗長的且つ不均一なサーバを</a:t>
+            </a:r>
+            <a:r>
+              <a:rPr lang="en-US" altLang="ja-JP" dirty="0">
+                <a:latin typeface="ＭＳ Ｐゴシック" panose="020B0600070205080204" pitchFamily="50" charset="-128"/>
+              </a:rPr>
+              <a:t>3</a:t>
+            </a:r>
+            <a:r>
+              <a:rPr lang="ja-JP" altLang="en-US" dirty="0">
+                <a:latin typeface="ＭＳ Ｐゴシック" panose="020B0600070205080204" pitchFamily="50" charset="-128"/>
+              </a:rPr>
+              <a:t>台</a:t>
+            </a:r>
+            <a:r>
+              <a:rPr lang="ja-JP" altLang="en-US" dirty="0" smtClean="0">
+                <a:latin typeface="ＭＳ Ｐゴシック" panose="020B0600070205080204" pitchFamily="50" charset="-128"/>
+              </a:rPr>
+              <a:t>用意</a:t>
+            </a:r>
+            <a:r>
+              <a:rPr lang="ja-JP" altLang="en-US" dirty="0">
+                <a:latin typeface="ＭＳ Ｐゴシック" panose="020B0600070205080204" pitchFamily="50" charset="-128"/>
+              </a:rPr>
+              <a:t>。</a:t>
+            </a:r>
+            <a:endParaRPr lang="en-US" altLang="ja-JP" dirty="0" smtClean="0">
+              <a:latin typeface="ＭＳ Ｐゴシック" panose="020B0600070205080204" pitchFamily="50" charset="-128"/>
+            </a:endParaRPr>
+          </a:p>
+          <a:p>
+            <a:endParaRPr lang="en-US" altLang="ja-JP" dirty="0" smtClean="0">
+              <a:latin typeface="ＭＳ Ｐゴシック" panose="020B0600070205080204" pitchFamily="50" charset="-128"/>
+            </a:endParaRPr>
+          </a:p>
+          <a:p>
+            <a:r>
+              <a:rPr lang="ja-JP" altLang="en-US" dirty="0" smtClean="0">
+                <a:latin typeface="ＭＳ Ｐゴシック" panose="020B0600070205080204" pitchFamily="50" charset="-128"/>
+              </a:rPr>
+              <a:t>応答</a:t>
+            </a:r>
+            <a:r>
+              <a:rPr lang="ja-JP" altLang="en-US" dirty="0">
+                <a:latin typeface="ＭＳ Ｐゴシック" panose="020B0600070205080204" pitchFamily="50" charset="-128"/>
+              </a:rPr>
+              <a:t>速度を計測し</a:t>
+            </a:r>
+            <a:r>
+              <a:rPr lang="ja-JP" altLang="en-US" dirty="0" smtClean="0">
+                <a:latin typeface="ＭＳ Ｐゴシック" panose="020B0600070205080204" pitchFamily="50" charset="-128"/>
+              </a:rPr>
+              <a:t>評価する。</a:t>
+            </a:r>
+            <a:endParaRPr lang="en-US" altLang="ja-JP" dirty="0" smtClean="0">
+              <a:latin typeface="ＭＳ Ｐゴシック" panose="020B0600070205080204" pitchFamily="50" charset="-128"/>
+            </a:endParaRPr>
+          </a:p>
+          <a:p>
+            <a:endParaRPr lang="en-US" altLang="ja-JP" dirty="0">
+              <a:latin typeface="ＭＳ Ｐゴシック" panose="020B0600070205080204" pitchFamily="50" charset="-128"/>
+            </a:endParaRPr>
+          </a:p>
+          <a:p>
+            <a:r>
+              <a:rPr lang="ja-JP" altLang="en-US" dirty="0" smtClean="0">
+                <a:latin typeface="ＭＳ Ｐゴシック" panose="020B0600070205080204" pitchFamily="50" charset="-128"/>
+              </a:rPr>
+              <a:t>ロードバランサー</a:t>
+            </a:r>
+            <a:r>
+              <a:rPr lang="ja-JP" altLang="en-US" dirty="0">
+                <a:latin typeface="ＭＳ Ｐゴシック" panose="020B0600070205080204" pitchFamily="50" charset="-128"/>
+              </a:rPr>
+              <a:t>はこの評価を割り振る指標として判断する。</a:t>
+            </a:r>
+            <a:endParaRPr lang="ja-JP" altLang="en-US" dirty="0"/>
+          </a:p>
+          <a:p>
+            <a:pPr marL="0" indent="0">
+              <a:buNone/>
+            </a:pPr>
+            <a:endParaRPr lang="ja-JP" altLang="en-US" dirty="0" smtClean="0">
+              <a:latin typeface="ＭＳ Ｐゴシック" panose="020B0600070205080204" pitchFamily="50" charset="-128"/>
+            </a:endParaRPr>
+          </a:p>
+        </p:txBody>
+      </p:sp>
+      <p:sp>
+        <p:nvSpPr>
+          <p:cNvPr id="4" name="スライド番号プレースホルダー 3"/>
+          <p:cNvSpPr>
+            <a:spLocks noGrp="1"/>
+          </p:cNvSpPr>
+          <p:nvPr>
+            <p:ph type="sldNum" sz="quarter" idx="12"/>
+          </p:nvPr>
+        </p:nvSpPr>
+        <p:spPr/>
+        <p:txBody>
+          <a:bodyPr/>
+          <a:lstStyle/>
+          <a:p>
+            <a:fld id="{B4451160-128F-4DAD-AE29-4A8CC0E7B9E9}" type="slidenum">
+              <a:rPr kumimoji="1" lang="ja-JP" altLang="en-US" smtClean="0"/>
+              <a:t>7</a:t>
+            </a:fld>
+            <a:endParaRPr kumimoji="1" lang="ja-JP" altLang="en-US"/>
+          </a:p>
+        </p:txBody>
+      </p:sp>
+    </p:spTree>
+    <p:extLst>
+      <p:ext uri="{BB962C8B-B14F-4D97-AF65-F5344CB8AC3E}">
+        <p14:creationId xmlns:p14="http://schemas.microsoft.com/office/powerpoint/2010/main" val="972452230"/>
+      </p:ext>
+    </p:extLst>
+  </p:cSld>
+  <p:clrMapOvr>
+    <a:masterClrMapping/>
+  </p:clrMapOvr>
+</p:sld>
+</file>
+
+<file path=ppt/slides/slide8.xml><?xml version="1.0" encoding="utf-8"?>
+<p:sld xmlns:a="http://schemas.openxmlformats.org/drawingml/2006/main" xmlns:r="http://schemas.openxmlformats.org/officeDocument/2006/relationships" xmlns:p="http://schemas.openxmlformats.org/presentationml/2006/main">
+  <p:cSld>
+    <p:spTree>
+      <p:nvGrpSpPr>
+        <p:cNvPr id="1" name=""/>
+        <p:cNvGrpSpPr/>
+        <p:nvPr/>
+      </p:nvGrpSpPr>
+      <p:grpSpPr>
+        <a:xfrm>
+          <a:off x="0" y="0"/>
+          <a:ext cx="0" cy="0"/>
+          <a:chOff x="0" y="0"/>
+          <a:chExt cx="0" cy="0"/>
+        </a:xfrm>
+      </p:grpSpPr>
+      <p:sp>
+        <p:nvSpPr>
+          <p:cNvPr id="2" name="タイトル 1"/>
+          <p:cNvSpPr>
+            <a:spLocks noGrp="1"/>
+          </p:cNvSpPr>
+          <p:nvPr>
+            <p:ph type="title"/>
+          </p:nvPr>
+        </p:nvSpPr>
         <p:spPr>
           <a:xfrm>
             <a:off x="527050" y="431533"/>
@@ -5290,7 +5500,7 @@
           <a:p>
             <a:fld id="{B4451160-128F-4DAD-AE29-4A8CC0E7B9E9}" type="slidenum">
               <a:rPr kumimoji="1" lang="ja-JP" altLang="en-US" smtClean="0"/>
-              <a:t>7</a:t>
+              <a:t>8</a:t>
             </a:fld>
             <a:endParaRPr kumimoji="1" lang="ja-JP" altLang="en-US"/>
           </a:p>
@@ -5382,15 +5592,7 @@
             </a:r>
             <a:r>
               <a:rPr lang="ja-JP" altLang="en-US" sz="2400" b="1" dirty="0" smtClean="0"/>
-              <a:t>別の</a:t>
-            </a:r>
-            <a:r>
-              <a:rPr lang="ja-JP" altLang="en-US" sz="2400" b="1" dirty="0" smtClean="0"/>
-              <a:t>開発</a:t>
-            </a:r>
-            <a:r>
-              <a:rPr lang="ja-JP" altLang="en-US" sz="2400" b="1" dirty="0" smtClean="0"/>
-              <a:t>環境</a:t>
+              <a:t>別の開発環境</a:t>
             </a:r>
             <a:endParaRPr lang="en-US" altLang="ja-JP" sz="2400" b="1" dirty="0" smtClean="0"/>
           </a:p>
@@ -5440,23 +5642,7 @@
                   <a:prstClr val="black"/>
                 </a:solidFill>
               </a:rPr>
-              <a:t>PHP,</a:t>
-            </a:r>
-            <a:r>
-              <a:rPr lang="en-US" altLang="ja-JP" dirty="0" err="1" smtClean="0">
-                <a:solidFill>
-                  <a:prstClr val="black"/>
-                </a:solidFill>
-              </a:rPr>
-              <a:t>HTML,Apache,</a:t>
-            </a:r>
-            <a:r>
-              <a:rPr lang="en-US" altLang="ja-JP" dirty="0" err="1" smtClean="0">
-                <a:solidFill>
-                  <a:prstClr val="black"/>
-                </a:solidFill>
-              </a:rPr>
-              <a:t>SQLITE</a:t>
+              <a:t>PHP,HTML,Apache,SQLITE</a:t>
             </a:r>
             <a:endParaRPr kumimoji="1" lang="ja-JP" altLang="en-US" dirty="0"/>
           </a:p>
@@ -5507,15 +5693,7 @@
                   <a:prstClr val="black"/>
                 </a:solidFill>
               </a:rPr>
-              <a:t>NGINX</a:t>
-            </a:r>
-            <a:r>
-              <a:rPr lang="en-US" altLang="ja-JP" dirty="0" err="1" smtClean="0">
-                <a:solidFill>
-                  <a:prstClr val="black"/>
-                </a:solidFill>
-              </a:rPr>
-              <a:t>,Python</a:t>
+              <a:t>NGINX,Python</a:t>
             </a:r>
             <a:endParaRPr lang="en-US" altLang="ja-JP" dirty="0" smtClean="0">
               <a:solidFill>

--- a/発表用/1821086_中間発表.pptx
+++ b/発表用/1821086_中間発表.pptx
@@ -233,7 +233,7 @@
           <a:p>
             <a:fld id="{27571B5F-C8EC-4379-AD76-80FD414F3861}" type="datetimeFigureOut">
               <a:rPr kumimoji="1" lang="ja-JP" altLang="en-US" smtClean="0"/>
-              <a:t>2021/7/21</a:t>
+              <a:t>2021/7/22</a:t>
             </a:fld>
             <a:endParaRPr kumimoji="1" lang="ja-JP" altLang="en-US"/>
           </a:p>
@@ -922,7 +922,7 @@
           <a:p>
             <a:fld id="{ED609840-96BF-4512-A2C1-C87E0BBF3D2F}" type="datetime1">
               <a:rPr kumimoji="1" lang="ja-JP" altLang="en-US" smtClean="0"/>
-              <a:t>2021/7/21</a:t>
+              <a:t>2021/7/22</a:t>
             </a:fld>
             <a:endParaRPr kumimoji="1" lang="ja-JP" altLang="en-US"/>
           </a:p>
@@ -1125,7 +1125,7 @@
           <a:p>
             <a:fld id="{F97B6116-28DE-44C1-8891-65688903BD50}" type="datetime1">
               <a:rPr kumimoji="1" lang="ja-JP" altLang="en-US" smtClean="0"/>
-              <a:t>2021/7/21</a:t>
+              <a:t>2021/7/22</a:t>
             </a:fld>
             <a:endParaRPr kumimoji="1" lang="ja-JP" altLang="en-US"/>
           </a:p>
@@ -1338,7 +1338,7 @@
           <a:p>
             <a:fld id="{EDE04BF4-1FC0-40EE-A15F-5986BB2387E9}" type="datetime1">
               <a:rPr kumimoji="1" lang="ja-JP" altLang="en-US" smtClean="0"/>
-              <a:t>2021/7/21</a:t>
+              <a:t>2021/7/22</a:t>
             </a:fld>
             <a:endParaRPr kumimoji="1" lang="ja-JP" altLang="en-US"/>
           </a:p>
@@ -1541,7 +1541,7 @@
           <a:p>
             <a:fld id="{AFE4124D-C094-469A-99BC-7EA66CDB293F}" type="datetime1">
               <a:rPr kumimoji="1" lang="ja-JP" altLang="en-US" smtClean="0"/>
-              <a:t>2021/7/21</a:t>
+              <a:t>2021/7/22</a:t>
             </a:fld>
             <a:endParaRPr kumimoji="1" lang="ja-JP" altLang="en-US"/>
           </a:p>
@@ -1790,7 +1790,7 @@
           <a:p>
             <a:fld id="{F808FAA8-DC38-46BC-9A48-0414366DDF43}" type="datetime1">
               <a:rPr kumimoji="1" lang="ja-JP" altLang="en-US" smtClean="0"/>
-              <a:t>2021/7/21</a:t>
+              <a:t>2021/7/22</a:t>
             </a:fld>
             <a:endParaRPr kumimoji="1" lang="ja-JP" altLang="en-US"/>
           </a:p>
@@ -2087,7 +2087,7 @@
           <a:p>
             <a:fld id="{43B61DD3-8484-4FD8-9D55-71FA047E405C}" type="datetime1">
               <a:rPr kumimoji="1" lang="ja-JP" altLang="en-US" smtClean="0"/>
-              <a:t>2021/7/21</a:t>
+              <a:t>2021/7/22</a:t>
             </a:fld>
             <a:endParaRPr kumimoji="1" lang="ja-JP" altLang="en-US"/>
           </a:p>
@@ -2519,7 +2519,7 @@
           <a:p>
             <a:fld id="{61FE3252-B303-4BFD-B995-E88780D087A2}" type="datetime1">
               <a:rPr kumimoji="1" lang="ja-JP" altLang="en-US" smtClean="0"/>
-              <a:t>2021/7/21</a:t>
+              <a:t>2021/7/22</a:t>
             </a:fld>
             <a:endParaRPr kumimoji="1" lang="ja-JP" altLang="en-US"/>
           </a:p>
@@ -2638,7 +2638,7 @@
           <a:p>
             <a:fld id="{83973884-A525-473B-9B85-E710649C3EE9}" type="datetime1">
               <a:rPr kumimoji="1" lang="ja-JP" altLang="en-US" smtClean="0"/>
-              <a:t>2021/7/21</a:t>
+              <a:t>2021/7/22</a:t>
             </a:fld>
             <a:endParaRPr kumimoji="1" lang="ja-JP" altLang="en-US"/>
           </a:p>
@@ -2734,7 +2734,7 @@
           <a:p>
             <a:fld id="{630B9591-4670-4AF8-B7B7-F5F2443A761A}" type="datetime1">
               <a:rPr kumimoji="1" lang="ja-JP" altLang="en-US" smtClean="0"/>
-              <a:t>2021/7/21</a:t>
+              <a:t>2021/7/22</a:t>
             </a:fld>
             <a:endParaRPr kumimoji="1" lang="ja-JP" altLang="en-US"/>
           </a:p>
@@ -3044,7 +3044,7 @@
           <a:p>
             <a:fld id="{434F6BA0-5DA2-4153-9B76-E2457FA21F47}" type="datetime1">
               <a:rPr kumimoji="1" lang="ja-JP" altLang="en-US" smtClean="0"/>
-              <a:t>2021/7/21</a:t>
+              <a:t>2021/7/22</a:t>
             </a:fld>
             <a:endParaRPr kumimoji="1" lang="ja-JP" altLang="en-US"/>
           </a:p>
@@ -3302,7 +3302,7 @@
           <a:p>
             <a:fld id="{590B58CC-0A81-4826-A84E-1F1030B25368}" type="datetime1">
               <a:rPr kumimoji="1" lang="ja-JP" altLang="en-US" smtClean="0"/>
-              <a:t>2021/7/21</a:t>
+              <a:t>2021/7/22</a:t>
             </a:fld>
             <a:endParaRPr kumimoji="1" lang="ja-JP" altLang="en-US"/>
           </a:p>
@@ -3548,7 +3548,7 @@
           <a:p>
             <a:fld id="{77253A0B-EAD4-46D7-BD2F-C5BFFB89C890}" type="datetime1">
               <a:rPr kumimoji="1" lang="ja-JP" altLang="en-US" smtClean="0"/>
-              <a:t>2021/7/21</a:t>
+              <a:t>2021/7/22</a:t>
             </a:fld>
             <a:endParaRPr kumimoji="1" lang="ja-JP" altLang="en-US"/>
           </a:p>
@@ -4004,102 +4004,101 @@
           </a:bodyPr>
           <a:lstStyle/>
           <a:p>
-            <a:r>
-              <a:rPr lang="en-US" altLang="ja-JP" sz="2200" dirty="0" smtClean="0"/>
+            <a:pPr>
+              <a:lnSpc>
+                <a:spcPct val="100000"/>
+              </a:lnSpc>
+            </a:pPr>
+            <a:r>
+              <a:rPr lang="en-US" altLang="ja-JP" sz="2400" dirty="0"/>
               <a:t>WEB</a:t>
             </a:r>
             <a:r>
-              <a:rPr lang="ja-JP" altLang="en-US" sz="2200" dirty="0"/>
-              <a:t>ページは電気や水道などと同じく重要なライフラインになりつつある</a:t>
-            </a:r>
-            <a:r>
-              <a:rPr lang="ja-JP" altLang="en-US" sz="2200" dirty="0" smtClean="0"/>
-              <a:t>。サービス</a:t>
-            </a:r>
-            <a:r>
-              <a:rPr lang="ja-JP" altLang="en-US" sz="2200" dirty="0"/>
-              <a:t>を止めることなく、サーバの保守や修理拡張等が行える</a:t>
-            </a:r>
-            <a:r>
-              <a:rPr lang="ja-JP" altLang="en-US" sz="2200" dirty="0">
+              <a:rPr lang="ja-JP" altLang="en-US" sz="2400" dirty="0"/>
+              <a:t>サーバは重要なライフラインになりつつある</a:t>
+            </a:r>
+            <a:r>
+              <a:rPr lang="ja-JP" altLang="en-US" sz="2400" dirty="0" smtClean="0"/>
+              <a:t>．サービス</a:t>
+            </a:r>
+            <a:r>
+              <a:rPr lang="ja-JP" altLang="en-US" sz="2400" dirty="0"/>
+              <a:t>全体の応答性能と可用性を高めるなど行える</a:t>
+            </a:r>
+            <a:r>
+              <a:rPr lang="ja-JP" altLang="en-US" sz="2400" dirty="0">
                 <a:solidFill>
                   <a:srgbClr val="FF0000"/>
                 </a:solidFill>
               </a:rPr>
-              <a:t>ロードバランサーの需要は</a:t>
-            </a:r>
-            <a:r>
-              <a:rPr lang="ja-JP" altLang="en-US" sz="2200" dirty="0" smtClean="0">
-                <a:solidFill>
-                  <a:srgbClr val="FF0000"/>
-                </a:solidFill>
-              </a:rPr>
-              <a:t>今後増加</a:t>
-            </a:r>
-            <a:r>
-              <a:rPr lang="ja-JP" altLang="en-US" sz="2200" dirty="0">
-                <a:solidFill>
-                  <a:srgbClr val="FF0000"/>
-                </a:solidFill>
-              </a:rPr>
-              <a:t>傾向</a:t>
-            </a:r>
-            <a:r>
-              <a:rPr lang="ja-JP" altLang="en-US" sz="2200" dirty="0"/>
-              <a:t>になると予想される</a:t>
-            </a:r>
-            <a:r>
-              <a:rPr lang="ja-JP" altLang="en-US" sz="2200" dirty="0" smtClean="0"/>
-              <a:t>。</a:t>
-            </a:r>
-            <a:endParaRPr lang="en-US" altLang="ja-JP" sz="2200" dirty="0" smtClean="0"/>
-          </a:p>
-          <a:p>
-            <a:endParaRPr lang="ja-JP" altLang="en-US" sz="2200" dirty="0"/>
-          </a:p>
-          <a:p>
-            <a:r>
-              <a:rPr lang="ja-JP" altLang="en-US" sz="2200" dirty="0"/>
-              <a:t>ロードバランサーは企業に限った話ではない。個人サイトレベルでも必要になりつつ</a:t>
-            </a:r>
-            <a:r>
-              <a:rPr lang="ja-JP" altLang="en-US" sz="2200" dirty="0" smtClean="0"/>
-              <a:t>ある</a:t>
-            </a:r>
-            <a:r>
-              <a:rPr lang="ja-JP" altLang="en-US" sz="2200" dirty="0"/>
-              <a:t>。</a:t>
-            </a:r>
-            <a:r>
-              <a:rPr lang="en-US" altLang="ja-JP" sz="2200" dirty="0" smtClean="0"/>
+              <a:t>ロードバランサーの需要は今後増加傾向</a:t>
+            </a:r>
+            <a:r>
+              <a:rPr lang="ja-JP" altLang="en-US" sz="2400" dirty="0"/>
+              <a:t>になると</a:t>
+            </a:r>
+            <a:r>
+              <a:rPr lang="ja-JP" altLang="en-US" sz="2400" dirty="0" smtClean="0"/>
+              <a:t>予想</a:t>
+            </a:r>
+            <a:r>
+              <a:rPr lang="ja-JP" altLang="en-US" sz="2400" dirty="0"/>
+              <a:t>される</a:t>
+            </a:r>
+            <a:r>
+              <a:rPr lang="ja-JP" altLang="en-US" sz="2400" dirty="0" smtClean="0"/>
+              <a:t>．</a:t>
+            </a:r>
+            <a:endParaRPr lang="en-US" altLang="ja-JP" sz="2400" dirty="0"/>
+          </a:p>
+          <a:p>
+            <a:pPr>
+              <a:lnSpc>
+                <a:spcPct val="100000"/>
+              </a:lnSpc>
+            </a:pPr>
+            <a:r>
+              <a:rPr lang="ja-JP" altLang="en-US" sz="2400" dirty="0" smtClean="0"/>
+              <a:t>企業</a:t>
+            </a:r>
+            <a:r>
+              <a:rPr lang="ja-JP" altLang="en-US" sz="2400" dirty="0"/>
+              <a:t>サイトに限らず個人サイトでも必要になりつつ</a:t>
+            </a:r>
+            <a:r>
+              <a:rPr lang="ja-JP" altLang="en-US" sz="2400" dirty="0" smtClean="0"/>
+              <a:t>ある．</a:t>
+            </a:r>
+            <a:r>
+              <a:rPr lang="en-US" altLang="ja-JP" sz="2400" dirty="0" smtClean="0"/>
               <a:t>Google</a:t>
             </a:r>
             <a:r>
-              <a:rPr lang="ja-JP" altLang="en-US" sz="2200" dirty="0"/>
+              <a:rPr lang="ja-JP" altLang="en-US" sz="2400" dirty="0"/>
               <a:t>の発表した情報による</a:t>
             </a:r>
             <a:r>
-              <a:rPr lang="ja-JP" altLang="en-US" sz="2200" dirty="0" smtClean="0"/>
+              <a:rPr lang="ja-JP" altLang="en-US" sz="2400" dirty="0" smtClean="0"/>
               <a:t>と競合</a:t>
             </a:r>
             <a:r>
-              <a:rPr lang="ja-JP" altLang="en-US" sz="2200" dirty="0"/>
+              <a:rPr lang="ja-JP" altLang="en-US" sz="2400" dirty="0"/>
               <a:t>サイトと比較し自身のサイトの表示速度が遅い</a:t>
             </a:r>
             <a:r>
-              <a:rPr lang="ja-JP" altLang="en-US" sz="2200" dirty="0" smtClean="0"/>
+              <a:rPr lang="ja-JP" altLang="en-US" sz="2400" dirty="0" smtClean="0"/>
               <a:t>とランキング</a:t>
             </a:r>
             <a:r>
-              <a:rPr lang="ja-JP" altLang="en-US" sz="2200" dirty="0"/>
+              <a:rPr lang="ja-JP" altLang="en-US" sz="2400" dirty="0"/>
               <a:t>評価で不利に</a:t>
             </a:r>
             <a:r>
-              <a:rPr lang="ja-JP" altLang="en-US" sz="2200" dirty="0" smtClean="0"/>
+              <a:rPr lang="ja-JP" altLang="en-US" sz="2400" dirty="0" smtClean="0"/>
               <a:t>なるとされている。</a:t>
             </a:r>
             <a:r>
-              <a:rPr lang="ja-JP" altLang="en-US" sz="2200" dirty="0" smtClean="0">
+              <a:rPr lang="ja-JP" altLang="en-US" sz="2400" dirty="0" smtClean="0">
                 <a:solidFill>
                   <a:srgbClr val="FF0000"/>
                 </a:solidFill>
@@ -4107,7 +4106,7 @@
               <a:t>自身</a:t>
             </a:r>
             <a:r>
-              <a:rPr lang="ja-JP" altLang="en-US" sz="2200" dirty="0">
+              <a:rPr lang="ja-JP" altLang="en-US" sz="2400" dirty="0">
                 <a:solidFill>
                   <a:srgbClr val="FF0000"/>
                 </a:solidFill>
@@ -4115,67 +4114,90 @@
               <a:t>のサイトを上位にランクインさせるためには応答速度も重要な要素</a:t>
             </a:r>
             <a:r>
-              <a:rPr lang="ja-JP" altLang="en-US" sz="2200" dirty="0"/>
-              <a:t>となる。</a:t>
-            </a:r>
-          </a:p>
-          <a:p>
-            <a:endParaRPr lang="ja-JP" altLang="en-US" sz="2200" dirty="0"/>
-          </a:p>
-          <a:p>
-            <a:r>
-              <a:rPr lang="ja-JP" altLang="en-US" sz="2200" dirty="0"/>
-              <a:t>個人で高性能なサーバをいくつ</a:t>
-            </a:r>
-            <a:r>
-              <a:rPr lang="ja-JP" altLang="en-US" sz="2200" dirty="0" smtClean="0"/>
-              <a:t>も</a:t>
-            </a:r>
-            <a:r>
-              <a:rPr lang="ja-JP" altLang="en-US" sz="2200" dirty="0"/>
-              <a:t>作り</a:t>
-            </a:r>
-            <a:r>
-              <a:rPr lang="ja-JP" altLang="en-US" sz="2200" dirty="0" smtClean="0"/>
-              <a:t>、</a:t>
-            </a:r>
-            <a:r>
-              <a:rPr lang="ja-JP" altLang="en-US" sz="2200" dirty="0"/>
-              <a:t>負荷分散するのはコスト面で難しい</a:t>
-            </a:r>
-            <a:r>
-              <a:rPr lang="ja-JP" altLang="en-US" sz="2200" dirty="0" smtClean="0"/>
-              <a:t>。不要</a:t>
-            </a:r>
-            <a:r>
-              <a:rPr lang="ja-JP" altLang="en-US" sz="2200" dirty="0"/>
-              <a:t>なコンピューターや型落ちのサーバ等が利用</a:t>
-            </a:r>
-            <a:r>
-              <a:rPr lang="ja-JP" altLang="en-US" sz="2200" dirty="0" smtClean="0"/>
-              <a:t>され、</a:t>
-            </a:r>
-            <a:r>
-              <a:rPr lang="ja-JP" altLang="en-US" sz="2200" dirty="0" smtClean="0">
+              <a:rPr lang="ja-JP" altLang="en-US" sz="2400" dirty="0"/>
+              <a:t>となる</a:t>
+            </a:r>
+            <a:r>
+              <a:rPr lang="ja-JP" altLang="en-US" sz="2400" dirty="0" smtClean="0"/>
+              <a:t>。</a:t>
+            </a:r>
+            <a:endParaRPr lang="ja-JP" altLang="en-US" sz="2400" dirty="0"/>
+          </a:p>
+          <a:p>
+            <a:pPr>
+              <a:lnSpc>
+                <a:spcPct val="100000"/>
+              </a:lnSpc>
+            </a:pPr>
+            <a:r>
+              <a:rPr lang="ja-JP" altLang="en-US" sz="2400" dirty="0"/>
+              <a:t>個人サイトで高性能なサーバをいくつも作り，負荷分散するのはコスト面で難しい</a:t>
+            </a:r>
+            <a:r>
+              <a:rPr lang="ja-JP" altLang="en-US" sz="2400" dirty="0" smtClean="0"/>
+              <a:t>．性能</a:t>
+            </a:r>
+            <a:r>
+              <a:rPr lang="ja-JP" altLang="en-US" sz="2400" dirty="0"/>
+              <a:t>の低いコンピュータや旧式のサーバ等を利用し</a:t>
+            </a:r>
+            <a:r>
+              <a:rPr lang="ja-JP" altLang="en-US" sz="2400" dirty="0" smtClean="0"/>
+              <a:t>，</a:t>
+            </a:r>
+            <a:r>
+              <a:rPr lang="ja-JP" altLang="en-US" sz="2400" dirty="0" smtClean="0">
                 <a:solidFill>
                   <a:srgbClr val="FF0000"/>
                 </a:solidFill>
               </a:rPr>
-              <a:t>不均一な性能でロードバランスされるケース</a:t>
-            </a:r>
-            <a:r>
-              <a:rPr lang="ja-JP" altLang="en-US" sz="2200" dirty="0">
+              <a:t>不均一</a:t>
+            </a:r>
+            <a:r>
+              <a:rPr lang="ja-JP" altLang="en-US" sz="2400" dirty="0">
                 <a:solidFill>
                   <a:srgbClr val="FF0000"/>
                 </a:solidFill>
               </a:rPr>
-              <a:t>も少なくない</a:t>
-            </a:r>
-            <a:r>
-              <a:rPr lang="ja-JP" altLang="en-US" sz="2200" dirty="0" smtClean="0"/>
-              <a:t>。</a:t>
-            </a:r>
-            <a:endParaRPr lang="en-US" altLang="ja-JP" sz="2200" dirty="0"/>
+              <a:t>な</a:t>
+            </a:r>
+            <a:r>
+              <a:rPr lang="ja-JP" altLang="en-US" sz="2400" dirty="0" smtClean="0">
+                <a:solidFill>
+                  <a:srgbClr val="FF0000"/>
+                </a:solidFill>
+              </a:rPr>
+              <a:t>性能で異種</a:t>
+            </a:r>
+            <a:r>
+              <a:rPr lang="ja-JP" altLang="en-US" sz="2400" dirty="0">
+                <a:solidFill>
+                  <a:srgbClr val="FF0000"/>
+                </a:solidFill>
+              </a:rPr>
+              <a:t>のコンピュータを組み合わせて</a:t>
+            </a:r>
+            <a:r>
+              <a:rPr lang="en-US" altLang="ja-JP" sz="2400" dirty="0">
+                <a:solidFill>
+                  <a:srgbClr val="FF0000"/>
+                </a:solidFill>
+              </a:rPr>
+              <a:t>WEB</a:t>
+            </a:r>
+            <a:r>
+              <a:rPr lang="ja-JP" altLang="en-US" sz="2400" dirty="0">
+                <a:solidFill>
+                  <a:srgbClr val="FF0000"/>
+                </a:solidFill>
+              </a:rPr>
+              <a:t>サイトを構築し，ロードバランスする場合も少なくない．</a:t>
+            </a:r>
+            <a:endParaRPr lang="ja-JP" altLang="en-US" sz="2400" dirty="0">
+              <a:solidFill>
+                <a:srgbClr val="FF0000"/>
+              </a:solidFill>
+            </a:endParaRPr>
           </a:p>
         </p:txBody>
       </p:sp>
@@ -4356,7 +4378,7 @@
         </p:spPr>
         <p:txBody>
           <a:bodyPr>
-            <a:normAutofit fontScale="92500"/>
+            <a:normAutofit lnSpcReduction="10000"/>
           </a:bodyPr>
           <a:lstStyle/>
           <a:p>
@@ -4367,35 +4389,23 @@
             </a:pPr>
             <a:r>
               <a:rPr lang="ja-JP" altLang="en-US" dirty="0"/>
-              <a:t>既存技術では、導入のしやすさから順に</a:t>
+              <a:t>既存技術では，サーバ間の性能差を考慮してロードバランスされていない</a:t>
             </a:r>
             <a:r>
               <a:rPr lang="ja-JP" altLang="en-US" dirty="0" smtClean="0"/>
-              <a:t>割り振る「ラウンドロビン」や最も</a:t>
+              <a:t>．導入</a:t>
             </a:r>
             <a:r>
               <a:rPr lang="ja-JP" altLang="en-US" dirty="0"/>
-              <a:t>空いているサーバに</a:t>
+              <a:t>のしやすさから順に割り振る「ラウンドロビン</a:t>
             </a:r>
             <a:r>
               <a:rPr lang="ja-JP" altLang="en-US" dirty="0" smtClean="0"/>
-              <a:t>割り振る「リーストコネクション」</a:t>
-            </a:r>
-            <a:r>
-              <a:rPr lang="en-US" altLang="ja-JP" dirty="0" smtClean="0"/>
-              <a:t>(</a:t>
+              <a:t>」方式が</a:t>
             </a:r>
             <a:r>
               <a:rPr lang="ja-JP" altLang="en-US" dirty="0"/>
-              <a:t>最小接続</a:t>
-            </a:r>
-            <a:r>
-              <a:rPr lang="en-US" altLang="ja-JP" dirty="0"/>
-              <a:t>) </a:t>
-            </a:r>
-            <a:r>
-              <a:rPr lang="ja-JP" altLang="en-US" dirty="0"/>
-              <a:t>がよく利用されている。</a:t>
+              <a:t>頻繁に利用される．</a:t>
             </a:r>
           </a:p>
           <a:p>
@@ -4413,15 +4423,19 @@
               </a:lnSpc>
             </a:pPr>
             <a:r>
-              <a:rPr lang="ja-JP" altLang="en-US" dirty="0"/>
-              <a:t>しかし、サーバ</a:t>
-            </a:r>
-            <a:r>
               <a:rPr lang="ja-JP" altLang="en-US" dirty="0" smtClean="0"/>
-              <a:t>の性能に</a:t>
-            </a:r>
-            <a:r>
-              <a:rPr lang="ja-JP" altLang="en-US" dirty="0">
+              <a:t>サーバ</a:t>
+            </a:r>
+            <a:r>
+              <a:rPr lang="ja-JP" altLang="en-US" dirty="0" smtClean="0"/>
+              <a:t>間の</a:t>
+            </a:r>
+            <a:r>
+              <a:rPr lang="ja-JP" altLang="en-US" dirty="0" smtClean="0"/>
+              <a:t>性能や通信装置の性能に</a:t>
+            </a:r>
+            <a:r>
+              <a:rPr lang="ja-JP" altLang="en-US" dirty="0" smtClean="0">
                 <a:solidFill>
                   <a:srgbClr val="FF0000"/>
                 </a:solidFill>
@@ -4434,19 +4448,39 @@
                   <a:srgbClr val="FF0000"/>
                 </a:solidFill>
               </a:rPr>
-              <a:t>がある場合</a:t>
+              <a:t>がある</a:t>
+            </a:r>
+            <a:r>
+              <a:rPr lang="ja-JP" altLang="en-US" dirty="0" smtClean="0">
+                <a:solidFill>
+                  <a:srgbClr val="FF0000"/>
+                </a:solidFill>
+              </a:rPr>
+              <a:t>場合</a:t>
+            </a:r>
+            <a:r>
+              <a:rPr lang="ja-JP" altLang="en-US" dirty="0"/>
+              <a:t>，</a:t>
             </a:r>
             <a:r>
               <a:rPr lang="ja-JP" altLang="en-US" dirty="0" smtClean="0"/>
-              <a:t>、応答</a:t>
+              <a:t>応答</a:t>
             </a:r>
             <a:r>
               <a:rPr lang="ja-JP" altLang="en-US" dirty="0"/>
-              <a:t>速度が一定とは限らない</a:t>
+              <a:t>速度が一定とは</a:t>
             </a:r>
             <a:r>
               <a:rPr lang="ja-JP" altLang="en-US" dirty="0" smtClean="0"/>
-              <a:t>。単純</a:t>
+              <a:t>限らない</a:t>
+            </a:r>
+            <a:r>
+              <a:rPr lang="ja-JP" altLang="en-US" dirty="0" smtClean="0"/>
+              <a:t>．</a:t>
+            </a:r>
+            <a:r>
+              <a:rPr lang="ja-JP" altLang="en-US" dirty="0" smtClean="0"/>
+              <a:t>単純</a:t>
             </a:r>
             <a:r>
               <a:rPr lang="ja-JP" altLang="en-US" dirty="0"/>
@@ -4462,7 +4496,11 @@
             </a:r>
             <a:r>
               <a:rPr lang="ja-JP" altLang="en-US" dirty="0" smtClean="0"/>
-              <a:t>ではなく、</a:t>
+              <a:t>では</a:t>
+            </a:r>
+            <a:r>
+              <a:rPr lang="ja-JP" altLang="en-US" dirty="0" smtClean="0"/>
+              <a:t>なく，</a:t>
             </a:r>
             <a:r>
               <a:rPr lang="ja-JP" altLang="en-US" dirty="0" smtClean="0">
@@ -4486,7 +4524,15 @@
                   <a:srgbClr val="FF0000"/>
                 </a:solidFill>
               </a:rPr>
-              <a:t>してロードバランスを行う必要がある。</a:t>
+              <a:t>してロードバランスを行う必要が</a:t>
+            </a:r>
+            <a:r>
+              <a:rPr lang="ja-JP" altLang="en-US" dirty="0" smtClean="0">
+                <a:solidFill>
+                  <a:srgbClr val="FF0000"/>
+                </a:solidFill>
+              </a:rPr>
+              <a:t>ある．</a:t>
             </a:r>
             <a:endParaRPr kumimoji="1" lang="ja-JP" altLang="en-US" dirty="0">
               <a:solidFill>

--- a/発表用/1821086_中間発表.pptx
+++ b/発表用/1821086_中間発表.pptx
@@ -4193,11 +4193,6 @@
               </a:rPr>
               <a:t>サイトを構築し，ロードバランスする場合も少なくない．</a:t>
             </a:r>
-            <a:endParaRPr lang="ja-JP" altLang="en-US" sz="2400" dirty="0">
-              <a:solidFill>
-                <a:srgbClr val="FF0000"/>
-              </a:solidFill>
-            </a:endParaRPr>
           </a:p>
         </p:txBody>
       </p:sp>
@@ -4424,15 +4419,7 @@
             </a:pPr>
             <a:r>
               <a:rPr lang="ja-JP" altLang="en-US" dirty="0" smtClean="0"/>
-              <a:t>サーバ</a:t>
-            </a:r>
-            <a:r>
-              <a:rPr lang="ja-JP" altLang="en-US" dirty="0" smtClean="0"/>
-              <a:t>間の</a:t>
-            </a:r>
-            <a:r>
-              <a:rPr lang="ja-JP" altLang="en-US" dirty="0" smtClean="0"/>
-              <a:t>性能や通信装置の性能に</a:t>
+              <a:t>サーバ間の性能や通信装置の性能に</a:t>
             </a:r>
             <a:r>
               <a:rPr lang="ja-JP" altLang="en-US" dirty="0" smtClean="0">
@@ -4440,7 +4427,39 @@
                   <a:srgbClr val="FF0000"/>
                 </a:solidFill>
               </a:rPr>
-              <a:t>バラつき</a:t>
+              <a:t>バラつきがある場合</a:t>
+            </a:r>
+            <a:r>
+              <a:rPr lang="ja-JP" altLang="en-US" dirty="0"/>
+              <a:t>，</a:t>
+            </a:r>
+            <a:r>
+              <a:rPr lang="ja-JP" altLang="en-US" dirty="0" smtClean="0"/>
+              <a:t>応答</a:t>
+            </a:r>
+            <a:r>
+              <a:rPr lang="ja-JP" altLang="en-US" dirty="0"/>
+              <a:t>速度が一定とは</a:t>
+            </a:r>
+            <a:r>
+              <a:rPr lang="ja-JP" altLang="en-US" dirty="0" smtClean="0"/>
+              <a:t>限らない．単純</a:t>
+            </a:r>
+            <a:r>
+              <a:rPr lang="ja-JP" altLang="en-US" dirty="0"/>
+              <a:t>に空いて</a:t>
+            </a:r>
+            <a:r>
+              <a:rPr lang="ja-JP" altLang="en-US" dirty="0" smtClean="0"/>
+              <a:t>いるサーバ</a:t>
+            </a:r>
+            <a:r>
+              <a:rPr lang="ja-JP" altLang="en-US" dirty="0"/>
+              <a:t>へ割り振るだけ</a:t>
+            </a:r>
+            <a:r>
+              <a:rPr lang="ja-JP" altLang="en-US" dirty="0" smtClean="0"/>
+              <a:t>ではなく，</a:t>
             </a:r>
             <a:r>
               <a:rPr lang="ja-JP" altLang="en-US" dirty="0" smtClean="0">
@@ -4448,7 +4467,15 @@
                   <a:srgbClr val="FF0000"/>
                 </a:solidFill>
               </a:rPr>
-              <a:t>がある</a:t>
+              <a:t>応答</a:t>
+            </a:r>
+            <a:r>
+              <a:rPr lang="ja-JP" altLang="en-US" dirty="0">
+                <a:solidFill>
+                  <a:srgbClr val="FF0000"/>
+                </a:solidFill>
+              </a:rPr>
+              <a:t>速度も加味</a:t>
             </a:r>
             <a:r>
               <a:rPr lang="ja-JP" altLang="en-US" dirty="0" smtClean="0">
@@ -4456,83 +4483,7 @@
                   <a:srgbClr val="FF0000"/>
                 </a:solidFill>
               </a:rPr>
-              <a:t>場合</a:t>
-            </a:r>
-            <a:r>
-              <a:rPr lang="ja-JP" altLang="en-US" dirty="0"/>
-              <a:t>，</a:t>
-            </a:r>
-            <a:r>
-              <a:rPr lang="ja-JP" altLang="en-US" dirty="0" smtClean="0"/>
-              <a:t>応答</a:t>
-            </a:r>
-            <a:r>
-              <a:rPr lang="ja-JP" altLang="en-US" dirty="0"/>
-              <a:t>速度が一定とは</a:t>
-            </a:r>
-            <a:r>
-              <a:rPr lang="ja-JP" altLang="en-US" dirty="0" smtClean="0"/>
-              <a:t>限らない</a:t>
-            </a:r>
-            <a:r>
-              <a:rPr lang="ja-JP" altLang="en-US" dirty="0" smtClean="0"/>
-              <a:t>．</a:t>
-            </a:r>
-            <a:r>
-              <a:rPr lang="ja-JP" altLang="en-US" dirty="0" smtClean="0"/>
-              <a:t>単純</a:t>
-            </a:r>
-            <a:r>
-              <a:rPr lang="ja-JP" altLang="en-US" dirty="0"/>
-              <a:t>に空いて</a:t>
-            </a:r>
-            <a:r>
-              <a:rPr lang="ja-JP" altLang="en-US" dirty="0" smtClean="0"/>
-              <a:t>いるサーバ</a:t>
-            </a:r>
-            <a:r>
-              <a:rPr lang="ja-JP" altLang="en-US" dirty="0"/>
-              <a:t>へ割り振るだけ</a:t>
-            </a:r>
-            <a:r>
-              <a:rPr lang="ja-JP" altLang="en-US" dirty="0" smtClean="0"/>
-              <a:t>では</a:t>
-            </a:r>
-            <a:r>
-              <a:rPr lang="ja-JP" altLang="en-US" dirty="0" smtClean="0"/>
-              <a:t>なく，</a:t>
-            </a:r>
-            <a:r>
-              <a:rPr lang="ja-JP" altLang="en-US" dirty="0" smtClean="0">
-                <a:solidFill>
-                  <a:srgbClr val="FF0000"/>
-                </a:solidFill>
-              </a:rPr>
-              <a:t>応答</a:t>
-            </a:r>
-            <a:r>
-              <a:rPr lang="ja-JP" altLang="en-US" dirty="0">
-                <a:solidFill>
-                  <a:srgbClr val="FF0000"/>
-                </a:solidFill>
-              </a:rPr>
-              <a:t>速度も加味</a:t>
-            </a:r>
-            <a:r>
-              <a:rPr lang="ja-JP" altLang="en-US" dirty="0" smtClean="0">
-                <a:solidFill>
-                  <a:srgbClr val="FF0000"/>
-                </a:solidFill>
-              </a:rPr>
-              <a:t>してロードバランスを行う必要が</a:t>
-            </a:r>
-            <a:r>
-              <a:rPr lang="ja-JP" altLang="en-US" dirty="0" smtClean="0">
-                <a:solidFill>
-                  <a:srgbClr val="FF0000"/>
-                </a:solidFill>
-              </a:rPr>
-              <a:t>ある．</a:t>
+              <a:t>してロードバランスを行う必要がある．</a:t>
             </a:r>
             <a:endParaRPr kumimoji="1" lang="ja-JP" altLang="en-US" dirty="0">
               <a:solidFill>
@@ -4640,7 +4591,23 @@
             </a:r>
             <a:r>
               <a:rPr lang="ja-JP" altLang="en-US" dirty="0" smtClean="0"/>
-              <a:t>に割り振る方式が頻繫に利用されている。しかし、この方法では、応答</a:t>
+              <a:t>に割り振る方式が頻繫に利用されて</a:t>
+            </a:r>
+            <a:r>
+              <a:rPr lang="ja-JP" altLang="en-US" dirty="0" smtClean="0"/>
+              <a:t>いる</a:t>
+            </a:r>
+            <a:r>
+              <a:rPr lang="ja-JP" altLang="en-US" dirty="0"/>
+              <a:t>．しかし，この</a:t>
+            </a:r>
+            <a:r>
+              <a:rPr lang="ja-JP" altLang="en-US" dirty="0" smtClean="0"/>
+              <a:t>方法で</a:t>
+            </a:r>
+            <a:r>
+              <a:rPr lang="ja-JP" altLang="en-US" dirty="0" smtClean="0"/>
+              <a:t>は，応答</a:t>
             </a:r>
             <a:r>
               <a:rPr lang="ja-JP" altLang="en-US" dirty="0"/>
@@ -4660,16 +4627,49 @@
             </a:r>
             <a:r>
               <a:rPr lang="ja-JP" altLang="en-US" dirty="0"/>
-              <a:t>が落ちてしまう。</a:t>
-            </a:r>
-          </a:p>
-          <a:p>
+              <a:t>が落ちて</a:t>
+            </a:r>
+            <a:r>
+              <a:rPr lang="ja-JP" altLang="en-US" dirty="0"/>
+              <a:t>しまう．</a:t>
+            </a:r>
             <a:endParaRPr lang="ja-JP" altLang="en-US" dirty="0"/>
           </a:p>
           <a:p>
+            <a:endParaRPr lang="ja-JP" altLang="en-US" dirty="0"/>
+          </a:p>
+          <a:p>
             <a:r>
               <a:rPr lang="ja-JP" altLang="en-US" dirty="0" smtClean="0"/>
-              <a:t>負荷分散をしたいが、同一で高性能なサーバを揃えるのが難しい個人を対象に、応答速度を考慮した割り振りをするロードバランサーを作成することで、</a:t>
+              <a:t>負荷分散をしたい</a:t>
+            </a:r>
+            <a:r>
+              <a:rPr lang="ja-JP" altLang="en-US" dirty="0"/>
+              <a:t>が，同一</a:t>
+            </a:r>
+            <a:r>
+              <a:rPr lang="ja-JP" altLang="en-US" dirty="0" smtClean="0"/>
+              <a:t>で高性能なサーバを揃えるのが難しい個人を対象</a:t>
+            </a:r>
+            <a:r>
+              <a:rPr lang="ja-JP" altLang="en-US" dirty="0"/>
+              <a:t>に，応答</a:t>
+            </a:r>
+            <a:r>
+              <a:rPr lang="ja-JP" altLang="en-US" dirty="0" smtClean="0"/>
+              <a:t>速度を考慮した割り振りをするロードバランサーを作成すること</a:t>
+            </a:r>
+            <a:r>
+              <a:rPr lang="ja-JP" altLang="en-US" dirty="0"/>
+              <a:t>で，</a:t>
+            </a:r>
+            <a:r>
+              <a:rPr lang="ja-JP" altLang="en-US" dirty="0" smtClean="0">
+                <a:solidFill>
+                  <a:srgbClr val="FF0000"/>
+                </a:solidFill>
+              </a:rPr>
+              <a:t>ネットワーク</a:t>
             </a:r>
             <a:r>
               <a:rPr lang="ja-JP" altLang="en-US" dirty="0">
@@ -4677,7 +4677,7 @@
                   <a:srgbClr val="FF0000"/>
                 </a:solidFill>
               </a:rPr>
-              <a:t>ネットワークの</a:t>
+              <a:t>の</a:t>
             </a:r>
             <a:r>
               <a:rPr lang="ja-JP" altLang="en-US" dirty="0" smtClean="0">
@@ -4693,7 +4693,7 @@
                   <a:srgbClr val="FF0000"/>
                 </a:solidFill>
               </a:rPr>
-              <a:t>削減</a:t>
+              <a:t>削減，サイト</a:t>
             </a:r>
             <a:r>
               <a:rPr lang="ja-JP" altLang="en-US" dirty="0" smtClean="0">
@@ -4701,7 +4701,7 @@
                   <a:srgbClr val="FF0000"/>
                 </a:solidFill>
               </a:rPr>
-              <a:t>、サイトの稼働率や</a:t>
+              <a:t>の稼働率や</a:t>
             </a:r>
             <a:r>
               <a:rPr lang="en-US" altLang="ja-JP" dirty="0" smtClean="0">
@@ -4721,7 +4721,11 @@
             </a:r>
             <a:r>
               <a:rPr lang="ja-JP" altLang="en-US" dirty="0" smtClean="0"/>
-              <a:t>が出来ないかと考えた。</a:t>
+              <a:t>が出来ないかと</a:t>
+            </a:r>
+            <a:r>
+              <a:rPr lang="ja-JP" altLang="en-US" dirty="0" smtClean="0"/>
+              <a:t>考えた．</a:t>
             </a:r>
             <a:endParaRPr lang="en-US" altLang="ja-JP" dirty="0" smtClean="0"/>
           </a:p>
@@ -4817,8 +4821,8 @@
         </p:nvSpPr>
         <p:spPr>
           <a:xfrm>
-            <a:off x="628650" y="3369733"/>
-            <a:ext cx="7886700" cy="2900363"/>
+            <a:off x="572558" y="3386666"/>
+            <a:ext cx="7998883" cy="2900363"/>
           </a:xfrm>
         </p:spPr>
         <p:txBody>
@@ -4828,16 +4832,68 @@
           <a:lstStyle/>
           <a:p>
             <a:r>
+              <a:rPr lang="ja-JP" altLang="en-US" dirty="0" smtClean="0"/>
+              <a:t>性能差のある</a:t>
+            </a:r>
+            <a:r>
+              <a:rPr lang="en-US" altLang="ja-JP" dirty="0" smtClean="0"/>
+              <a:t>WEB</a:t>
+            </a:r>
+            <a:r>
+              <a:rPr lang="ja-JP" altLang="en-US" dirty="0" smtClean="0"/>
+              <a:t>サーバからなる</a:t>
+            </a:r>
+            <a:r>
+              <a:rPr lang="en-US" altLang="ja-JP" dirty="0" smtClean="0"/>
+              <a:t>WEB</a:t>
+            </a:r>
+            <a:r>
+              <a:rPr lang="ja-JP" altLang="en-US" dirty="0" smtClean="0"/>
+              <a:t>サイト環境において，応答</a:t>
+            </a:r>
+            <a:r>
               <a:rPr lang="ja-JP" altLang="en-US" dirty="0"/>
-              <a:t>応答速度を考慮した</a:t>
+              <a:t>速度によってサーバの割り振り先を</a:t>
             </a:r>
             <a:r>
               <a:rPr lang="ja-JP" altLang="en-US" dirty="0" smtClean="0"/>
-              <a:t>ロードバランサーを構築。</a:t>
+              <a:t>決めるアルゴリズム</a:t>
+            </a:r>
+            <a:r>
+              <a:rPr lang="ja-JP" altLang="en-US" dirty="0"/>
+              <a:t>の</a:t>
+            </a:r>
+            <a:r>
+              <a:rPr lang="ja-JP" altLang="en-US" dirty="0" smtClean="0"/>
+              <a:t>提案．</a:t>
             </a:r>
             <a:endParaRPr lang="en-US" altLang="ja-JP" dirty="0"/>
           </a:p>
           <a:p>
+            <a:r>
+              <a:rPr lang="en-US" altLang="ja-JP" dirty="0" smtClean="0"/>
+              <a:t>WEB</a:t>
+            </a:r>
+            <a:r>
+              <a:rPr lang="ja-JP" altLang="en-US" dirty="0" smtClean="0"/>
+              <a:t>サーバの応答</a:t>
+            </a:r>
+            <a:r>
+              <a:rPr lang="ja-JP" altLang="en-US" dirty="0"/>
+              <a:t>速度を考慮した</a:t>
+            </a:r>
+            <a:r>
+              <a:rPr lang="ja-JP" altLang="en-US" dirty="0"/>
+              <a:t>ロードバランサーの設計と</a:t>
+            </a:r>
+            <a:r>
+              <a:rPr lang="ja-JP" altLang="en-US" dirty="0" smtClean="0"/>
+              <a:t>開発</a:t>
+            </a:r>
+            <a:r>
+              <a:rPr lang="ja-JP" altLang="en-US" dirty="0"/>
+              <a:t>．</a:t>
+            </a:r>
             <a:endParaRPr lang="ja-JP" altLang="en-US" dirty="0"/>
           </a:p>
           <a:p>
@@ -4851,38 +4907,31 @@
             </a:r>
             <a:r>
               <a:rPr lang="ja-JP" altLang="en-US" dirty="0"/>
-              <a:t>作成</a:t>
+              <a:t>設計</a:t>
             </a:r>
             <a:r>
               <a:rPr lang="ja-JP" altLang="en-US" dirty="0" smtClean="0"/>
-              <a:t>。</a:t>
+              <a:t>と開発</a:t>
+            </a:r>
+            <a:r>
+              <a:rPr lang="ja-JP" altLang="en-US" dirty="0"/>
+              <a:t>．</a:t>
+            </a:r>
+            <a:endParaRPr lang="en-US" altLang="ja-JP" dirty="0" smtClean="0"/>
+          </a:p>
+          <a:p>
+            <a:r>
+              <a:rPr lang="ja-JP" altLang="en-US" dirty="0" smtClean="0"/>
+              <a:t>実験による実現可能性の評価</a:t>
+            </a:r>
+            <a:r>
+              <a:rPr lang="ja-JP" altLang="en-US" dirty="0"/>
+              <a:t>．</a:t>
             </a:r>
             <a:endParaRPr lang="ja-JP" altLang="en-US" dirty="0"/>
           </a:p>
           <a:p>
             <a:endParaRPr lang="ja-JP" altLang="en-US" dirty="0"/>
-          </a:p>
-          <a:p>
-            <a:r>
-              <a:rPr lang="ja-JP" altLang="en-US" dirty="0"/>
-              <a:t>応答</a:t>
-            </a:r>
-            <a:r>
-              <a:rPr lang="ja-JP" altLang="en-US" dirty="0" smtClean="0"/>
-              <a:t>速度によってサーバの割り振り先を決める</a:t>
-            </a:r>
-            <a:r>
-              <a:rPr lang="en-US" altLang="ja-JP" dirty="0" smtClean="0"/>
-              <a:t/>
-            </a:r>
-            <a:br>
-              <a:rPr lang="en-US" altLang="ja-JP" dirty="0" smtClean="0"/>
-            </a:br>
-            <a:r>
-              <a:rPr lang="ja-JP" altLang="en-US" dirty="0" smtClean="0"/>
-              <a:t>アルゴリズムの提案。</a:t>
-            </a:r>
-            <a:endParaRPr kumimoji="1" lang="ja-JP" altLang="en-US" dirty="0"/>
           </a:p>
         </p:txBody>
       </p:sp>
@@ -4911,7 +4960,7 @@
       </p:sp>
       <p:pic>
         <p:nvPicPr>
-          <p:cNvPr id="16" name="図 15"/>
+          <p:cNvPr id="5" name="図 4"/>
           <p:cNvPicPr>
             <a:picLocks noChangeAspect="1"/>
           </p:cNvPicPr>
@@ -4925,8 +4974,8 @@
         </p:blipFill>
         <p:spPr>
           <a:xfrm>
-            <a:off x="1161595" y="1027907"/>
-            <a:ext cx="6325055" cy="2062052"/>
+            <a:off x="1345219" y="1027907"/>
+            <a:ext cx="6453562" cy="2094244"/>
           </a:xfrm>
           <a:prstGeom prst="rect">
             <a:avLst/>
@@ -4995,10 +5044,15 @@
             <p:ph idx="1"/>
           </p:nvPr>
         </p:nvSpPr>
-        <p:spPr/>
+        <p:spPr>
+          <a:xfrm>
+            <a:off x="628650" y="1511300"/>
+            <a:ext cx="7886700" cy="5210176"/>
+          </a:xfrm>
+        </p:spPr>
         <p:txBody>
           <a:bodyPr>
-            <a:normAutofit/>
+            <a:normAutofit lnSpcReduction="10000"/>
           </a:bodyPr>
           <a:lstStyle/>
           <a:p>
@@ -5023,66 +5077,102 @@
               <a:buNone/>
             </a:pPr>
             <a:r>
+              <a:rPr lang="en-US" altLang="ja-JP" dirty="0" smtClean="0">
+                <a:latin typeface="ＭＳ Ｐゴシック" panose="020B0600070205080204" pitchFamily="50" charset="-128"/>
+              </a:rPr>
+              <a:t>[Ⅰ#2008</a:t>
+            </a:r>
+            <a:r>
+              <a:rPr lang="en-US" altLang="ja-JP" dirty="0" smtClean="0">
+                <a:latin typeface="ＭＳ Ｐゴシック" panose="020B0600070205080204" pitchFamily="50" charset="-128"/>
+              </a:rPr>
+              <a:t>]</a:t>
+            </a:r>
+            <a:r>
+              <a:rPr lang="ja-JP" altLang="en-US" dirty="0" smtClean="0">
+                <a:latin typeface="ＭＳ Ｐゴシック" panose="020B0600070205080204" pitchFamily="50" charset="-128"/>
+              </a:rPr>
+              <a:t>土居幸一郎</a:t>
+            </a:r>
+            <a:r>
+              <a:rPr lang="en-US" altLang="ja-JP" dirty="0" smtClean="0">
+                <a:latin typeface="ＭＳ Ｐゴシック" panose="020B0600070205080204" pitchFamily="50" charset="-128"/>
+              </a:rPr>
+              <a:t>,</a:t>
+            </a:r>
+            <a:r>
+              <a:rPr lang="ja-JP" altLang="en-US" dirty="0" smtClean="0">
+                <a:latin typeface="ＭＳ Ｐゴシック" panose="020B0600070205080204" pitchFamily="50" charset="-128"/>
+              </a:rPr>
+              <a:t>後藤滋樹</a:t>
+            </a:r>
+            <a:r>
+              <a:rPr lang="ja-JP" altLang="en-US" dirty="0" smtClean="0">
+                <a:latin typeface="ＭＳ Ｐゴシック" panose="020B0600070205080204" pitchFamily="50" charset="-128"/>
+              </a:rPr>
+              <a:t>「</a:t>
+            </a:r>
+            <a:r>
+              <a:rPr lang="en-US" altLang="ja-JP" dirty="0">
+                <a:latin typeface="ＭＳ Ｐゴシック" panose="020B0600070205080204" pitchFamily="50" charset="-128"/>
+              </a:rPr>
+              <a:t>HTTP</a:t>
+            </a:r>
+            <a:r>
               <a:rPr lang="ja-JP" altLang="en-US" dirty="0">
                 <a:latin typeface="ＭＳ Ｐゴシック" panose="020B0600070205080204" pitchFamily="50" charset="-128"/>
               </a:rPr>
-              <a:t>　①：</a:t>
+              <a:t>セッションのハンドオーバによる</a:t>
             </a:r>
             <a:r>
               <a:rPr lang="en-US" altLang="ja-JP" dirty="0">
                 <a:latin typeface="ＭＳ Ｐゴシック" panose="020B0600070205080204" pitchFamily="50" charset="-128"/>
               </a:rPr>
-              <a:t>[</a:t>
-            </a:r>
-            <a:r>
-              <a:rPr lang="en-US" altLang="ja-JP" dirty="0" smtClean="0">
+              <a:t>WEB</a:t>
+            </a:r>
+            <a:r>
+              <a:rPr lang="ja-JP" altLang="en-US" dirty="0">
                 <a:latin typeface="ＭＳ Ｐゴシック" panose="020B0600070205080204" pitchFamily="50" charset="-128"/>
               </a:rPr>
-              <a:t>2008]</a:t>
+              <a:t>サーバのロードバランス </a:t>
+            </a:r>
+            <a:r>
+              <a:rPr lang="en-US" altLang="ja-JP" dirty="0">
+                <a:latin typeface="ＭＳ Ｐゴシック" panose="020B0600070205080204" pitchFamily="50" charset="-128"/>
+              </a:rPr>
+              <a:t>(</a:t>
+            </a:r>
+            <a:r>
+              <a:rPr lang="ja-JP" altLang="en-US" dirty="0">
+                <a:latin typeface="ＭＳ Ｐゴシック" panose="020B0600070205080204" pitchFamily="50" charset="-128"/>
+              </a:rPr>
+              <a:t>分散システム</a:t>
+            </a:r>
+            <a:r>
+              <a:rPr lang="en-US" altLang="ja-JP" dirty="0">
+                <a:latin typeface="ＭＳ Ｐゴシック" panose="020B0600070205080204" pitchFamily="50" charset="-128"/>
+              </a:rPr>
+              <a:t>/</a:t>
+            </a:r>
+            <a:r>
+              <a:rPr lang="ja-JP" altLang="en-US" dirty="0">
+                <a:latin typeface="ＭＳ Ｐゴシック" panose="020B0600070205080204" pitchFamily="50" charset="-128"/>
+              </a:rPr>
+              <a:t>インターネット運用技術・高品質インターネット</a:t>
+            </a:r>
+            <a:r>
+              <a:rPr lang="en-US" altLang="ja-JP" dirty="0">
+                <a:latin typeface="ＭＳ Ｐゴシック" panose="020B0600070205080204" pitchFamily="50" charset="-128"/>
+              </a:rPr>
+              <a:t>)</a:t>
             </a:r>
             <a:r>
               <a:rPr lang="ja-JP" altLang="en-US" dirty="0" smtClean="0">
                 <a:latin typeface="ＭＳ Ｐゴシック" panose="020B0600070205080204" pitchFamily="50" charset="-128"/>
               </a:rPr>
-              <a:t>土居幸一郎</a:t>
-            </a:r>
-            <a:r>
-              <a:rPr lang="en-US" altLang="ja-JP" dirty="0" smtClean="0">
-                <a:latin typeface="ＭＳ Ｐゴシック" panose="020B0600070205080204" pitchFamily="50" charset="-128"/>
-              </a:rPr>
-              <a:t>,</a:t>
-            </a:r>
-            <a:r>
-              <a:rPr lang="ja-JP" altLang="en-US" dirty="0" smtClean="0">
-                <a:latin typeface="ＭＳ Ｐゴシック" panose="020B0600070205080204" pitchFamily="50" charset="-128"/>
-              </a:rPr>
-              <a:t>後藤滋樹「</a:t>
-            </a:r>
-            <a:r>
-              <a:rPr lang="en-US" altLang="ja-JP" dirty="0" smtClean="0">
-                <a:latin typeface="ＭＳ Ｐゴシック" panose="020B0600070205080204" pitchFamily="50" charset="-128"/>
-              </a:rPr>
-              <a:t>HTTP</a:t>
-            </a:r>
-            <a:r>
-              <a:rPr lang="ja-JP" altLang="en-US" dirty="0" smtClean="0">
-                <a:latin typeface="ＭＳ Ｐゴシック" panose="020B0600070205080204" pitchFamily="50" charset="-128"/>
-              </a:rPr>
-              <a:t>セッションのハンドオーバーによる</a:t>
-            </a:r>
-            <a:r>
-              <a:rPr lang="en-US" altLang="ja-JP" dirty="0" smtClean="0">
-                <a:latin typeface="ＭＳ Ｐゴシック" panose="020B0600070205080204" pitchFamily="50" charset="-128"/>
-              </a:rPr>
-              <a:t>WEB</a:t>
-            </a:r>
-            <a:r>
-              <a:rPr lang="ja-JP" altLang="en-US" dirty="0" smtClean="0">
-                <a:latin typeface="ＭＳ Ｐゴシック" panose="020B0600070205080204" pitchFamily="50" charset="-128"/>
-              </a:rPr>
-              <a:t>サーバのロードバランス」</a:t>
-            </a:r>
-            <a:endParaRPr lang="en-US" altLang="ja-JP" dirty="0" smtClean="0">
+              <a:t>」</a:t>
+            </a:r>
+            <a:endParaRPr lang="en-US" altLang="ja-JP" dirty="0">
               <a:latin typeface="ＭＳ Ｐゴシック" panose="020B0600070205080204" pitchFamily="50" charset="-128"/>
             </a:endParaRPr>
           </a:p>
@@ -5093,19 +5183,17 @@
               </a:lnSpc>
               <a:buNone/>
             </a:pPr>
-            <a:endParaRPr lang="en-US" altLang="ja-JP" dirty="0">
-              <a:latin typeface="ＭＳ Ｐゴシック" panose="020B0600070205080204" pitchFamily="50" charset="-128"/>
-            </a:endParaRPr>
-          </a:p>
-          <a:p>
-            <a:pPr marL="0" indent="0">
-              <a:buNone/>
-            </a:pPr>
             <a:r>
               <a:rPr lang="ja-JP" altLang="en-US" u="sng" dirty="0" smtClean="0">
                 <a:latin typeface="ＭＳ Ｐゴシック" panose="020B0600070205080204" pitchFamily="50" charset="-128"/>
               </a:rPr>
-              <a:t>応答速度評価付けシステムの評価手法</a:t>
+              <a:t>応答</a:t>
+            </a:r>
+            <a:r>
+              <a:rPr lang="ja-JP" altLang="en-US" u="sng" dirty="0" smtClean="0">
+                <a:latin typeface="ＭＳ Ｐゴシック" panose="020B0600070205080204" pitchFamily="50" charset="-128"/>
+              </a:rPr>
+              <a:t>速度評価付けシステムの評価手法</a:t>
             </a:r>
             <a:endParaRPr lang="en-US" altLang="ja-JP" u="sng" dirty="0">
               <a:latin typeface="ＭＳ Ｐゴシック" panose="020B0600070205080204" pitchFamily="50" charset="-128"/>
@@ -5119,35 +5207,123 @@
               <a:buNone/>
             </a:pPr>
             <a:r>
+              <a:rPr lang="en-US" altLang="ja-JP" dirty="0" smtClean="0">
+                <a:latin typeface="ＭＳ Ｐゴシック" panose="020B0600070205080204" pitchFamily="50" charset="-128"/>
+              </a:rPr>
+              <a:t>[Ⅱ#2007</a:t>
+            </a:r>
+            <a:r>
+              <a:rPr lang="en-US" altLang="ja-JP" dirty="0" smtClean="0">
+                <a:latin typeface="ＭＳ Ｐゴシック" panose="020B0600070205080204" pitchFamily="50" charset="-128"/>
+              </a:rPr>
+              <a:t>]</a:t>
+            </a:r>
+            <a:r>
+              <a:rPr lang="ja-JP" altLang="en-US" dirty="0" smtClean="0">
+                <a:latin typeface="ＭＳ Ｐゴシック" panose="020B0600070205080204" pitchFamily="50" charset="-128"/>
+              </a:rPr>
+              <a:t>河野知行「複数のロードバランサによる</a:t>
+            </a:r>
+            <a:r>
+              <a:rPr lang="en-US" altLang="ja-JP" dirty="0" smtClean="0">
+                <a:latin typeface="ＭＳ Ｐゴシック" panose="020B0600070205080204" pitchFamily="50" charset="-128"/>
+              </a:rPr>
+              <a:t>WEB</a:t>
+            </a:r>
+            <a:r>
+              <a:rPr lang="ja-JP" altLang="en-US" dirty="0" smtClean="0">
+                <a:latin typeface="ＭＳ Ｐゴシック" panose="020B0600070205080204" pitchFamily="50" charset="-128"/>
+              </a:rPr>
+              <a:t>システムの応答時間最適化</a:t>
+            </a:r>
+            <a:r>
+              <a:rPr lang="ja-JP" altLang="en-US" dirty="0" smtClean="0">
+                <a:latin typeface="ＭＳ Ｐゴシック" panose="020B0600070205080204" pitchFamily="50" charset="-128"/>
+              </a:rPr>
+              <a:t>」</a:t>
+            </a:r>
+            <a:endParaRPr lang="en-US" altLang="ja-JP" dirty="0">
+              <a:latin typeface="ＭＳ Ｐゴシック" panose="020B0600070205080204" pitchFamily="50" charset="-128"/>
+            </a:endParaRPr>
+          </a:p>
+          <a:p>
+            <a:pPr marL="0" indent="0">
+              <a:lnSpc>
+                <a:spcPct val="100000"/>
+              </a:lnSpc>
+              <a:buNone/>
+            </a:pPr>
+            <a:r>
+              <a:rPr lang="en-US" altLang="ja-JP" u="sng" dirty="0" smtClean="0">
+                <a:latin typeface="ＭＳ Ｐゴシック" panose="020B0600070205080204" pitchFamily="50" charset="-128"/>
+              </a:rPr>
+              <a:t>WEB</a:t>
+            </a:r>
+            <a:r>
+              <a:rPr lang="ja-JP" altLang="en-US" u="sng" dirty="0" smtClean="0">
+                <a:latin typeface="ＭＳ Ｐゴシック" panose="020B0600070205080204" pitchFamily="50" charset="-128"/>
+              </a:rPr>
+              <a:t>サーバ監視システムの開発</a:t>
+            </a:r>
+            <a:endParaRPr lang="en-US" altLang="ja-JP" u="sng" dirty="0" smtClean="0">
+              <a:latin typeface="ＭＳ Ｐゴシック" panose="020B0600070205080204" pitchFamily="50" charset="-128"/>
+            </a:endParaRPr>
+          </a:p>
+          <a:p>
+            <a:pPr marL="0" indent="0">
+              <a:buNone/>
+            </a:pPr>
+            <a:r>
+              <a:rPr lang="en-US" altLang="ja-JP" dirty="0" smtClean="0">
+                <a:latin typeface="ＭＳ Ｐゴシック" panose="020B0600070205080204" pitchFamily="50" charset="-128"/>
+              </a:rPr>
+              <a:t>[Ⅲ#2014]</a:t>
+            </a:r>
+            <a:r>
+              <a:rPr lang="ja-JP" altLang="en-US" dirty="0" smtClean="0">
+                <a:latin typeface="ＭＳ Ｐゴシック" panose="020B0600070205080204" pitchFamily="50" charset="-128"/>
+              </a:rPr>
+              <a:t> 堀内晨彦，</a:t>
+            </a:r>
+            <a:r>
               <a:rPr lang="ja-JP" altLang="en-US" dirty="0">
                 <a:latin typeface="ＭＳ Ｐゴシック" panose="020B0600070205080204" pitchFamily="50" charset="-128"/>
               </a:rPr>
-              <a:t>　②：</a:t>
-            </a:r>
-            <a:r>
-              <a:rPr lang="en-US" altLang="ja-JP" dirty="0" smtClean="0">
-                <a:latin typeface="ＭＳ Ｐゴシック" panose="020B0600070205080204" pitchFamily="50" charset="-128"/>
-              </a:rPr>
-              <a:t>[2007]</a:t>
+              <a:t>最所圭三</a:t>
             </a:r>
             <a:r>
               <a:rPr lang="ja-JP" altLang="en-US" dirty="0" smtClean="0">
                 <a:latin typeface="ＭＳ Ｐゴシック" panose="020B0600070205080204" pitchFamily="50" charset="-128"/>
               </a:rPr>
-              <a:t>河野知行「複数のロードバランサによる</a:t>
-            </a:r>
-            <a:r>
-              <a:rPr lang="en-US" altLang="ja-JP" dirty="0" smtClean="0">
+              <a:t>「</a:t>
+            </a:r>
+            <a:r>
+              <a:rPr lang="ja-JP" altLang="en-US" dirty="0">
                 <a:latin typeface="ＭＳ Ｐゴシック" panose="020B0600070205080204" pitchFamily="50" charset="-128"/>
               </a:rPr>
-              <a:t>WEB</a:t>
+              <a:t>クラウドに適した</a:t>
+            </a:r>
+            <a:r>
+              <a:rPr lang="en-US" altLang="ja-JP" dirty="0">
+                <a:latin typeface="ＭＳ Ｐゴシック" panose="020B0600070205080204" pitchFamily="50" charset="-128"/>
+              </a:rPr>
+              <a:t>Web</a:t>
+            </a:r>
+            <a:r>
+              <a:rPr lang="ja-JP" altLang="en-US" dirty="0">
+                <a:latin typeface="ＭＳ Ｐゴシック" panose="020B0600070205080204" pitchFamily="50" charset="-128"/>
+              </a:rPr>
+              <a:t>システムの負荷監視機能の改善について</a:t>
             </a:r>
             <a:r>
               <a:rPr lang="ja-JP" altLang="en-US" dirty="0" smtClean="0">
                 <a:latin typeface="ＭＳ Ｐゴシック" panose="020B0600070205080204" pitchFamily="50" charset="-128"/>
               </a:rPr>
-              <a:t>システムの応答時間最適化」</a:t>
-            </a:r>
+              <a:t>」</a:t>
+            </a:r>
+            <a:endParaRPr lang="ja-JP" altLang="en-US" dirty="0" smtClean="0">
+              <a:latin typeface="ＭＳ Ｐゴシック" panose="020B0600070205080204" pitchFamily="50" charset="-128"/>
+            </a:endParaRPr>
           </a:p>
         </p:txBody>
       </p:sp>
@@ -5354,86 +5530,80 @@
           <a:lstStyle/>
           <a:p>
             <a:r>
-              <a:rPr lang="ja-JP" altLang="en-US" dirty="0">
+              <a:rPr lang="ja-JP" altLang="en-US" sz="3200" dirty="0" smtClean="0">
                 <a:latin typeface="ＭＳ Ｐゴシック" panose="020B0600070205080204" pitchFamily="50" charset="-128"/>
               </a:rPr>
-              <a:t>観光地検索システムを積んだ冗長的且つ不均一なサーバを</a:t>
-            </a:r>
-            <a:r>
-              <a:rPr lang="en-US" altLang="ja-JP" dirty="0">
+              <a:t>冗長的で性能が不均一</a:t>
+            </a:r>
+            <a:r>
+              <a:rPr lang="ja-JP" altLang="en-US" sz="3200" dirty="0">
                 <a:latin typeface="ＭＳ Ｐゴシック" panose="020B0600070205080204" pitchFamily="50" charset="-128"/>
               </a:rPr>
-              <a:t>3</a:t>
-            </a:r>
-            <a:r>
-              <a:rPr lang="ja-JP" altLang="en-US" dirty="0">
+              <a:t>な</a:t>
+            </a:r>
+            <a:r>
+              <a:rPr lang="ja-JP" altLang="en-US" sz="3200" dirty="0" smtClean="0">
                 <a:latin typeface="ＭＳ Ｐゴシック" panose="020B0600070205080204" pitchFamily="50" charset="-128"/>
               </a:rPr>
-              <a:t>台</a:t>
-            </a:r>
-            <a:r>
-              <a:rPr lang="ja-JP" altLang="en-US" dirty="0" smtClean="0">
-                <a:latin typeface="ＭＳ Ｐゴシック" panose="020B0600070205080204" pitchFamily="50" charset="-128"/>
-              </a:rPr>
-              <a:t>用意</a:t>
-            </a:r>
-            <a:r>
-              <a:rPr lang="ja-JP" altLang="en-US" dirty="0">
-                <a:latin typeface="ＭＳ Ｐゴシック" panose="020B0600070205080204" pitchFamily="50" charset="-128"/>
-              </a:rPr>
-              <a:t>。</a:t>
-            </a:r>
-            <a:endParaRPr lang="en-US" altLang="ja-JP" dirty="0" smtClean="0">
+              <a:t>サーバの応答速度を計測．</a:t>
+            </a:r>
+            <a:endParaRPr lang="en-US" altLang="ja-JP" sz="3200" dirty="0" smtClean="0">
               <a:latin typeface="ＭＳ Ｐゴシック" panose="020B0600070205080204" pitchFamily="50" charset="-128"/>
             </a:endParaRPr>
           </a:p>
           <a:p>
-            <a:endParaRPr lang="en-US" altLang="ja-JP" dirty="0" smtClean="0">
+            <a:endParaRPr lang="en-US" altLang="ja-JP" sz="3200" dirty="0" smtClean="0">
               <a:latin typeface="ＭＳ Ｐゴシック" panose="020B0600070205080204" pitchFamily="50" charset="-128"/>
             </a:endParaRPr>
           </a:p>
           <a:p>
             <a:r>
-              <a:rPr lang="ja-JP" altLang="en-US" dirty="0" smtClean="0">
+              <a:rPr lang="ja-JP" altLang="en-US" sz="3200" dirty="0">
                 <a:latin typeface="ＭＳ Ｐゴシック" panose="020B0600070205080204" pitchFamily="50" charset="-128"/>
               </a:rPr>
               <a:t>応答</a:t>
             </a:r>
             <a:r>
-              <a:rPr lang="ja-JP" altLang="en-US" dirty="0">
+              <a:rPr lang="ja-JP" altLang="en-US" sz="3200" dirty="0" smtClean="0">
                 <a:latin typeface="ＭＳ Ｐゴシック" panose="020B0600070205080204" pitchFamily="50" charset="-128"/>
               </a:rPr>
-              <a:t>速度を計測し</a:t>
-            </a:r>
-            <a:r>
-              <a:rPr lang="ja-JP" altLang="en-US" dirty="0" smtClean="0">
-                <a:latin typeface="ＭＳ Ｐゴシック" panose="020B0600070205080204" pitchFamily="50" charset="-128"/>
-              </a:rPr>
-              <a:t>評価する。</a:t>
-            </a:r>
-            <a:endParaRPr lang="en-US" altLang="ja-JP" dirty="0" smtClean="0">
+              <a:t>速度評価アルゴリズムを使い評価．</a:t>
+            </a:r>
+            <a:endParaRPr lang="en-US" altLang="ja-JP" sz="3200" dirty="0" smtClean="0">
               <a:latin typeface="ＭＳ Ｐゴシック" panose="020B0600070205080204" pitchFamily="50" charset="-128"/>
             </a:endParaRPr>
           </a:p>
           <a:p>
-            <a:endParaRPr lang="en-US" altLang="ja-JP" dirty="0">
+            <a:endParaRPr lang="en-US" altLang="ja-JP" sz="3200" dirty="0">
               <a:latin typeface="ＭＳ Ｐゴシック" panose="020B0600070205080204" pitchFamily="50" charset="-128"/>
             </a:endParaRPr>
           </a:p>
           <a:p>
             <a:r>
-              <a:rPr lang="ja-JP" altLang="en-US" dirty="0" smtClean="0">
+              <a:rPr lang="ja-JP" altLang="en-US" sz="3200" dirty="0" smtClean="0">
                 <a:latin typeface="ＭＳ Ｐゴシック" panose="020B0600070205080204" pitchFamily="50" charset="-128"/>
               </a:rPr>
               <a:t>ロードバランサー</a:t>
             </a:r>
             <a:r>
-              <a:rPr lang="ja-JP" altLang="en-US" dirty="0">
+              <a:rPr lang="ja-JP" altLang="en-US" sz="3200" dirty="0">
                 <a:latin typeface="ＭＳ Ｐゴシック" panose="020B0600070205080204" pitchFamily="50" charset="-128"/>
               </a:rPr>
-              <a:t>はこの評価を割り振る指標として判断する。</a:t>
-            </a:r>
-            <a:endParaRPr lang="ja-JP" altLang="en-US" dirty="0"/>
+              <a:t>はこの評価を割り振る指標として</a:t>
+            </a:r>
+            <a:r>
+              <a:rPr lang="ja-JP" altLang="en-US" sz="3200" dirty="0" smtClean="0">
+                <a:latin typeface="ＭＳ Ｐゴシック" panose="020B0600070205080204" pitchFamily="50" charset="-128"/>
+              </a:rPr>
+              <a:t>判断する</a:t>
+            </a:r>
+            <a:r>
+              <a:rPr lang="ja-JP" altLang="en-US" sz="3200" dirty="0" smtClean="0">
+                <a:latin typeface="ＭＳ Ｐゴシック" panose="020B0600070205080204" pitchFamily="50" charset="-128"/>
+              </a:rPr>
+              <a:t>．</a:t>
+            </a:r>
+            <a:endParaRPr lang="ja-JP" altLang="en-US" sz="3200" dirty="0"/>
           </a:p>
           <a:p>
             <a:pPr marL="0" indent="0">
@@ -5568,8 +5738,8 @@
         </p:blipFill>
         <p:spPr>
           <a:xfrm>
-            <a:off x="643423" y="3502445"/>
-            <a:ext cx="7653953" cy="2853906"/>
+            <a:off x="1015978" y="4319010"/>
+            <a:ext cx="6908844" cy="2360290"/>
           </a:xfrm>
           <a:prstGeom prst="rect">
             <a:avLst/>
@@ -5584,7 +5754,7 @@
         </p:nvSpPr>
         <p:spPr>
           <a:xfrm>
-            <a:off x="527050" y="3040780"/>
+            <a:off x="493991" y="3839827"/>
             <a:ext cx="2969083" cy="461665"/>
           </a:xfrm>
           <a:prstGeom prst="rect">
@@ -5614,7 +5784,7 @@
         </p:nvSpPr>
         <p:spPr>
           <a:xfrm>
-            <a:off x="527050" y="1618380"/>
+            <a:off x="527050" y="1576455"/>
             <a:ext cx="3328155" cy="461665"/>
           </a:xfrm>
           <a:prstGeom prst="rect">
@@ -5652,8 +5822,8 @@
         </p:nvSpPr>
         <p:spPr>
           <a:xfrm>
-            <a:off x="643423" y="2163617"/>
-            <a:ext cx="2607702" cy="646331"/>
+            <a:off x="660070" y="2022308"/>
+            <a:ext cx="3031600" cy="646331"/>
           </a:xfrm>
           <a:prstGeom prst="rect">
             <a:avLst/>
@@ -5668,12 +5838,20 @@
           <a:p>
             <a:pPr algn="ctr"/>
             <a:r>
+              <a:rPr lang="en-US" altLang="ja-JP" b="1" u="sng" dirty="0" smtClean="0">
+                <a:solidFill>
+                  <a:prstClr val="black"/>
+                </a:solidFill>
+              </a:rPr>
+              <a:t>WEB</a:t>
+            </a:r>
+            <a:r>
               <a:rPr lang="ja-JP" altLang="en-US" b="1" u="sng" dirty="0" smtClean="0">
                 <a:solidFill>
                   <a:prstClr val="black"/>
                 </a:solidFill>
               </a:rPr>
-              <a:t>検索システム</a:t>
+              <a:t>サービス（検索システム）</a:t>
             </a:r>
             <a:endParaRPr lang="en-US" altLang="ja-JP" b="1" u="sng" dirty="0" smtClean="0">
               <a:solidFill>
@@ -5682,6 +5860,7 @@
             </a:endParaRPr>
           </a:p>
           <a:p>
+            <a:pPr algn="ctr"/>
             <a:r>
               <a:rPr lang="en-US" altLang="ja-JP" dirty="0" err="1" smtClean="0">
                 <a:solidFill>
@@ -5702,7 +5881,7 @@
         </p:nvSpPr>
         <p:spPr>
           <a:xfrm>
-            <a:off x="3763646" y="2163615"/>
+            <a:off x="3992242" y="2035388"/>
             <a:ext cx="1624163" cy="646331"/>
           </a:xfrm>
           <a:prstGeom prst="rect">
@@ -5757,7 +5936,7 @@
         </p:nvSpPr>
         <p:spPr>
           <a:xfrm>
-            <a:off x="5900331" y="2163616"/>
+            <a:off x="5916977" y="2035388"/>
             <a:ext cx="2428870" cy="646331"/>
           </a:xfrm>
           <a:prstGeom prst="rect">
@@ -5803,6 +5982,90 @@
                 </a:solidFill>
               </a:rPr>
               <a:t>Python,SQLITE</a:t>
+            </a:r>
+            <a:endParaRPr kumimoji="1" lang="ja-JP" altLang="en-US" dirty="0"/>
+          </a:p>
+        </p:txBody>
+      </p:sp>
+      <p:sp>
+        <p:nvSpPr>
+          <p:cNvPr id="12" name="テキスト ボックス 11"/>
+          <p:cNvSpPr txBox="1"/>
+          <p:nvPr/>
+        </p:nvSpPr>
+        <p:spPr>
+          <a:xfrm>
+            <a:off x="493991" y="2877653"/>
+            <a:ext cx="2379177" cy="461665"/>
+          </a:xfrm>
+          <a:prstGeom prst="rect">
+            <a:avLst/>
+          </a:prstGeom>
+          <a:noFill/>
+        </p:spPr>
+        <p:txBody>
+          <a:bodyPr wrap="none" rtlCol="0">
+            <a:spAutoFit/>
+          </a:bodyPr>
+          <a:lstStyle/>
+          <a:p>
+            <a:r>
+              <a:rPr lang="ja-JP" altLang="en-US" sz="2400" b="1" dirty="0" smtClean="0"/>
+              <a:t>・</a:t>
+            </a:r>
+            <a:r>
+              <a:rPr lang="ja-JP" altLang="en-US" sz="2400" b="1" dirty="0"/>
+              <a:t>これまで</a:t>
+            </a:r>
+            <a:r>
+              <a:rPr lang="ja-JP" altLang="en-US" sz="2400" b="1" dirty="0" smtClean="0"/>
+              <a:t>の進捗</a:t>
+            </a:r>
+            <a:endParaRPr lang="en-US" altLang="ja-JP" sz="2400" b="1" dirty="0" smtClean="0"/>
+          </a:p>
+        </p:txBody>
+      </p:sp>
+      <p:sp>
+        <p:nvSpPr>
+          <p:cNvPr id="3" name="テキスト ボックス 2"/>
+          <p:cNvSpPr txBox="1"/>
+          <p:nvPr/>
+        </p:nvSpPr>
+        <p:spPr>
+          <a:xfrm>
+            <a:off x="671006" y="3315698"/>
+            <a:ext cx="7253816" cy="369332"/>
+          </a:xfrm>
+          <a:prstGeom prst="rect">
+            <a:avLst/>
+          </a:prstGeom>
+          <a:noFill/>
+        </p:spPr>
+        <p:txBody>
+          <a:bodyPr wrap="square" rtlCol="0">
+            <a:spAutoFit/>
+          </a:bodyPr>
+          <a:lstStyle/>
+          <a:p>
+            <a:r>
+              <a:rPr kumimoji="1" lang="en-US" altLang="ja-JP" dirty="0" err="1" smtClean="0"/>
+              <a:t>Raspberry</a:t>
+            </a:r>
+            <a:r>
+              <a:rPr lang="en-US" altLang="ja-JP" dirty="0" err="1" smtClean="0"/>
+              <a:t>Pi</a:t>
+            </a:r>
+            <a:r>
+              <a:rPr lang="ja-JP" altLang="en-US" dirty="0" smtClean="0"/>
+              <a:t>上での</a:t>
+            </a:r>
+            <a:r>
+              <a:rPr lang="en-US" altLang="ja-JP" dirty="0" smtClean="0"/>
+              <a:t>WEB</a:t>
+            </a:r>
+            <a:r>
+              <a:rPr lang="ja-JP" altLang="en-US" dirty="0" smtClean="0"/>
+              <a:t>サーバ冗長化，応答速度計測プログラムの作成</a:t>
             </a:r>
             <a:endParaRPr kumimoji="1" lang="ja-JP" altLang="en-US" dirty="0"/>
           </a:p>

--- a/発表用/1821086_中間発表.pptx
+++ b/発表用/1821086_中間発表.pptx
@@ -233,7 +233,7 @@
           <a:p>
             <a:fld id="{27571B5F-C8EC-4379-AD76-80FD414F3861}" type="datetimeFigureOut">
               <a:rPr kumimoji="1" lang="ja-JP" altLang="en-US" smtClean="0"/>
-              <a:t>2021/7/22</a:t>
+              <a:t>2021/7/23</a:t>
             </a:fld>
             <a:endParaRPr kumimoji="1" lang="ja-JP" altLang="en-US"/>
           </a:p>
@@ -922,7 +922,7 @@
           <a:p>
             <a:fld id="{ED609840-96BF-4512-A2C1-C87E0BBF3D2F}" type="datetime1">
               <a:rPr kumimoji="1" lang="ja-JP" altLang="en-US" smtClean="0"/>
-              <a:t>2021/7/22</a:t>
+              <a:t>2021/7/23</a:t>
             </a:fld>
             <a:endParaRPr kumimoji="1" lang="ja-JP" altLang="en-US"/>
           </a:p>
@@ -1125,7 +1125,7 @@
           <a:p>
             <a:fld id="{F97B6116-28DE-44C1-8891-65688903BD50}" type="datetime1">
               <a:rPr kumimoji="1" lang="ja-JP" altLang="en-US" smtClean="0"/>
-              <a:t>2021/7/22</a:t>
+              <a:t>2021/7/23</a:t>
             </a:fld>
             <a:endParaRPr kumimoji="1" lang="ja-JP" altLang="en-US"/>
           </a:p>
@@ -1338,7 +1338,7 @@
           <a:p>
             <a:fld id="{EDE04BF4-1FC0-40EE-A15F-5986BB2387E9}" type="datetime1">
               <a:rPr kumimoji="1" lang="ja-JP" altLang="en-US" smtClean="0"/>
-              <a:t>2021/7/22</a:t>
+              <a:t>2021/7/23</a:t>
             </a:fld>
             <a:endParaRPr kumimoji="1" lang="ja-JP" altLang="en-US"/>
           </a:p>
@@ -1541,7 +1541,7 @@
           <a:p>
             <a:fld id="{AFE4124D-C094-469A-99BC-7EA66CDB293F}" type="datetime1">
               <a:rPr kumimoji="1" lang="ja-JP" altLang="en-US" smtClean="0"/>
-              <a:t>2021/7/22</a:t>
+              <a:t>2021/7/23</a:t>
             </a:fld>
             <a:endParaRPr kumimoji="1" lang="ja-JP" altLang="en-US"/>
           </a:p>
@@ -1790,7 +1790,7 @@
           <a:p>
             <a:fld id="{F808FAA8-DC38-46BC-9A48-0414366DDF43}" type="datetime1">
               <a:rPr kumimoji="1" lang="ja-JP" altLang="en-US" smtClean="0"/>
-              <a:t>2021/7/22</a:t>
+              <a:t>2021/7/23</a:t>
             </a:fld>
             <a:endParaRPr kumimoji="1" lang="ja-JP" altLang="en-US"/>
           </a:p>
@@ -2087,7 +2087,7 @@
           <a:p>
             <a:fld id="{43B61DD3-8484-4FD8-9D55-71FA047E405C}" type="datetime1">
               <a:rPr kumimoji="1" lang="ja-JP" altLang="en-US" smtClean="0"/>
-              <a:t>2021/7/22</a:t>
+              <a:t>2021/7/23</a:t>
             </a:fld>
             <a:endParaRPr kumimoji="1" lang="ja-JP" altLang="en-US"/>
           </a:p>
@@ -2519,7 +2519,7 @@
           <a:p>
             <a:fld id="{61FE3252-B303-4BFD-B995-E88780D087A2}" type="datetime1">
               <a:rPr kumimoji="1" lang="ja-JP" altLang="en-US" smtClean="0"/>
-              <a:t>2021/7/22</a:t>
+              <a:t>2021/7/23</a:t>
             </a:fld>
             <a:endParaRPr kumimoji="1" lang="ja-JP" altLang="en-US"/>
           </a:p>
@@ -2638,7 +2638,7 @@
           <a:p>
             <a:fld id="{83973884-A525-473B-9B85-E710649C3EE9}" type="datetime1">
               <a:rPr kumimoji="1" lang="ja-JP" altLang="en-US" smtClean="0"/>
-              <a:t>2021/7/22</a:t>
+              <a:t>2021/7/23</a:t>
             </a:fld>
             <a:endParaRPr kumimoji="1" lang="ja-JP" altLang="en-US"/>
           </a:p>
@@ -2734,7 +2734,7 @@
           <a:p>
             <a:fld id="{630B9591-4670-4AF8-B7B7-F5F2443A761A}" type="datetime1">
               <a:rPr kumimoji="1" lang="ja-JP" altLang="en-US" smtClean="0"/>
-              <a:t>2021/7/22</a:t>
+              <a:t>2021/7/23</a:t>
             </a:fld>
             <a:endParaRPr kumimoji="1" lang="ja-JP" altLang="en-US"/>
           </a:p>
@@ -3044,7 +3044,7 @@
           <a:p>
             <a:fld id="{434F6BA0-5DA2-4153-9B76-E2457FA21F47}" type="datetime1">
               <a:rPr kumimoji="1" lang="ja-JP" altLang="en-US" smtClean="0"/>
-              <a:t>2021/7/22</a:t>
+              <a:t>2021/7/23</a:t>
             </a:fld>
             <a:endParaRPr kumimoji="1" lang="ja-JP" altLang="en-US"/>
           </a:p>
@@ -3302,7 +3302,7 @@
           <a:p>
             <a:fld id="{590B58CC-0A81-4826-A84E-1F1030B25368}" type="datetime1">
               <a:rPr kumimoji="1" lang="ja-JP" altLang="en-US" smtClean="0"/>
-              <a:t>2021/7/22</a:t>
+              <a:t>2021/7/23</a:t>
             </a:fld>
             <a:endParaRPr kumimoji="1" lang="ja-JP" altLang="en-US"/>
           </a:p>
@@ -3548,7 +3548,7 @@
           <a:p>
             <a:fld id="{77253A0B-EAD4-46D7-BD2F-C5BFFB89C890}" type="datetime1">
               <a:rPr kumimoji="1" lang="ja-JP" altLang="en-US" smtClean="0"/>
-              <a:t>2021/7/22</a:t>
+              <a:t>2021/7/23</a:t>
             </a:fld>
             <a:endParaRPr kumimoji="1" lang="ja-JP" altLang="en-US"/>
           </a:p>
@@ -4023,7 +4023,35 @@
             </a:r>
             <a:r>
               <a:rPr lang="ja-JP" altLang="en-US" sz="2400" dirty="0"/>
-              <a:t>全体の応答性能と可用性を高めるなど行える</a:t>
+              <a:t>全体の応答</a:t>
+            </a:r>
+            <a:r>
+              <a:rPr lang="ja-JP" altLang="en-US" sz="2400" dirty="0" smtClean="0"/>
+              <a:t>性能や可用性</a:t>
+            </a:r>
+            <a:r>
+              <a:rPr lang="ja-JP" altLang="en-US" sz="2400" dirty="0"/>
+              <a:t>を</a:t>
+            </a:r>
+            <a:r>
+              <a:rPr lang="ja-JP" altLang="en-US" sz="2400" dirty="0" smtClean="0"/>
+              <a:t>高める</a:t>
+            </a:r>
+            <a:r>
+              <a:rPr lang="ja-JP" altLang="en-US" sz="2400" dirty="0"/>
+              <a:t>こと</a:t>
+            </a:r>
+            <a:r>
+              <a:rPr lang="ja-JP" altLang="en-US" sz="2400" dirty="0" smtClean="0"/>
+              <a:t>ができる</a:t>
+            </a:r>
+            <a:r>
+              <a:rPr lang="ja-JP" altLang="en-US" sz="2400" dirty="0" smtClean="0">
+                <a:solidFill>
+                  <a:srgbClr val="FF0000"/>
+                </a:solidFill>
+              </a:rPr>
+              <a:t>ロードバランサー</a:t>
             </a:r>
             <a:r>
               <a:rPr lang="ja-JP" altLang="en-US" sz="2400" dirty="0">
@@ -4031,7 +4059,7 @@
                   <a:srgbClr val="FF0000"/>
                 </a:solidFill>
               </a:rPr>
-              <a:t>ロードバランサーの需要は今後増加傾向</a:t>
+              <a:t>の需要は今後増加傾向</a:t>
             </a:r>
             <a:r>
               <a:rPr lang="ja-JP" altLang="en-US" sz="2400" dirty="0"/>
@@ -4115,11 +4143,15 @@
             </a:r>
             <a:r>
               <a:rPr lang="ja-JP" altLang="en-US" sz="2400" dirty="0"/>
-              <a:t>となる</a:t>
+              <a:t>と</a:t>
             </a:r>
             <a:r>
               <a:rPr lang="ja-JP" altLang="en-US" sz="2400" dirty="0" smtClean="0"/>
-              <a:t>。</a:t>
+              <a:t>なる</a:t>
+            </a:r>
+            <a:r>
+              <a:rPr lang="ja-JP" altLang="en-US" sz="2400" dirty="0"/>
+              <a:t>．</a:t>
             </a:r>
             <a:endParaRPr lang="ja-JP" altLang="en-US" sz="2400" dirty="0"/>
           </a:p>
@@ -4581,7 +4613,7 @@
         <p:spPr/>
         <p:txBody>
           <a:bodyPr>
-            <a:normAutofit/>
+            <a:normAutofit lnSpcReduction="10000"/>
           </a:bodyPr>
           <a:lstStyle/>
           <a:p>
@@ -4591,11 +4623,7 @@
             </a:r>
             <a:r>
               <a:rPr lang="ja-JP" altLang="en-US" dirty="0" smtClean="0"/>
-              <a:t>に割り振る方式が頻繫に利用されて</a:t>
-            </a:r>
-            <a:r>
-              <a:rPr lang="ja-JP" altLang="en-US" dirty="0" smtClean="0"/>
-              <a:t>いる</a:t>
+              <a:t>に割り振る方式が頻繫に利用されている</a:t>
             </a:r>
             <a:r>
               <a:rPr lang="ja-JP" altLang="en-US" dirty="0"/>
@@ -4603,11 +4631,7 @@
             </a:r>
             <a:r>
               <a:rPr lang="ja-JP" altLang="en-US" dirty="0" smtClean="0"/>
-              <a:t>方法で</a:t>
-            </a:r>
-            <a:r>
-              <a:rPr lang="ja-JP" altLang="en-US" dirty="0" smtClean="0"/>
-              <a:t>は，応答</a:t>
+              <a:t>方法では，応答</a:t>
             </a:r>
             <a:r>
               <a:rPr lang="ja-JP" altLang="en-US" dirty="0"/>
@@ -4627,13 +4651,8 @@
             </a:r>
             <a:r>
               <a:rPr lang="ja-JP" altLang="en-US" dirty="0"/>
-              <a:t>が落ちて</a:t>
-            </a:r>
-            <a:r>
-              <a:rPr lang="ja-JP" altLang="en-US" dirty="0"/>
-              <a:t>しまう．</a:t>
-            </a:r>
-            <a:endParaRPr lang="ja-JP" altLang="en-US" dirty="0"/>
+              <a:t>が落ちてしまう．</a:t>
+            </a:r>
           </a:p>
           <a:p>
             <a:endParaRPr lang="ja-JP" altLang="en-US" dirty="0"/>
@@ -4701,15 +4720,7 @@
                   <a:srgbClr val="FF0000"/>
                 </a:solidFill>
               </a:rPr>
-              <a:t>の稼働率や</a:t>
-            </a:r>
-            <a:r>
-              <a:rPr lang="en-US" altLang="ja-JP" dirty="0" smtClean="0">
-                <a:solidFill>
-                  <a:srgbClr val="FF0000"/>
-                </a:solidFill>
-              </a:rPr>
-              <a:t>SEO</a:t>
+              <a:t>の</a:t>
             </a:r>
             <a:r>
               <a:rPr lang="ja-JP" altLang="en-US" dirty="0" smtClean="0">
@@ -4717,15 +4728,15 @@
                   <a:srgbClr val="FF0000"/>
                 </a:solidFill>
               </a:rPr>
-              <a:t>の向上</a:t>
+              <a:t>稼働率や検索結果の順位を向上</a:t>
             </a:r>
             <a:r>
               <a:rPr lang="ja-JP" altLang="en-US" dirty="0" smtClean="0"/>
-              <a:t>が出来ないかと</a:t>
+              <a:t>することが出来ない</a:t>
             </a:r>
             <a:r>
               <a:rPr lang="ja-JP" altLang="en-US" dirty="0" smtClean="0"/>
-              <a:t>考えた．</a:t>
+              <a:t>かと考えた．</a:t>
             </a:r>
             <a:endParaRPr lang="en-US" altLang="ja-JP" dirty="0" smtClean="0"/>
           </a:p>
@@ -4880,11 +4891,7 @@
             </a:r>
             <a:r>
               <a:rPr lang="ja-JP" altLang="en-US" dirty="0"/>
-              <a:t>速度を考慮した</a:t>
-            </a:r>
-            <a:r>
-              <a:rPr lang="ja-JP" altLang="en-US" dirty="0"/>
-              <a:t>ロードバランサーの設計と</a:t>
+              <a:t>速度を考慮したロードバランサーの設計と</a:t>
             </a:r>
             <a:r>
               <a:rPr lang="ja-JP" altLang="en-US" dirty="0" smtClean="0"/>
@@ -4894,7 +4901,6 @@
               <a:rPr lang="ja-JP" altLang="en-US" dirty="0"/>
               <a:t>．</a:t>
             </a:r>
-            <a:endParaRPr lang="ja-JP" altLang="en-US" dirty="0"/>
           </a:p>
           <a:p>
             <a:r>
@@ -4928,7 +4934,6 @@
               <a:rPr lang="ja-JP" altLang="en-US" dirty="0"/>
               <a:t>．</a:t>
             </a:r>
-            <a:endParaRPr lang="ja-JP" altLang="en-US" dirty="0"/>
           </a:p>
           <a:p>
             <a:endParaRPr lang="ja-JP" altLang="en-US" dirty="0"/>
@@ -5080,13 +5085,7 @@
               <a:rPr lang="en-US" altLang="ja-JP" dirty="0" smtClean="0">
                 <a:latin typeface="ＭＳ Ｐゴシック" panose="020B0600070205080204" pitchFamily="50" charset="-128"/>
               </a:rPr>
-              <a:t>[Ⅰ#2008</a:t>
-            </a:r>
-            <a:r>
-              <a:rPr lang="en-US" altLang="ja-JP" dirty="0" smtClean="0">
-                <a:latin typeface="ＭＳ Ｐゴシック" panose="020B0600070205080204" pitchFamily="50" charset="-128"/>
-              </a:rPr>
-              <a:t>]</a:t>
+              <a:t>[Ⅰ#2008]</a:t>
             </a:r>
             <a:r>
               <a:rPr lang="ja-JP" altLang="en-US" dirty="0" smtClean="0">
@@ -5104,7 +5103,168 @@
               <a:rPr lang="ja-JP" altLang="en-US" dirty="0" smtClean="0">
                 <a:latin typeface="ＭＳ Ｐゴシック" panose="020B0600070205080204" pitchFamily="50" charset="-128"/>
               </a:rPr>
-              <a:t>後藤滋樹</a:t>
+              <a:t>後藤滋樹「</a:t>
+            </a:r>
+            <a:r>
+              <a:rPr lang="en-US" altLang="ja-JP" dirty="0">
+                <a:latin typeface="ＭＳ Ｐゴシック" panose="020B0600070205080204" pitchFamily="50" charset="-128"/>
+              </a:rPr>
+              <a:t>HTTP</a:t>
+            </a:r>
+            <a:r>
+              <a:rPr lang="ja-JP" altLang="en-US" dirty="0">
+                <a:latin typeface="ＭＳ Ｐゴシック" panose="020B0600070205080204" pitchFamily="50" charset="-128"/>
+              </a:rPr>
+              <a:t>セッションのハンドオーバによる</a:t>
+            </a:r>
+            <a:r>
+              <a:rPr lang="en-US" altLang="ja-JP" dirty="0">
+                <a:latin typeface="ＭＳ Ｐゴシック" panose="020B0600070205080204" pitchFamily="50" charset="-128"/>
+              </a:rPr>
+              <a:t>WEB</a:t>
+            </a:r>
+            <a:r>
+              <a:rPr lang="ja-JP" altLang="en-US" dirty="0">
+                <a:latin typeface="ＭＳ Ｐゴシック" panose="020B0600070205080204" pitchFamily="50" charset="-128"/>
+              </a:rPr>
+              <a:t>サーバのロードバランス </a:t>
+            </a:r>
+            <a:r>
+              <a:rPr lang="en-US" altLang="ja-JP" dirty="0">
+                <a:latin typeface="ＭＳ Ｐゴシック" panose="020B0600070205080204" pitchFamily="50" charset="-128"/>
+              </a:rPr>
+              <a:t>(</a:t>
+            </a:r>
+            <a:r>
+              <a:rPr lang="ja-JP" altLang="en-US" dirty="0">
+                <a:latin typeface="ＭＳ Ｐゴシック" panose="020B0600070205080204" pitchFamily="50" charset="-128"/>
+              </a:rPr>
+              <a:t>分散システム</a:t>
+            </a:r>
+            <a:r>
+              <a:rPr lang="en-US" altLang="ja-JP" dirty="0">
+                <a:latin typeface="ＭＳ Ｐゴシック" panose="020B0600070205080204" pitchFamily="50" charset="-128"/>
+              </a:rPr>
+              <a:t>/</a:t>
+            </a:r>
+            <a:r>
+              <a:rPr lang="ja-JP" altLang="en-US" dirty="0">
+                <a:latin typeface="ＭＳ Ｐゴシック" panose="020B0600070205080204" pitchFamily="50" charset="-128"/>
+              </a:rPr>
+              <a:t>インターネット運用技術・高品質インターネット</a:t>
+            </a:r>
+            <a:r>
+              <a:rPr lang="en-US" altLang="ja-JP" dirty="0">
+                <a:latin typeface="ＭＳ Ｐゴシック" panose="020B0600070205080204" pitchFamily="50" charset="-128"/>
+              </a:rPr>
+              <a:t>)</a:t>
+            </a:r>
+            <a:r>
+              <a:rPr lang="ja-JP" altLang="en-US" dirty="0" smtClean="0">
+                <a:latin typeface="ＭＳ Ｐゴシック" panose="020B0600070205080204" pitchFamily="50" charset="-128"/>
+              </a:rPr>
+              <a:t>」</a:t>
+            </a:r>
+            <a:endParaRPr lang="en-US" altLang="ja-JP" dirty="0">
+              <a:latin typeface="ＭＳ Ｐゴシック" panose="020B0600070205080204" pitchFamily="50" charset="-128"/>
+            </a:endParaRPr>
+          </a:p>
+          <a:p>
+            <a:pPr marL="0" indent="0">
+              <a:lnSpc>
+                <a:spcPct val="100000"/>
+              </a:lnSpc>
+              <a:buNone/>
+            </a:pPr>
+            <a:r>
+              <a:rPr lang="ja-JP" altLang="en-US" u="sng" dirty="0" smtClean="0">
+                <a:latin typeface="ＭＳ Ｐゴシック" panose="020B0600070205080204" pitchFamily="50" charset="-128"/>
+              </a:rPr>
+              <a:t>応答速度評価付けシステムの評価手法</a:t>
+            </a:r>
+            <a:endParaRPr lang="en-US" altLang="ja-JP" u="sng" dirty="0">
+              <a:latin typeface="ＭＳ Ｐゴシック" panose="020B0600070205080204" pitchFamily="50" charset="-128"/>
+            </a:endParaRPr>
+          </a:p>
+          <a:p>
+            <a:pPr marL="0" indent="0">
+              <a:lnSpc>
+                <a:spcPct val="100000"/>
+              </a:lnSpc>
+              <a:buNone/>
+            </a:pPr>
+            <a:r>
+              <a:rPr lang="en-US" altLang="ja-JP" dirty="0" smtClean="0">
+                <a:latin typeface="ＭＳ Ｐゴシック" panose="020B0600070205080204" pitchFamily="50" charset="-128"/>
+              </a:rPr>
+              <a:t>[Ⅱ#2007]</a:t>
+            </a:r>
+            <a:r>
+              <a:rPr lang="ja-JP" altLang="en-US" dirty="0" smtClean="0">
+                <a:latin typeface="ＭＳ Ｐゴシック" panose="020B0600070205080204" pitchFamily="50" charset="-128"/>
+              </a:rPr>
+              <a:t>河野知行「複数のロードバランサによる</a:t>
+            </a:r>
+            <a:r>
+              <a:rPr lang="en-US" altLang="ja-JP" dirty="0" smtClean="0">
+                <a:latin typeface="ＭＳ Ｐゴシック" panose="020B0600070205080204" pitchFamily="50" charset="-128"/>
+              </a:rPr>
+              <a:t>WEB</a:t>
+            </a:r>
+            <a:r>
+              <a:rPr lang="ja-JP" altLang="en-US" dirty="0" smtClean="0">
+                <a:latin typeface="ＭＳ Ｐゴシック" panose="020B0600070205080204" pitchFamily="50" charset="-128"/>
+              </a:rPr>
+              <a:t>システムの応答時間最適化」</a:t>
+            </a:r>
+            <a:endParaRPr lang="en-US" altLang="ja-JP" dirty="0">
+              <a:latin typeface="ＭＳ Ｐゴシック" panose="020B0600070205080204" pitchFamily="50" charset="-128"/>
+            </a:endParaRPr>
+          </a:p>
+          <a:p>
+            <a:pPr marL="0" indent="0">
+              <a:lnSpc>
+                <a:spcPct val="100000"/>
+              </a:lnSpc>
+              <a:buNone/>
+            </a:pPr>
+            <a:r>
+              <a:rPr lang="en-US" altLang="ja-JP" u="sng" dirty="0" smtClean="0">
+                <a:latin typeface="ＭＳ Ｐゴシック" panose="020B0600070205080204" pitchFamily="50" charset="-128"/>
+              </a:rPr>
+              <a:t>WEB</a:t>
+            </a:r>
+            <a:r>
+              <a:rPr lang="ja-JP" altLang="en-US" u="sng" dirty="0" smtClean="0">
+                <a:latin typeface="ＭＳ Ｐゴシック" panose="020B0600070205080204" pitchFamily="50" charset="-128"/>
+              </a:rPr>
+              <a:t>サーバ監視システムの開発</a:t>
+            </a:r>
+            <a:endParaRPr lang="en-US" altLang="ja-JP" u="sng" dirty="0" smtClean="0">
+              <a:latin typeface="ＭＳ Ｐゴシック" panose="020B0600070205080204" pitchFamily="50" charset="-128"/>
+            </a:endParaRPr>
+          </a:p>
+          <a:p>
+            <a:pPr marL="0" indent="0">
+              <a:buNone/>
+            </a:pPr>
+            <a:r>
+              <a:rPr lang="en-US" altLang="ja-JP" dirty="0" smtClean="0">
+                <a:latin typeface="ＭＳ Ｐゴシック" panose="020B0600070205080204" pitchFamily="50" charset="-128"/>
+              </a:rPr>
+              <a:t>[Ⅲ#2014]</a:t>
+            </a:r>
+            <a:r>
+              <a:rPr lang="ja-JP" altLang="en-US" dirty="0" smtClean="0">
+                <a:latin typeface="ＭＳ Ｐゴシック" panose="020B0600070205080204" pitchFamily="50" charset="-128"/>
+              </a:rPr>
+              <a:t> 堀内晨彦，</a:t>
+            </a:r>
+            <a:r>
+              <a:rPr lang="ja-JP" altLang="en-US" dirty="0">
+                <a:latin typeface="ＭＳ Ｐゴシック" panose="020B0600070205080204" pitchFamily="50" charset="-128"/>
+              </a:rPr>
+              <a:t>最所圭三</a:t>
             </a:r>
             <a:r>
               <a:rPr lang="ja-JP" altLang="en-US" dirty="0" smtClean="0">
@@ -5113,58 +5273,22 @@
               <a:t>「</a:t>
             </a:r>
             <a:r>
+              <a:rPr lang="ja-JP" altLang="en-US" dirty="0">
+                <a:latin typeface="ＭＳ Ｐゴシック" panose="020B0600070205080204" pitchFamily="50" charset="-128"/>
+              </a:rPr>
+              <a:t>クラウドに適した</a:t>
+            </a:r>
+            <a:r>
               <a:rPr lang="en-US" altLang="ja-JP" dirty="0">
                 <a:latin typeface="ＭＳ Ｐゴシック" panose="020B0600070205080204" pitchFamily="50" charset="-128"/>
               </a:rPr>
-              <a:t>HTTP</a:t>
+              <a:t>Web</a:t>
             </a:r>
             <a:r>
               <a:rPr lang="ja-JP" altLang="en-US" dirty="0">
                 <a:latin typeface="ＭＳ Ｐゴシック" panose="020B0600070205080204" pitchFamily="50" charset="-128"/>
               </a:rPr>
-              <a:t>セッションのハンドオーバによる</a:t>
-            </a:r>
-            <a:r>
-              <a:rPr lang="en-US" altLang="ja-JP" dirty="0">
-                <a:latin typeface="ＭＳ Ｐゴシック" panose="020B0600070205080204" pitchFamily="50" charset="-128"/>
-              </a:rPr>
-              <a:t>WEB</a:t>
-            </a:r>
-            <a:r>
-              <a:rPr lang="ja-JP" altLang="en-US" dirty="0">
-                <a:latin typeface="ＭＳ Ｐゴシック" panose="020B0600070205080204" pitchFamily="50" charset="-128"/>
-              </a:rPr>
-              <a:t>サーバのロードバランス </a:t>
-            </a:r>
-            <a:r>
-              <a:rPr lang="en-US" altLang="ja-JP" dirty="0">
-                <a:latin typeface="ＭＳ Ｐゴシック" panose="020B0600070205080204" pitchFamily="50" charset="-128"/>
-              </a:rPr>
-              <a:t>(</a:t>
-            </a:r>
-            <a:r>
-              <a:rPr lang="ja-JP" altLang="en-US" dirty="0">
-                <a:latin typeface="ＭＳ Ｐゴシック" panose="020B0600070205080204" pitchFamily="50" charset="-128"/>
-              </a:rPr>
-              <a:t>分散システム</a:t>
-            </a:r>
-            <a:r>
-              <a:rPr lang="en-US" altLang="ja-JP" dirty="0">
-                <a:latin typeface="ＭＳ Ｐゴシック" panose="020B0600070205080204" pitchFamily="50" charset="-128"/>
-              </a:rPr>
-              <a:t>/</a:t>
-            </a:r>
-            <a:r>
-              <a:rPr lang="ja-JP" altLang="en-US" dirty="0">
-                <a:latin typeface="ＭＳ Ｐゴシック" panose="020B0600070205080204" pitchFamily="50" charset="-128"/>
-              </a:rPr>
-              <a:t>インターネット運用技術・高品質インターネット</a:t>
-            </a:r>
-            <a:r>
-              <a:rPr lang="en-US" altLang="ja-JP" dirty="0">
-                <a:latin typeface="ＭＳ Ｐゴシック" panose="020B0600070205080204" pitchFamily="50" charset="-128"/>
-              </a:rPr>
-              <a:t>)</a:t>
+              <a:t>システムの負荷監視機能の改善について</a:t>
             </a:r>
             <a:r>
               <a:rPr lang="ja-JP" altLang="en-US" dirty="0" smtClean="0">
@@ -5172,158 +5296,6 @@
               </a:rPr>
               <a:t>」</a:t>
             </a:r>
-            <a:endParaRPr lang="en-US" altLang="ja-JP" dirty="0">
-              <a:latin typeface="ＭＳ Ｐゴシック" panose="020B0600070205080204" pitchFamily="50" charset="-128"/>
-            </a:endParaRPr>
-          </a:p>
-          <a:p>
-            <a:pPr marL="0" indent="0">
-              <a:lnSpc>
-                <a:spcPct val="100000"/>
-              </a:lnSpc>
-              <a:buNone/>
-            </a:pPr>
-            <a:r>
-              <a:rPr lang="ja-JP" altLang="en-US" u="sng" dirty="0" smtClean="0">
-                <a:latin typeface="ＭＳ Ｐゴシック" panose="020B0600070205080204" pitchFamily="50" charset="-128"/>
-              </a:rPr>
-              <a:t>応答</a:t>
-            </a:r>
-            <a:r>
-              <a:rPr lang="ja-JP" altLang="en-US" u="sng" dirty="0" smtClean="0">
-                <a:latin typeface="ＭＳ Ｐゴシック" panose="020B0600070205080204" pitchFamily="50" charset="-128"/>
-              </a:rPr>
-              <a:t>速度評価付けシステムの評価手法</a:t>
-            </a:r>
-            <a:endParaRPr lang="en-US" altLang="ja-JP" u="sng" dirty="0">
-              <a:latin typeface="ＭＳ Ｐゴシック" panose="020B0600070205080204" pitchFamily="50" charset="-128"/>
-            </a:endParaRPr>
-          </a:p>
-          <a:p>
-            <a:pPr marL="0" indent="0">
-              <a:lnSpc>
-                <a:spcPct val="100000"/>
-              </a:lnSpc>
-              <a:buNone/>
-            </a:pPr>
-            <a:r>
-              <a:rPr lang="en-US" altLang="ja-JP" dirty="0" smtClean="0">
-                <a:latin typeface="ＭＳ Ｐゴシック" panose="020B0600070205080204" pitchFamily="50" charset="-128"/>
-              </a:rPr>
-              <a:t>[Ⅱ#2007</a:t>
-            </a:r>
-            <a:r>
-              <a:rPr lang="en-US" altLang="ja-JP" dirty="0" smtClean="0">
-                <a:latin typeface="ＭＳ Ｐゴシック" panose="020B0600070205080204" pitchFamily="50" charset="-128"/>
-              </a:rPr>
-              <a:t>]</a:t>
-            </a:r>
-            <a:r>
-              <a:rPr lang="ja-JP" altLang="en-US" dirty="0" smtClean="0">
-                <a:latin typeface="ＭＳ Ｐゴシック" panose="020B0600070205080204" pitchFamily="50" charset="-128"/>
-              </a:rPr>
-              <a:t>河野知行「複数のロードバランサによる</a:t>
-            </a:r>
-            <a:r>
-              <a:rPr lang="en-US" altLang="ja-JP" dirty="0" smtClean="0">
-                <a:latin typeface="ＭＳ Ｐゴシック" panose="020B0600070205080204" pitchFamily="50" charset="-128"/>
-              </a:rPr>
-              <a:t>WEB</a:t>
-            </a:r>
-            <a:r>
-              <a:rPr lang="ja-JP" altLang="en-US" dirty="0" smtClean="0">
-                <a:latin typeface="ＭＳ Ｐゴシック" panose="020B0600070205080204" pitchFamily="50" charset="-128"/>
-              </a:rPr>
-              <a:t>システムの応答時間最適化</a:t>
-            </a:r>
-            <a:r>
-              <a:rPr lang="ja-JP" altLang="en-US" dirty="0" smtClean="0">
-                <a:latin typeface="ＭＳ Ｐゴシック" panose="020B0600070205080204" pitchFamily="50" charset="-128"/>
-              </a:rPr>
-              <a:t>」</a:t>
-            </a:r>
-            <a:endParaRPr lang="en-US" altLang="ja-JP" dirty="0">
-              <a:latin typeface="ＭＳ Ｐゴシック" panose="020B0600070205080204" pitchFamily="50" charset="-128"/>
-            </a:endParaRPr>
-          </a:p>
-          <a:p>
-            <a:pPr marL="0" indent="0">
-              <a:lnSpc>
-                <a:spcPct val="100000"/>
-              </a:lnSpc>
-              <a:buNone/>
-            </a:pPr>
-            <a:r>
-              <a:rPr lang="en-US" altLang="ja-JP" u="sng" dirty="0" smtClean="0">
-                <a:latin typeface="ＭＳ Ｐゴシック" panose="020B0600070205080204" pitchFamily="50" charset="-128"/>
-              </a:rPr>
-              <a:t>WEB</a:t>
-            </a:r>
-            <a:r>
-              <a:rPr lang="ja-JP" altLang="en-US" u="sng" dirty="0" smtClean="0">
-                <a:latin typeface="ＭＳ Ｐゴシック" panose="020B0600070205080204" pitchFamily="50" charset="-128"/>
-              </a:rPr>
-              <a:t>サーバ監視システムの開発</a:t>
-            </a:r>
-            <a:endParaRPr lang="en-US" altLang="ja-JP" u="sng" dirty="0" smtClean="0">
-              <a:latin typeface="ＭＳ Ｐゴシック" panose="020B0600070205080204" pitchFamily="50" charset="-128"/>
-            </a:endParaRPr>
-          </a:p>
-          <a:p>
-            <a:pPr marL="0" indent="0">
-              <a:buNone/>
-            </a:pPr>
-            <a:r>
-              <a:rPr lang="en-US" altLang="ja-JP" dirty="0" smtClean="0">
-                <a:latin typeface="ＭＳ Ｐゴシック" panose="020B0600070205080204" pitchFamily="50" charset="-128"/>
-              </a:rPr>
-              <a:t>[Ⅲ#2014]</a:t>
-            </a:r>
-            <a:r>
-              <a:rPr lang="ja-JP" altLang="en-US" dirty="0" smtClean="0">
-                <a:latin typeface="ＭＳ Ｐゴシック" panose="020B0600070205080204" pitchFamily="50" charset="-128"/>
-              </a:rPr>
-              <a:t> 堀内晨彦，</a:t>
-            </a:r>
-            <a:r>
-              <a:rPr lang="ja-JP" altLang="en-US" dirty="0">
-                <a:latin typeface="ＭＳ Ｐゴシック" panose="020B0600070205080204" pitchFamily="50" charset="-128"/>
-              </a:rPr>
-              <a:t>最所圭三</a:t>
-            </a:r>
-            <a:r>
-              <a:rPr lang="ja-JP" altLang="en-US" dirty="0" smtClean="0">
-                <a:latin typeface="ＭＳ Ｐゴシック" panose="020B0600070205080204" pitchFamily="50" charset="-128"/>
-              </a:rPr>
-              <a:t>「</a:t>
-            </a:r>
-            <a:r>
-              <a:rPr lang="ja-JP" altLang="en-US" dirty="0">
-                <a:latin typeface="ＭＳ Ｐゴシック" panose="020B0600070205080204" pitchFamily="50" charset="-128"/>
-              </a:rPr>
-              <a:t>クラウドに適した</a:t>
-            </a:r>
-            <a:r>
-              <a:rPr lang="en-US" altLang="ja-JP" dirty="0">
-                <a:latin typeface="ＭＳ Ｐゴシック" panose="020B0600070205080204" pitchFamily="50" charset="-128"/>
-              </a:rPr>
-              <a:t>Web</a:t>
-            </a:r>
-            <a:r>
-              <a:rPr lang="ja-JP" altLang="en-US" dirty="0">
-                <a:latin typeface="ＭＳ Ｐゴシック" panose="020B0600070205080204" pitchFamily="50" charset="-128"/>
-              </a:rPr>
-              <a:t>システムの負荷監視機能の改善について</a:t>
-            </a:r>
-            <a:r>
-              <a:rPr lang="ja-JP" altLang="en-US" dirty="0" smtClean="0">
-                <a:latin typeface="ＭＳ Ｐゴシック" panose="020B0600070205080204" pitchFamily="50" charset="-128"/>
-              </a:rPr>
-              <a:t>」</a:t>
-            </a:r>
-            <a:endParaRPr lang="ja-JP" altLang="en-US" dirty="0" smtClean="0">
-              <a:latin typeface="ＭＳ Ｐゴシック" panose="020B0600070205080204" pitchFamily="50" charset="-128"/>
-            </a:endParaRPr>
           </a:p>
         </p:txBody>
       </p:sp>
@@ -5437,7 +5409,7 @@
       </p:sp>
       <p:pic>
         <p:nvPicPr>
-          <p:cNvPr id="3" name="図 2"/>
+          <p:cNvPr id="46" name="図 45"/>
           <p:cNvPicPr>
             <a:picLocks noChangeAspect="1"/>
           </p:cNvPicPr>
@@ -5451,8 +5423,8 @@
         </p:blipFill>
         <p:spPr>
           <a:xfrm>
-            <a:off x="696384" y="1126904"/>
-            <a:ext cx="7453364" cy="5671829"/>
+            <a:off x="188541" y="1061618"/>
+            <a:ext cx="8913124" cy="5541744"/>
           </a:xfrm>
           <a:prstGeom prst="rect">
             <a:avLst/>
@@ -5595,13 +5567,7 @@
               <a:rPr lang="ja-JP" altLang="en-US" sz="3200" dirty="0" smtClean="0">
                 <a:latin typeface="ＭＳ Ｐゴシック" panose="020B0600070205080204" pitchFamily="50" charset="-128"/>
               </a:rPr>
-              <a:t>判断する</a:t>
-            </a:r>
-            <a:r>
-              <a:rPr lang="ja-JP" altLang="en-US" sz="3200" dirty="0" smtClean="0">
-                <a:latin typeface="ＭＳ Ｐゴシック" panose="020B0600070205080204" pitchFamily="50" charset="-128"/>
-              </a:rPr>
-              <a:t>．</a:t>
+              <a:t>判断する．</a:t>
             </a:r>
             <a:endParaRPr lang="ja-JP" altLang="en-US" sz="3200" dirty="0"/>
           </a:p>
@@ -5680,7 +5646,7 @@
         </p:nvSpPr>
         <p:spPr>
           <a:xfrm>
-            <a:off x="527050" y="431533"/>
+            <a:off x="535517" y="219858"/>
             <a:ext cx="7886700" cy="1325563"/>
           </a:xfrm>
         </p:spPr>
@@ -5738,7 +5704,7 @@
         </p:blipFill>
         <p:spPr>
           <a:xfrm>
-            <a:off x="1015978" y="4319010"/>
+            <a:off x="1024445" y="4107335"/>
             <a:ext cx="6908844" cy="2360290"/>
           </a:xfrm>
           <a:prstGeom prst="rect">
@@ -5754,7 +5720,7 @@
         </p:nvSpPr>
         <p:spPr>
           <a:xfrm>
-            <a:off x="493991" y="3839827"/>
+            <a:off x="502458" y="3628152"/>
             <a:ext cx="2969083" cy="461665"/>
           </a:xfrm>
           <a:prstGeom prst="rect">
@@ -5784,7 +5750,7 @@
         </p:nvSpPr>
         <p:spPr>
           <a:xfrm>
-            <a:off x="527050" y="1576455"/>
+            <a:off x="535517" y="1364780"/>
             <a:ext cx="3328155" cy="461665"/>
           </a:xfrm>
           <a:prstGeom prst="rect">
@@ -5822,7 +5788,7 @@
         </p:nvSpPr>
         <p:spPr>
           <a:xfrm>
-            <a:off x="660070" y="2022308"/>
+            <a:off x="668537" y="1810633"/>
             <a:ext cx="3031600" cy="646331"/>
           </a:xfrm>
           <a:prstGeom prst="rect">
@@ -5881,7 +5847,7 @@
         </p:nvSpPr>
         <p:spPr>
           <a:xfrm>
-            <a:off x="3992242" y="2035388"/>
+            <a:off x="4000709" y="1823713"/>
             <a:ext cx="1624163" cy="646331"/>
           </a:xfrm>
           <a:prstGeom prst="rect">
@@ -5936,7 +5902,7 @@
         </p:nvSpPr>
         <p:spPr>
           <a:xfrm>
-            <a:off x="5916977" y="2035388"/>
+            <a:off x="5925444" y="1823713"/>
             <a:ext cx="2428870" cy="646331"/>
           </a:xfrm>
           <a:prstGeom prst="rect">
@@ -5995,7 +5961,7 @@
         </p:nvSpPr>
         <p:spPr>
           <a:xfrm>
-            <a:off x="493991" y="2877653"/>
+            <a:off x="502458" y="2665978"/>
             <a:ext cx="2379177" cy="461665"/>
           </a:xfrm>
           <a:prstGeom prst="rect">
@@ -6033,7 +5999,7 @@
         </p:nvSpPr>
         <p:spPr>
           <a:xfrm>
-            <a:off x="671006" y="3315698"/>
+            <a:off x="679473" y="3104023"/>
             <a:ext cx="7253816" cy="369332"/>
           </a:xfrm>
           <a:prstGeom prst="rect">

--- a/発表用/1821086_中間発表.pptx
+++ b/発表用/1821086_中間発表.pptx
@@ -4153,7 +4153,6 @@
               <a:rPr lang="ja-JP" altLang="en-US" sz="2400" dirty="0"/>
               <a:t>．</a:t>
             </a:r>
-            <a:endParaRPr lang="ja-JP" altLang="en-US" sz="2400" dirty="0"/>
           </a:p>
           <a:p>
             <a:pPr>
@@ -4720,23 +4719,11 @@
                   <a:srgbClr val="FF0000"/>
                 </a:solidFill>
               </a:rPr>
-              <a:t>の</a:t>
-            </a:r>
-            <a:r>
-              <a:rPr lang="ja-JP" altLang="en-US" dirty="0" smtClean="0">
-                <a:solidFill>
-                  <a:srgbClr val="FF0000"/>
-                </a:solidFill>
-              </a:rPr>
-              <a:t>稼働率や検索結果の順位を向上</a:t>
+              <a:t>の稼働率や検索結果の順位を向上</a:t>
             </a:r>
             <a:r>
               <a:rPr lang="ja-JP" altLang="en-US" dirty="0" smtClean="0"/>
-              <a:t>することが出来ない</a:t>
-            </a:r>
-            <a:r>
-              <a:rPr lang="ja-JP" altLang="en-US" dirty="0" smtClean="0"/>
-              <a:t>かと考えた．</a:t>
+              <a:t>することが出来ないかと考えた．</a:t>
             </a:r>
             <a:endParaRPr lang="en-US" altLang="ja-JP" dirty="0" smtClean="0"/>
           </a:p>
@@ -5085,7 +5072,25 @@
               <a:rPr lang="en-US" altLang="ja-JP" dirty="0" smtClean="0">
                 <a:latin typeface="ＭＳ Ｐゴシック" panose="020B0600070205080204" pitchFamily="50" charset="-128"/>
               </a:rPr>
-              <a:t>[Ⅰ#2008]</a:t>
+              <a:t>[</a:t>
+            </a:r>
+            <a:r>
+              <a:rPr lang="en-US" altLang="ja-JP" dirty="0" err="1" smtClean="0">
+                <a:latin typeface="ＭＳ Ｐゴシック" panose="020B0600070205080204" pitchFamily="50" charset="-128"/>
+              </a:rPr>
+              <a:t>tsuchi</a:t>
+            </a:r>
+            <a:r>
+              <a:rPr lang="en-US" altLang="ja-JP" dirty="0" smtClean="0">
+                <a:latin typeface="ＭＳ Ｐゴシック" panose="020B0600070205080204" pitchFamily="50" charset="-128"/>
+              </a:rPr>
+              <a:t> 2008</a:t>
+            </a:r>
+            <a:r>
+              <a:rPr lang="en-US" altLang="ja-JP" dirty="0" smtClean="0">
+                <a:latin typeface="ＭＳ Ｐゴシック" panose="020B0600070205080204" pitchFamily="50" charset="-128"/>
+              </a:rPr>
+              <a:t>]</a:t>
             </a:r>
             <a:r>
               <a:rPr lang="ja-JP" altLang="en-US" dirty="0" smtClean="0">
@@ -5197,7 +5202,31 @@
               <a:rPr lang="en-US" altLang="ja-JP" dirty="0" smtClean="0">
                 <a:latin typeface="ＭＳ Ｐゴシック" panose="020B0600070205080204" pitchFamily="50" charset="-128"/>
               </a:rPr>
-              <a:t>[Ⅱ#2007]</a:t>
+              <a:t>[</a:t>
+            </a:r>
+            <a:r>
+              <a:rPr lang="en-US" altLang="ja-JP" dirty="0" err="1" smtClean="0">
+                <a:latin typeface="ＭＳ Ｐゴシック" panose="020B0600070205080204" pitchFamily="50" charset="-128"/>
+              </a:rPr>
+              <a:t>kono</a:t>
+            </a:r>
+            <a:r>
+              <a:rPr lang="en-US" altLang="ja-JP" dirty="0" smtClean="0">
+                <a:latin typeface="ＭＳ Ｐゴシック" panose="020B0600070205080204" pitchFamily="50" charset="-128"/>
+              </a:rPr>
+              <a:t> </a:t>
+            </a:r>
+            <a:r>
+              <a:rPr lang="en-US" altLang="ja-JP" dirty="0" smtClean="0">
+                <a:latin typeface="ＭＳ Ｐゴシック" panose="020B0600070205080204" pitchFamily="50" charset="-128"/>
+              </a:rPr>
+              <a:t>2007</a:t>
+            </a:r>
+            <a:r>
+              <a:rPr lang="en-US" altLang="ja-JP" dirty="0" smtClean="0">
+                <a:latin typeface="ＭＳ Ｐゴシック" panose="020B0600070205080204" pitchFamily="50" charset="-128"/>
+              </a:rPr>
+              <a:t>]</a:t>
             </a:r>
             <a:r>
               <a:rPr lang="ja-JP" altLang="en-US" dirty="0" smtClean="0">
@@ -5238,7 +5267,13 @@
               <a:rPr lang="ja-JP" altLang="en-US" u="sng" dirty="0" smtClean="0">
                 <a:latin typeface="ＭＳ Ｐゴシック" panose="020B0600070205080204" pitchFamily="50" charset="-128"/>
               </a:rPr>
-              <a:t>サーバ監視システムの開発</a:t>
+              <a:t>サーバ監視システム</a:t>
+            </a:r>
+            <a:r>
+              <a:rPr lang="ja-JP" altLang="en-US" u="sng" dirty="0" smtClean="0">
+                <a:latin typeface="ＭＳ Ｐゴシック" panose="020B0600070205080204" pitchFamily="50" charset="-128"/>
+              </a:rPr>
+              <a:t>の設計・開発</a:t>
             </a:r>
             <a:endParaRPr lang="en-US" altLang="ja-JP" u="sng" dirty="0" smtClean="0">
               <a:latin typeface="ＭＳ Ｐゴシック" panose="020B0600070205080204" pitchFamily="50" charset="-128"/>
@@ -5252,7 +5287,25 @@
               <a:rPr lang="en-US" altLang="ja-JP" dirty="0" smtClean="0">
                 <a:latin typeface="ＭＳ Ｐゴシック" panose="020B0600070205080204" pitchFamily="50" charset="-128"/>
               </a:rPr>
-              <a:t>[Ⅲ#2014]</a:t>
+              <a:t>[</a:t>
+            </a:r>
+            <a:r>
+              <a:rPr lang="en-US" altLang="ja-JP" dirty="0" err="1" smtClean="0">
+                <a:latin typeface="ＭＳ Ｐゴシック" panose="020B0600070205080204" pitchFamily="50" charset="-128"/>
+              </a:rPr>
+              <a:t>horiuchi</a:t>
+            </a:r>
+            <a:r>
+              <a:rPr lang="en-US" altLang="ja-JP" dirty="0" smtClean="0">
+                <a:latin typeface="ＭＳ Ｐゴシック" panose="020B0600070205080204" pitchFamily="50" charset="-128"/>
+              </a:rPr>
+              <a:t> 2014</a:t>
+            </a:r>
+            <a:r>
+              <a:rPr lang="en-US" altLang="ja-JP" dirty="0" smtClean="0">
+                <a:latin typeface="ＭＳ Ｐゴシック" panose="020B0600070205080204" pitchFamily="50" charset="-128"/>
+              </a:rPr>
+              <a:t>]</a:t>
             </a:r>
             <a:r>
               <a:rPr lang="ja-JP" altLang="en-US" dirty="0" smtClean="0">
@@ -5655,13 +5708,26 @@
           <a:lstStyle/>
           <a:p>
             <a:r>
-              <a:rPr lang="ja-JP" altLang="en-US" dirty="0"/>
-              <a:t>開発環境と今後</a:t>
-            </a:r>
-            <a:r>
-              <a:rPr kumimoji="1" lang="ja-JP" altLang="en-US" dirty="0"/>
+              <a:rPr lang="ja-JP" altLang="en-US" sz="3600" dirty="0"/>
+              <a:t>開発</a:t>
+            </a:r>
+            <a:r>
+              <a:rPr lang="ja-JP" altLang="en-US" sz="3600" dirty="0" smtClean="0"/>
+              <a:t>環境</a:t>
+            </a:r>
+            <a:r>
+              <a:rPr lang="ja-JP" altLang="en-US" sz="3600" dirty="0"/>
+              <a:t>、</a:t>
+            </a:r>
+            <a:r>
+              <a:rPr lang="ja-JP" altLang="en-US" sz="3600" dirty="0" smtClean="0"/>
+              <a:t>進捗、今後</a:t>
+            </a:r>
+            <a:r>
+              <a:rPr kumimoji="1" lang="ja-JP" altLang="en-US" sz="3600" dirty="0"/>
               <a:t>のスケジュール</a:t>
             </a:r>
+            <a:endParaRPr kumimoji="1" lang="ja-JP" altLang="en-US" dirty="0"/>
           </a:p>
         </p:txBody>
       </p:sp>
@@ -5704,8 +5770,8 @@
         </p:blipFill>
         <p:spPr>
           <a:xfrm>
-            <a:off x="1024445" y="4107335"/>
-            <a:ext cx="6908844" cy="2360290"/>
+            <a:off x="1024445" y="4318001"/>
+            <a:ext cx="6756422" cy="2333428"/>
           </a:xfrm>
           <a:prstGeom prst="rect">
             <a:avLst/>
@@ -5720,7 +5786,7 @@
         </p:nvSpPr>
         <p:spPr>
           <a:xfrm>
-            <a:off x="502458" y="3628152"/>
+            <a:off x="502458" y="3890618"/>
             <a:ext cx="2969083" cy="461665"/>
           </a:xfrm>
           <a:prstGeom prst="rect">
@@ -5999,8 +6065,8 @@
         </p:nvSpPr>
         <p:spPr>
           <a:xfrm>
-            <a:off x="679473" y="3104023"/>
-            <a:ext cx="7253816" cy="369332"/>
+            <a:off x="679472" y="3104023"/>
+            <a:ext cx="7956527" cy="646331"/>
           </a:xfrm>
           <a:prstGeom prst="rect">
             <a:avLst/>
@@ -6031,9 +6097,40 @@
             </a:r>
             <a:r>
               <a:rPr lang="ja-JP" altLang="en-US" dirty="0" smtClean="0"/>
-              <a:t>サーバ冗長化，応答速度計測プログラムの作成</a:t>
-            </a:r>
-            <a:endParaRPr kumimoji="1" lang="ja-JP" altLang="en-US" dirty="0"/>
+              <a:t>サーバ冗長化，応答速度計測プログラムの</a:t>
+            </a:r>
+            <a:r>
+              <a:rPr lang="ja-JP" altLang="en-US" dirty="0" smtClean="0"/>
+              <a:t>作成</a:t>
+            </a:r>
+            <a:r>
+              <a:rPr lang="en-US" altLang="ja-JP" dirty="0" smtClean="0"/>
+              <a:t/>
+            </a:r>
+            <a:br>
+              <a:rPr lang="en-US" altLang="ja-JP" dirty="0" smtClean="0"/>
+            </a:br>
+            <a:r>
+              <a:rPr lang="en-US" altLang="ja-JP" dirty="0" smtClean="0"/>
+              <a:t>Nginx</a:t>
+            </a:r>
+            <a:r>
+              <a:rPr lang="ja-JP" altLang="en-US" dirty="0" smtClean="0"/>
+              <a:t>を使いロードバランサに重み</a:t>
+            </a:r>
+            <a:r>
+              <a:rPr lang="ja-JP" altLang="en-US" dirty="0" smtClean="0"/>
+              <a:t>を加えることで設定を任意で変更可能</a:t>
+            </a:r>
+            <a:r>
+              <a:rPr lang="ja-JP" altLang="en-US" smtClean="0"/>
+              <a:t>にした</a:t>
+            </a:r>
+            <a:r>
+              <a:rPr lang="ja-JP" altLang="en-US" dirty="0"/>
+              <a:t>．</a:t>
+            </a:r>
+            <a:endParaRPr lang="en-US" altLang="ja-JP" smtClean="0"/>
           </a:p>
         </p:txBody>
       </p:sp>

--- a/発表用/1821086_中間発表.pptx
+++ b/発表用/1821086_中間発表.pptx
@@ -233,7 +233,7 @@
           <a:p>
             <a:fld id="{27571B5F-C8EC-4379-AD76-80FD414F3861}" type="datetimeFigureOut">
               <a:rPr kumimoji="1" lang="ja-JP" altLang="en-US" smtClean="0"/>
-              <a:t>2021/7/23</a:t>
+              <a:t>2021/7/26</a:t>
             </a:fld>
             <a:endParaRPr kumimoji="1" lang="ja-JP" altLang="en-US"/>
           </a:p>
@@ -922,7 +922,7 @@
           <a:p>
             <a:fld id="{ED609840-96BF-4512-A2C1-C87E0BBF3D2F}" type="datetime1">
               <a:rPr kumimoji="1" lang="ja-JP" altLang="en-US" smtClean="0"/>
-              <a:t>2021/7/23</a:t>
+              <a:t>2021/7/26</a:t>
             </a:fld>
             <a:endParaRPr kumimoji="1" lang="ja-JP" altLang="en-US"/>
           </a:p>
@@ -1125,7 +1125,7 @@
           <a:p>
             <a:fld id="{F97B6116-28DE-44C1-8891-65688903BD50}" type="datetime1">
               <a:rPr kumimoji="1" lang="ja-JP" altLang="en-US" smtClean="0"/>
-              <a:t>2021/7/23</a:t>
+              <a:t>2021/7/26</a:t>
             </a:fld>
             <a:endParaRPr kumimoji="1" lang="ja-JP" altLang="en-US"/>
           </a:p>
@@ -1338,7 +1338,7 @@
           <a:p>
             <a:fld id="{EDE04BF4-1FC0-40EE-A15F-5986BB2387E9}" type="datetime1">
               <a:rPr kumimoji="1" lang="ja-JP" altLang="en-US" smtClean="0"/>
-              <a:t>2021/7/23</a:t>
+              <a:t>2021/7/26</a:t>
             </a:fld>
             <a:endParaRPr kumimoji="1" lang="ja-JP" altLang="en-US"/>
           </a:p>
@@ -1541,7 +1541,7 @@
           <a:p>
             <a:fld id="{AFE4124D-C094-469A-99BC-7EA66CDB293F}" type="datetime1">
               <a:rPr kumimoji="1" lang="ja-JP" altLang="en-US" smtClean="0"/>
-              <a:t>2021/7/23</a:t>
+              <a:t>2021/7/26</a:t>
             </a:fld>
             <a:endParaRPr kumimoji="1" lang="ja-JP" altLang="en-US"/>
           </a:p>
@@ -1790,7 +1790,7 @@
           <a:p>
             <a:fld id="{F808FAA8-DC38-46BC-9A48-0414366DDF43}" type="datetime1">
               <a:rPr kumimoji="1" lang="ja-JP" altLang="en-US" smtClean="0"/>
-              <a:t>2021/7/23</a:t>
+              <a:t>2021/7/26</a:t>
             </a:fld>
             <a:endParaRPr kumimoji="1" lang="ja-JP" altLang="en-US"/>
           </a:p>
@@ -2087,7 +2087,7 @@
           <a:p>
             <a:fld id="{43B61DD3-8484-4FD8-9D55-71FA047E405C}" type="datetime1">
               <a:rPr kumimoji="1" lang="ja-JP" altLang="en-US" smtClean="0"/>
-              <a:t>2021/7/23</a:t>
+              <a:t>2021/7/26</a:t>
             </a:fld>
             <a:endParaRPr kumimoji="1" lang="ja-JP" altLang="en-US"/>
           </a:p>
@@ -2519,7 +2519,7 @@
           <a:p>
             <a:fld id="{61FE3252-B303-4BFD-B995-E88780D087A2}" type="datetime1">
               <a:rPr kumimoji="1" lang="ja-JP" altLang="en-US" smtClean="0"/>
-              <a:t>2021/7/23</a:t>
+              <a:t>2021/7/26</a:t>
             </a:fld>
             <a:endParaRPr kumimoji="1" lang="ja-JP" altLang="en-US"/>
           </a:p>
@@ -2638,7 +2638,7 @@
           <a:p>
             <a:fld id="{83973884-A525-473B-9B85-E710649C3EE9}" type="datetime1">
               <a:rPr kumimoji="1" lang="ja-JP" altLang="en-US" smtClean="0"/>
-              <a:t>2021/7/23</a:t>
+              <a:t>2021/7/26</a:t>
             </a:fld>
             <a:endParaRPr kumimoji="1" lang="ja-JP" altLang="en-US"/>
           </a:p>
@@ -2734,7 +2734,7 @@
           <a:p>
             <a:fld id="{630B9591-4670-4AF8-B7B7-F5F2443A761A}" type="datetime1">
               <a:rPr kumimoji="1" lang="ja-JP" altLang="en-US" smtClean="0"/>
-              <a:t>2021/7/23</a:t>
+              <a:t>2021/7/26</a:t>
             </a:fld>
             <a:endParaRPr kumimoji="1" lang="ja-JP" altLang="en-US"/>
           </a:p>
@@ -3044,7 +3044,7 @@
           <a:p>
             <a:fld id="{434F6BA0-5DA2-4153-9B76-E2457FA21F47}" type="datetime1">
               <a:rPr kumimoji="1" lang="ja-JP" altLang="en-US" smtClean="0"/>
-              <a:t>2021/7/23</a:t>
+              <a:t>2021/7/26</a:t>
             </a:fld>
             <a:endParaRPr kumimoji="1" lang="ja-JP" altLang="en-US"/>
           </a:p>
@@ -3302,7 +3302,7 @@
           <a:p>
             <a:fld id="{590B58CC-0A81-4826-A84E-1F1030B25368}" type="datetime1">
               <a:rPr kumimoji="1" lang="ja-JP" altLang="en-US" smtClean="0"/>
-              <a:t>2021/7/23</a:t>
+              <a:t>2021/7/26</a:t>
             </a:fld>
             <a:endParaRPr kumimoji="1" lang="ja-JP" altLang="en-US"/>
           </a:p>
@@ -3548,7 +3548,7 @@
           <a:p>
             <a:fld id="{77253A0B-EAD4-46D7-BD2F-C5BFFB89C890}" type="datetime1">
               <a:rPr kumimoji="1" lang="ja-JP" altLang="en-US" smtClean="0"/>
-              <a:t>2021/7/23</a:t>
+              <a:t>2021/7/26</a:t>
             </a:fld>
             <a:endParaRPr kumimoji="1" lang="ja-JP" altLang="en-US"/>
           </a:p>
@@ -5084,13 +5084,7 @@
               <a:rPr lang="en-US" altLang="ja-JP" dirty="0" smtClean="0">
                 <a:latin typeface="ＭＳ Ｐゴシック" panose="020B0600070205080204" pitchFamily="50" charset="-128"/>
               </a:rPr>
-              <a:t> 2008</a:t>
-            </a:r>
-            <a:r>
-              <a:rPr lang="en-US" altLang="ja-JP" dirty="0" smtClean="0">
-                <a:latin typeface="ＭＳ Ｐゴシック" panose="020B0600070205080204" pitchFamily="50" charset="-128"/>
-              </a:rPr>
-              <a:t>]</a:t>
+              <a:t> 2008]</a:t>
             </a:r>
             <a:r>
               <a:rPr lang="ja-JP" altLang="en-US" dirty="0" smtClean="0">
@@ -5214,19 +5208,7 @@
               <a:rPr lang="en-US" altLang="ja-JP" dirty="0" smtClean="0">
                 <a:latin typeface="ＭＳ Ｐゴシック" panose="020B0600070205080204" pitchFamily="50" charset="-128"/>
               </a:rPr>
-              <a:t> </a:t>
-            </a:r>
-            <a:r>
-              <a:rPr lang="en-US" altLang="ja-JP" dirty="0" smtClean="0">
-                <a:latin typeface="ＭＳ Ｐゴシック" panose="020B0600070205080204" pitchFamily="50" charset="-128"/>
-              </a:rPr>
-              <a:t>2007</a:t>
-            </a:r>
-            <a:r>
-              <a:rPr lang="en-US" altLang="ja-JP" dirty="0" smtClean="0">
-                <a:latin typeface="ＭＳ Ｐゴシック" panose="020B0600070205080204" pitchFamily="50" charset="-128"/>
-              </a:rPr>
-              <a:t>]</a:t>
+              <a:t> 2007]</a:t>
             </a:r>
             <a:r>
               <a:rPr lang="ja-JP" altLang="en-US" dirty="0" smtClean="0">
@@ -5267,13 +5249,7 @@
               <a:rPr lang="ja-JP" altLang="en-US" u="sng" dirty="0" smtClean="0">
                 <a:latin typeface="ＭＳ Ｐゴシック" panose="020B0600070205080204" pitchFamily="50" charset="-128"/>
               </a:rPr>
-              <a:t>サーバ監視システム</a:t>
-            </a:r>
-            <a:r>
-              <a:rPr lang="ja-JP" altLang="en-US" u="sng" dirty="0" smtClean="0">
-                <a:latin typeface="ＭＳ Ｐゴシック" panose="020B0600070205080204" pitchFamily="50" charset="-128"/>
-              </a:rPr>
-              <a:t>の設計・開発</a:t>
+              <a:t>サーバ監視システムの設計・開発</a:t>
             </a:r>
             <a:endParaRPr lang="en-US" altLang="ja-JP" u="sng" dirty="0" smtClean="0">
               <a:latin typeface="ＭＳ Ｐゴシック" panose="020B0600070205080204" pitchFamily="50" charset="-128"/>
@@ -5299,13 +5275,7 @@
               <a:rPr lang="en-US" altLang="ja-JP" dirty="0" smtClean="0">
                 <a:latin typeface="ＭＳ Ｐゴシック" panose="020B0600070205080204" pitchFamily="50" charset="-128"/>
               </a:rPr>
-              <a:t> 2014</a:t>
-            </a:r>
-            <a:r>
-              <a:rPr lang="en-US" altLang="ja-JP" dirty="0" smtClean="0">
-                <a:latin typeface="ＭＳ Ｐゴシック" panose="020B0600070205080204" pitchFamily="50" charset="-128"/>
-              </a:rPr>
-              <a:t>]</a:t>
+              <a:t> 2014]</a:t>
             </a:r>
             <a:r>
               <a:rPr lang="ja-JP" altLang="en-US" dirty="0" smtClean="0">
@@ -6097,11 +6067,7 @@
             </a:r>
             <a:r>
               <a:rPr lang="ja-JP" altLang="en-US" dirty="0" smtClean="0"/>
-              <a:t>サーバ冗長化，応答速度計測プログラムの</a:t>
-            </a:r>
-            <a:r>
-              <a:rPr lang="ja-JP" altLang="en-US" dirty="0" smtClean="0"/>
-              <a:t>作成</a:t>
+              <a:t>サーバ冗長化，応答速度計測プログラムの作成</a:t>
             </a:r>
             <a:r>
               <a:rPr lang="en-US" altLang="ja-JP" dirty="0" smtClean="0"/>
@@ -6116,11 +6082,7 @@
             </a:r>
             <a:r>
               <a:rPr lang="ja-JP" altLang="en-US" dirty="0" smtClean="0"/>
-              <a:t>を使いロードバランサに重み</a:t>
-            </a:r>
-            <a:r>
-              <a:rPr lang="ja-JP" altLang="en-US" dirty="0" smtClean="0"/>
-              <a:t>を加えることで設定を任意で変更可能</a:t>
+              <a:t>を使いロードバランサに重みを加えることで設定を任意で変更可能</a:t>
             </a:r>
             <a:r>
               <a:rPr lang="ja-JP" altLang="en-US" smtClean="0"/>

--- a/発表用/1821086_中間発表.pptx
+++ b/発表用/1821086_中間発表.pptx
@@ -5,7 +5,7 @@
     <p:sldMasterId id="2147483660" r:id="rId1"/>
   </p:sldMasterIdLst>
   <p:notesMasterIdLst>
-    <p:notesMasterId r:id="rId10"/>
+    <p:notesMasterId r:id="rId11"/>
   </p:notesMasterIdLst>
   <p:sldIdLst>
     <p:sldId id="257" r:id="rId2"/>
@@ -14,8 +14,9 @@
     <p:sldId id="260" r:id="rId5"/>
     <p:sldId id="261" r:id="rId6"/>
     <p:sldId id="263" r:id="rId7"/>
-    <p:sldId id="267" r:id="rId8"/>
-    <p:sldId id="265" r:id="rId9"/>
+    <p:sldId id="269" r:id="rId8"/>
+    <p:sldId id="267" r:id="rId9"/>
+    <p:sldId id="265" r:id="rId10"/>
   </p:sldIdLst>
   <p:sldSz cx="9144000" cy="6858000" type="screen4x3"/>
   <p:notesSz cx="6858000" cy="9144000"/>
@@ -233,7 +234,7 @@
           <a:p>
             <a:fld id="{27571B5F-C8EC-4379-AD76-80FD414F3861}" type="datetimeFigureOut">
               <a:rPr kumimoji="1" lang="ja-JP" altLang="en-US" smtClean="0"/>
-              <a:t>2021/7/26</a:t>
+              <a:t>2021/7/27</a:t>
             </a:fld>
             <a:endParaRPr kumimoji="1" lang="ja-JP" altLang="en-US"/>
           </a:p>
@@ -781,6 +782,90 @@
     </p:spTree>
     <p:extLst>
       <p:ext uri="{BB962C8B-B14F-4D97-AF65-F5344CB8AC3E}">
+        <p14:creationId xmlns:p14="http://schemas.microsoft.com/office/powerpoint/2010/main" val="3397115162"/>
+      </p:ext>
+    </p:extLst>
+  </p:cSld>
+  <p:clrMapOvr>
+    <a:masterClrMapping/>
+  </p:clrMapOvr>
+</p:notes>
+</file>
+
+<file path=ppt/notesSlides/notesSlide4.xml><?xml version="1.0" encoding="utf-8"?>
+<p:notes xmlns:a="http://schemas.openxmlformats.org/drawingml/2006/main" xmlns:r="http://schemas.openxmlformats.org/officeDocument/2006/relationships" xmlns:p="http://schemas.openxmlformats.org/presentationml/2006/main">
+  <p:cSld>
+    <p:spTree>
+      <p:nvGrpSpPr>
+        <p:cNvPr id="1" name=""/>
+        <p:cNvGrpSpPr/>
+        <p:nvPr/>
+      </p:nvGrpSpPr>
+      <p:grpSpPr>
+        <a:xfrm>
+          <a:off x="0" y="0"/>
+          <a:ext cx="0" cy="0"/>
+          <a:chOff x="0" y="0"/>
+          <a:chExt cx="0" cy="0"/>
+        </a:xfrm>
+      </p:grpSpPr>
+      <p:sp>
+        <p:nvSpPr>
+          <p:cNvPr id="2" name="スライド イメージ プレースホルダー 1"/>
+          <p:cNvSpPr>
+            <a:spLocks noGrp="1" noRot="1" noChangeAspect="1"/>
+          </p:cNvSpPr>
+          <p:nvPr>
+            <p:ph type="sldImg"/>
+          </p:nvPr>
+        </p:nvSpPr>
+        <p:spPr/>
+      </p:sp>
+      <p:sp>
+        <p:nvSpPr>
+          <p:cNvPr id="3" name="ノート プレースホルダー 2"/>
+          <p:cNvSpPr>
+            <a:spLocks noGrp="1"/>
+          </p:cNvSpPr>
+          <p:nvPr>
+            <p:ph type="body" idx="1"/>
+          </p:nvPr>
+        </p:nvSpPr>
+        <p:spPr/>
+        <p:txBody>
+          <a:bodyPr/>
+          <a:lstStyle/>
+          <a:p>
+            <a:endParaRPr kumimoji="1" lang="ja-JP" altLang="en-US" dirty="0"/>
+          </a:p>
+        </p:txBody>
+      </p:sp>
+      <p:sp>
+        <p:nvSpPr>
+          <p:cNvPr id="4" name="スライド番号プレースホルダー 3"/>
+          <p:cNvSpPr>
+            <a:spLocks noGrp="1"/>
+          </p:cNvSpPr>
+          <p:nvPr>
+            <p:ph type="sldNum" sz="quarter" idx="10"/>
+          </p:nvPr>
+        </p:nvSpPr>
+        <p:spPr/>
+        <p:txBody>
+          <a:bodyPr/>
+          <a:lstStyle/>
+          <a:p>
+            <a:fld id="{9D828324-DCC9-430F-AD2C-1DD1805E2C40}" type="slidenum">
+              <a:rPr kumimoji="1" lang="ja-JP" altLang="en-US" smtClean="0"/>
+              <a:t>8</a:t>
+            </a:fld>
+            <a:endParaRPr kumimoji="1" lang="ja-JP" altLang="en-US"/>
+          </a:p>
+        </p:txBody>
+      </p:sp>
+    </p:spTree>
+    <p:extLst>
+      <p:ext uri="{BB962C8B-B14F-4D97-AF65-F5344CB8AC3E}">
         <p14:creationId xmlns:p14="http://schemas.microsoft.com/office/powerpoint/2010/main" val="2185544788"/>
       </p:ext>
     </p:extLst>
@@ -922,7 +1007,7 @@
           <a:p>
             <a:fld id="{ED609840-96BF-4512-A2C1-C87E0BBF3D2F}" type="datetime1">
               <a:rPr kumimoji="1" lang="ja-JP" altLang="en-US" smtClean="0"/>
-              <a:t>2021/7/26</a:t>
+              <a:t>2021/7/27</a:t>
             </a:fld>
             <a:endParaRPr kumimoji="1" lang="ja-JP" altLang="en-US"/>
           </a:p>
@@ -1125,7 +1210,7 @@
           <a:p>
             <a:fld id="{F97B6116-28DE-44C1-8891-65688903BD50}" type="datetime1">
               <a:rPr kumimoji="1" lang="ja-JP" altLang="en-US" smtClean="0"/>
-              <a:t>2021/7/26</a:t>
+              <a:t>2021/7/27</a:t>
             </a:fld>
             <a:endParaRPr kumimoji="1" lang="ja-JP" altLang="en-US"/>
           </a:p>
@@ -1338,7 +1423,7 @@
           <a:p>
             <a:fld id="{EDE04BF4-1FC0-40EE-A15F-5986BB2387E9}" type="datetime1">
               <a:rPr kumimoji="1" lang="ja-JP" altLang="en-US" smtClean="0"/>
-              <a:t>2021/7/26</a:t>
+              <a:t>2021/7/27</a:t>
             </a:fld>
             <a:endParaRPr kumimoji="1" lang="ja-JP" altLang="en-US"/>
           </a:p>
@@ -1541,7 +1626,7 @@
           <a:p>
             <a:fld id="{AFE4124D-C094-469A-99BC-7EA66CDB293F}" type="datetime1">
               <a:rPr kumimoji="1" lang="ja-JP" altLang="en-US" smtClean="0"/>
-              <a:t>2021/7/26</a:t>
+              <a:t>2021/7/27</a:t>
             </a:fld>
             <a:endParaRPr kumimoji="1" lang="ja-JP" altLang="en-US"/>
           </a:p>
@@ -1790,7 +1875,7 @@
           <a:p>
             <a:fld id="{F808FAA8-DC38-46BC-9A48-0414366DDF43}" type="datetime1">
               <a:rPr kumimoji="1" lang="ja-JP" altLang="en-US" smtClean="0"/>
-              <a:t>2021/7/26</a:t>
+              <a:t>2021/7/27</a:t>
             </a:fld>
             <a:endParaRPr kumimoji="1" lang="ja-JP" altLang="en-US"/>
           </a:p>
@@ -2087,7 +2172,7 @@
           <a:p>
             <a:fld id="{43B61DD3-8484-4FD8-9D55-71FA047E405C}" type="datetime1">
               <a:rPr kumimoji="1" lang="ja-JP" altLang="en-US" smtClean="0"/>
-              <a:t>2021/7/26</a:t>
+              <a:t>2021/7/27</a:t>
             </a:fld>
             <a:endParaRPr kumimoji="1" lang="ja-JP" altLang="en-US"/>
           </a:p>
@@ -2519,7 +2604,7 @@
           <a:p>
             <a:fld id="{61FE3252-B303-4BFD-B995-E88780D087A2}" type="datetime1">
               <a:rPr kumimoji="1" lang="ja-JP" altLang="en-US" smtClean="0"/>
-              <a:t>2021/7/26</a:t>
+              <a:t>2021/7/27</a:t>
             </a:fld>
             <a:endParaRPr kumimoji="1" lang="ja-JP" altLang="en-US"/>
           </a:p>
@@ -2638,7 +2723,7 @@
           <a:p>
             <a:fld id="{83973884-A525-473B-9B85-E710649C3EE9}" type="datetime1">
               <a:rPr kumimoji="1" lang="ja-JP" altLang="en-US" smtClean="0"/>
-              <a:t>2021/7/26</a:t>
+              <a:t>2021/7/27</a:t>
             </a:fld>
             <a:endParaRPr kumimoji="1" lang="ja-JP" altLang="en-US"/>
           </a:p>
@@ -2734,7 +2819,7 @@
           <a:p>
             <a:fld id="{630B9591-4670-4AF8-B7B7-F5F2443A761A}" type="datetime1">
               <a:rPr kumimoji="1" lang="ja-JP" altLang="en-US" smtClean="0"/>
-              <a:t>2021/7/26</a:t>
+              <a:t>2021/7/27</a:t>
             </a:fld>
             <a:endParaRPr kumimoji="1" lang="ja-JP" altLang="en-US"/>
           </a:p>
@@ -3044,7 +3129,7 @@
           <a:p>
             <a:fld id="{434F6BA0-5DA2-4153-9B76-E2457FA21F47}" type="datetime1">
               <a:rPr kumimoji="1" lang="ja-JP" altLang="en-US" smtClean="0"/>
-              <a:t>2021/7/26</a:t>
+              <a:t>2021/7/27</a:t>
             </a:fld>
             <a:endParaRPr kumimoji="1" lang="ja-JP" altLang="en-US"/>
           </a:p>
@@ -3302,7 +3387,7 @@
           <a:p>
             <a:fld id="{590B58CC-0A81-4826-A84E-1F1030B25368}" type="datetime1">
               <a:rPr kumimoji="1" lang="ja-JP" altLang="en-US" smtClean="0"/>
-              <a:t>2021/7/26</a:t>
+              <a:t>2021/7/27</a:t>
             </a:fld>
             <a:endParaRPr kumimoji="1" lang="ja-JP" altLang="en-US"/>
           </a:p>
@@ -3548,7 +3633,7 @@
           <a:p>
             <a:fld id="{77253A0B-EAD4-46D7-BD2F-C5BFFB89C890}" type="datetime1">
               <a:rPr kumimoji="1" lang="ja-JP" altLang="en-US" smtClean="0"/>
-              <a:t>2021/7/26</a:t>
+              <a:t>2021/7/27</a:t>
             </a:fld>
             <a:endParaRPr kumimoji="1" lang="ja-JP" altLang="en-US"/>
           </a:p>
@@ -3957,26 +4042,68 @@
       </p:grpSpPr>
       <p:sp>
         <p:nvSpPr>
-          <p:cNvPr id="2" name="タイトル 1"/>
-          <p:cNvSpPr>
-            <a:spLocks noGrp="1"/>
-          </p:cNvSpPr>
-          <p:nvPr>
-            <p:ph type="title"/>
-          </p:nvPr>
+          <p:cNvPr id="6" name="正方形/長方形 5"/>
+          <p:cNvSpPr/>
+          <p:nvPr/>
         </p:nvSpPr>
         <p:spPr>
           <a:xfrm>
-            <a:off x="628650" y="186221"/>
+            <a:off x="-1" y="0"/>
+            <a:ext cx="9144001" cy="1109133"/>
+          </a:xfrm>
+          <a:prstGeom prst="rect">
+            <a:avLst/>
+          </a:prstGeom>
+        </p:spPr>
+        <p:style>
+          <a:lnRef idx="2">
+            <a:schemeClr val="dk1">
+              <a:shade val="50000"/>
+            </a:schemeClr>
+          </a:lnRef>
+          <a:fillRef idx="1">
+            <a:schemeClr val="dk1"/>
+          </a:fillRef>
+          <a:effectRef idx="0">
+            <a:schemeClr val="dk1"/>
+          </a:effectRef>
+          <a:fontRef idx="minor">
+            <a:schemeClr val="lt1"/>
+          </a:fontRef>
+        </p:style>
+        <p:txBody>
+          <a:bodyPr rtlCol="0" anchor="ctr"/>
+          <a:lstStyle/>
+          <a:p>
+            <a:pPr algn="ctr"/>
+            <a:endParaRPr kumimoji="1" lang="ja-JP" altLang="en-US"/>
+          </a:p>
+        </p:txBody>
+      </p:sp>
+      <p:sp>
+        <p:nvSpPr>
+          <p:cNvPr id="2" name="タイトル 1"/>
+          <p:cNvSpPr>
+            <a:spLocks noGrp="1"/>
+          </p:cNvSpPr>
+          <p:nvPr>
+            <p:ph type="title"/>
+          </p:nvPr>
+        </p:nvSpPr>
+        <p:spPr>
+          <a:xfrm>
+            <a:off x="459313" y="886902"/>
             <a:ext cx="7886700" cy="1325563"/>
           </a:xfrm>
         </p:spPr>
         <p:txBody>
-          <a:bodyPr/>
-          <a:lstStyle/>
-          <a:p>
-            <a:r>
-              <a:rPr kumimoji="1" lang="ja-JP" altLang="en-US" dirty="0"/>
+          <a:bodyPr>
+            <a:normAutofit/>
+          </a:bodyPr>
+          <a:lstStyle/>
+          <a:p>
+            <a:r>
+              <a:rPr kumimoji="1" lang="ja-JP" altLang="en-US" sz="3600" dirty="0"/>
               <a:t>研究背景</a:t>
             </a:r>
           </a:p>
@@ -3994,8 +4121,8 @@
         </p:nvSpPr>
         <p:spPr>
           <a:xfrm>
-            <a:off x="628650" y="1329268"/>
-            <a:ext cx="8015909" cy="5508050"/>
+            <a:off x="420157" y="1786945"/>
+            <a:ext cx="8303683" cy="5325534"/>
           </a:xfrm>
         </p:spPr>
         <p:txBody>
@@ -4258,8 +4385,8 @@
         </p:nvSpPr>
         <p:spPr>
           <a:xfrm>
-            <a:off x="1032933" y="186221"/>
-            <a:ext cx="7611626" cy="1477328"/>
+            <a:off x="0" y="200623"/>
+            <a:ext cx="8974666" cy="769441"/>
           </a:xfrm>
           <a:prstGeom prst="rect">
             <a:avLst/>
@@ -4272,65 +4399,92 @@
           </a:bodyPr>
           <a:lstStyle/>
           <a:p>
-            <a:pPr algn="r"/>
-            <a:r>
-              <a:rPr lang="ja-JP" altLang="en-US" dirty="0"/>
+            <a:pPr algn="ctr"/>
+            <a:r>
+              <a:rPr lang="ja-JP" altLang="en-US" sz="2200" dirty="0">
+                <a:solidFill>
+                  <a:schemeClr val="bg1"/>
+                </a:solidFill>
+              </a:rPr>
               <a:t>観光地検索システム</a:t>
             </a:r>
             <a:r>
-              <a:rPr lang="ja-JP" altLang="en-US" dirty="0" smtClean="0"/>
-              <a:t>における</a:t>
-            </a:r>
-            <a:r>
-              <a:rPr lang="en-US" altLang="ja-JP" dirty="0" smtClean="0"/>
-              <a:t/>
-            </a:r>
-            <a:br>
-              <a:rPr lang="en-US" altLang="ja-JP" dirty="0" smtClean="0"/>
-            </a:br>
-            <a:r>
-              <a:rPr lang="ja-JP" altLang="en-US" dirty="0" smtClean="0"/>
-              <a:t>レスポンス</a:t>
-            </a:r>
-            <a:r>
-              <a:rPr lang="ja-JP" altLang="en-US" dirty="0"/>
+              <a:rPr lang="ja-JP" altLang="en-US" sz="2200" dirty="0" smtClean="0">
+                <a:solidFill>
+                  <a:schemeClr val="bg1"/>
+                </a:solidFill>
+              </a:rPr>
+              <a:t>におけるレスポンス</a:t>
+            </a:r>
+            <a:r>
+              <a:rPr lang="ja-JP" altLang="en-US" sz="2200" dirty="0">
+                <a:solidFill>
+                  <a:schemeClr val="bg1"/>
+                </a:solidFill>
+              </a:rPr>
               <a:t>速度を考慮したロードバランサー</a:t>
             </a:r>
-            <a:endParaRPr lang="en-US" altLang="ja-JP" dirty="0" smtClean="0"/>
-          </a:p>
-          <a:p>
-            <a:pPr algn="r"/>
-            <a:r>
-              <a:rPr lang="ja-JP" altLang="en-US" dirty="0" smtClean="0"/>
+            <a:endParaRPr lang="en-US" altLang="ja-JP" sz="2200" dirty="0" smtClean="0">
+              <a:solidFill>
+                <a:schemeClr val="bg1"/>
+              </a:solidFill>
+            </a:endParaRPr>
+          </a:p>
+          <a:p>
+            <a:pPr algn="ctr"/>
+            <a:r>
+              <a:rPr lang="ja-JP" altLang="en-US" sz="2200" dirty="0" smtClean="0">
+                <a:solidFill>
+                  <a:schemeClr val="bg1"/>
+                </a:solidFill>
+              </a:rPr>
               <a:t>学籍</a:t>
             </a:r>
             <a:r>
-              <a:rPr lang="ja-JP" altLang="en-US" dirty="0"/>
+              <a:rPr lang="ja-JP" altLang="en-US" sz="2200" dirty="0">
+                <a:solidFill>
+                  <a:schemeClr val="bg1"/>
+                </a:solidFill>
+              </a:rPr>
               <a:t>番号：</a:t>
             </a:r>
             <a:r>
-              <a:rPr lang="en-US" altLang="ja-JP" dirty="0" smtClean="0"/>
+              <a:rPr lang="en-US" altLang="ja-JP" sz="2200" dirty="0" smtClean="0">
+                <a:solidFill>
+                  <a:schemeClr val="bg1"/>
+                </a:solidFill>
+              </a:rPr>
               <a:t>1821086  </a:t>
             </a:r>
             <a:r>
-              <a:rPr lang="ja-JP" altLang="en-US" dirty="0" smtClean="0"/>
+              <a:rPr lang="ja-JP" altLang="en-US" sz="2200" dirty="0" smtClean="0">
+                <a:solidFill>
+                  <a:schemeClr val="bg1"/>
+                </a:solidFill>
+              </a:rPr>
               <a:t>氏名</a:t>
             </a:r>
             <a:r>
-              <a:rPr lang="ja-JP" altLang="en-US" dirty="0"/>
+              <a:rPr lang="ja-JP" altLang="en-US" sz="2200" dirty="0">
+                <a:solidFill>
+                  <a:schemeClr val="bg1"/>
+                </a:solidFill>
+              </a:rPr>
               <a:t>：松尾祐</a:t>
             </a:r>
             <a:r>
-              <a:rPr lang="ja-JP" altLang="en-US" dirty="0" smtClean="0"/>
+              <a:rPr lang="ja-JP" altLang="en-US" sz="2200" dirty="0" smtClean="0">
+                <a:solidFill>
+                  <a:schemeClr val="bg1"/>
+                </a:solidFill>
+              </a:rPr>
               <a:t>介</a:t>
             </a:r>
-            <a:endParaRPr lang="en-US" altLang="ja-JP" dirty="0" smtClean="0"/>
-          </a:p>
-          <a:p>
-            <a:endParaRPr lang="en-US" altLang="ja-JP" dirty="0"/>
-          </a:p>
-          <a:p>
-            <a:endParaRPr kumimoji="1" lang="ja-JP" altLang="en-US" dirty="0"/>
+            <a:endParaRPr lang="en-US" altLang="ja-JP" sz="2200" dirty="0" smtClean="0">
+              <a:solidFill>
+                <a:schemeClr val="bg1"/>
+              </a:solidFill>
+            </a:endParaRPr>
           </a:p>
         </p:txBody>
       </p:sp>
@@ -5494,14 +5648,23 @@
             <p:ph type="title"/>
           </p:nvPr>
         </p:nvSpPr>
-        <p:spPr/>
+        <p:spPr>
+          <a:xfrm>
+            <a:off x="628650" y="59267"/>
+            <a:ext cx="7886700" cy="1325563"/>
+          </a:xfrm>
+        </p:spPr>
         <p:txBody>
           <a:bodyPr/>
           <a:lstStyle/>
           <a:p>
             <a:r>
-              <a:rPr kumimoji="1" lang="ja-JP" altLang="en-US" dirty="0" smtClean="0"/>
-              <a:t>提案方式の説明</a:t>
+              <a:rPr lang="ja-JP" altLang="en-US" dirty="0"/>
+              <a:t>ロードバランサ</a:t>
+            </a:r>
+            <a:r>
+              <a:rPr lang="ja-JP" altLang="en-US" dirty="0" smtClean="0"/>
+              <a:t>の計算方法</a:t>
             </a:r>
             <a:endParaRPr kumimoji="1" lang="ja-JP" altLang="en-US" dirty="0"/>
           </a:p>
@@ -5517,90 +5680,200 @@
             <p:ph idx="1"/>
           </p:nvPr>
         </p:nvSpPr>
-        <p:spPr/>
+        <p:spPr>
+          <a:xfrm>
+            <a:off x="474132" y="1155171"/>
+            <a:ext cx="8398933" cy="4695296"/>
+          </a:xfrm>
+        </p:spPr>
         <p:txBody>
           <a:bodyPr>
-            <a:normAutofit/>
+            <a:normAutofit fontScale="92500"/>
           </a:bodyPr>
           <a:lstStyle/>
           <a:p>
-            <a:r>
-              <a:rPr lang="ja-JP" altLang="en-US" sz="3200" dirty="0" smtClean="0">
-                <a:latin typeface="ＭＳ Ｐゴシック" panose="020B0600070205080204" pitchFamily="50" charset="-128"/>
-              </a:rPr>
-              <a:t>冗長的で性能が不均一</a:t>
-            </a:r>
-            <a:r>
-              <a:rPr lang="ja-JP" altLang="en-US" sz="3200" dirty="0">
-                <a:latin typeface="ＭＳ Ｐゴシック" panose="020B0600070205080204" pitchFamily="50" charset="-128"/>
-              </a:rPr>
-              <a:t>な</a:t>
-            </a:r>
-            <a:r>
-              <a:rPr lang="ja-JP" altLang="en-US" sz="3200" dirty="0" smtClean="0">
-                <a:latin typeface="ＭＳ Ｐゴシック" panose="020B0600070205080204" pitchFamily="50" charset="-128"/>
-              </a:rPr>
-              <a:t>サーバの応答速度を計測．</a:t>
-            </a:r>
-            <a:endParaRPr lang="en-US" altLang="ja-JP" sz="3200" dirty="0" smtClean="0">
-              <a:latin typeface="ＭＳ Ｐゴシック" panose="020B0600070205080204" pitchFamily="50" charset="-128"/>
-            </a:endParaRPr>
-          </a:p>
-          <a:p>
-            <a:endParaRPr lang="en-US" altLang="ja-JP" sz="3200" dirty="0" smtClean="0">
-              <a:latin typeface="ＭＳ Ｐゴシック" panose="020B0600070205080204" pitchFamily="50" charset="-128"/>
-            </a:endParaRPr>
-          </a:p>
-          <a:p>
-            <a:r>
-              <a:rPr lang="ja-JP" altLang="en-US" sz="3200" dirty="0">
-                <a:latin typeface="ＭＳ Ｐゴシック" panose="020B0600070205080204" pitchFamily="50" charset="-128"/>
-              </a:rPr>
-              <a:t>応答</a:t>
-            </a:r>
-            <a:r>
-              <a:rPr lang="ja-JP" altLang="en-US" sz="3200" dirty="0" smtClean="0">
-                <a:latin typeface="ＭＳ Ｐゴシック" panose="020B0600070205080204" pitchFamily="50" charset="-128"/>
-              </a:rPr>
-              <a:t>速度評価アルゴリズムを使い評価．</a:t>
-            </a:r>
-            <a:endParaRPr lang="en-US" altLang="ja-JP" sz="3200" dirty="0" smtClean="0">
-              <a:latin typeface="ＭＳ Ｐゴシック" panose="020B0600070205080204" pitchFamily="50" charset="-128"/>
-            </a:endParaRPr>
-          </a:p>
-          <a:p>
-            <a:endParaRPr lang="en-US" altLang="ja-JP" sz="3200" dirty="0">
-              <a:latin typeface="ＭＳ Ｐゴシック" panose="020B0600070205080204" pitchFamily="50" charset="-128"/>
-            </a:endParaRPr>
-          </a:p>
-          <a:p>
-            <a:r>
-              <a:rPr lang="ja-JP" altLang="en-US" sz="3200" dirty="0" smtClean="0">
-                <a:latin typeface="ＭＳ Ｐゴシック" panose="020B0600070205080204" pitchFamily="50" charset="-128"/>
-              </a:rPr>
-              <a:t>ロードバランサー</a:t>
-            </a:r>
-            <a:r>
-              <a:rPr lang="ja-JP" altLang="en-US" sz="3200" dirty="0">
-                <a:latin typeface="ＭＳ Ｐゴシック" panose="020B0600070205080204" pitchFamily="50" charset="-128"/>
-              </a:rPr>
-              <a:t>はこの評価を割り振る指標として</a:t>
-            </a:r>
-            <a:r>
-              <a:rPr lang="ja-JP" altLang="en-US" sz="3200" dirty="0" smtClean="0">
-                <a:latin typeface="ＭＳ Ｐゴシック" panose="020B0600070205080204" pitchFamily="50" charset="-128"/>
-              </a:rPr>
-              <a:t>判断する．</a:t>
-            </a:r>
-            <a:endParaRPr lang="ja-JP" altLang="en-US" sz="3200" dirty="0"/>
-          </a:p>
-          <a:p>
             <a:pPr marL="0" indent="0">
               <a:buNone/>
             </a:pPr>
-            <a:endParaRPr lang="ja-JP" altLang="en-US" dirty="0" smtClean="0">
-              <a:latin typeface="ＭＳ Ｐゴシック" panose="020B0600070205080204" pitchFamily="50" charset="-128"/>
-            </a:endParaRPr>
+            <a:r>
+              <a:rPr lang="ja-JP" altLang="en-US" dirty="0"/>
+              <a:t>＜</a:t>
+            </a:r>
+            <a:r>
+              <a:rPr lang="ja-JP" altLang="en-US" dirty="0" smtClean="0"/>
+              <a:t>候補１＞</a:t>
+            </a:r>
+            <a:endParaRPr lang="en-US" altLang="ja-JP" dirty="0"/>
+          </a:p>
+          <a:p>
+            <a:pPr marL="0" indent="0">
+              <a:buNone/>
+            </a:pPr>
+            <a:r>
+              <a:rPr lang="ja-JP" altLang="en-US" dirty="0"/>
+              <a:t>基本的に空いてる場所に割り振る（最小接続</a:t>
+            </a:r>
+            <a:r>
+              <a:rPr lang="ja-JP" altLang="en-US" dirty="0" smtClean="0"/>
+              <a:t>）</a:t>
+            </a:r>
+            <a:endParaRPr lang="en-US" altLang="ja-JP" dirty="0" smtClean="0"/>
+          </a:p>
+          <a:p>
+            <a:pPr marL="0" indent="0">
+              <a:buNone/>
+            </a:pPr>
+            <a:r>
+              <a:rPr lang="ja-JP" altLang="en-US" dirty="0" smtClean="0"/>
+              <a:t>極端</a:t>
+            </a:r>
+            <a:r>
+              <a:rPr lang="ja-JP" altLang="en-US" dirty="0"/>
+              <a:t>に遅いサーバ（</a:t>
+            </a:r>
+            <a:r>
+              <a:rPr lang="en-US" altLang="ja-JP" dirty="0"/>
+              <a:t>D</a:t>
+            </a:r>
+            <a:r>
+              <a:rPr lang="ja-JP" altLang="en-US" dirty="0"/>
+              <a:t>評価サーバ）が現れたら重みを</a:t>
+            </a:r>
+            <a:r>
+              <a:rPr lang="ja-JP" altLang="en-US" dirty="0" smtClean="0"/>
+              <a:t>下げる．</a:t>
+            </a:r>
+            <a:endParaRPr lang="en-US" altLang="ja-JP" dirty="0"/>
+          </a:p>
+          <a:p>
+            <a:pPr marL="0" indent="0">
+              <a:buNone/>
+            </a:pPr>
+            <a:r>
+              <a:rPr lang="ja-JP" altLang="en-US" dirty="0"/>
+              <a:t>＜</a:t>
+            </a:r>
+            <a:r>
+              <a:rPr lang="ja-JP" altLang="en-US" dirty="0" smtClean="0"/>
+              <a:t>候補２</a:t>
+            </a:r>
+            <a:r>
+              <a:rPr lang="ja-JP" altLang="en-US" dirty="0"/>
+              <a:t> ＞</a:t>
+            </a:r>
+            <a:endParaRPr lang="en-US" altLang="ja-JP" dirty="0"/>
+          </a:p>
+          <a:p>
+            <a:pPr marL="0" indent="0">
+              <a:buNone/>
+            </a:pPr>
+            <a:r>
+              <a:rPr lang="ja-JP" altLang="en-US" dirty="0"/>
+              <a:t>ラズパイ３台すべての平均と</a:t>
+            </a:r>
+            <a:r>
+              <a:rPr lang="en-US" altLang="ja-JP" dirty="0"/>
+              <a:t>1</a:t>
+            </a:r>
+            <a:r>
+              <a:rPr lang="ja-JP" altLang="en-US" dirty="0"/>
+              <a:t>台の平均を</a:t>
+            </a:r>
+            <a:r>
+              <a:rPr lang="ja-JP" altLang="en-US" dirty="0" smtClean="0"/>
+              <a:t>比べて低ければ，</a:t>
+            </a:r>
+            <a:endParaRPr lang="en-US" altLang="ja-JP" dirty="0" smtClean="0"/>
+          </a:p>
+          <a:p>
+            <a:pPr marL="0" indent="0">
+              <a:buNone/>
+            </a:pPr>
+            <a:r>
+              <a:rPr lang="ja-JP" altLang="en-US" dirty="0" smtClean="0"/>
+              <a:t>優先度</a:t>
+            </a:r>
+            <a:r>
+              <a:rPr lang="ja-JP" altLang="en-US" dirty="0"/>
+              <a:t>を</a:t>
+            </a:r>
+            <a:r>
+              <a:rPr lang="ja-JP" altLang="en-US" dirty="0" smtClean="0"/>
+              <a:t>下げる</a:t>
+            </a:r>
+            <a:endParaRPr lang="en-US" altLang="ja-JP" dirty="0"/>
+          </a:p>
+          <a:p>
+            <a:pPr marL="0" indent="0">
+              <a:buNone/>
+            </a:pPr>
+            <a:r>
+              <a:rPr lang="ja-JP" altLang="en-US" dirty="0" smtClean="0"/>
+              <a:t>＜候補３</a:t>
+            </a:r>
+            <a:r>
+              <a:rPr lang="ja-JP" altLang="en-US" dirty="0"/>
+              <a:t> ＞</a:t>
+            </a:r>
+            <a:endParaRPr lang="en-US" altLang="ja-JP" dirty="0"/>
+          </a:p>
+          <a:p>
+            <a:pPr marL="0" indent="0">
+              <a:buNone/>
+            </a:pPr>
+            <a:r>
+              <a:rPr lang="ja-JP" altLang="en-US" dirty="0"/>
+              <a:t>目的はユーザを速いサーバへ届けること</a:t>
+            </a:r>
+            <a:r>
+              <a:rPr lang="ja-JP" altLang="en-US" dirty="0" smtClean="0"/>
+              <a:t>。優先</a:t>
+            </a:r>
+            <a:r>
+              <a:rPr lang="ja-JP" altLang="en-US" dirty="0"/>
+              <a:t>してＡ評価サーバへ</a:t>
+            </a:r>
+            <a:r>
+              <a:rPr lang="ja-JP" altLang="en-US" dirty="0" smtClean="0"/>
+              <a:t>送り続ける．大量</a:t>
+            </a:r>
+            <a:r>
+              <a:rPr lang="ja-JP" altLang="en-US" dirty="0"/>
+              <a:t>のリクエストでＡ評価</a:t>
+            </a:r>
+            <a:r>
+              <a:rPr lang="ja-JP" altLang="en-US" dirty="0" smtClean="0"/>
+              <a:t>が</a:t>
+            </a:r>
+            <a:r>
+              <a:rPr lang="en-US" altLang="ja-JP" dirty="0" smtClean="0"/>
+              <a:t>B</a:t>
+            </a:r>
+            <a:r>
+              <a:rPr lang="ja-JP" altLang="en-US" dirty="0" smtClean="0"/>
+              <a:t>評価</a:t>
+            </a:r>
+            <a:r>
+              <a:rPr lang="ja-JP" altLang="en-US" dirty="0"/>
+              <a:t>になって</a:t>
+            </a:r>
+            <a:r>
+              <a:rPr lang="ja-JP" altLang="en-US" dirty="0" smtClean="0"/>
+              <a:t>しまったら，次</a:t>
+            </a:r>
+            <a:r>
+              <a:rPr lang="ja-JP" altLang="en-US" dirty="0"/>
+              <a:t>に評価が高いサーバへ</a:t>
+            </a:r>
+            <a:r>
+              <a:rPr lang="ja-JP" altLang="en-US" dirty="0" smtClean="0"/>
+              <a:t>送る</a:t>
+            </a:r>
+            <a:r>
+              <a:rPr lang="ja-JP" altLang="en-US" dirty="0"/>
+              <a:t>．</a:t>
+            </a:r>
+            <a:endParaRPr lang="en-US" altLang="ja-JP" dirty="0"/>
           </a:p>
         </p:txBody>
       </p:sp>
@@ -5627,10 +5900,247 @@
           </a:p>
         </p:txBody>
       </p:sp>
+      <p:sp>
+        <p:nvSpPr>
+          <p:cNvPr id="8" name="コンテンツ プレースホルダー 2"/>
+          <p:cNvSpPr txBox="1">
+            <a:spLocks/>
+          </p:cNvSpPr>
+          <p:nvPr/>
+        </p:nvSpPr>
+        <p:spPr>
+          <a:xfrm>
+            <a:off x="674158" y="5964503"/>
+            <a:ext cx="7998883" cy="495829"/>
+          </a:xfrm>
+          <a:prstGeom prst="rect">
+            <a:avLst/>
+          </a:prstGeom>
+        </p:spPr>
+        <p:txBody>
+          <a:bodyPr vert="horz" lIns="91440" tIns="45720" rIns="91440" bIns="45720" rtlCol="0">
+            <a:normAutofit fontScale="85000" lnSpcReduction="10000"/>
+          </a:bodyPr>
+          <a:lstStyle>
+            <a:lvl1pPr marL="228600" indent="-228600" algn="l" defTabSz="914400" rtl="0" eaLnBrk="1" latinLnBrk="0" hangingPunct="1">
+              <a:lnSpc>
+                <a:spcPct val="90000"/>
+              </a:lnSpc>
+              <a:spcBef>
+                <a:spcPts val="1000"/>
+              </a:spcBef>
+              <a:buFont typeface="Arial" panose="020B0604020202020204" pitchFamily="34" charset="0"/>
+              <a:buChar char="•"/>
+              <a:defRPr kumimoji="1" sz="2800" kern="1200">
+                <a:solidFill>
+                  <a:schemeClr val="tx1"/>
+                </a:solidFill>
+                <a:latin typeface="+mn-lt"/>
+                <a:ea typeface="+mn-ea"/>
+                <a:cs typeface="+mn-cs"/>
+              </a:defRPr>
+            </a:lvl1pPr>
+            <a:lvl2pPr marL="685800" indent="-228600" algn="l" defTabSz="914400" rtl="0" eaLnBrk="1" latinLnBrk="0" hangingPunct="1">
+              <a:lnSpc>
+                <a:spcPct val="90000"/>
+              </a:lnSpc>
+              <a:spcBef>
+                <a:spcPts val="500"/>
+              </a:spcBef>
+              <a:buFont typeface="Arial" panose="020B0604020202020204" pitchFamily="34" charset="0"/>
+              <a:buChar char="•"/>
+              <a:defRPr kumimoji="1" sz="2400" kern="1200">
+                <a:solidFill>
+                  <a:schemeClr val="tx1"/>
+                </a:solidFill>
+                <a:latin typeface="+mn-lt"/>
+                <a:ea typeface="+mn-ea"/>
+                <a:cs typeface="+mn-cs"/>
+              </a:defRPr>
+            </a:lvl2pPr>
+            <a:lvl3pPr marL="1143000" indent="-228600" algn="l" defTabSz="914400" rtl="0" eaLnBrk="1" latinLnBrk="0" hangingPunct="1">
+              <a:lnSpc>
+                <a:spcPct val="90000"/>
+              </a:lnSpc>
+              <a:spcBef>
+                <a:spcPts val="500"/>
+              </a:spcBef>
+              <a:buFont typeface="Arial" panose="020B0604020202020204" pitchFamily="34" charset="0"/>
+              <a:buChar char="•"/>
+              <a:defRPr kumimoji="1" sz="2000" kern="1200">
+                <a:solidFill>
+                  <a:schemeClr val="tx1"/>
+                </a:solidFill>
+                <a:latin typeface="+mn-lt"/>
+                <a:ea typeface="+mn-ea"/>
+                <a:cs typeface="+mn-cs"/>
+              </a:defRPr>
+            </a:lvl3pPr>
+            <a:lvl4pPr marL="1600200" indent="-228600" algn="l" defTabSz="914400" rtl="0" eaLnBrk="1" latinLnBrk="0" hangingPunct="1">
+              <a:lnSpc>
+                <a:spcPct val="90000"/>
+              </a:lnSpc>
+              <a:spcBef>
+                <a:spcPts val="500"/>
+              </a:spcBef>
+              <a:buFont typeface="Arial" panose="020B0604020202020204" pitchFamily="34" charset="0"/>
+              <a:buChar char="•"/>
+              <a:defRPr kumimoji="1" sz="1800" kern="1200">
+                <a:solidFill>
+                  <a:schemeClr val="tx1"/>
+                </a:solidFill>
+                <a:latin typeface="+mn-lt"/>
+                <a:ea typeface="+mn-ea"/>
+                <a:cs typeface="+mn-cs"/>
+              </a:defRPr>
+            </a:lvl4pPr>
+            <a:lvl5pPr marL="2057400" indent="-228600" algn="l" defTabSz="914400" rtl="0" eaLnBrk="1" latinLnBrk="0" hangingPunct="1">
+              <a:lnSpc>
+                <a:spcPct val="90000"/>
+              </a:lnSpc>
+              <a:spcBef>
+                <a:spcPts val="500"/>
+              </a:spcBef>
+              <a:buFont typeface="Arial" panose="020B0604020202020204" pitchFamily="34" charset="0"/>
+              <a:buChar char="•"/>
+              <a:defRPr kumimoji="1" sz="1800" kern="1200">
+                <a:solidFill>
+                  <a:schemeClr val="tx1"/>
+                </a:solidFill>
+                <a:latin typeface="+mn-lt"/>
+                <a:ea typeface="+mn-ea"/>
+                <a:cs typeface="+mn-cs"/>
+              </a:defRPr>
+            </a:lvl5pPr>
+            <a:lvl6pPr marL="2514600" indent="-228600" algn="l" defTabSz="914400" rtl="0" eaLnBrk="1" latinLnBrk="0" hangingPunct="1">
+              <a:lnSpc>
+                <a:spcPct val="90000"/>
+              </a:lnSpc>
+              <a:spcBef>
+                <a:spcPts val="500"/>
+              </a:spcBef>
+              <a:buFont typeface="Arial" panose="020B0604020202020204" pitchFamily="34" charset="0"/>
+              <a:buChar char="•"/>
+              <a:defRPr kumimoji="1" sz="1800" kern="1200">
+                <a:solidFill>
+                  <a:schemeClr val="tx1"/>
+                </a:solidFill>
+                <a:latin typeface="+mn-lt"/>
+                <a:ea typeface="+mn-ea"/>
+                <a:cs typeface="+mn-cs"/>
+              </a:defRPr>
+            </a:lvl6pPr>
+            <a:lvl7pPr marL="2971800" indent="-228600" algn="l" defTabSz="914400" rtl="0" eaLnBrk="1" latinLnBrk="0" hangingPunct="1">
+              <a:lnSpc>
+                <a:spcPct val="90000"/>
+              </a:lnSpc>
+              <a:spcBef>
+                <a:spcPts val="500"/>
+              </a:spcBef>
+              <a:buFont typeface="Arial" panose="020B0604020202020204" pitchFamily="34" charset="0"/>
+              <a:buChar char="•"/>
+              <a:defRPr kumimoji="1" sz="1800" kern="1200">
+                <a:solidFill>
+                  <a:schemeClr val="tx1"/>
+                </a:solidFill>
+                <a:latin typeface="+mn-lt"/>
+                <a:ea typeface="+mn-ea"/>
+                <a:cs typeface="+mn-cs"/>
+              </a:defRPr>
+            </a:lvl7pPr>
+            <a:lvl8pPr marL="3429000" indent="-228600" algn="l" defTabSz="914400" rtl="0" eaLnBrk="1" latinLnBrk="0" hangingPunct="1">
+              <a:lnSpc>
+                <a:spcPct val="90000"/>
+              </a:lnSpc>
+              <a:spcBef>
+                <a:spcPts val="500"/>
+              </a:spcBef>
+              <a:buFont typeface="Arial" panose="020B0604020202020204" pitchFamily="34" charset="0"/>
+              <a:buChar char="•"/>
+              <a:defRPr kumimoji="1" sz="1800" kern="1200">
+                <a:solidFill>
+                  <a:schemeClr val="tx1"/>
+                </a:solidFill>
+                <a:latin typeface="+mn-lt"/>
+                <a:ea typeface="+mn-ea"/>
+                <a:cs typeface="+mn-cs"/>
+              </a:defRPr>
+            </a:lvl8pPr>
+            <a:lvl9pPr marL="3886200" indent="-228600" algn="l" defTabSz="914400" rtl="0" eaLnBrk="1" latinLnBrk="0" hangingPunct="1">
+              <a:lnSpc>
+                <a:spcPct val="90000"/>
+              </a:lnSpc>
+              <a:spcBef>
+                <a:spcPts val="500"/>
+              </a:spcBef>
+              <a:buFont typeface="Arial" panose="020B0604020202020204" pitchFamily="34" charset="0"/>
+              <a:buChar char="•"/>
+              <a:defRPr kumimoji="1" sz="1800" kern="1200">
+                <a:solidFill>
+                  <a:schemeClr val="tx1"/>
+                </a:solidFill>
+                <a:latin typeface="+mn-lt"/>
+                <a:ea typeface="+mn-ea"/>
+                <a:cs typeface="+mn-cs"/>
+              </a:defRPr>
+            </a:lvl9pPr>
+          </a:lstStyle>
+          <a:p>
+            <a:pPr marL="0" indent="0">
+              <a:buNone/>
+            </a:pPr>
+            <a:r>
+              <a:rPr lang="ja-JP" altLang="en-US" dirty="0" smtClean="0">
+                <a:solidFill>
+                  <a:srgbClr val="FF0000"/>
+                </a:solidFill>
+              </a:rPr>
+              <a:t>上記の候補を</a:t>
+            </a:r>
+            <a:r>
+              <a:rPr lang="ja-JP" altLang="ja-JP" dirty="0" smtClean="0">
+                <a:solidFill>
+                  <a:srgbClr val="FF0000"/>
+                </a:solidFill>
+              </a:rPr>
+              <a:t>実験</a:t>
+            </a:r>
+            <a:r>
+              <a:rPr lang="ja-JP" altLang="en-US" dirty="0" smtClean="0">
+                <a:solidFill>
+                  <a:srgbClr val="FF0000"/>
+                </a:solidFill>
+              </a:rPr>
+              <a:t>し、提案システムの</a:t>
+            </a:r>
+            <a:r>
+              <a:rPr lang="ja-JP" altLang="ja-JP" dirty="0" smtClean="0">
+                <a:solidFill>
+                  <a:srgbClr val="FF0000"/>
+                </a:solidFill>
+              </a:rPr>
+              <a:t>実現可能性</a:t>
+            </a:r>
+            <a:r>
+              <a:rPr lang="ja-JP" altLang="en-US" dirty="0" smtClean="0">
+                <a:solidFill>
+                  <a:srgbClr val="FF0000"/>
+                </a:solidFill>
+              </a:rPr>
+              <a:t>を示す．</a:t>
+            </a:r>
+            <a:endParaRPr lang="ja-JP" altLang="en-US" dirty="0">
+              <a:solidFill>
+                <a:srgbClr val="FF0000"/>
+              </a:solidFill>
+            </a:endParaRPr>
+          </a:p>
+        </p:txBody>
+      </p:sp>
     </p:spTree>
     <p:extLst>
       <p:ext uri="{BB962C8B-B14F-4D97-AF65-F5344CB8AC3E}">
-        <p14:creationId xmlns:p14="http://schemas.microsoft.com/office/powerpoint/2010/main" val="972452230"/>
+        <p14:creationId xmlns:p14="http://schemas.microsoft.com/office/powerpoint/2010/main" val="4245721390"/>
       </p:ext>
     </p:extLst>
   </p:cSld>
@@ -5667,6 +6177,179 @@
             <p:ph type="title"/>
           </p:nvPr>
         </p:nvSpPr>
+        <p:spPr/>
+        <p:txBody>
+          <a:bodyPr/>
+          <a:lstStyle/>
+          <a:p>
+            <a:r>
+              <a:rPr kumimoji="1" lang="ja-JP" altLang="en-US" dirty="0" smtClean="0"/>
+              <a:t>提案方式の説明</a:t>
+            </a:r>
+            <a:endParaRPr kumimoji="1" lang="ja-JP" altLang="en-US" dirty="0"/>
+          </a:p>
+        </p:txBody>
+      </p:sp>
+      <p:sp>
+        <p:nvSpPr>
+          <p:cNvPr id="3" name="コンテンツ プレースホルダー 2"/>
+          <p:cNvSpPr>
+            <a:spLocks noGrp="1"/>
+          </p:cNvSpPr>
+          <p:nvPr>
+            <p:ph idx="1"/>
+          </p:nvPr>
+        </p:nvSpPr>
+        <p:spPr/>
+        <p:txBody>
+          <a:bodyPr>
+            <a:normAutofit/>
+          </a:bodyPr>
+          <a:lstStyle/>
+          <a:p>
+            <a:r>
+              <a:rPr lang="ja-JP" altLang="en-US" sz="3200" dirty="0" smtClean="0">
+                <a:latin typeface="ＭＳ Ｐゴシック" panose="020B0600070205080204" pitchFamily="50" charset="-128"/>
+              </a:rPr>
+              <a:t>冗長的で性能が不均一</a:t>
+            </a:r>
+            <a:r>
+              <a:rPr lang="ja-JP" altLang="en-US" sz="3200" dirty="0">
+                <a:latin typeface="ＭＳ Ｐゴシック" panose="020B0600070205080204" pitchFamily="50" charset="-128"/>
+              </a:rPr>
+              <a:t>な</a:t>
+            </a:r>
+            <a:r>
+              <a:rPr lang="ja-JP" altLang="en-US" sz="3200" dirty="0" smtClean="0">
+                <a:latin typeface="ＭＳ Ｐゴシック" panose="020B0600070205080204" pitchFamily="50" charset="-128"/>
+              </a:rPr>
+              <a:t>サーバの応答速度を計測．</a:t>
+            </a:r>
+            <a:endParaRPr lang="en-US" altLang="ja-JP" sz="3200" dirty="0" smtClean="0">
+              <a:latin typeface="ＭＳ Ｐゴシック" panose="020B0600070205080204" pitchFamily="50" charset="-128"/>
+            </a:endParaRPr>
+          </a:p>
+          <a:p>
+            <a:endParaRPr lang="en-US" altLang="ja-JP" sz="3200" dirty="0" smtClean="0">
+              <a:latin typeface="ＭＳ Ｐゴシック" panose="020B0600070205080204" pitchFamily="50" charset="-128"/>
+            </a:endParaRPr>
+          </a:p>
+          <a:p>
+            <a:r>
+              <a:rPr lang="ja-JP" altLang="en-US" sz="3200" dirty="0">
+                <a:latin typeface="ＭＳ Ｐゴシック" panose="020B0600070205080204" pitchFamily="50" charset="-128"/>
+              </a:rPr>
+              <a:t>応答</a:t>
+            </a:r>
+            <a:r>
+              <a:rPr lang="ja-JP" altLang="en-US" sz="3200" dirty="0" smtClean="0">
+                <a:latin typeface="ＭＳ Ｐゴシック" panose="020B0600070205080204" pitchFamily="50" charset="-128"/>
+              </a:rPr>
+              <a:t>速度評価アルゴリズムを使い評価．</a:t>
+            </a:r>
+            <a:endParaRPr lang="en-US" altLang="ja-JP" sz="3200" dirty="0" smtClean="0">
+              <a:latin typeface="ＭＳ Ｐゴシック" panose="020B0600070205080204" pitchFamily="50" charset="-128"/>
+            </a:endParaRPr>
+          </a:p>
+          <a:p>
+            <a:endParaRPr lang="en-US" altLang="ja-JP" sz="3200" dirty="0">
+              <a:latin typeface="ＭＳ Ｐゴシック" panose="020B0600070205080204" pitchFamily="50" charset="-128"/>
+            </a:endParaRPr>
+          </a:p>
+          <a:p>
+            <a:r>
+              <a:rPr lang="ja-JP" altLang="en-US" sz="3200" dirty="0" smtClean="0">
+                <a:latin typeface="ＭＳ Ｐゴシック" panose="020B0600070205080204" pitchFamily="50" charset="-128"/>
+              </a:rPr>
+              <a:t>ロードバランサー</a:t>
+            </a:r>
+            <a:r>
+              <a:rPr lang="ja-JP" altLang="en-US" sz="3200" dirty="0">
+                <a:latin typeface="ＭＳ Ｐゴシック" panose="020B0600070205080204" pitchFamily="50" charset="-128"/>
+              </a:rPr>
+              <a:t>はこの評価を割り振る指標として</a:t>
+            </a:r>
+            <a:r>
+              <a:rPr lang="ja-JP" altLang="en-US" sz="3200" dirty="0" smtClean="0">
+                <a:latin typeface="ＭＳ Ｐゴシック" panose="020B0600070205080204" pitchFamily="50" charset="-128"/>
+              </a:rPr>
+              <a:t>判断する．</a:t>
+            </a:r>
+            <a:endParaRPr lang="ja-JP" altLang="en-US" sz="3200" dirty="0"/>
+          </a:p>
+          <a:p>
+            <a:pPr marL="0" indent="0">
+              <a:buNone/>
+            </a:pPr>
+            <a:endParaRPr lang="ja-JP" altLang="en-US" dirty="0" smtClean="0">
+              <a:latin typeface="ＭＳ Ｐゴシック" panose="020B0600070205080204" pitchFamily="50" charset="-128"/>
+            </a:endParaRPr>
+          </a:p>
+        </p:txBody>
+      </p:sp>
+      <p:sp>
+        <p:nvSpPr>
+          <p:cNvPr id="4" name="スライド番号プレースホルダー 3"/>
+          <p:cNvSpPr>
+            <a:spLocks noGrp="1"/>
+          </p:cNvSpPr>
+          <p:nvPr>
+            <p:ph type="sldNum" sz="quarter" idx="12"/>
+          </p:nvPr>
+        </p:nvSpPr>
+        <p:spPr/>
+        <p:txBody>
+          <a:bodyPr/>
+          <a:lstStyle/>
+          <a:p>
+            <a:fld id="{B4451160-128F-4DAD-AE29-4A8CC0E7B9E9}" type="slidenum">
+              <a:rPr kumimoji="1" lang="ja-JP" altLang="en-US" smtClean="0"/>
+              <a:t>8</a:t>
+            </a:fld>
+            <a:endParaRPr kumimoji="1" lang="ja-JP" altLang="en-US"/>
+          </a:p>
+        </p:txBody>
+      </p:sp>
+    </p:spTree>
+    <p:extLst>
+      <p:ext uri="{BB962C8B-B14F-4D97-AF65-F5344CB8AC3E}">
+        <p14:creationId xmlns:p14="http://schemas.microsoft.com/office/powerpoint/2010/main" val="972452230"/>
+      </p:ext>
+    </p:extLst>
+  </p:cSld>
+  <p:clrMapOvr>
+    <a:masterClrMapping/>
+  </p:clrMapOvr>
+</p:sld>
+</file>
+
+<file path=ppt/slides/slide9.xml><?xml version="1.0" encoding="utf-8"?>
+<p:sld xmlns:a="http://schemas.openxmlformats.org/drawingml/2006/main" xmlns:r="http://schemas.openxmlformats.org/officeDocument/2006/relationships" xmlns:p="http://schemas.openxmlformats.org/presentationml/2006/main">
+  <p:cSld>
+    <p:spTree>
+      <p:nvGrpSpPr>
+        <p:cNvPr id="1" name=""/>
+        <p:cNvGrpSpPr/>
+        <p:nvPr/>
+      </p:nvGrpSpPr>
+      <p:grpSpPr>
+        <a:xfrm>
+          <a:off x="0" y="0"/>
+          <a:ext cx="0" cy="0"/>
+          <a:chOff x="0" y="0"/>
+          <a:chExt cx="0" cy="0"/>
+        </a:xfrm>
+      </p:grpSpPr>
+      <p:sp>
+        <p:nvSpPr>
+          <p:cNvPr id="2" name="タイトル 1"/>
+          <p:cNvSpPr>
+            <a:spLocks noGrp="1"/>
+          </p:cNvSpPr>
+          <p:nvPr>
+            <p:ph type="title"/>
+          </p:nvPr>
+        </p:nvSpPr>
         <p:spPr>
           <a:xfrm>
             <a:off x="535517" y="219858"/>
@@ -5718,7 +6401,7 @@
           <a:p>
             <a:fld id="{B4451160-128F-4DAD-AE29-4A8CC0E7B9E9}" type="slidenum">
               <a:rPr kumimoji="1" lang="ja-JP" altLang="en-US" smtClean="0"/>
-              <a:t>8</a:t>
+              <a:t>9</a:t>
             </a:fld>
             <a:endParaRPr kumimoji="1" lang="ja-JP" altLang="en-US"/>
           </a:p>

--- a/発表用/1821086_中間発表.pptx
+++ b/発表用/1821086_中間発表.pptx
@@ -14,8 +14,8 @@
     <p:sldId id="260" r:id="rId5"/>
     <p:sldId id="261" r:id="rId6"/>
     <p:sldId id="263" r:id="rId7"/>
-    <p:sldId id="269" r:id="rId8"/>
-    <p:sldId id="267" r:id="rId9"/>
+    <p:sldId id="267" r:id="rId8"/>
+    <p:sldId id="269" r:id="rId9"/>
     <p:sldId id="265" r:id="rId10"/>
   </p:sldIdLst>
   <p:sldSz cx="9144000" cy="6858000" type="screen4x3"/>
@@ -782,7 +782,7 @@
     </p:spTree>
     <p:extLst>
       <p:ext uri="{BB962C8B-B14F-4D97-AF65-F5344CB8AC3E}">
-        <p14:creationId xmlns:p14="http://schemas.microsoft.com/office/powerpoint/2010/main" val="3397115162"/>
+        <p14:creationId xmlns:p14="http://schemas.microsoft.com/office/powerpoint/2010/main" val="2185544788"/>
       </p:ext>
     </p:extLst>
   </p:cSld>
@@ -866,7 +866,7 @@
     </p:spTree>
     <p:extLst>
       <p:ext uri="{BB962C8B-B14F-4D97-AF65-F5344CB8AC3E}">
-        <p14:creationId xmlns:p14="http://schemas.microsoft.com/office/powerpoint/2010/main" val="2185544788"/>
+        <p14:creationId xmlns:p14="http://schemas.microsoft.com/office/powerpoint/2010/main" val="3397115162"/>
       </p:ext>
     </p:extLst>
   </p:cSld>
@@ -4121,7 +4121,7 @@
         </p:nvSpPr>
         <p:spPr>
           <a:xfrm>
-            <a:off x="420157" y="1786945"/>
+            <a:off x="420157" y="1753077"/>
             <a:ext cx="8303683" cy="5325534"/>
           </a:xfrm>
         </p:spPr>
@@ -4485,6 +4485,41 @@
                 <a:schemeClr val="bg1"/>
               </a:solidFill>
             </a:endParaRPr>
+          </a:p>
+        </p:txBody>
+      </p:sp>
+      <p:sp>
+        <p:nvSpPr>
+          <p:cNvPr id="7" name="テキスト ボックス 6"/>
+          <p:cNvSpPr txBox="1"/>
+          <p:nvPr/>
+        </p:nvSpPr>
+        <p:spPr>
+          <a:xfrm>
+            <a:off x="4690532" y="1156677"/>
+            <a:ext cx="4453467" cy="400110"/>
+          </a:xfrm>
+          <a:prstGeom prst="rect">
+            <a:avLst/>
+          </a:prstGeom>
+          <a:noFill/>
+        </p:spPr>
+        <p:txBody>
+          <a:bodyPr wrap="square" rtlCol="0">
+            <a:spAutoFit/>
+          </a:bodyPr>
+          <a:lstStyle/>
+          <a:p>
+            <a:pPr algn="r"/>
+            <a:r>
+              <a:rPr lang="ja-JP" altLang="en-US" sz="2000" dirty="0" smtClean="0"/>
+              <a:t>情報工学科　中間発表　</a:t>
+            </a:r>
+            <a:r>
+              <a:rPr lang="en-US" altLang="ja-JP" sz="2000" dirty="0" smtClean="0"/>
+              <a:t>2021/07/27</a:t>
+            </a:r>
+            <a:endParaRPr lang="en-US" altLang="ja-JP" sz="2000" dirty="0" smtClean="0"/>
           </a:p>
         </p:txBody>
       </p:sp>
@@ -5648,9 +5683,182 @@
             <p:ph type="title"/>
           </p:nvPr>
         </p:nvSpPr>
+        <p:spPr/>
+        <p:txBody>
+          <a:bodyPr/>
+          <a:lstStyle/>
+          <a:p>
+            <a:r>
+              <a:rPr kumimoji="1" lang="ja-JP" altLang="en-US" dirty="0" smtClean="0"/>
+              <a:t>提案方式の説明</a:t>
+            </a:r>
+            <a:endParaRPr kumimoji="1" lang="ja-JP" altLang="en-US" dirty="0"/>
+          </a:p>
+        </p:txBody>
+      </p:sp>
+      <p:sp>
+        <p:nvSpPr>
+          <p:cNvPr id="3" name="コンテンツ プレースホルダー 2"/>
+          <p:cNvSpPr>
+            <a:spLocks noGrp="1"/>
+          </p:cNvSpPr>
+          <p:nvPr>
+            <p:ph idx="1"/>
+          </p:nvPr>
+        </p:nvSpPr>
+        <p:spPr/>
+        <p:txBody>
+          <a:bodyPr>
+            <a:normAutofit/>
+          </a:bodyPr>
+          <a:lstStyle/>
+          <a:p>
+            <a:r>
+              <a:rPr lang="ja-JP" altLang="en-US" sz="3200" dirty="0" smtClean="0">
+                <a:latin typeface="ＭＳ Ｐゴシック" panose="020B0600070205080204" pitchFamily="50" charset="-128"/>
+              </a:rPr>
+              <a:t>冗長的で性能が不均一</a:t>
+            </a:r>
+            <a:r>
+              <a:rPr lang="ja-JP" altLang="en-US" sz="3200" dirty="0">
+                <a:latin typeface="ＭＳ Ｐゴシック" panose="020B0600070205080204" pitchFamily="50" charset="-128"/>
+              </a:rPr>
+              <a:t>な</a:t>
+            </a:r>
+            <a:r>
+              <a:rPr lang="ja-JP" altLang="en-US" sz="3200" dirty="0" smtClean="0">
+                <a:latin typeface="ＭＳ Ｐゴシック" panose="020B0600070205080204" pitchFamily="50" charset="-128"/>
+              </a:rPr>
+              <a:t>サーバの応答速度を計測．</a:t>
+            </a:r>
+            <a:endParaRPr lang="en-US" altLang="ja-JP" sz="3200" dirty="0" smtClean="0">
+              <a:latin typeface="ＭＳ Ｐゴシック" panose="020B0600070205080204" pitchFamily="50" charset="-128"/>
+            </a:endParaRPr>
+          </a:p>
+          <a:p>
+            <a:endParaRPr lang="en-US" altLang="ja-JP" sz="3200" dirty="0" smtClean="0">
+              <a:latin typeface="ＭＳ Ｐゴシック" panose="020B0600070205080204" pitchFamily="50" charset="-128"/>
+            </a:endParaRPr>
+          </a:p>
+          <a:p>
+            <a:r>
+              <a:rPr lang="ja-JP" altLang="en-US" sz="3200" dirty="0">
+                <a:latin typeface="ＭＳ Ｐゴシック" panose="020B0600070205080204" pitchFamily="50" charset="-128"/>
+              </a:rPr>
+              <a:t>応答</a:t>
+            </a:r>
+            <a:r>
+              <a:rPr lang="ja-JP" altLang="en-US" sz="3200" dirty="0" smtClean="0">
+                <a:latin typeface="ＭＳ Ｐゴシック" panose="020B0600070205080204" pitchFamily="50" charset="-128"/>
+              </a:rPr>
+              <a:t>速度評価アルゴリズムを使い評価．</a:t>
+            </a:r>
+            <a:endParaRPr lang="en-US" altLang="ja-JP" sz="3200" dirty="0" smtClean="0">
+              <a:latin typeface="ＭＳ Ｐゴシック" panose="020B0600070205080204" pitchFamily="50" charset="-128"/>
+            </a:endParaRPr>
+          </a:p>
+          <a:p>
+            <a:endParaRPr lang="en-US" altLang="ja-JP" sz="3200" dirty="0">
+              <a:latin typeface="ＭＳ Ｐゴシック" panose="020B0600070205080204" pitchFamily="50" charset="-128"/>
+            </a:endParaRPr>
+          </a:p>
+          <a:p>
+            <a:r>
+              <a:rPr lang="ja-JP" altLang="en-US" sz="3200" dirty="0" smtClean="0">
+                <a:latin typeface="ＭＳ Ｐゴシック" panose="020B0600070205080204" pitchFamily="50" charset="-128"/>
+              </a:rPr>
+              <a:t>ロードバランサー</a:t>
+            </a:r>
+            <a:r>
+              <a:rPr lang="ja-JP" altLang="en-US" sz="3200" dirty="0">
+                <a:latin typeface="ＭＳ Ｐゴシック" panose="020B0600070205080204" pitchFamily="50" charset="-128"/>
+              </a:rPr>
+              <a:t>はこの評価を割り振る指標として</a:t>
+            </a:r>
+            <a:r>
+              <a:rPr lang="ja-JP" altLang="en-US" sz="3200" dirty="0" smtClean="0">
+                <a:latin typeface="ＭＳ Ｐゴシック" panose="020B0600070205080204" pitchFamily="50" charset="-128"/>
+              </a:rPr>
+              <a:t>判断する．</a:t>
+            </a:r>
+            <a:endParaRPr lang="ja-JP" altLang="en-US" sz="3200" dirty="0"/>
+          </a:p>
+          <a:p>
+            <a:pPr marL="0" indent="0">
+              <a:buNone/>
+            </a:pPr>
+            <a:endParaRPr lang="ja-JP" altLang="en-US" dirty="0" smtClean="0">
+              <a:latin typeface="ＭＳ Ｐゴシック" panose="020B0600070205080204" pitchFamily="50" charset="-128"/>
+            </a:endParaRPr>
+          </a:p>
+        </p:txBody>
+      </p:sp>
+      <p:sp>
+        <p:nvSpPr>
+          <p:cNvPr id="4" name="スライド番号プレースホルダー 3"/>
+          <p:cNvSpPr>
+            <a:spLocks noGrp="1"/>
+          </p:cNvSpPr>
+          <p:nvPr>
+            <p:ph type="sldNum" sz="quarter" idx="12"/>
+          </p:nvPr>
+        </p:nvSpPr>
+        <p:spPr/>
+        <p:txBody>
+          <a:bodyPr/>
+          <a:lstStyle/>
+          <a:p>
+            <a:fld id="{B4451160-128F-4DAD-AE29-4A8CC0E7B9E9}" type="slidenum">
+              <a:rPr kumimoji="1" lang="ja-JP" altLang="en-US" smtClean="0"/>
+              <a:t>7</a:t>
+            </a:fld>
+            <a:endParaRPr kumimoji="1" lang="ja-JP" altLang="en-US"/>
+          </a:p>
+        </p:txBody>
+      </p:sp>
+    </p:spTree>
+    <p:extLst>
+      <p:ext uri="{BB962C8B-B14F-4D97-AF65-F5344CB8AC3E}">
+        <p14:creationId xmlns:p14="http://schemas.microsoft.com/office/powerpoint/2010/main" val="972452230"/>
+      </p:ext>
+    </p:extLst>
+  </p:cSld>
+  <p:clrMapOvr>
+    <a:masterClrMapping/>
+  </p:clrMapOvr>
+</p:sld>
+</file>
+
+<file path=ppt/slides/slide8.xml><?xml version="1.0" encoding="utf-8"?>
+<p:sld xmlns:a="http://schemas.openxmlformats.org/drawingml/2006/main" xmlns:r="http://schemas.openxmlformats.org/officeDocument/2006/relationships" xmlns:p="http://schemas.openxmlformats.org/presentationml/2006/main">
+  <p:cSld>
+    <p:spTree>
+      <p:nvGrpSpPr>
+        <p:cNvPr id="1" name=""/>
+        <p:cNvGrpSpPr/>
+        <p:nvPr/>
+      </p:nvGrpSpPr>
+      <p:grpSpPr>
+        <a:xfrm>
+          <a:off x="0" y="0"/>
+          <a:ext cx="0" cy="0"/>
+          <a:chOff x="0" y="0"/>
+          <a:chExt cx="0" cy="0"/>
+        </a:xfrm>
+      </p:grpSpPr>
+      <p:sp>
+        <p:nvSpPr>
+          <p:cNvPr id="2" name="タイトル 1"/>
+          <p:cNvSpPr>
+            <a:spLocks noGrp="1"/>
+          </p:cNvSpPr>
+          <p:nvPr>
+            <p:ph type="title"/>
+          </p:nvPr>
+        </p:nvSpPr>
         <p:spPr>
           <a:xfrm>
-            <a:off x="628650" y="59267"/>
+            <a:off x="474132" y="76200"/>
             <a:ext cx="7886700" cy="1325563"/>
           </a:xfrm>
         </p:spPr>
@@ -5659,12 +5867,8 @@
           <a:lstStyle/>
           <a:p>
             <a:r>
-              <a:rPr lang="ja-JP" altLang="en-US" dirty="0"/>
-              <a:t>ロードバランサ</a:t>
-            </a:r>
-            <a:r>
               <a:rPr lang="ja-JP" altLang="en-US" dirty="0" smtClean="0"/>
-              <a:t>の計算方法</a:t>
+              <a:t>ロードバランサの計算方法</a:t>
             </a:r>
             <a:endParaRPr kumimoji="1" lang="ja-JP" altLang="en-US" dirty="0"/>
           </a:p>
@@ -5894,7 +6098,7 @@
           <a:p>
             <a:fld id="{B4451160-128F-4DAD-AE29-4A8CC0E7B9E9}" type="slidenum">
               <a:rPr kumimoji="1" lang="ja-JP" altLang="en-US" smtClean="0"/>
-              <a:t>7</a:t>
+              <a:t>8</a:t>
             </a:fld>
             <a:endParaRPr kumimoji="1" lang="ja-JP" altLang="en-US"/>
           </a:p>
@@ -6141,179 +6345,6 @@
     <p:extLst>
       <p:ext uri="{BB962C8B-B14F-4D97-AF65-F5344CB8AC3E}">
         <p14:creationId xmlns:p14="http://schemas.microsoft.com/office/powerpoint/2010/main" val="4245721390"/>
-      </p:ext>
-    </p:extLst>
-  </p:cSld>
-  <p:clrMapOvr>
-    <a:masterClrMapping/>
-  </p:clrMapOvr>
-</p:sld>
-</file>
-
-<file path=ppt/slides/slide8.xml><?xml version="1.0" encoding="utf-8"?>
-<p:sld xmlns:a="http://schemas.openxmlformats.org/drawingml/2006/main" xmlns:r="http://schemas.openxmlformats.org/officeDocument/2006/relationships" xmlns:p="http://schemas.openxmlformats.org/presentationml/2006/main">
-  <p:cSld>
-    <p:spTree>
-      <p:nvGrpSpPr>
-        <p:cNvPr id="1" name=""/>
-        <p:cNvGrpSpPr/>
-        <p:nvPr/>
-      </p:nvGrpSpPr>
-      <p:grpSpPr>
-        <a:xfrm>
-          <a:off x="0" y="0"/>
-          <a:ext cx="0" cy="0"/>
-          <a:chOff x="0" y="0"/>
-          <a:chExt cx="0" cy="0"/>
-        </a:xfrm>
-      </p:grpSpPr>
-      <p:sp>
-        <p:nvSpPr>
-          <p:cNvPr id="2" name="タイトル 1"/>
-          <p:cNvSpPr>
-            <a:spLocks noGrp="1"/>
-          </p:cNvSpPr>
-          <p:nvPr>
-            <p:ph type="title"/>
-          </p:nvPr>
-        </p:nvSpPr>
-        <p:spPr/>
-        <p:txBody>
-          <a:bodyPr/>
-          <a:lstStyle/>
-          <a:p>
-            <a:r>
-              <a:rPr kumimoji="1" lang="ja-JP" altLang="en-US" dirty="0" smtClean="0"/>
-              <a:t>提案方式の説明</a:t>
-            </a:r>
-            <a:endParaRPr kumimoji="1" lang="ja-JP" altLang="en-US" dirty="0"/>
-          </a:p>
-        </p:txBody>
-      </p:sp>
-      <p:sp>
-        <p:nvSpPr>
-          <p:cNvPr id="3" name="コンテンツ プレースホルダー 2"/>
-          <p:cNvSpPr>
-            <a:spLocks noGrp="1"/>
-          </p:cNvSpPr>
-          <p:nvPr>
-            <p:ph idx="1"/>
-          </p:nvPr>
-        </p:nvSpPr>
-        <p:spPr/>
-        <p:txBody>
-          <a:bodyPr>
-            <a:normAutofit/>
-          </a:bodyPr>
-          <a:lstStyle/>
-          <a:p>
-            <a:r>
-              <a:rPr lang="ja-JP" altLang="en-US" sz="3200" dirty="0" smtClean="0">
-                <a:latin typeface="ＭＳ Ｐゴシック" panose="020B0600070205080204" pitchFamily="50" charset="-128"/>
-              </a:rPr>
-              <a:t>冗長的で性能が不均一</a:t>
-            </a:r>
-            <a:r>
-              <a:rPr lang="ja-JP" altLang="en-US" sz="3200" dirty="0">
-                <a:latin typeface="ＭＳ Ｐゴシック" panose="020B0600070205080204" pitchFamily="50" charset="-128"/>
-              </a:rPr>
-              <a:t>な</a:t>
-            </a:r>
-            <a:r>
-              <a:rPr lang="ja-JP" altLang="en-US" sz="3200" dirty="0" smtClean="0">
-                <a:latin typeface="ＭＳ Ｐゴシック" panose="020B0600070205080204" pitchFamily="50" charset="-128"/>
-              </a:rPr>
-              <a:t>サーバの応答速度を計測．</a:t>
-            </a:r>
-            <a:endParaRPr lang="en-US" altLang="ja-JP" sz="3200" dirty="0" smtClean="0">
-              <a:latin typeface="ＭＳ Ｐゴシック" panose="020B0600070205080204" pitchFamily="50" charset="-128"/>
-            </a:endParaRPr>
-          </a:p>
-          <a:p>
-            <a:endParaRPr lang="en-US" altLang="ja-JP" sz="3200" dirty="0" smtClean="0">
-              <a:latin typeface="ＭＳ Ｐゴシック" panose="020B0600070205080204" pitchFamily="50" charset="-128"/>
-            </a:endParaRPr>
-          </a:p>
-          <a:p>
-            <a:r>
-              <a:rPr lang="ja-JP" altLang="en-US" sz="3200" dirty="0">
-                <a:latin typeface="ＭＳ Ｐゴシック" panose="020B0600070205080204" pitchFamily="50" charset="-128"/>
-              </a:rPr>
-              <a:t>応答</a:t>
-            </a:r>
-            <a:r>
-              <a:rPr lang="ja-JP" altLang="en-US" sz="3200" dirty="0" smtClean="0">
-                <a:latin typeface="ＭＳ Ｐゴシック" panose="020B0600070205080204" pitchFamily="50" charset="-128"/>
-              </a:rPr>
-              <a:t>速度評価アルゴリズムを使い評価．</a:t>
-            </a:r>
-            <a:endParaRPr lang="en-US" altLang="ja-JP" sz="3200" dirty="0" smtClean="0">
-              <a:latin typeface="ＭＳ Ｐゴシック" panose="020B0600070205080204" pitchFamily="50" charset="-128"/>
-            </a:endParaRPr>
-          </a:p>
-          <a:p>
-            <a:endParaRPr lang="en-US" altLang="ja-JP" sz="3200" dirty="0">
-              <a:latin typeface="ＭＳ Ｐゴシック" panose="020B0600070205080204" pitchFamily="50" charset="-128"/>
-            </a:endParaRPr>
-          </a:p>
-          <a:p>
-            <a:r>
-              <a:rPr lang="ja-JP" altLang="en-US" sz="3200" dirty="0" smtClean="0">
-                <a:latin typeface="ＭＳ Ｐゴシック" panose="020B0600070205080204" pitchFamily="50" charset="-128"/>
-              </a:rPr>
-              <a:t>ロードバランサー</a:t>
-            </a:r>
-            <a:r>
-              <a:rPr lang="ja-JP" altLang="en-US" sz="3200" dirty="0">
-                <a:latin typeface="ＭＳ Ｐゴシック" panose="020B0600070205080204" pitchFamily="50" charset="-128"/>
-              </a:rPr>
-              <a:t>はこの評価を割り振る指標として</a:t>
-            </a:r>
-            <a:r>
-              <a:rPr lang="ja-JP" altLang="en-US" sz="3200" dirty="0" smtClean="0">
-                <a:latin typeface="ＭＳ Ｐゴシック" panose="020B0600070205080204" pitchFamily="50" charset="-128"/>
-              </a:rPr>
-              <a:t>判断する．</a:t>
-            </a:r>
-            <a:endParaRPr lang="ja-JP" altLang="en-US" sz="3200" dirty="0"/>
-          </a:p>
-          <a:p>
-            <a:pPr marL="0" indent="0">
-              <a:buNone/>
-            </a:pPr>
-            <a:endParaRPr lang="ja-JP" altLang="en-US" dirty="0" smtClean="0">
-              <a:latin typeface="ＭＳ Ｐゴシック" panose="020B0600070205080204" pitchFamily="50" charset="-128"/>
-            </a:endParaRPr>
-          </a:p>
-        </p:txBody>
-      </p:sp>
-      <p:sp>
-        <p:nvSpPr>
-          <p:cNvPr id="4" name="スライド番号プレースホルダー 3"/>
-          <p:cNvSpPr>
-            <a:spLocks noGrp="1"/>
-          </p:cNvSpPr>
-          <p:nvPr>
-            <p:ph type="sldNum" sz="quarter" idx="12"/>
-          </p:nvPr>
-        </p:nvSpPr>
-        <p:spPr/>
-        <p:txBody>
-          <a:bodyPr/>
-          <a:lstStyle/>
-          <a:p>
-            <a:fld id="{B4451160-128F-4DAD-AE29-4A8CC0E7B9E9}" type="slidenum">
-              <a:rPr kumimoji="1" lang="ja-JP" altLang="en-US" smtClean="0"/>
-              <a:t>8</a:t>
-            </a:fld>
-            <a:endParaRPr kumimoji="1" lang="ja-JP" altLang="en-US"/>
-          </a:p>
-        </p:txBody>
-      </p:sp>
-    </p:spTree>
-    <p:extLst>
-      <p:ext uri="{BB962C8B-B14F-4D97-AF65-F5344CB8AC3E}">
-        <p14:creationId xmlns:p14="http://schemas.microsoft.com/office/powerpoint/2010/main" val="972452230"/>
       </p:ext>
     </p:extLst>
   </p:cSld>

--- a/発表用/1821086_中間発表.pptx
+++ b/発表用/1821086_中間発表.pptx
@@ -4519,7 +4519,6 @@
               <a:rPr lang="en-US" altLang="ja-JP" sz="2000" dirty="0" smtClean="0"/>
               <a:t>2021/07/27</a:t>
             </a:r>
-            <a:endParaRPr lang="en-US" altLang="ja-JP" sz="2000" dirty="0" smtClean="0"/>
           </a:p>
         </p:txBody>
       </p:sp>
@@ -5751,7 +5750,37 @@
               <a:rPr lang="ja-JP" altLang="en-US" sz="3200" dirty="0" smtClean="0">
                 <a:latin typeface="ＭＳ Ｐゴシック" panose="020B0600070205080204" pitchFamily="50" charset="-128"/>
               </a:rPr>
-              <a:t>速度評価アルゴリズムを使い評価．</a:t>
+              <a:t>速度評価アルゴリズムを</a:t>
+            </a:r>
+            <a:r>
+              <a:rPr lang="ja-JP" altLang="en-US" sz="3200" dirty="0" smtClean="0">
+                <a:latin typeface="ＭＳ Ｐゴシック" panose="020B0600070205080204" pitchFamily="50" charset="-128"/>
+              </a:rPr>
+              <a:t>使い</a:t>
+            </a:r>
+            <a:r>
+              <a:rPr lang="en-US" altLang="ja-JP" sz="3200" dirty="0" smtClean="0">
+                <a:latin typeface="ＭＳ Ｐゴシック" panose="020B0600070205080204" pitchFamily="50" charset="-128"/>
+              </a:rPr>
+              <a:t>S</a:t>
+            </a:r>
+            <a:r>
+              <a:rPr lang="ja-JP" altLang="en-US" sz="3200" dirty="0" smtClean="0">
+                <a:latin typeface="ＭＳ Ｐゴシック" panose="020B0600070205080204" pitchFamily="50" charset="-128"/>
+              </a:rPr>
+              <a:t>～</a:t>
+            </a:r>
+            <a:r>
+              <a:rPr lang="en-US" altLang="ja-JP" sz="3200" dirty="0" smtClean="0">
+                <a:latin typeface="ＭＳ Ｐゴシック" panose="020B0600070205080204" pitchFamily="50" charset="-128"/>
+              </a:rPr>
+              <a:t>D</a:t>
+            </a:r>
+            <a:r>
+              <a:rPr lang="ja-JP" altLang="en-US" sz="3200" dirty="0" smtClean="0">
+                <a:latin typeface="ＭＳ Ｐゴシック" panose="020B0600070205080204" pitchFamily="50" charset="-128"/>
+              </a:rPr>
+              <a:t>評価を付ける．</a:t>
             </a:r>
             <a:endParaRPr lang="en-US" altLang="ja-JP" sz="3200" dirty="0" smtClean="0">
               <a:latin typeface="ＭＳ Ｐゴシック" panose="020B0600070205080204" pitchFamily="50" charset="-128"/>

--- a/発表用/1821086_中間発表.pptx
+++ b/発表用/1821086_中間発表.pptx
@@ -15,8 +15,8 @@
     <p:sldId id="261" r:id="rId6"/>
     <p:sldId id="263" r:id="rId7"/>
     <p:sldId id="267" r:id="rId8"/>
-    <p:sldId id="269" r:id="rId9"/>
-    <p:sldId id="265" r:id="rId10"/>
+    <p:sldId id="265" r:id="rId9"/>
+    <p:sldId id="269" r:id="rId10"/>
   </p:sldIdLst>
   <p:sldSz cx="9144000" cy="6858000" type="screen4x3"/>
   <p:notesSz cx="6858000" cy="9144000"/>
@@ -857,7 +857,7 @@
           <a:p>
             <a:fld id="{9D828324-DCC9-430F-AD2C-1DD1805E2C40}" type="slidenum">
               <a:rPr kumimoji="1" lang="ja-JP" altLang="en-US" smtClean="0"/>
-              <a:t>8</a:t>
+              <a:t>9</a:t>
             </a:fld>
             <a:endParaRPr kumimoji="1" lang="ja-JP" altLang="en-US"/>
           </a:p>
@@ -5750,13 +5750,7 @@
               <a:rPr lang="ja-JP" altLang="en-US" sz="3200" dirty="0" smtClean="0">
                 <a:latin typeface="ＭＳ Ｐゴシック" panose="020B0600070205080204" pitchFamily="50" charset="-128"/>
               </a:rPr>
-              <a:t>速度評価アルゴリズムを</a:t>
-            </a:r>
-            <a:r>
-              <a:rPr lang="ja-JP" altLang="en-US" sz="3200" dirty="0" smtClean="0">
-                <a:latin typeface="ＭＳ Ｐゴシック" panose="020B0600070205080204" pitchFamily="50" charset="-128"/>
-              </a:rPr>
-              <a:t>使い</a:t>
+              <a:t>速度評価アルゴリズムを使い</a:t>
             </a:r>
             <a:r>
               <a:rPr lang="en-US" altLang="ja-JP" sz="3200" dirty="0" smtClean="0">
@@ -5887,6 +5881,475 @@
         </p:nvSpPr>
         <p:spPr>
           <a:xfrm>
+            <a:off x="535517" y="219858"/>
+            <a:ext cx="7886700" cy="1325563"/>
+          </a:xfrm>
+        </p:spPr>
+        <p:txBody>
+          <a:bodyPr/>
+          <a:lstStyle/>
+          <a:p>
+            <a:r>
+              <a:rPr lang="ja-JP" altLang="en-US" sz="3600" dirty="0"/>
+              <a:t>開発</a:t>
+            </a:r>
+            <a:r>
+              <a:rPr lang="ja-JP" altLang="en-US" sz="3600" dirty="0" smtClean="0"/>
+              <a:t>環境</a:t>
+            </a:r>
+            <a:r>
+              <a:rPr lang="ja-JP" altLang="en-US" sz="3600" dirty="0"/>
+              <a:t>、</a:t>
+            </a:r>
+            <a:r>
+              <a:rPr lang="ja-JP" altLang="en-US" sz="3600" dirty="0" smtClean="0"/>
+              <a:t>進捗、今後</a:t>
+            </a:r>
+            <a:r>
+              <a:rPr kumimoji="1" lang="ja-JP" altLang="en-US" sz="3600" dirty="0"/>
+              <a:t>のスケジュール</a:t>
+            </a:r>
+            <a:endParaRPr kumimoji="1" lang="ja-JP" altLang="en-US" dirty="0"/>
+          </a:p>
+        </p:txBody>
+      </p:sp>
+      <p:sp>
+        <p:nvSpPr>
+          <p:cNvPr id="4" name="スライド番号プレースホルダー 3"/>
+          <p:cNvSpPr>
+            <a:spLocks noGrp="1"/>
+          </p:cNvSpPr>
+          <p:nvPr>
+            <p:ph type="sldNum" sz="quarter" idx="12"/>
+          </p:nvPr>
+        </p:nvSpPr>
+        <p:spPr/>
+        <p:txBody>
+          <a:bodyPr/>
+          <a:lstStyle/>
+          <a:p>
+            <a:fld id="{B4451160-128F-4DAD-AE29-4A8CC0E7B9E9}" type="slidenum">
+              <a:rPr kumimoji="1" lang="ja-JP" altLang="en-US" smtClean="0"/>
+              <a:t>8</a:t>
+            </a:fld>
+            <a:endParaRPr kumimoji="1" lang="ja-JP" altLang="en-US"/>
+          </a:p>
+        </p:txBody>
+      </p:sp>
+      <p:pic>
+        <p:nvPicPr>
+          <p:cNvPr id="11" name="図 10"/>
+          <p:cNvPicPr>
+            <a:picLocks noChangeAspect="1"/>
+          </p:cNvPicPr>
+          <p:nvPr/>
+        </p:nvPicPr>
+        <p:blipFill>
+          <a:blip r:embed="rId2"/>
+          <a:stretch>
+            <a:fillRect/>
+          </a:stretch>
+        </p:blipFill>
+        <p:spPr>
+          <a:xfrm>
+            <a:off x="1024445" y="4318001"/>
+            <a:ext cx="6756422" cy="2333428"/>
+          </a:xfrm>
+          <a:prstGeom prst="rect">
+            <a:avLst/>
+          </a:prstGeom>
+        </p:spPr>
+      </p:pic>
+      <p:sp>
+        <p:nvSpPr>
+          <p:cNvPr id="5" name="テキスト ボックス 4"/>
+          <p:cNvSpPr txBox="1"/>
+          <p:nvPr/>
+        </p:nvSpPr>
+        <p:spPr>
+          <a:xfrm>
+            <a:off x="502458" y="3890618"/>
+            <a:ext cx="2969083" cy="461665"/>
+          </a:xfrm>
+          <a:prstGeom prst="rect">
+            <a:avLst/>
+          </a:prstGeom>
+          <a:noFill/>
+        </p:spPr>
+        <p:txBody>
+          <a:bodyPr wrap="none" rtlCol="0">
+            <a:spAutoFit/>
+          </a:bodyPr>
+          <a:lstStyle/>
+          <a:p>
+            <a:r>
+              <a:rPr lang="ja-JP" altLang="en-US" sz="2400" b="1" dirty="0" smtClean="0"/>
+              <a:t>・今後のスケジュール</a:t>
+            </a:r>
+            <a:endParaRPr lang="en-US" altLang="ja-JP" sz="2400" b="1" dirty="0" smtClean="0"/>
+          </a:p>
+        </p:txBody>
+      </p:sp>
+      <p:sp>
+        <p:nvSpPr>
+          <p:cNvPr id="6" name="テキスト ボックス 5"/>
+          <p:cNvSpPr txBox="1"/>
+          <p:nvPr/>
+        </p:nvSpPr>
+        <p:spPr>
+          <a:xfrm>
+            <a:off x="535517" y="1364780"/>
+            <a:ext cx="3328155" cy="461665"/>
+          </a:xfrm>
+          <a:prstGeom prst="rect">
+            <a:avLst/>
+          </a:prstGeom>
+          <a:noFill/>
+        </p:spPr>
+        <p:txBody>
+          <a:bodyPr wrap="none" rtlCol="0">
+            <a:spAutoFit/>
+          </a:bodyPr>
+          <a:lstStyle/>
+          <a:p>
+            <a:r>
+              <a:rPr lang="ja-JP" altLang="en-US" sz="2400" b="1" dirty="0" smtClean="0"/>
+              <a:t>・</a:t>
+            </a:r>
+            <a:r>
+              <a:rPr lang="ja-JP" altLang="en-US" sz="2400" b="1" dirty="0"/>
+              <a:t>システム</a:t>
+            </a:r>
+            <a:r>
+              <a:rPr lang="ja-JP" altLang="en-US" sz="2400" b="1" dirty="0" smtClean="0"/>
+              <a:t>別の開発環境</a:t>
+            </a:r>
+            <a:endParaRPr lang="en-US" altLang="ja-JP" sz="2400" b="1" dirty="0" smtClean="0"/>
+          </a:p>
+        </p:txBody>
+      </p:sp>
+      <p:sp>
+        <p:nvSpPr>
+          <p:cNvPr id="8" name="テキスト ボックス 7"/>
+          <p:cNvSpPr txBox="1"/>
+          <p:nvPr/>
+        </p:nvSpPr>
+        <p:spPr>
+          <a:xfrm>
+            <a:off x="668537" y="1810633"/>
+            <a:ext cx="3031600" cy="646331"/>
+          </a:xfrm>
+          <a:prstGeom prst="rect">
+            <a:avLst/>
+          </a:prstGeom>
+          <a:noFill/>
+        </p:spPr>
+        <p:txBody>
+          <a:bodyPr wrap="none" rtlCol="0">
+            <a:spAutoFit/>
+          </a:bodyPr>
+          <a:lstStyle/>
+          <a:p>
+            <a:pPr algn="ctr"/>
+            <a:r>
+              <a:rPr lang="en-US" altLang="ja-JP" b="1" u="sng" dirty="0" smtClean="0">
+                <a:solidFill>
+                  <a:prstClr val="black"/>
+                </a:solidFill>
+              </a:rPr>
+              <a:t>WEB</a:t>
+            </a:r>
+            <a:r>
+              <a:rPr lang="ja-JP" altLang="en-US" b="1" u="sng" dirty="0" smtClean="0">
+                <a:solidFill>
+                  <a:prstClr val="black"/>
+                </a:solidFill>
+              </a:rPr>
+              <a:t>サービス（検索システム）</a:t>
+            </a:r>
+            <a:endParaRPr lang="en-US" altLang="ja-JP" b="1" u="sng" dirty="0" smtClean="0">
+              <a:solidFill>
+                <a:prstClr val="black"/>
+              </a:solidFill>
+            </a:endParaRPr>
+          </a:p>
+          <a:p>
+            <a:pPr algn="ctr"/>
+            <a:r>
+              <a:rPr lang="en-US" altLang="ja-JP" dirty="0" err="1" smtClean="0">
+                <a:solidFill>
+                  <a:prstClr val="black"/>
+                </a:solidFill>
+              </a:rPr>
+              <a:t>PHP,HTML,Apache,SQLITE</a:t>
+            </a:r>
+            <a:endParaRPr kumimoji="1" lang="ja-JP" altLang="en-US" dirty="0"/>
+          </a:p>
+        </p:txBody>
+      </p:sp>
+      <p:sp>
+        <p:nvSpPr>
+          <p:cNvPr id="9" name="テキスト ボックス 8"/>
+          <p:cNvSpPr txBox="1"/>
+          <p:nvPr/>
+        </p:nvSpPr>
+        <p:spPr>
+          <a:xfrm>
+            <a:off x="4000709" y="1823713"/>
+            <a:ext cx="1624163" cy="646331"/>
+          </a:xfrm>
+          <a:prstGeom prst="rect">
+            <a:avLst/>
+          </a:prstGeom>
+          <a:noFill/>
+        </p:spPr>
+        <p:txBody>
+          <a:bodyPr wrap="none" rtlCol="0">
+            <a:spAutoFit/>
+          </a:bodyPr>
+          <a:lstStyle/>
+          <a:p>
+            <a:pPr algn="ctr"/>
+            <a:r>
+              <a:rPr lang="ja-JP" altLang="en-US" b="1" u="sng" dirty="0" smtClean="0">
+                <a:solidFill>
+                  <a:prstClr val="black"/>
+                </a:solidFill>
+              </a:rPr>
+              <a:t>ロードバランサ</a:t>
+            </a:r>
+            <a:endParaRPr lang="en-US" altLang="ja-JP" b="1" u="sng" dirty="0" smtClean="0">
+              <a:solidFill>
+                <a:prstClr val="black"/>
+              </a:solidFill>
+            </a:endParaRPr>
+          </a:p>
+          <a:p>
+            <a:pPr algn="ctr"/>
+            <a:r>
+              <a:rPr lang="en-US" altLang="ja-JP" dirty="0" err="1" smtClean="0">
+                <a:solidFill>
+                  <a:prstClr val="black"/>
+                </a:solidFill>
+              </a:rPr>
+              <a:t>NGINX,Python</a:t>
+            </a:r>
+            <a:endParaRPr lang="en-US" altLang="ja-JP" dirty="0" smtClean="0">
+              <a:solidFill>
+                <a:prstClr val="black"/>
+              </a:solidFill>
+            </a:endParaRPr>
+          </a:p>
+        </p:txBody>
+      </p:sp>
+      <p:sp>
+        <p:nvSpPr>
+          <p:cNvPr id="10" name="テキスト ボックス 9"/>
+          <p:cNvSpPr txBox="1"/>
+          <p:nvPr/>
+        </p:nvSpPr>
+        <p:spPr>
+          <a:xfrm>
+            <a:off x="5925444" y="1823713"/>
+            <a:ext cx="2428870" cy="646331"/>
+          </a:xfrm>
+          <a:prstGeom prst="rect">
+            <a:avLst/>
+          </a:prstGeom>
+          <a:noFill/>
+        </p:spPr>
+        <p:txBody>
+          <a:bodyPr wrap="none" rtlCol="0">
+            <a:spAutoFit/>
+          </a:bodyPr>
+          <a:lstStyle/>
+          <a:p>
+            <a:pPr algn="ctr"/>
+            <a:r>
+              <a:rPr lang="ja-JP" altLang="en-US" b="1" u="sng" dirty="0">
+                <a:solidFill>
+                  <a:prstClr val="black"/>
+                </a:solidFill>
+              </a:rPr>
+              <a:t>応答</a:t>
+            </a:r>
+            <a:r>
+              <a:rPr lang="ja-JP" altLang="en-US" b="1" u="sng" dirty="0" smtClean="0">
+                <a:solidFill>
+                  <a:prstClr val="black"/>
+                </a:solidFill>
+              </a:rPr>
+              <a:t>速度計測システム</a:t>
+            </a:r>
+            <a:endParaRPr lang="en-US" altLang="ja-JP" b="1" u="sng" dirty="0" smtClean="0">
+              <a:solidFill>
+                <a:prstClr val="black"/>
+              </a:solidFill>
+            </a:endParaRPr>
+          </a:p>
+          <a:p>
+            <a:pPr algn="ctr"/>
+            <a:r>
+              <a:rPr lang="en-US" altLang="ja-JP" dirty="0" err="1" smtClean="0">
+                <a:solidFill>
+                  <a:prstClr val="black"/>
+                </a:solidFill>
+              </a:rPr>
+              <a:t>Python,SQLITE</a:t>
+            </a:r>
+            <a:endParaRPr kumimoji="1" lang="ja-JP" altLang="en-US" dirty="0"/>
+          </a:p>
+        </p:txBody>
+      </p:sp>
+      <p:sp>
+        <p:nvSpPr>
+          <p:cNvPr id="12" name="テキスト ボックス 11"/>
+          <p:cNvSpPr txBox="1"/>
+          <p:nvPr/>
+        </p:nvSpPr>
+        <p:spPr>
+          <a:xfrm>
+            <a:off x="502458" y="2665978"/>
+            <a:ext cx="2379177" cy="461665"/>
+          </a:xfrm>
+          <a:prstGeom prst="rect">
+            <a:avLst/>
+          </a:prstGeom>
+          <a:noFill/>
+        </p:spPr>
+        <p:txBody>
+          <a:bodyPr wrap="none" rtlCol="0">
+            <a:spAutoFit/>
+          </a:bodyPr>
+          <a:lstStyle/>
+          <a:p>
+            <a:r>
+              <a:rPr lang="ja-JP" altLang="en-US" sz="2400" b="1" dirty="0" smtClean="0"/>
+              <a:t>・</a:t>
+            </a:r>
+            <a:r>
+              <a:rPr lang="ja-JP" altLang="en-US" sz="2400" b="1" dirty="0"/>
+              <a:t>これまで</a:t>
+            </a:r>
+            <a:r>
+              <a:rPr lang="ja-JP" altLang="en-US" sz="2400" b="1" dirty="0" smtClean="0"/>
+              <a:t>の進捗</a:t>
+            </a:r>
+            <a:endParaRPr lang="en-US" altLang="ja-JP" sz="2400" b="1" dirty="0" smtClean="0"/>
+          </a:p>
+        </p:txBody>
+      </p:sp>
+      <p:sp>
+        <p:nvSpPr>
+          <p:cNvPr id="3" name="テキスト ボックス 2"/>
+          <p:cNvSpPr txBox="1"/>
+          <p:nvPr/>
+        </p:nvSpPr>
+        <p:spPr>
+          <a:xfrm>
+            <a:off x="679472" y="3104023"/>
+            <a:ext cx="7956527" cy="646331"/>
+          </a:xfrm>
+          <a:prstGeom prst="rect">
+            <a:avLst/>
+          </a:prstGeom>
+          <a:noFill/>
+        </p:spPr>
+        <p:txBody>
+          <a:bodyPr wrap="square" rtlCol="0">
+            <a:spAutoFit/>
+          </a:bodyPr>
+          <a:lstStyle/>
+          <a:p>
+            <a:r>
+              <a:rPr kumimoji="1" lang="en-US" altLang="ja-JP" dirty="0" err="1" smtClean="0"/>
+              <a:t>Raspberry</a:t>
+            </a:r>
+            <a:r>
+              <a:rPr lang="en-US" altLang="ja-JP" dirty="0" err="1" smtClean="0"/>
+              <a:t>Pi</a:t>
+            </a:r>
+            <a:r>
+              <a:rPr lang="ja-JP" altLang="en-US" dirty="0" smtClean="0"/>
+              <a:t>上での</a:t>
+            </a:r>
+            <a:r>
+              <a:rPr lang="en-US" altLang="ja-JP" dirty="0" smtClean="0"/>
+              <a:t>WEB</a:t>
+            </a:r>
+            <a:r>
+              <a:rPr lang="ja-JP" altLang="en-US" dirty="0" smtClean="0"/>
+              <a:t>サーバ冗長化，応答速度計測プログラムの作成</a:t>
+            </a:r>
+            <a:r>
+              <a:rPr lang="en-US" altLang="ja-JP" dirty="0" smtClean="0"/>
+              <a:t/>
+            </a:r>
+            <a:br>
+              <a:rPr lang="en-US" altLang="ja-JP" dirty="0" smtClean="0"/>
+            </a:br>
+            <a:r>
+              <a:rPr lang="en-US" altLang="ja-JP" dirty="0" smtClean="0"/>
+              <a:t>Nginx</a:t>
+            </a:r>
+            <a:r>
+              <a:rPr lang="ja-JP" altLang="en-US" dirty="0" smtClean="0"/>
+              <a:t>を使いロードバランサに重みを加えることで設定を任意で変更可能</a:t>
+            </a:r>
+            <a:r>
+              <a:rPr lang="ja-JP" altLang="en-US" smtClean="0"/>
+              <a:t>にした</a:t>
+            </a:r>
+            <a:r>
+              <a:rPr lang="ja-JP" altLang="en-US" dirty="0"/>
+              <a:t>．</a:t>
+            </a:r>
+            <a:endParaRPr lang="en-US" altLang="ja-JP" smtClean="0"/>
+          </a:p>
+        </p:txBody>
+      </p:sp>
+    </p:spTree>
+    <p:extLst>
+      <p:ext uri="{BB962C8B-B14F-4D97-AF65-F5344CB8AC3E}">
+        <p14:creationId xmlns:p14="http://schemas.microsoft.com/office/powerpoint/2010/main" val="793795738"/>
+      </p:ext>
+    </p:extLst>
+  </p:cSld>
+  <p:clrMapOvr>
+    <a:masterClrMapping/>
+  </p:clrMapOvr>
+</p:sld>
+</file>
+
+<file path=ppt/slides/slide9.xml><?xml version="1.0" encoding="utf-8"?>
+<p:sld xmlns:a="http://schemas.openxmlformats.org/drawingml/2006/main" xmlns:r="http://schemas.openxmlformats.org/officeDocument/2006/relationships" xmlns:p="http://schemas.openxmlformats.org/presentationml/2006/main">
+  <p:cSld>
+    <p:spTree>
+      <p:nvGrpSpPr>
+        <p:cNvPr id="1" name=""/>
+        <p:cNvGrpSpPr/>
+        <p:nvPr/>
+      </p:nvGrpSpPr>
+      <p:grpSpPr>
+        <a:xfrm>
+          <a:off x="0" y="0"/>
+          <a:ext cx="0" cy="0"/>
+          <a:chOff x="0" y="0"/>
+          <a:chExt cx="0" cy="0"/>
+        </a:xfrm>
+      </p:grpSpPr>
+      <p:sp>
+        <p:nvSpPr>
+          <p:cNvPr id="2" name="タイトル 1"/>
+          <p:cNvSpPr>
+            <a:spLocks noGrp="1"/>
+          </p:cNvSpPr>
+          <p:nvPr>
+            <p:ph type="title"/>
+          </p:nvPr>
+        </p:nvSpPr>
+        <p:spPr>
+          <a:xfrm>
             <a:off x="474132" y="76200"/>
             <a:ext cx="7886700" cy="1325563"/>
           </a:xfrm>
@@ -6002,7 +6465,19 @@
             </a:pPr>
             <a:r>
               <a:rPr lang="ja-JP" altLang="en-US" dirty="0"/>
-              <a:t>ラズパイ３台すべての平均と</a:t>
+              <a:t>負荷</a:t>
+            </a:r>
+            <a:r>
+              <a:rPr lang="ja-JP" altLang="en-US" dirty="0" smtClean="0"/>
+              <a:t>分散する全てのサーバの</a:t>
+            </a:r>
+            <a:r>
+              <a:rPr lang="ja-JP" altLang="en-US" dirty="0" smtClean="0"/>
+              <a:t>平均</a:t>
+            </a:r>
+            <a:r>
+              <a:rPr lang="ja-JP" altLang="en-US" dirty="0"/>
+              <a:t>と</a:t>
             </a:r>
             <a:r>
               <a:rPr lang="en-US" altLang="ja-JP" dirty="0"/>
@@ -6014,17 +6489,11 @@
             </a:r>
             <a:r>
               <a:rPr lang="ja-JP" altLang="en-US" dirty="0" smtClean="0"/>
-              <a:t>比べて低ければ，</a:t>
-            </a:r>
-            <a:endParaRPr lang="en-US" altLang="ja-JP" dirty="0" smtClean="0"/>
-          </a:p>
-          <a:p>
-            <a:pPr marL="0" indent="0">
-              <a:buNone/>
-            </a:pPr>
+              <a:t>比べて低ければ</a:t>
+            </a:r>
             <a:r>
               <a:rPr lang="ja-JP" altLang="en-US" dirty="0" smtClean="0"/>
-              <a:t>優先度</a:t>
+              <a:t>，優先度</a:t>
             </a:r>
             <a:r>
               <a:rPr lang="ja-JP" altLang="en-US" dirty="0"/>
@@ -6127,7 +6596,7 @@
           <a:p>
             <a:fld id="{B4451160-128F-4DAD-AE29-4A8CC0E7B9E9}" type="slidenum">
               <a:rPr kumimoji="1" lang="ja-JP" altLang="en-US" smtClean="0"/>
-              <a:t>8</a:t>
+              <a:t>9</a:t>
             </a:fld>
             <a:endParaRPr kumimoji="1" lang="ja-JP" altLang="en-US"/>
           </a:p>
@@ -6374,475 +6843,6 @@
     <p:extLst>
       <p:ext uri="{BB962C8B-B14F-4D97-AF65-F5344CB8AC3E}">
         <p14:creationId xmlns:p14="http://schemas.microsoft.com/office/powerpoint/2010/main" val="4245721390"/>
-      </p:ext>
-    </p:extLst>
-  </p:cSld>
-  <p:clrMapOvr>
-    <a:masterClrMapping/>
-  </p:clrMapOvr>
-</p:sld>
-</file>
-
-<file path=ppt/slides/slide9.xml><?xml version="1.0" encoding="utf-8"?>
-<p:sld xmlns:a="http://schemas.openxmlformats.org/drawingml/2006/main" xmlns:r="http://schemas.openxmlformats.org/officeDocument/2006/relationships" xmlns:p="http://schemas.openxmlformats.org/presentationml/2006/main">
-  <p:cSld>
-    <p:spTree>
-      <p:nvGrpSpPr>
-        <p:cNvPr id="1" name=""/>
-        <p:cNvGrpSpPr/>
-        <p:nvPr/>
-      </p:nvGrpSpPr>
-      <p:grpSpPr>
-        <a:xfrm>
-          <a:off x="0" y="0"/>
-          <a:ext cx="0" cy="0"/>
-          <a:chOff x="0" y="0"/>
-          <a:chExt cx="0" cy="0"/>
-        </a:xfrm>
-      </p:grpSpPr>
-      <p:sp>
-        <p:nvSpPr>
-          <p:cNvPr id="2" name="タイトル 1"/>
-          <p:cNvSpPr>
-            <a:spLocks noGrp="1"/>
-          </p:cNvSpPr>
-          <p:nvPr>
-            <p:ph type="title"/>
-          </p:nvPr>
-        </p:nvSpPr>
-        <p:spPr>
-          <a:xfrm>
-            <a:off x="535517" y="219858"/>
-            <a:ext cx="7886700" cy="1325563"/>
-          </a:xfrm>
-        </p:spPr>
-        <p:txBody>
-          <a:bodyPr/>
-          <a:lstStyle/>
-          <a:p>
-            <a:r>
-              <a:rPr lang="ja-JP" altLang="en-US" sz="3600" dirty="0"/>
-              <a:t>開発</a:t>
-            </a:r>
-            <a:r>
-              <a:rPr lang="ja-JP" altLang="en-US" sz="3600" dirty="0" smtClean="0"/>
-              <a:t>環境</a:t>
-            </a:r>
-            <a:r>
-              <a:rPr lang="ja-JP" altLang="en-US" sz="3600" dirty="0"/>
-              <a:t>、</a:t>
-            </a:r>
-            <a:r>
-              <a:rPr lang="ja-JP" altLang="en-US" sz="3600" dirty="0" smtClean="0"/>
-              <a:t>進捗、今後</a:t>
-            </a:r>
-            <a:r>
-              <a:rPr kumimoji="1" lang="ja-JP" altLang="en-US" sz="3600" dirty="0"/>
-              <a:t>のスケジュール</a:t>
-            </a:r>
-            <a:endParaRPr kumimoji="1" lang="ja-JP" altLang="en-US" dirty="0"/>
-          </a:p>
-        </p:txBody>
-      </p:sp>
-      <p:sp>
-        <p:nvSpPr>
-          <p:cNvPr id="4" name="スライド番号プレースホルダー 3"/>
-          <p:cNvSpPr>
-            <a:spLocks noGrp="1"/>
-          </p:cNvSpPr>
-          <p:nvPr>
-            <p:ph type="sldNum" sz="quarter" idx="12"/>
-          </p:nvPr>
-        </p:nvSpPr>
-        <p:spPr/>
-        <p:txBody>
-          <a:bodyPr/>
-          <a:lstStyle/>
-          <a:p>
-            <a:fld id="{B4451160-128F-4DAD-AE29-4A8CC0E7B9E9}" type="slidenum">
-              <a:rPr kumimoji="1" lang="ja-JP" altLang="en-US" smtClean="0"/>
-              <a:t>9</a:t>
-            </a:fld>
-            <a:endParaRPr kumimoji="1" lang="ja-JP" altLang="en-US"/>
-          </a:p>
-        </p:txBody>
-      </p:sp>
-      <p:pic>
-        <p:nvPicPr>
-          <p:cNvPr id="11" name="図 10"/>
-          <p:cNvPicPr>
-            <a:picLocks noChangeAspect="1"/>
-          </p:cNvPicPr>
-          <p:nvPr/>
-        </p:nvPicPr>
-        <p:blipFill>
-          <a:blip r:embed="rId2"/>
-          <a:stretch>
-            <a:fillRect/>
-          </a:stretch>
-        </p:blipFill>
-        <p:spPr>
-          <a:xfrm>
-            <a:off x="1024445" y="4318001"/>
-            <a:ext cx="6756422" cy="2333428"/>
-          </a:xfrm>
-          <a:prstGeom prst="rect">
-            <a:avLst/>
-          </a:prstGeom>
-        </p:spPr>
-      </p:pic>
-      <p:sp>
-        <p:nvSpPr>
-          <p:cNvPr id="5" name="テキスト ボックス 4"/>
-          <p:cNvSpPr txBox="1"/>
-          <p:nvPr/>
-        </p:nvSpPr>
-        <p:spPr>
-          <a:xfrm>
-            <a:off x="502458" y="3890618"/>
-            <a:ext cx="2969083" cy="461665"/>
-          </a:xfrm>
-          <a:prstGeom prst="rect">
-            <a:avLst/>
-          </a:prstGeom>
-          <a:noFill/>
-        </p:spPr>
-        <p:txBody>
-          <a:bodyPr wrap="none" rtlCol="0">
-            <a:spAutoFit/>
-          </a:bodyPr>
-          <a:lstStyle/>
-          <a:p>
-            <a:r>
-              <a:rPr lang="ja-JP" altLang="en-US" sz="2400" b="1" dirty="0" smtClean="0"/>
-              <a:t>・今後のスケジュール</a:t>
-            </a:r>
-            <a:endParaRPr lang="en-US" altLang="ja-JP" sz="2400" b="1" dirty="0" smtClean="0"/>
-          </a:p>
-        </p:txBody>
-      </p:sp>
-      <p:sp>
-        <p:nvSpPr>
-          <p:cNvPr id="6" name="テキスト ボックス 5"/>
-          <p:cNvSpPr txBox="1"/>
-          <p:nvPr/>
-        </p:nvSpPr>
-        <p:spPr>
-          <a:xfrm>
-            <a:off x="535517" y="1364780"/>
-            <a:ext cx="3328155" cy="461665"/>
-          </a:xfrm>
-          <a:prstGeom prst="rect">
-            <a:avLst/>
-          </a:prstGeom>
-          <a:noFill/>
-        </p:spPr>
-        <p:txBody>
-          <a:bodyPr wrap="none" rtlCol="0">
-            <a:spAutoFit/>
-          </a:bodyPr>
-          <a:lstStyle/>
-          <a:p>
-            <a:r>
-              <a:rPr lang="ja-JP" altLang="en-US" sz="2400" b="1" dirty="0" smtClean="0"/>
-              <a:t>・</a:t>
-            </a:r>
-            <a:r>
-              <a:rPr lang="ja-JP" altLang="en-US" sz="2400" b="1" dirty="0"/>
-              <a:t>システム</a:t>
-            </a:r>
-            <a:r>
-              <a:rPr lang="ja-JP" altLang="en-US" sz="2400" b="1" dirty="0" smtClean="0"/>
-              <a:t>別の開発環境</a:t>
-            </a:r>
-            <a:endParaRPr lang="en-US" altLang="ja-JP" sz="2400" b="1" dirty="0" smtClean="0"/>
-          </a:p>
-        </p:txBody>
-      </p:sp>
-      <p:sp>
-        <p:nvSpPr>
-          <p:cNvPr id="8" name="テキスト ボックス 7"/>
-          <p:cNvSpPr txBox="1"/>
-          <p:nvPr/>
-        </p:nvSpPr>
-        <p:spPr>
-          <a:xfrm>
-            <a:off x="668537" y="1810633"/>
-            <a:ext cx="3031600" cy="646331"/>
-          </a:xfrm>
-          <a:prstGeom prst="rect">
-            <a:avLst/>
-          </a:prstGeom>
-          <a:noFill/>
-        </p:spPr>
-        <p:txBody>
-          <a:bodyPr wrap="none" rtlCol="0">
-            <a:spAutoFit/>
-          </a:bodyPr>
-          <a:lstStyle/>
-          <a:p>
-            <a:pPr algn="ctr"/>
-            <a:r>
-              <a:rPr lang="en-US" altLang="ja-JP" b="1" u="sng" dirty="0" smtClean="0">
-                <a:solidFill>
-                  <a:prstClr val="black"/>
-                </a:solidFill>
-              </a:rPr>
-              <a:t>WEB</a:t>
-            </a:r>
-            <a:r>
-              <a:rPr lang="ja-JP" altLang="en-US" b="1" u="sng" dirty="0" smtClean="0">
-                <a:solidFill>
-                  <a:prstClr val="black"/>
-                </a:solidFill>
-              </a:rPr>
-              <a:t>サービス（検索システム）</a:t>
-            </a:r>
-            <a:endParaRPr lang="en-US" altLang="ja-JP" b="1" u="sng" dirty="0" smtClean="0">
-              <a:solidFill>
-                <a:prstClr val="black"/>
-              </a:solidFill>
-            </a:endParaRPr>
-          </a:p>
-          <a:p>
-            <a:pPr algn="ctr"/>
-            <a:r>
-              <a:rPr lang="en-US" altLang="ja-JP" dirty="0" err="1" smtClean="0">
-                <a:solidFill>
-                  <a:prstClr val="black"/>
-                </a:solidFill>
-              </a:rPr>
-              <a:t>PHP,HTML,Apache,SQLITE</a:t>
-            </a:r>
-            <a:endParaRPr kumimoji="1" lang="ja-JP" altLang="en-US" dirty="0"/>
-          </a:p>
-        </p:txBody>
-      </p:sp>
-      <p:sp>
-        <p:nvSpPr>
-          <p:cNvPr id="9" name="テキスト ボックス 8"/>
-          <p:cNvSpPr txBox="1"/>
-          <p:nvPr/>
-        </p:nvSpPr>
-        <p:spPr>
-          <a:xfrm>
-            <a:off x="4000709" y="1823713"/>
-            <a:ext cx="1624163" cy="646331"/>
-          </a:xfrm>
-          <a:prstGeom prst="rect">
-            <a:avLst/>
-          </a:prstGeom>
-          <a:noFill/>
-        </p:spPr>
-        <p:txBody>
-          <a:bodyPr wrap="none" rtlCol="0">
-            <a:spAutoFit/>
-          </a:bodyPr>
-          <a:lstStyle/>
-          <a:p>
-            <a:pPr algn="ctr"/>
-            <a:r>
-              <a:rPr lang="ja-JP" altLang="en-US" b="1" u="sng" dirty="0" smtClean="0">
-                <a:solidFill>
-                  <a:prstClr val="black"/>
-                </a:solidFill>
-              </a:rPr>
-              <a:t>ロードバランサ</a:t>
-            </a:r>
-            <a:endParaRPr lang="en-US" altLang="ja-JP" b="1" u="sng" dirty="0" smtClean="0">
-              <a:solidFill>
-                <a:prstClr val="black"/>
-              </a:solidFill>
-            </a:endParaRPr>
-          </a:p>
-          <a:p>
-            <a:pPr algn="ctr"/>
-            <a:r>
-              <a:rPr lang="en-US" altLang="ja-JP" dirty="0" err="1" smtClean="0">
-                <a:solidFill>
-                  <a:prstClr val="black"/>
-                </a:solidFill>
-              </a:rPr>
-              <a:t>NGINX,Python</a:t>
-            </a:r>
-            <a:endParaRPr lang="en-US" altLang="ja-JP" dirty="0" smtClean="0">
-              <a:solidFill>
-                <a:prstClr val="black"/>
-              </a:solidFill>
-            </a:endParaRPr>
-          </a:p>
-        </p:txBody>
-      </p:sp>
-      <p:sp>
-        <p:nvSpPr>
-          <p:cNvPr id="10" name="テキスト ボックス 9"/>
-          <p:cNvSpPr txBox="1"/>
-          <p:nvPr/>
-        </p:nvSpPr>
-        <p:spPr>
-          <a:xfrm>
-            <a:off x="5925444" y="1823713"/>
-            <a:ext cx="2428870" cy="646331"/>
-          </a:xfrm>
-          <a:prstGeom prst="rect">
-            <a:avLst/>
-          </a:prstGeom>
-          <a:noFill/>
-        </p:spPr>
-        <p:txBody>
-          <a:bodyPr wrap="none" rtlCol="0">
-            <a:spAutoFit/>
-          </a:bodyPr>
-          <a:lstStyle/>
-          <a:p>
-            <a:pPr algn="ctr"/>
-            <a:r>
-              <a:rPr lang="ja-JP" altLang="en-US" b="1" u="sng" dirty="0">
-                <a:solidFill>
-                  <a:prstClr val="black"/>
-                </a:solidFill>
-              </a:rPr>
-              <a:t>応答</a:t>
-            </a:r>
-            <a:r>
-              <a:rPr lang="ja-JP" altLang="en-US" b="1" u="sng" dirty="0" smtClean="0">
-                <a:solidFill>
-                  <a:prstClr val="black"/>
-                </a:solidFill>
-              </a:rPr>
-              <a:t>速度計測システム</a:t>
-            </a:r>
-            <a:endParaRPr lang="en-US" altLang="ja-JP" b="1" u="sng" dirty="0" smtClean="0">
-              <a:solidFill>
-                <a:prstClr val="black"/>
-              </a:solidFill>
-            </a:endParaRPr>
-          </a:p>
-          <a:p>
-            <a:pPr algn="ctr"/>
-            <a:r>
-              <a:rPr lang="en-US" altLang="ja-JP" dirty="0" err="1" smtClean="0">
-                <a:solidFill>
-                  <a:prstClr val="black"/>
-                </a:solidFill>
-              </a:rPr>
-              <a:t>Python,SQLITE</a:t>
-            </a:r>
-            <a:endParaRPr kumimoji="1" lang="ja-JP" altLang="en-US" dirty="0"/>
-          </a:p>
-        </p:txBody>
-      </p:sp>
-      <p:sp>
-        <p:nvSpPr>
-          <p:cNvPr id="12" name="テキスト ボックス 11"/>
-          <p:cNvSpPr txBox="1"/>
-          <p:nvPr/>
-        </p:nvSpPr>
-        <p:spPr>
-          <a:xfrm>
-            <a:off x="502458" y="2665978"/>
-            <a:ext cx="2379177" cy="461665"/>
-          </a:xfrm>
-          <a:prstGeom prst="rect">
-            <a:avLst/>
-          </a:prstGeom>
-          <a:noFill/>
-        </p:spPr>
-        <p:txBody>
-          <a:bodyPr wrap="none" rtlCol="0">
-            <a:spAutoFit/>
-          </a:bodyPr>
-          <a:lstStyle/>
-          <a:p>
-            <a:r>
-              <a:rPr lang="ja-JP" altLang="en-US" sz="2400" b="1" dirty="0" smtClean="0"/>
-              <a:t>・</a:t>
-            </a:r>
-            <a:r>
-              <a:rPr lang="ja-JP" altLang="en-US" sz="2400" b="1" dirty="0"/>
-              <a:t>これまで</a:t>
-            </a:r>
-            <a:r>
-              <a:rPr lang="ja-JP" altLang="en-US" sz="2400" b="1" dirty="0" smtClean="0"/>
-              <a:t>の進捗</a:t>
-            </a:r>
-            <a:endParaRPr lang="en-US" altLang="ja-JP" sz="2400" b="1" dirty="0" smtClean="0"/>
-          </a:p>
-        </p:txBody>
-      </p:sp>
-      <p:sp>
-        <p:nvSpPr>
-          <p:cNvPr id="3" name="テキスト ボックス 2"/>
-          <p:cNvSpPr txBox="1"/>
-          <p:nvPr/>
-        </p:nvSpPr>
-        <p:spPr>
-          <a:xfrm>
-            <a:off x="679472" y="3104023"/>
-            <a:ext cx="7956527" cy="646331"/>
-          </a:xfrm>
-          <a:prstGeom prst="rect">
-            <a:avLst/>
-          </a:prstGeom>
-          <a:noFill/>
-        </p:spPr>
-        <p:txBody>
-          <a:bodyPr wrap="square" rtlCol="0">
-            <a:spAutoFit/>
-          </a:bodyPr>
-          <a:lstStyle/>
-          <a:p>
-            <a:r>
-              <a:rPr kumimoji="1" lang="en-US" altLang="ja-JP" dirty="0" err="1" smtClean="0"/>
-              <a:t>Raspberry</a:t>
-            </a:r>
-            <a:r>
-              <a:rPr lang="en-US" altLang="ja-JP" dirty="0" err="1" smtClean="0"/>
-              <a:t>Pi</a:t>
-            </a:r>
-            <a:r>
-              <a:rPr lang="ja-JP" altLang="en-US" dirty="0" smtClean="0"/>
-              <a:t>上での</a:t>
-            </a:r>
-            <a:r>
-              <a:rPr lang="en-US" altLang="ja-JP" dirty="0" smtClean="0"/>
-              <a:t>WEB</a:t>
-            </a:r>
-            <a:r>
-              <a:rPr lang="ja-JP" altLang="en-US" dirty="0" smtClean="0"/>
-              <a:t>サーバ冗長化，応答速度計測プログラムの作成</a:t>
-            </a:r>
-            <a:r>
-              <a:rPr lang="en-US" altLang="ja-JP" dirty="0" smtClean="0"/>
-              <a:t/>
-            </a:r>
-            <a:br>
-              <a:rPr lang="en-US" altLang="ja-JP" dirty="0" smtClean="0"/>
-            </a:br>
-            <a:r>
-              <a:rPr lang="en-US" altLang="ja-JP" dirty="0" smtClean="0"/>
-              <a:t>Nginx</a:t>
-            </a:r>
-            <a:r>
-              <a:rPr lang="ja-JP" altLang="en-US" dirty="0" smtClean="0"/>
-              <a:t>を使いロードバランサに重みを加えることで設定を任意で変更可能</a:t>
-            </a:r>
-            <a:r>
-              <a:rPr lang="ja-JP" altLang="en-US" smtClean="0"/>
-              <a:t>にした</a:t>
-            </a:r>
-            <a:r>
-              <a:rPr lang="ja-JP" altLang="en-US" dirty="0"/>
-              <a:t>．</a:t>
-            </a:r>
-            <a:endParaRPr lang="en-US" altLang="ja-JP" smtClean="0"/>
-          </a:p>
-        </p:txBody>
-      </p:sp>
-    </p:spTree>
-    <p:extLst>
-      <p:ext uri="{BB962C8B-B14F-4D97-AF65-F5344CB8AC3E}">
-        <p14:creationId xmlns:p14="http://schemas.microsoft.com/office/powerpoint/2010/main" val="793795738"/>
       </p:ext>
     </p:extLst>
   </p:cSld>

--- a/発表用/1821086_中間発表.pptx
+++ b/発表用/1821086_中間発表.pptx
@@ -6469,11 +6469,7 @@
             </a:r>
             <a:r>
               <a:rPr lang="ja-JP" altLang="en-US" dirty="0" smtClean="0"/>
-              <a:t>分散する全てのサーバの</a:t>
-            </a:r>
-            <a:r>
-              <a:rPr lang="ja-JP" altLang="en-US" dirty="0" smtClean="0"/>
-              <a:t>平均</a:t>
+              <a:t>分散する全てのサーバの平均</a:t>
             </a:r>
             <a:r>
               <a:rPr lang="ja-JP" altLang="en-US" dirty="0"/>
@@ -6489,11 +6485,7 @@
             </a:r>
             <a:r>
               <a:rPr lang="ja-JP" altLang="en-US" dirty="0" smtClean="0"/>
-              <a:t>比べて低ければ</a:t>
-            </a:r>
-            <a:r>
-              <a:rPr lang="ja-JP" altLang="en-US" dirty="0" smtClean="0"/>
-              <a:t>，優先度</a:t>
+              <a:t>比べて低ければ，優先度</a:t>
             </a:r>
             <a:r>
               <a:rPr lang="ja-JP" altLang="en-US" dirty="0"/>

--- a/発表用/1821086_中間発表.pptx
+++ b/発表用/1821086_中間発表.pptx
@@ -234,7 +234,7 @@
           <a:p>
             <a:fld id="{27571B5F-C8EC-4379-AD76-80FD414F3861}" type="datetimeFigureOut">
               <a:rPr kumimoji="1" lang="ja-JP" altLang="en-US" smtClean="0"/>
-              <a:t>2021/7/27</a:t>
+              <a:t>2021/10/13</a:t>
             </a:fld>
             <a:endParaRPr kumimoji="1" lang="ja-JP" altLang="en-US"/>
           </a:p>
@@ -1007,7 +1007,7 @@
           <a:p>
             <a:fld id="{ED609840-96BF-4512-A2C1-C87E0BBF3D2F}" type="datetime1">
               <a:rPr kumimoji="1" lang="ja-JP" altLang="en-US" smtClean="0"/>
-              <a:t>2021/7/27</a:t>
+              <a:t>2021/10/13</a:t>
             </a:fld>
             <a:endParaRPr kumimoji="1" lang="ja-JP" altLang="en-US"/>
           </a:p>
@@ -1210,7 +1210,7 @@
           <a:p>
             <a:fld id="{F97B6116-28DE-44C1-8891-65688903BD50}" type="datetime1">
               <a:rPr kumimoji="1" lang="ja-JP" altLang="en-US" smtClean="0"/>
-              <a:t>2021/7/27</a:t>
+              <a:t>2021/10/13</a:t>
             </a:fld>
             <a:endParaRPr kumimoji="1" lang="ja-JP" altLang="en-US"/>
           </a:p>
@@ -1423,7 +1423,7 @@
           <a:p>
             <a:fld id="{EDE04BF4-1FC0-40EE-A15F-5986BB2387E9}" type="datetime1">
               <a:rPr kumimoji="1" lang="ja-JP" altLang="en-US" smtClean="0"/>
-              <a:t>2021/7/27</a:t>
+              <a:t>2021/10/13</a:t>
             </a:fld>
             <a:endParaRPr kumimoji="1" lang="ja-JP" altLang="en-US"/>
           </a:p>
@@ -1626,7 +1626,7 @@
           <a:p>
             <a:fld id="{AFE4124D-C094-469A-99BC-7EA66CDB293F}" type="datetime1">
               <a:rPr kumimoji="1" lang="ja-JP" altLang="en-US" smtClean="0"/>
-              <a:t>2021/7/27</a:t>
+              <a:t>2021/10/13</a:t>
             </a:fld>
             <a:endParaRPr kumimoji="1" lang="ja-JP" altLang="en-US"/>
           </a:p>
@@ -1875,7 +1875,7 @@
           <a:p>
             <a:fld id="{F808FAA8-DC38-46BC-9A48-0414366DDF43}" type="datetime1">
               <a:rPr kumimoji="1" lang="ja-JP" altLang="en-US" smtClean="0"/>
-              <a:t>2021/7/27</a:t>
+              <a:t>2021/10/13</a:t>
             </a:fld>
             <a:endParaRPr kumimoji="1" lang="ja-JP" altLang="en-US"/>
           </a:p>
@@ -2172,7 +2172,7 @@
           <a:p>
             <a:fld id="{43B61DD3-8484-4FD8-9D55-71FA047E405C}" type="datetime1">
               <a:rPr kumimoji="1" lang="ja-JP" altLang="en-US" smtClean="0"/>
-              <a:t>2021/7/27</a:t>
+              <a:t>2021/10/13</a:t>
             </a:fld>
             <a:endParaRPr kumimoji="1" lang="ja-JP" altLang="en-US"/>
           </a:p>
@@ -2604,7 +2604,7 @@
           <a:p>
             <a:fld id="{61FE3252-B303-4BFD-B995-E88780D087A2}" type="datetime1">
               <a:rPr kumimoji="1" lang="ja-JP" altLang="en-US" smtClean="0"/>
-              <a:t>2021/7/27</a:t>
+              <a:t>2021/10/13</a:t>
             </a:fld>
             <a:endParaRPr kumimoji="1" lang="ja-JP" altLang="en-US"/>
           </a:p>
@@ -2723,7 +2723,7 @@
           <a:p>
             <a:fld id="{83973884-A525-473B-9B85-E710649C3EE9}" type="datetime1">
               <a:rPr kumimoji="1" lang="ja-JP" altLang="en-US" smtClean="0"/>
-              <a:t>2021/7/27</a:t>
+              <a:t>2021/10/13</a:t>
             </a:fld>
             <a:endParaRPr kumimoji="1" lang="ja-JP" altLang="en-US"/>
           </a:p>
@@ -2819,7 +2819,7 @@
           <a:p>
             <a:fld id="{630B9591-4670-4AF8-B7B7-F5F2443A761A}" type="datetime1">
               <a:rPr kumimoji="1" lang="ja-JP" altLang="en-US" smtClean="0"/>
-              <a:t>2021/7/27</a:t>
+              <a:t>2021/10/13</a:t>
             </a:fld>
             <a:endParaRPr kumimoji="1" lang="ja-JP" altLang="en-US"/>
           </a:p>
@@ -3129,7 +3129,7 @@
           <a:p>
             <a:fld id="{434F6BA0-5DA2-4153-9B76-E2457FA21F47}" type="datetime1">
               <a:rPr kumimoji="1" lang="ja-JP" altLang="en-US" smtClean="0"/>
-              <a:t>2021/7/27</a:t>
+              <a:t>2021/10/13</a:t>
             </a:fld>
             <a:endParaRPr kumimoji="1" lang="ja-JP" altLang="en-US"/>
           </a:p>
@@ -3387,7 +3387,7 @@
           <a:p>
             <a:fld id="{590B58CC-0A81-4826-A84E-1F1030B25368}" type="datetime1">
               <a:rPr kumimoji="1" lang="ja-JP" altLang="en-US" smtClean="0"/>
-              <a:t>2021/7/27</a:t>
+              <a:t>2021/10/13</a:t>
             </a:fld>
             <a:endParaRPr kumimoji="1" lang="ja-JP" altLang="en-US"/>
           </a:p>
@@ -3633,7 +3633,7 @@
           <a:p>
             <a:fld id="{77253A0B-EAD4-46D7-BD2F-C5BFFB89C890}" type="datetime1">
               <a:rPr kumimoji="1" lang="ja-JP" altLang="en-US" smtClean="0"/>
-              <a:t>2021/7/27</a:t>
+              <a:t>2021/10/13</a:t>
             </a:fld>
             <a:endParaRPr kumimoji="1" lang="ja-JP" altLang="en-US"/>
           </a:p>
@@ -4678,7 +4678,11 @@
             </a:r>
             <a:r>
               <a:rPr lang="ja-JP" altLang="en-US" dirty="0" smtClean="0"/>
-              <a:t>ではなく，</a:t>
+              <a:t>ではなく</a:t>
+            </a:r>
+            <a:r>
+              <a:rPr lang="ja-JP" altLang="en-US" dirty="0" smtClean="0"/>
+              <a:t>，</a:t>
             </a:r>
             <a:r>
               <a:rPr lang="ja-JP" altLang="en-US" dirty="0" smtClean="0">
@@ -4814,7 +4818,11 @@
             </a:r>
             <a:r>
               <a:rPr lang="ja-JP" altLang="en-US" dirty="0"/>
-              <a:t>．しかし，この</a:t>
+              <a:t>．しかし</a:t>
+            </a:r>
+            <a:r>
+              <a:rPr lang="ja-JP" altLang="en-US" dirty="0" smtClean="0"/>
+              <a:t>，この</a:t>
             </a:r>
             <a:r>
               <a:rPr lang="ja-JP" altLang="en-US" dirty="0" smtClean="0"/>
@@ -4838,8 +4846,17 @@
             </a:r>
             <a:r>
               <a:rPr lang="ja-JP" altLang="en-US" dirty="0"/>
-              <a:t>が落ちてしまう．</a:t>
-            </a:r>
+              <a:t>が</a:t>
+            </a:r>
+            <a:r>
+              <a:rPr lang="ja-JP" altLang="en-US"/>
+              <a:t>落ちて</a:t>
+            </a:r>
+            <a:r>
+              <a:rPr lang="ja-JP" altLang="en-US" smtClean="0"/>
+              <a:t>しまう．</a:t>
+            </a:r>
+            <a:endParaRPr lang="ja-JP" altLang="en-US" dirty="0"/>
           </a:p>
           <a:p>
             <a:endParaRPr lang="ja-JP" altLang="en-US" dirty="0"/>
